--- a/StimPres/stimulus.pptx
+++ b/StimPres/stimulus.pptx
@@ -254,7 +254,7 @@
           <a:p>
             <a:fld id="{80454385-8AA6-476F-B993-0A62B51145DD}" type="datetimeFigureOut">
               <a:rPr lang="en-US" smtClean="0"/>
-              <a:t>11/7/2022</a:t>
+              <a:t>2/14/2023</a:t>
             </a:fld>
             <a:endParaRPr lang="en-US"/>
           </a:p>
@@ -700,7 +700,7 @@
           <a:p>
             <a:fld id="{11671E59-BB83-45A2-A119-4CFDC198A103}" type="datetime1">
               <a:rPr lang="en-US" smtClean="0"/>
-              <a:t>11/7/2022</a:t>
+              <a:t>2/14/2023</a:t>
             </a:fld>
             <a:endParaRPr lang="en-US"/>
           </a:p>
@@ -868,7 +868,7 @@
           <a:p>
             <a:fld id="{5F68BF0F-6CEC-431F-A24B-3F3943565BAE}" type="datetime1">
               <a:rPr lang="en-US" smtClean="0"/>
-              <a:t>11/7/2022</a:t>
+              <a:t>2/14/2023</a:t>
             </a:fld>
             <a:endParaRPr lang="en-US"/>
           </a:p>
@@ -1046,7 +1046,7 @@
           <a:p>
             <a:fld id="{2C491CDD-7F30-4F0E-9996-87B6C1501A39}" type="datetime1">
               <a:rPr lang="en-US" smtClean="0"/>
-              <a:t>11/7/2022</a:t>
+              <a:t>2/14/2023</a:t>
             </a:fld>
             <a:endParaRPr lang="en-US"/>
           </a:p>
@@ -1214,7 +1214,7 @@
           <a:p>
             <a:fld id="{1476E99E-AFB1-4856-881A-E9CFDEA7CFD8}" type="datetime1">
               <a:rPr lang="en-US" smtClean="0"/>
-              <a:t>11/7/2022</a:t>
+              <a:t>2/14/2023</a:t>
             </a:fld>
             <a:endParaRPr lang="en-US"/>
           </a:p>
@@ -1459,7 +1459,7 @@
           <a:p>
             <a:fld id="{DF7C5D1F-9D9B-4429-9DC6-910D085DA42B}" type="datetime1">
               <a:rPr lang="en-US" smtClean="0"/>
-              <a:t>11/7/2022</a:t>
+              <a:t>2/14/2023</a:t>
             </a:fld>
             <a:endParaRPr lang="en-US"/>
           </a:p>
@@ -1744,7 +1744,7 @@
           <a:p>
             <a:fld id="{75C89C9D-A2FE-42E3-8847-75A4D28208D3}" type="datetime1">
               <a:rPr lang="en-US" smtClean="0"/>
-              <a:t>11/7/2022</a:t>
+              <a:t>2/14/2023</a:t>
             </a:fld>
             <a:endParaRPr lang="en-US"/>
           </a:p>
@@ -2163,7 +2163,7 @@
           <a:p>
             <a:fld id="{8E6DF7A5-EDB0-44C7-BAAD-F3B5B553E549}" type="datetime1">
               <a:rPr lang="en-US" smtClean="0"/>
-              <a:t>11/7/2022</a:t>
+              <a:t>2/14/2023</a:t>
             </a:fld>
             <a:endParaRPr lang="en-US"/>
           </a:p>
@@ -2280,7 +2280,7 @@
           <a:p>
             <a:fld id="{41502DCB-DFDF-4FE0-86D5-617D5692AEC8}" type="datetime1">
               <a:rPr lang="en-US" smtClean="0"/>
-              <a:t>11/7/2022</a:t>
+              <a:t>2/14/2023</a:t>
             </a:fld>
             <a:endParaRPr lang="en-US"/>
           </a:p>
@@ -2375,7 +2375,7 @@
           <a:p>
             <a:fld id="{DAAAC218-3E7D-47E1-81B3-0AA2B3421DD7}" type="datetime1">
               <a:rPr lang="en-US" smtClean="0"/>
-              <a:t>11/7/2022</a:t>
+              <a:t>2/14/2023</a:t>
             </a:fld>
             <a:endParaRPr lang="en-US"/>
           </a:p>
@@ -2650,7 +2650,7 @@
           <a:p>
             <a:fld id="{8174D001-B0B7-4BD9-9FB6-08D30BA5DE56}" type="datetime1">
               <a:rPr lang="en-US" smtClean="0"/>
-              <a:t>11/7/2022</a:t>
+              <a:t>2/14/2023</a:t>
             </a:fld>
             <a:endParaRPr lang="en-US"/>
           </a:p>
@@ -2902,7 +2902,7 @@
           <a:p>
             <a:fld id="{38B56C4B-47A3-42BC-9CFE-58F02AA4D0F2}" type="datetime1">
               <a:rPr lang="en-US" smtClean="0"/>
-              <a:t>11/7/2022</a:t>
+              <a:t>2/14/2023</a:t>
             </a:fld>
             <a:endParaRPr lang="en-US"/>
           </a:p>
@@ -3113,7 +3113,7 @@
           <a:p>
             <a:fld id="{DB7A4736-C27A-4407-A2B4-E126A37D22E1}" type="datetime1">
               <a:rPr lang="en-US" smtClean="0"/>
-              <a:t>11/7/2022</a:t>
+              <a:t>2/14/2023</a:t>
             </a:fld>
             <a:endParaRPr lang="en-US"/>
           </a:p>
@@ -3717,6 +3717,44 @@
           </a:p>
         </p:txBody>
       </p:sp>
+      <p:pic>
+        <p:nvPicPr>
+          <p:cNvPr id="5" name="sound8">
+            <a:hlinkClick r:id="" action="ppaction://media"/>
+            <a:extLst>
+              <a:ext uri="{FF2B5EF4-FFF2-40B4-BE49-F238E27FC236}">
+                <a16:creationId xmlns:a16="http://schemas.microsoft.com/office/drawing/2014/main" id="{69CB93DF-5DD7-495F-78AB-AEE1D25EEA0B}"/>
+              </a:ext>
+            </a:extLst>
+          </p:cNvPr>
+          <p:cNvPicPr>
+            <a:picLocks noChangeAspect="1"/>
+          </p:cNvPicPr>
+          <p:nvPr>
+            <a:audioFile r:link="rId2"/>
+            <p:extLst>
+              <p:ext uri="{DAA4B4D4-6D71-4841-9C94-3DE7FCFB9230}">
+                <p14:media xmlns:p14="http://schemas.microsoft.com/office/powerpoint/2010/main" r:embed="rId1"/>
+              </p:ext>
+            </p:extLst>
+          </p:nvPr>
+        </p:nvPicPr>
+        <p:blipFill>
+          <a:blip r:embed="rId4"/>
+          <a:stretch>
+            <a:fillRect/>
+          </a:stretch>
+        </p:blipFill>
+        <p:spPr>
+          <a:xfrm>
+            <a:off x="4267200" y="3124200"/>
+            <a:ext cx="609600" cy="609600"/>
+          </a:xfrm>
+          <a:prstGeom prst="rect">
+            <a:avLst/>
+          </a:prstGeom>
+        </p:spPr>
+      </p:pic>
     </p:spTree>
     <p:extLst>
       <p:ext uri="{BB962C8B-B14F-4D97-AF65-F5344CB8AC3E}">
@@ -3727,6 +3765,90 @@
   <p:clrMapOvr>
     <a:masterClrMapping/>
   </p:clrMapOvr>
+  <p:timing>
+    <p:tnLst>
+      <p:par>
+        <p:cTn id="1" dur="indefinite" restart="never" nodeType="tmRoot">
+          <p:childTnLst>
+            <p:seq concurrent="1" nextAc="seek">
+              <p:cTn id="2" dur="indefinite" nodeType="mainSeq">
+                <p:childTnLst>
+                  <p:par>
+                    <p:cTn id="3" fill="hold">
+                      <p:stCondLst>
+                        <p:cond delay="indefinite"/>
+                      </p:stCondLst>
+                      <p:childTnLst>
+                        <p:par>
+                          <p:cTn id="4" fill="hold">
+                            <p:stCondLst>
+                              <p:cond delay="0"/>
+                            </p:stCondLst>
+                            <p:childTnLst>
+                              <p:par>
+                                <p:cTn id="5" presetID="1" presetClass="mediacall" presetSubtype="0" fill="hold" nodeType="clickEffect">
+                                  <p:stCondLst>
+                                    <p:cond delay="0"/>
+                                  </p:stCondLst>
+                                  <p:childTnLst>
+                                    <p:cmd type="call" cmd="playFrom(0.0)">
+                                      <p:cBhvr>
+                                        <p:cTn id="6" dur="653" fill="hold"/>
+                                        <p:tgtEl>
+                                          <p:spTgt spid="5"/>
+                                        </p:tgtEl>
+                                      </p:cBhvr>
+                                    </p:cmd>
+                                  </p:childTnLst>
+                                </p:cTn>
+                              </p:par>
+                            </p:childTnLst>
+                          </p:cTn>
+                        </p:par>
+                      </p:childTnLst>
+                    </p:cTn>
+                  </p:par>
+                </p:childTnLst>
+              </p:cTn>
+              <p:prevCondLst>
+                <p:cond evt="onPrev" delay="0">
+                  <p:tgtEl>
+                    <p:sldTgt/>
+                  </p:tgtEl>
+                </p:cond>
+              </p:prevCondLst>
+              <p:nextCondLst>
+                <p:cond evt="onNext" delay="0">
+                  <p:tgtEl>
+                    <p:sldTgt/>
+                  </p:tgtEl>
+                </p:cond>
+              </p:nextCondLst>
+            </p:seq>
+            <p:audio>
+              <p:cMediaNode vol="80000">
+                <p:cTn id="7" fill="hold" display="0">
+                  <p:stCondLst>
+                    <p:cond delay="indefinite"/>
+                  </p:stCondLst>
+                  <p:endCondLst>
+                    <p:cond evt="onStopAudio" delay="0">
+                      <p:tgtEl>
+                        <p:sldTgt/>
+                      </p:tgtEl>
+                    </p:cond>
+                  </p:endCondLst>
+                </p:cTn>
+                <p:tgtEl>
+                  <p:spTgt spid="5"/>
+                </p:tgtEl>
+              </p:cMediaNode>
+            </p:audio>
+          </p:childTnLst>
+        </p:cTn>
+      </p:par>
+    </p:tnLst>
+  </p:timing>
 </p:sld>
 </file>
 
@@ -3874,6 +3996,44 @@
           </a:p>
         </p:txBody>
       </p:sp>
+      <p:pic>
+        <p:nvPicPr>
+          <p:cNvPr id="5" name="sound9">
+            <a:hlinkClick r:id="" action="ppaction://media"/>
+            <a:extLst>
+              <a:ext uri="{FF2B5EF4-FFF2-40B4-BE49-F238E27FC236}">
+                <a16:creationId xmlns:a16="http://schemas.microsoft.com/office/drawing/2014/main" id="{29FBD54E-C911-E129-F071-F7D61C6DC3F0}"/>
+              </a:ext>
+            </a:extLst>
+          </p:cNvPr>
+          <p:cNvPicPr>
+            <a:picLocks noChangeAspect="1"/>
+          </p:cNvPicPr>
+          <p:nvPr>
+            <a:audioFile r:link="rId2"/>
+            <p:extLst>
+              <p:ext uri="{DAA4B4D4-6D71-4841-9C94-3DE7FCFB9230}">
+                <p14:media xmlns:p14="http://schemas.microsoft.com/office/powerpoint/2010/main" r:embed="rId1"/>
+              </p:ext>
+            </p:extLst>
+          </p:nvPr>
+        </p:nvPicPr>
+        <p:blipFill>
+          <a:blip r:embed="rId4"/>
+          <a:stretch>
+            <a:fillRect/>
+          </a:stretch>
+        </p:blipFill>
+        <p:spPr>
+          <a:xfrm>
+            <a:off x="4267200" y="3733800"/>
+            <a:ext cx="609600" cy="609600"/>
+          </a:xfrm>
+          <a:prstGeom prst="rect">
+            <a:avLst/>
+          </a:prstGeom>
+        </p:spPr>
+      </p:pic>
     </p:spTree>
     <p:extLst>
       <p:ext uri="{BB962C8B-B14F-4D97-AF65-F5344CB8AC3E}">
@@ -3884,6 +4044,90 @@
   <p:clrMapOvr>
     <a:masterClrMapping/>
   </p:clrMapOvr>
+  <p:timing>
+    <p:tnLst>
+      <p:par>
+        <p:cTn id="1" dur="indefinite" restart="never" nodeType="tmRoot">
+          <p:childTnLst>
+            <p:seq concurrent="1" nextAc="seek">
+              <p:cTn id="2" dur="indefinite" nodeType="mainSeq">
+                <p:childTnLst>
+                  <p:par>
+                    <p:cTn id="3" fill="hold">
+                      <p:stCondLst>
+                        <p:cond delay="indefinite"/>
+                      </p:stCondLst>
+                      <p:childTnLst>
+                        <p:par>
+                          <p:cTn id="4" fill="hold">
+                            <p:stCondLst>
+                              <p:cond delay="0"/>
+                            </p:stCondLst>
+                            <p:childTnLst>
+                              <p:par>
+                                <p:cTn id="5" presetID="1" presetClass="mediacall" presetSubtype="0" fill="hold" nodeType="clickEffect">
+                                  <p:stCondLst>
+                                    <p:cond delay="0"/>
+                                  </p:stCondLst>
+                                  <p:childTnLst>
+                                    <p:cmd type="call" cmd="playFrom(0.0)">
+                                      <p:cBhvr>
+                                        <p:cTn id="6" dur="417" fill="hold"/>
+                                        <p:tgtEl>
+                                          <p:spTgt spid="5"/>
+                                        </p:tgtEl>
+                                      </p:cBhvr>
+                                    </p:cmd>
+                                  </p:childTnLst>
+                                </p:cTn>
+                              </p:par>
+                            </p:childTnLst>
+                          </p:cTn>
+                        </p:par>
+                      </p:childTnLst>
+                    </p:cTn>
+                  </p:par>
+                </p:childTnLst>
+              </p:cTn>
+              <p:prevCondLst>
+                <p:cond evt="onPrev" delay="0">
+                  <p:tgtEl>
+                    <p:sldTgt/>
+                  </p:tgtEl>
+                </p:cond>
+              </p:prevCondLst>
+              <p:nextCondLst>
+                <p:cond evt="onNext" delay="0">
+                  <p:tgtEl>
+                    <p:sldTgt/>
+                  </p:tgtEl>
+                </p:cond>
+              </p:nextCondLst>
+            </p:seq>
+            <p:audio>
+              <p:cMediaNode vol="80000">
+                <p:cTn id="7" fill="hold" display="0">
+                  <p:stCondLst>
+                    <p:cond delay="indefinite"/>
+                  </p:stCondLst>
+                  <p:endCondLst>
+                    <p:cond evt="onStopAudio" delay="0">
+                      <p:tgtEl>
+                        <p:sldTgt/>
+                      </p:tgtEl>
+                    </p:cond>
+                  </p:endCondLst>
+                </p:cTn>
+                <p:tgtEl>
+                  <p:spTgt spid="5"/>
+                </p:tgtEl>
+              </p:cMediaNode>
+            </p:audio>
+          </p:childTnLst>
+        </p:cTn>
+      </p:par>
+    </p:tnLst>
+  </p:timing>
 </p:sld>
 </file>
 
@@ -4032,6 +4276,44 @@
           </a:p>
         </p:txBody>
       </p:sp>
+      <p:pic>
+        <p:nvPicPr>
+          <p:cNvPr id="5" name="sound10">
+            <a:hlinkClick r:id="" action="ppaction://media"/>
+            <a:extLst>
+              <a:ext uri="{FF2B5EF4-FFF2-40B4-BE49-F238E27FC236}">
+                <a16:creationId xmlns:a16="http://schemas.microsoft.com/office/drawing/2014/main" id="{DBDEE177-1DB7-59E7-9259-A64E18EA07BC}"/>
+              </a:ext>
+            </a:extLst>
+          </p:cNvPr>
+          <p:cNvPicPr>
+            <a:picLocks noChangeAspect="1"/>
+          </p:cNvPicPr>
+          <p:nvPr>
+            <a:audioFile r:link="rId2"/>
+            <p:extLst>
+              <p:ext uri="{DAA4B4D4-6D71-4841-9C94-3DE7FCFB9230}">
+                <p14:media xmlns:p14="http://schemas.microsoft.com/office/powerpoint/2010/main" r:embed="rId1"/>
+              </p:ext>
+            </p:extLst>
+          </p:nvPr>
+        </p:nvPicPr>
+        <p:blipFill>
+          <a:blip r:embed="rId4"/>
+          <a:stretch>
+            <a:fillRect/>
+          </a:stretch>
+        </p:blipFill>
+        <p:spPr>
+          <a:xfrm>
+            <a:off x="4267200" y="3124200"/>
+            <a:ext cx="609600" cy="609600"/>
+          </a:xfrm>
+          <a:prstGeom prst="rect">
+            <a:avLst/>
+          </a:prstGeom>
+        </p:spPr>
+      </p:pic>
     </p:spTree>
     <p:extLst>
       <p:ext uri="{BB962C8B-B14F-4D97-AF65-F5344CB8AC3E}">
@@ -4042,6 +4324,90 @@
   <p:clrMapOvr>
     <a:masterClrMapping/>
   </p:clrMapOvr>
+  <p:timing>
+    <p:tnLst>
+      <p:par>
+        <p:cTn id="1" dur="indefinite" restart="never" nodeType="tmRoot">
+          <p:childTnLst>
+            <p:seq concurrent="1" nextAc="seek">
+              <p:cTn id="2" dur="indefinite" nodeType="mainSeq">
+                <p:childTnLst>
+                  <p:par>
+                    <p:cTn id="3" fill="hold">
+                      <p:stCondLst>
+                        <p:cond delay="indefinite"/>
+                      </p:stCondLst>
+                      <p:childTnLst>
+                        <p:par>
+                          <p:cTn id="4" fill="hold">
+                            <p:stCondLst>
+                              <p:cond delay="0"/>
+                            </p:stCondLst>
+                            <p:childTnLst>
+                              <p:par>
+                                <p:cTn id="5" presetID="1" presetClass="mediacall" presetSubtype="0" fill="hold" nodeType="clickEffect">
+                                  <p:stCondLst>
+                                    <p:cond delay="0"/>
+                                  </p:stCondLst>
+                                  <p:childTnLst>
+                                    <p:cmd type="call" cmd="playFrom(0.0)">
+                                      <p:cBhvr>
+                                        <p:cTn id="6" dur="365" fill="hold"/>
+                                        <p:tgtEl>
+                                          <p:spTgt spid="5"/>
+                                        </p:tgtEl>
+                                      </p:cBhvr>
+                                    </p:cmd>
+                                  </p:childTnLst>
+                                </p:cTn>
+                              </p:par>
+                            </p:childTnLst>
+                          </p:cTn>
+                        </p:par>
+                      </p:childTnLst>
+                    </p:cTn>
+                  </p:par>
+                </p:childTnLst>
+              </p:cTn>
+              <p:prevCondLst>
+                <p:cond evt="onPrev" delay="0">
+                  <p:tgtEl>
+                    <p:sldTgt/>
+                  </p:tgtEl>
+                </p:cond>
+              </p:prevCondLst>
+              <p:nextCondLst>
+                <p:cond evt="onNext" delay="0">
+                  <p:tgtEl>
+                    <p:sldTgt/>
+                  </p:tgtEl>
+                </p:cond>
+              </p:nextCondLst>
+            </p:seq>
+            <p:audio>
+              <p:cMediaNode vol="80000">
+                <p:cTn id="7" fill="hold" display="0">
+                  <p:stCondLst>
+                    <p:cond delay="indefinite"/>
+                  </p:stCondLst>
+                  <p:endCondLst>
+                    <p:cond evt="onStopAudio" delay="0">
+                      <p:tgtEl>
+                        <p:sldTgt/>
+                      </p:tgtEl>
+                    </p:cond>
+                  </p:endCondLst>
+                </p:cTn>
+                <p:tgtEl>
+                  <p:spTgt spid="5"/>
+                </p:tgtEl>
+              </p:cMediaNode>
+            </p:audio>
+          </p:childTnLst>
+        </p:cTn>
+      </p:par>
+    </p:tnLst>
+  </p:timing>
 </p:sld>
 </file>
 
@@ -4188,6 +4554,44 @@
           </a:p>
         </p:txBody>
       </p:sp>
+      <p:pic>
+        <p:nvPicPr>
+          <p:cNvPr id="5" name="sound11">
+            <a:hlinkClick r:id="" action="ppaction://media"/>
+            <a:extLst>
+              <a:ext uri="{FF2B5EF4-FFF2-40B4-BE49-F238E27FC236}">
+                <a16:creationId xmlns:a16="http://schemas.microsoft.com/office/drawing/2014/main" id="{2A9DDC4E-3EB7-52E6-6DA0-010D2A4E978B}"/>
+              </a:ext>
+            </a:extLst>
+          </p:cNvPr>
+          <p:cNvPicPr>
+            <a:picLocks noChangeAspect="1"/>
+          </p:cNvPicPr>
+          <p:nvPr>
+            <a:audioFile r:link="rId2"/>
+            <p:extLst>
+              <p:ext uri="{DAA4B4D4-6D71-4841-9C94-3DE7FCFB9230}">
+                <p14:media xmlns:p14="http://schemas.microsoft.com/office/powerpoint/2010/main" r:embed="rId1"/>
+              </p:ext>
+            </p:extLst>
+          </p:nvPr>
+        </p:nvPicPr>
+        <p:blipFill>
+          <a:blip r:embed="rId4"/>
+          <a:stretch>
+            <a:fillRect/>
+          </a:stretch>
+        </p:blipFill>
+        <p:spPr>
+          <a:xfrm>
+            <a:off x="4267200" y="3124200"/>
+            <a:ext cx="609600" cy="609600"/>
+          </a:xfrm>
+          <a:prstGeom prst="rect">
+            <a:avLst/>
+          </a:prstGeom>
+        </p:spPr>
+      </p:pic>
     </p:spTree>
     <p:extLst>
       <p:ext uri="{BB962C8B-B14F-4D97-AF65-F5344CB8AC3E}">
@@ -4198,6 +4602,90 @@
   <p:clrMapOvr>
     <a:masterClrMapping/>
   </p:clrMapOvr>
+  <p:timing>
+    <p:tnLst>
+      <p:par>
+        <p:cTn id="1" dur="indefinite" restart="never" nodeType="tmRoot">
+          <p:childTnLst>
+            <p:seq concurrent="1" nextAc="seek">
+              <p:cTn id="2" dur="indefinite" nodeType="mainSeq">
+                <p:childTnLst>
+                  <p:par>
+                    <p:cTn id="3" fill="hold">
+                      <p:stCondLst>
+                        <p:cond delay="indefinite"/>
+                      </p:stCondLst>
+                      <p:childTnLst>
+                        <p:par>
+                          <p:cTn id="4" fill="hold">
+                            <p:stCondLst>
+                              <p:cond delay="0"/>
+                            </p:stCondLst>
+                            <p:childTnLst>
+                              <p:par>
+                                <p:cTn id="5" presetID="1" presetClass="mediacall" presetSubtype="0" fill="hold" nodeType="clickEffect">
+                                  <p:stCondLst>
+                                    <p:cond delay="0"/>
+                                  </p:stCondLst>
+                                  <p:childTnLst>
+                                    <p:cmd type="call" cmd="playFrom(0.0)">
+                                      <p:cBhvr>
+                                        <p:cTn id="6" dur="731" fill="hold"/>
+                                        <p:tgtEl>
+                                          <p:spTgt spid="5"/>
+                                        </p:tgtEl>
+                                      </p:cBhvr>
+                                    </p:cmd>
+                                  </p:childTnLst>
+                                </p:cTn>
+                              </p:par>
+                            </p:childTnLst>
+                          </p:cTn>
+                        </p:par>
+                      </p:childTnLst>
+                    </p:cTn>
+                  </p:par>
+                </p:childTnLst>
+              </p:cTn>
+              <p:prevCondLst>
+                <p:cond evt="onPrev" delay="0">
+                  <p:tgtEl>
+                    <p:sldTgt/>
+                  </p:tgtEl>
+                </p:cond>
+              </p:prevCondLst>
+              <p:nextCondLst>
+                <p:cond evt="onNext" delay="0">
+                  <p:tgtEl>
+                    <p:sldTgt/>
+                  </p:tgtEl>
+                </p:cond>
+              </p:nextCondLst>
+            </p:seq>
+            <p:audio>
+              <p:cMediaNode vol="80000">
+                <p:cTn id="7" fill="hold" display="0">
+                  <p:stCondLst>
+                    <p:cond delay="indefinite"/>
+                  </p:stCondLst>
+                  <p:endCondLst>
+                    <p:cond evt="onStopAudio" delay="0">
+                      <p:tgtEl>
+                        <p:sldTgt/>
+                      </p:tgtEl>
+                    </p:cond>
+                  </p:endCondLst>
+                </p:cTn>
+                <p:tgtEl>
+                  <p:spTgt spid="5"/>
+                </p:tgtEl>
+              </p:cMediaNode>
+            </p:audio>
+          </p:childTnLst>
+        </p:cTn>
+      </p:par>
+    </p:tnLst>
+  </p:timing>
 </p:sld>
 </file>
 
@@ -4348,6 +4836,44 @@
           </a:p>
         </p:txBody>
       </p:sp>
+      <p:pic>
+        <p:nvPicPr>
+          <p:cNvPr id="5" name="sound12">
+            <a:hlinkClick r:id="" action="ppaction://media"/>
+            <a:extLst>
+              <a:ext uri="{FF2B5EF4-FFF2-40B4-BE49-F238E27FC236}">
+                <a16:creationId xmlns:a16="http://schemas.microsoft.com/office/drawing/2014/main" id="{A8DD506B-1193-F4BC-1916-AC11D4134286}"/>
+              </a:ext>
+            </a:extLst>
+          </p:cNvPr>
+          <p:cNvPicPr>
+            <a:picLocks noChangeAspect="1"/>
+          </p:cNvPicPr>
+          <p:nvPr>
+            <a:audioFile r:link="rId2"/>
+            <p:extLst>
+              <p:ext uri="{DAA4B4D4-6D71-4841-9C94-3DE7FCFB9230}">
+                <p14:media xmlns:p14="http://schemas.microsoft.com/office/powerpoint/2010/main" r:embed="rId1"/>
+              </p:ext>
+            </p:extLst>
+          </p:nvPr>
+        </p:nvPicPr>
+        <p:blipFill>
+          <a:blip r:embed="rId4"/>
+          <a:stretch>
+            <a:fillRect/>
+          </a:stretch>
+        </p:blipFill>
+        <p:spPr>
+          <a:xfrm>
+            <a:off x="4267200" y="3124200"/>
+            <a:ext cx="609600" cy="609600"/>
+          </a:xfrm>
+          <a:prstGeom prst="rect">
+            <a:avLst/>
+          </a:prstGeom>
+        </p:spPr>
+      </p:pic>
     </p:spTree>
     <p:extLst>
       <p:ext uri="{BB962C8B-B14F-4D97-AF65-F5344CB8AC3E}">
@@ -4358,6 +4884,90 @@
   <p:clrMapOvr>
     <a:masterClrMapping/>
   </p:clrMapOvr>
+  <p:timing>
+    <p:tnLst>
+      <p:par>
+        <p:cTn id="1" dur="indefinite" restart="never" nodeType="tmRoot">
+          <p:childTnLst>
+            <p:seq concurrent="1" nextAc="seek">
+              <p:cTn id="2" dur="indefinite" nodeType="mainSeq">
+                <p:childTnLst>
+                  <p:par>
+                    <p:cTn id="3" fill="hold">
+                      <p:stCondLst>
+                        <p:cond delay="indefinite"/>
+                      </p:stCondLst>
+                      <p:childTnLst>
+                        <p:par>
+                          <p:cTn id="4" fill="hold">
+                            <p:stCondLst>
+                              <p:cond delay="0"/>
+                            </p:stCondLst>
+                            <p:childTnLst>
+                              <p:par>
+                                <p:cTn id="5" presetID="1" presetClass="mediacall" presetSubtype="0" fill="hold" nodeType="clickEffect">
+                                  <p:stCondLst>
+                                    <p:cond delay="0"/>
+                                  </p:stCondLst>
+                                  <p:childTnLst>
+                                    <p:cmd type="call" cmd="playFrom(0.0)">
+                                      <p:cBhvr>
+                                        <p:cTn id="6" dur="417" fill="hold"/>
+                                        <p:tgtEl>
+                                          <p:spTgt spid="5"/>
+                                        </p:tgtEl>
+                                      </p:cBhvr>
+                                    </p:cmd>
+                                  </p:childTnLst>
+                                </p:cTn>
+                              </p:par>
+                            </p:childTnLst>
+                          </p:cTn>
+                        </p:par>
+                      </p:childTnLst>
+                    </p:cTn>
+                  </p:par>
+                </p:childTnLst>
+              </p:cTn>
+              <p:prevCondLst>
+                <p:cond evt="onPrev" delay="0">
+                  <p:tgtEl>
+                    <p:sldTgt/>
+                  </p:tgtEl>
+                </p:cond>
+              </p:prevCondLst>
+              <p:nextCondLst>
+                <p:cond evt="onNext" delay="0">
+                  <p:tgtEl>
+                    <p:sldTgt/>
+                  </p:tgtEl>
+                </p:cond>
+              </p:nextCondLst>
+            </p:seq>
+            <p:audio>
+              <p:cMediaNode vol="80000">
+                <p:cTn id="7" fill="hold" display="0">
+                  <p:stCondLst>
+                    <p:cond delay="indefinite"/>
+                  </p:stCondLst>
+                  <p:endCondLst>
+                    <p:cond evt="onStopAudio" delay="0">
+                      <p:tgtEl>
+                        <p:sldTgt/>
+                      </p:tgtEl>
+                    </p:cond>
+                  </p:endCondLst>
+                </p:cTn>
+                <p:tgtEl>
+                  <p:spTgt spid="5"/>
+                </p:tgtEl>
+              </p:cMediaNode>
+            </p:audio>
+          </p:childTnLst>
+        </p:cTn>
+      </p:par>
+    </p:tnLst>
+  </p:timing>
 </p:sld>
 </file>
 
@@ -4512,6 +5122,44 @@
           </a:p>
         </p:txBody>
       </p:sp>
+      <p:pic>
+        <p:nvPicPr>
+          <p:cNvPr id="5" name="sound13">
+            <a:hlinkClick r:id="" action="ppaction://media"/>
+            <a:extLst>
+              <a:ext uri="{FF2B5EF4-FFF2-40B4-BE49-F238E27FC236}">
+                <a16:creationId xmlns:a16="http://schemas.microsoft.com/office/drawing/2014/main" id="{14B7FDE4-0516-09BA-B0CE-DA59B8536FCF}"/>
+              </a:ext>
+            </a:extLst>
+          </p:cNvPr>
+          <p:cNvPicPr>
+            <a:picLocks noChangeAspect="1"/>
+          </p:cNvPicPr>
+          <p:nvPr>
+            <a:audioFile r:link="rId2"/>
+            <p:extLst>
+              <p:ext uri="{DAA4B4D4-6D71-4841-9C94-3DE7FCFB9230}">
+                <p14:media xmlns:p14="http://schemas.microsoft.com/office/powerpoint/2010/main" r:embed="rId1"/>
+              </p:ext>
+            </p:extLst>
+          </p:nvPr>
+        </p:nvPicPr>
+        <p:blipFill>
+          <a:blip r:embed="rId4"/>
+          <a:stretch>
+            <a:fillRect/>
+          </a:stretch>
+        </p:blipFill>
+        <p:spPr>
+          <a:xfrm>
+            <a:off x="4267200" y="3124200"/>
+            <a:ext cx="609600" cy="609600"/>
+          </a:xfrm>
+          <a:prstGeom prst="rect">
+            <a:avLst/>
+          </a:prstGeom>
+        </p:spPr>
+      </p:pic>
     </p:spTree>
     <p:extLst>
       <p:ext uri="{BB962C8B-B14F-4D97-AF65-F5344CB8AC3E}">
@@ -4522,6 +5170,90 @@
   <p:clrMapOvr>
     <a:masterClrMapping/>
   </p:clrMapOvr>
+  <p:timing>
+    <p:tnLst>
+      <p:par>
+        <p:cTn id="1" dur="indefinite" restart="never" nodeType="tmRoot">
+          <p:childTnLst>
+            <p:seq concurrent="1" nextAc="seek">
+              <p:cTn id="2" dur="indefinite" nodeType="mainSeq">
+                <p:childTnLst>
+                  <p:par>
+                    <p:cTn id="3" fill="hold">
+                      <p:stCondLst>
+                        <p:cond delay="indefinite"/>
+                      </p:stCondLst>
+                      <p:childTnLst>
+                        <p:par>
+                          <p:cTn id="4" fill="hold">
+                            <p:stCondLst>
+                              <p:cond delay="0"/>
+                            </p:stCondLst>
+                            <p:childTnLst>
+                              <p:par>
+                                <p:cTn id="5" presetID="1" presetClass="mediacall" presetSubtype="0" fill="hold" nodeType="clickEffect">
+                                  <p:stCondLst>
+                                    <p:cond delay="0"/>
+                                  </p:stCondLst>
+                                  <p:childTnLst>
+                                    <p:cmd type="call" cmd="playFrom(0.0)">
+                                      <p:cBhvr>
+                                        <p:cTn id="6" dur="783" fill="hold"/>
+                                        <p:tgtEl>
+                                          <p:spTgt spid="5"/>
+                                        </p:tgtEl>
+                                      </p:cBhvr>
+                                    </p:cmd>
+                                  </p:childTnLst>
+                                </p:cTn>
+                              </p:par>
+                            </p:childTnLst>
+                          </p:cTn>
+                        </p:par>
+                      </p:childTnLst>
+                    </p:cTn>
+                  </p:par>
+                </p:childTnLst>
+              </p:cTn>
+              <p:prevCondLst>
+                <p:cond evt="onPrev" delay="0">
+                  <p:tgtEl>
+                    <p:sldTgt/>
+                  </p:tgtEl>
+                </p:cond>
+              </p:prevCondLst>
+              <p:nextCondLst>
+                <p:cond evt="onNext" delay="0">
+                  <p:tgtEl>
+                    <p:sldTgt/>
+                  </p:tgtEl>
+                </p:cond>
+              </p:nextCondLst>
+            </p:seq>
+            <p:audio>
+              <p:cMediaNode vol="80000">
+                <p:cTn id="7" fill="hold" display="0">
+                  <p:stCondLst>
+                    <p:cond delay="indefinite"/>
+                  </p:stCondLst>
+                  <p:endCondLst>
+                    <p:cond evt="onStopAudio" delay="0">
+                      <p:tgtEl>
+                        <p:sldTgt/>
+                      </p:tgtEl>
+                    </p:cond>
+                  </p:endCondLst>
+                </p:cTn>
+                <p:tgtEl>
+                  <p:spTgt spid="5"/>
+                </p:tgtEl>
+              </p:cMediaNode>
+            </p:audio>
+          </p:childTnLst>
+        </p:cTn>
+      </p:par>
+    </p:tnLst>
+  </p:timing>
 </p:sld>
 </file>
 
@@ -4676,6 +5408,44 @@
           </a:p>
         </p:txBody>
       </p:sp>
+      <p:pic>
+        <p:nvPicPr>
+          <p:cNvPr id="5" name="sound14">
+            <a:hlinkClick r:id="" action="ppaction://media"/>
+            <a:extLst>
+              <a:ext uri="{FF2B5EF4-FFF2-40B4-BE49-F238E27FC236}">
+                <a16:creationId xmlns:a16="http://schemas.microsoft.com/office/drawing/2014/main" id="{309F08FC-B0FA-7FAA-EB73-979496A85717}"/>
+              </a:ext>
+            </a:extLst>
+          </p:cNvPr>
+          <p:cNvPicPr>
+            <a:picLocks noChangeAspect="1"/>
+          </p:cNvPicPr>
+          <p:nvPr>
+            <a:audioFile r:link="rId2"/>
+            <p:extLst>
+              <p:ext uri="{DAA4B4D4-6D71-4841-9C94-3DE7FCFB9230}">
+                <p14:media xmlns:p14="http://schemas.microsoft.com/office/powerpoint/2010/main" r:embed="rId1"/>
+              </p:ext>
+            </p:extLst>
+          </p:nvPr>
+        </p:nvPicPr>
+        <p:blipFill>
+          <a:blip r:embed="rId4"/>
+          <a:stretch>
+            <a:fillRect/>
+          </a:stretch>
+        </p:blipFill>
+        <p:spPr>
+          <a:xfrm>
+            <a:off x="4267200" y="3124200"/>
+            <a:ext cx="609600" cy="609600"/>
+          </a:xfrm>
+          <a:prstGeom prst="rect">
+            <a:avLst/>
+          </a:prstGeom>
+        </p:spPr>
+      </p:pic>
     </p:spTree>
     <p:extLst>
       <p:ext uri="{BB962C8B-B14F-4D97-AF65-F5344CB8AC3E}">
@@ -4686,6 +5456,90 @@
   <p:clrMapOvr>
     <a:masterClrMapping/>
   </p:clrMapOvr>
+  <p:timing>
+    <p:tnLst>
+      <p:par>
+        <p:cTn id="1" dur="indefinite" restart="never" nodeType="tmRoot">
+          <p:childTnLst>
+            <p:seq concurrent="1" nextAc="seek">
+              <p:cTn id="2" dur="indefinite" nodeType="mainSeq">
+                <p:childTnLst>
+                  <p:par>
+                    <p:cTn id="3" fill="hold">
+                      <p:stCondLst>
+                        <p:cond delay="indefinite"/>
+                      </p:stCondLst>
+                      <p:childTnLst>
+                        <p:par>
+                          <p:cTn id="4" fill="hold">
+                            <p:stCondLst>
+                              <p:cond delay="0"/>
+                            </p:stCondLst>
+                            <p:childTnLst>
+                              <p:par>
+                                <p:cTn id="5" presetID="1" presetClass="mediacall" presetSubtype="0" fill="hold" nodeType="clickEffect">
+                                  <p:stCondLst>
+                                    <p:cond delay="0"/>
+                                  </p:stCondLst>
+                                  <p:childTnLst>
+                                    <p:cmd type="call" cmd="playFrom(0.0)">
+                                      <p:cBhvr>
+                                        <p:cTn id="6" dur="757" fill="hold"/>
+                                        <p:tgtEl>
+                                          <p:spTgt spid="5"/>
+                                        </p:tgtEl>
+                                      </p:cBhvr>
+                                    </p:cmd>
+                                  </p:childTnLst>
+                                </p:cTn>
+                              </p:par>
+                            </p:childTnLst>
+                          </p:cTn>
+                        </p:par>
+                      </p:childTnLst>
+                    </p:cTn>
+                  </p:par>
+                </p:childTnLst>
+              </p:cTn>
+              <p:prevCondLst>
+                <p:cond evt="onPrev" delay="0">
+                  <p:tgtEl>
+                    <p:sldTgt/>
+                  </p:tgtEl>
+                </p:cond>
+              </p:prevCondLst>
+              <p:nextCondLst>
+                <p:cond evt="onNext" delay="0">
+                  <p:tgtEl>
+                    <p:sldTgt/>
+                  </p:tgtEl>
+                </p:cond>
+              </p:nextCondLst>
+            </p:seq>
+            <p:audio>
+              <p:cMediaNode vol="80000">
+                <p:cTn id="7" fill="hold" display="0">
+                  <p:stCondLst>
+                    <p:cond delay="indefinite"/>
+                  </p:stCondLst>
+                  <p:endCondLst>
+                    <p:cond evt="onStopAudio" delay="0">
+                      <p:tgtEl>
+                        <p:sldTgt/>
+                      </p:tgtEl>
+                    </p:cond>
+                  </p:endCondLst>
+                </p:cTn>
+                <p:tgtEl>
+                  <p:spTgt spid="5"/>
+                </p:tgtEl>
+              </p:cMediaNode>
+            </p:audio>
+          </p:childTnLst>
+        </p:cTn>
+      </p:par>
+    </p:tnLst>
+  </p:timing>
 </p:sld>
 </file>
 
@@ -4840,6 +5694,44 @@
           </a:p>
         </p:txBody>
       </p:sp>
+      <p:pic>
+        <p:nvPicPr>
+          <p:cNvPr id="5" name="sound15">
+            <a:hlinkClick r:id="" action="ppaction://media"/>
+            <a:extLst>
+              <a:ext uri="{FF2B5EF4-FFF2-40B4-BE49-F238E27FC236}">
+                <a16:creationId xmlns:a16="http://schemas.microsoft.com/office/drawing/2014/main" id="{76D4937D-EFDF-3380-545C-BF66DE77C715}"/>
+              </a:ext>
+            </a:extLst>
+          </p:cNvPr>
+          <p:cNvPicPr>
+            <a:picLocks noChangeAspect="1"/>
+          </p:cNvPicPr>
+          <p:nvPr>
+            <a:audioFile r:link="rId2"/>
+            <p:extLst>
+              <p:ext uri="{DAA4B4D4-6D71-4841-9C94-3DE7FCFB9230}">
+                <p14:media xmlns:p14="http://schemas.microsoft.com/office/powerpoint/2010/main" r:embed="rId1"/>
+              </p:ext>
+            </p:extLst>
+          </p:nvPr>
+        </p:nvPicPr>
+        <p:blipFill>
+          <a:blip r:embed="rId4"/>
+          <a:stretch>
+            <a:fillRect/>
+          </a:stretch>
+        </p:blipFill>
+        <p:spPr>
+          <a:xfrm>
+            <a:off x="4267200" y="3124200"/>
+            <a:ext cx="609600" cy="609600"/>
+          </a:xfrm>
+          <a:prstGeom prst="rect">
+            <a:avLst/>
+          </a:prstGeom>
+        </p:spPr>
+      </p:pic>
     </p:spTree>
     <p:extLst>
       <p:ext uri="{BB962C8B-B14F-4D97-AF65-F5344CB8AC3E}">
@@ -4850,6 +5742,90 @@
   <p:clrMapOvr>
     <a:masterClrMapping/>
   </p:clrMapOvr>
+  <p:timing>
+    <p:tnLst>
+      <p:par>
+        <p:cTn id="1" dur="indefinite" restart="never" nodeType="tmRoot">
+          <p:childTnLst>
+            <p:seq concurrent="1" nextAc="seek">
+              <p:cTn id="2" dur="indefinite" nodeType="mainSeq">
+                <p:childTnLst>
+                  <p:par>
+                    <p:cTn id="3" fill="hold">
+                      <p:stCondLst>
+                        <p:cond delay="indefinite"/>
+                      </p:stCondLst>
+                      <p:childTnLst>
+                        <p:par>
+                          <p:cTn id="4" fill="hold">
+                            <p:stCondLst>
+                              <p:cond delay="0"/>
+                            </p:stCondLst>
+                            <p:childTnLst>
+                              <p:par>
+                                <p:cTn id="5" presetID="1" presetClass="mediacall" presetSubtype="0" fill="hold" nodeType="clickEffect">
+                                  <p:stCondLst>
+                                    <p:cond delay="0"/>
+                                  </p:stCondLst>
+                                  <p:childTnLst>
+                                    <p:cmd type="call" cmd="playFrom(0.0)">
+                                      <p:cBhvr>
+                                        <p:cTn id="6" dur="653" fill="hold"/>
+                                        <p:tgtEl>
+                                          <p:spTgt spid="5"/>
+                                        </p:tgtEl>
+                                      </p:cBhvr>
+                                    </p:cmd>
+                                  </p:childTnLst>
+                                </p:cTn>
+                              </p:par>
+                            </p:childTnLst>
+                          </p:cTn>
+                        </p:par>
+                      </p:childTnLst>
+                    </p:cTn>
+                  </p:par>
+                </p:childTnLst>
+              </p:cTn>
+              <p:prevCondLst>
+                <p:cond evt="onPrev" delay="0">
+                  <p:tgtEl>
+                    <p:sldTgt/>
+                  </p:tgtEl>
+                </p:cond>
+              </p:prevCondLst>
+              <p:nextCondLst>
+                <p:cond evt="onNext" delay="0">
+                  <p:tgtEl>
+                    <p:sldTgt/>
+                  </p:tgtEl>
+                </p:cond>
+              </p:nextCondLst>
+            </p:seq>
+            <p:audio>
+              <p:cMediaNode vol="80000">
+                <p:cTn id="7" fill="hold" display="0">
+                  <p:stCondLst>
+                    <p:cond delay="indefinite"/>
+                  </p:stCondLst>
+                  <p:endCondLst>
+                    <p:cond evt="onStopAudio" delay="0">
+                      <p:tgtEl>
+                        <p:sldTgt/>
+                      </p:tgtEl>
+                    </p:cond>
+                  </p:endCondLst>
+                </p:cTn>
+                <p:tgtEl>
+                  <p:spTgt spid="5"/>
+                </p:tgtEl>
+              </p:cMediaNode>
+            </p:audio>
+          </p:childTnLst>
+        </p:cTn>
+      </p:par>
+    </p:tnLst>
+  </p:timing>
 </p:sld>
 </file>
 
@@ -5000,6 +5976,44 @@
           </a:p>
         </p:txBody>
       </p:sp>
+      <p:pic>
+        <p:nvPicPr>
+          <p:cNvPr id="5" name="sound16">
+            <a:hlinkClick r:id="" action="ppaction://media"/>
+            <a:extLst>
+              <a:ext uri="{FF2B5EF4-FFF2-40B4-BE49-F238E27FC236}">
+                <a16:creationId xmlns:a16="http://schemas.microsoft.com/office/drawing/2014/main" id="{1943942D-2D19-63C5-15C8-2476DC874FD1}"/>
+              </a:ext>
+            </a:extLst>
+          </p:cNvPr>
+          <p:cNvPicPr>
+            <a:picLocks noChangeAspect="1"/>
+          </p:cNvPicPr>
+          <p:nvPr>
+            <a:audioFile r:link="rId2"/>
+            <p:extLst>
+              <p:ext uri="{DAA4B4D4-6D71-4841-9C94-3DE7FCFB9230}">
+                <p14:media xmlns:p14="http://schemas.microsoft.com/office/powerpoint/2010/main" r:embed="rId1"/>
+              </p:ext>
+            </p:extLst>
+          </p:nvPr>
+        </p:nvPicPr>
+        <p:blipFill>
+          <a:blip r:embed="rId4"/>
+          <a:stretch>
+            <a:fillRect/>
+          </a:stretch>
+        </p:blipFill>
+        <p:spPr>
+          <a:xfrm>
+            <a:off x="4267200" y="3124200"/>
+            <a:ext cx="609600" cy="609600"/>
+          </a:xfrm>
+          <a:prstGeom prst="rect">
+            <a:avLst/>
+          </a:prstGeom>
+        </p:spPr>
+      </p:pic>
     </p:spTree>
     <p:extLst>
       <p:ext uri="{BB962C8B-B14F-4D97-AF65-F5344CB8AC3E}">
@@ -5010,6 +6024,90 @@
   <p:clrMapOvr>
     <a:masterClrMapping/>
   </p:clrMapOvr>
+  <p:timing>
+    <p:tnLst>
+      <p:par>
+        <p:cTn id="1" dur="indefinite" restart="never" nodeType="tmRoot">
+          <p:childTnLst>
+            <p:seq concurrent="1" nextAc="seek">
+              <p:cTn id="2" dur="indefinite" nodeType="mainSeq">
+                <p:childTnLst>
+                  <p:par>
+                    <p:cTn id="3" fill="hold">
+                      <p:stCondLst>
+                        <p:cond delay="indefinite"/>
+                      </p:stCondLst>
+                      <p:childTnLst>
+                        <p:par>
+                          <p:cTn id="4" fill="hold">
+                            <p:stCondLst>
+                              <p:cond delay="0"/>
+                            </p:stCondLst>
+                            <p:childTnLst>
+                              <p:par>
+                                <p:cTn id="5" presetID="1" presetClass="mediacall" presetSubtype="0" fill="hold" nodeType="clickEffect">
+                                  <p:stCondLst>
+                                    <p:cond delay="0"/>
+                                  </p:stCondLst>
+                                  <p:childTnLst>
+                                    <p:cmd type="call" cmd="playFrom(0.0)">
+                                      <p:cBhvr>
+                                        <p:cTn id="6" dur="600" fill="hold"/>
+                                        <p:tgtEl>
+                                          <p:spTgt spid="5"/>
+                                        </p:tgtEl>
+                                      </p:cBhvr>
+                                    </p:cmd>
+                                  </p:childTnLst>
+                                </p:cTn>
+                              </p:par>
+                            </p:childTnLst>
+                          </p:cTn>
+                        </p:par>
+                      </p:childTnLst>
+                    </p:cTn>
+                  </p:par>
+                </p:childTnLst>
+              </p:cTn>
+              <p:prevCondLst>
+                <p:cond evt="onPrev" delay="0">
+                  <p:tgtEl>
+                    <p:sldTgt/>
+                  </p:tgtEl>
+                </p:cond>
+              </p:prevCondLst>
+              <p:nextCondLst>
+                <p:cond evt="onNext" delay="0">
+                  <p:tgtEl>
+                    <p:sldTgt/>
+                  </p:tgtEl>
+                </p:cond>
+              </p:nextCondLst>
+            </p:seq>
+            <p:audio>
+              <p:cMediaNode vol="80000">
+                <p:cTn id="7" fill="hold" display="0">
+                  <p:stCondLst>
+                    <p:cond delay="indefinite"/>
+                  </p:stCondLst>
+                  <p:endCondLst>
+                    <p:cond evt="onStopAudio" delay="0">
+                      <p:tgtEl>
+                        <p:sldTgt/>
+                      </p:tgtEl>
+                    </p:cond>
+                  </p:endCondLst>
+                </p:cTn>
+                <p:tgtEl>
+                  <p:spTgt spid="5"/>
+                </p:tgtEl>
+              </p:cMediaNode>
+            </p:audio>
+          </p:childTnLst>
+        </p:cTn>
+      </p:par>
+    </p:tnLst>
+  </p:timing>
 </p:sld>
 </file>
 
@@ -5160,6 +6258,44 @@
           </a:p>
         </p:txBody>
       </p:sp>
+      <p:pic>
+        <p:nvPicPr>
+          <p:cNvPr id="5" name="sound17">
+            <a:hlinkClick r:id="" action="ppaction://media"/>
+            <a:extLst>
+              <a:ext uri="{FF2B5EF4-FFF2-40B4-BE49-F238E27FC236}">
+                <a16:creationId xmlns:a16="http://schemas.microsoft.com/office/drawing/2014/main" id="{A198AE9D-0FB4-81F9-5E3F-1F93E29E2E9A}"/>
+              </a:ext>
+            </a:extLst>
+          </p:cNvPr>
+          <p:cNvPicPr>
+            <a:picLocks noChangeAspect="1"/>
+          </p:cNvPicPr>
+          <p:nvPr>
+            <a:audioFile r:link="rId2"/>
+            <p:extLst>
+              <p:ext uri="{DAA4B4D4-6D71-4841-9C94-3DE7FCFB9230}">
+                <p14:media xmlns:p14="http://schemas.microsoft.com/office/powerpoint/2010/main" r:embed="rId1"/>
+              </p:ext>
+            </p:extLst>
+          </p:nvPr>
+        </p:nvPicPr>
+        <p:blipFill>
+          <a:blip r:embed="rId4"/>
+          <a:stretch>
+            <a:fillRect/>
+          </a:stretch>
+        </p:blipFill>
+        <p:spPr>
+          <a:xfrm>
+            <a:off x="4267200" y="3124200"/>
+            <a:ext cx="609600" cy="609600"/>
+          </a:xfrm>
+          <a:prstGeom prst="rect">
+            <a:avLst/>
+          </a:prstGeom>
+        </p:spPr>
+      </p:pic>
     </p:spTree>
     <p:extLst>
       <p:ext uri="{BB962C8B-B14F-4D97-AF65-F5344CB8AC3E}">
@@ -5170,6 +6306,90 @@
   <p:clrMapOvr>
     <a:masterClrMapping/>
   </p:clrMapOvr>
+  <p:timing>
+    <p:tnLst>
+      <p:par>
+        <p:cTn id="1" dur="indefinite" restart="never" nodeType="tmRoot">
+          <p:childTnLst>
+            <p:seq concurrent="1" nextAc="seek">
+              <p:cTn id="2" dur="indefinite" nodeType="mainSeq">
+                <p:childTnLst>
+                  <p:par>
+                    <p:cTn id="3" fill="hold">
+                      <p:stCondLst>
+                        <p:cond delay="indefinite"/>
+                      </p:stCondLst>
+                      <p:childTnLst>
+                        <p:par>
+                          <p:cTn id="4" fill="hold">
+                            <p:stCondLst>
+                              <p:cond delay="0"/>
+                            </p:stCondLst>
+                            <p:childTnLst>
+                              <p:par>
+                                <p:cTn id="5" presetID="1" presetClass="mediacall" presetSubtype="0" fill="hold" nodeType="clickEffect">
+                                  <p:stCondLst>
+                                    <p:cond delay="0"/>
+                                  </p:stCondLst>
+                                  <p:childTnLst>
+                                    <p:cmd type="call" cmd="playFrom(0.0)">
+                                      <p:cBhvr>
+                                        <p:cTn id="6" dur="679" fill="hold"/>
+                                        <p:tgtEl>
+                                          <p:spTgt spid="5"/>
+                                        </p:tgtEl>
+                                      </p:cBhvr>
+                                    </p:cmd>
+                                  </p:childTnLst>
+                                </p:cTn>
+                              </p:par>
+                            </p:childTnLst>
+                          </p:cTn>
+                        </p:par>
+                      </p:childTnLst>
+                    </p:cTn>
+                  </p:par>
+                </p:childTnLst>
+              </p:cTn>
+              <p:prevCondLst>
+                <p:cond evt="onPrev" delay="0">
+                  <p:tgtEl>
+                    <p:sldTgt/>
+                  </p:tgtEl>
+                </p:cond>
+              </p:prevCondLst>
+              <p:nextCondLst>
+                <p:cond evt="onNext" delay="0">
+                  <p:tgtEl>
+                    <p:sldTgt/>
+                  </p:tgtEl>
+                </p:cond>
+              </p:nextCondLst>
+            </p:seq>
+            <p:audio>
+              <p:cMediaNode vol="80000">
+                <p:cTn id="7" fill="hold" display="0">
+                  <p:stCondLst>
+                    <p:cond delay="indefinite"/>
+                  </p:stCondLst>
+                  <p:endCondLst>
+                    <p:cond evt="onStopAudio" delay="0">
+                      <p:tgtEl>
+                        <p:sldTgt/>
+                      </p:tgtEl>
+                    </p:cond>
+                  </p:endCondLst>
+                </p:cTn>
+                <p:tgtEl>
+                  <p:spTgt spid="5"/>
+                </p:tgtEl>
+              </p:cMediaNode>
+            </p:audio>
+          </p:childTnLst>
+        </p:cTn>
+      </p:par>
+    </p:tnLst>
+  </p:timing>
 </p:sld>
 </file>
 
@@ -5472,6 +6692,44 @@
           </a:p>
         </p:txBody>
       </p:sp>
+      <p:pic>
+        <p:nvPicPr>
+          <p:cNvPr id="5" name="sound18">
+            <a:hlinkClick r:id="" action="ppaction://media"/>
+            <a:extLst>
+              <a:ext uri="{FF2B5EF4-FFF2-40B4-BE49-F238E27FC236}">
+                <a16:creationId xmlns:a16="http://schemas.microsoft.com/office/drawing/2014/main" id="{43C3B951-1C49-27AC-E0E3-F28DEE9669C0}"/>
+              </a:ext>
+            </a:extLst>
+          </p:cNvPr>
+          <p:cNvPicPr>
+            <a:picLocks noChangeAspect="1"/>
+          </p:cNvPicPr>
+          <p:nvPr>
+            <a:audioFile r:link="rId2"/>
+            <p:extLst>
+              <p:ext uri="{DAA4B4D4-6D71-4841-9C94-3DE7FCFB9230}">
+                <p14:media xmlns:p14="http://schemas.microsoft.com/office/powerpoint/2010/main" r:embed="rId1"/>
+              </p:ext>
+            </p:extLst>
+          </p:nvPr>
+        </p:nvPicPr>
+        <p:blipFill>
+          <a:blip r:embed="rId4"/>
+          <a:stretch>
+            <a:fillRect/>
+          </a:stretch>
+        </p:blipFill>
+        <p:spPr>
+          <a:xfrm>
+            <a:off x="4267200" y="3124200"/>
+            <a:ext cx="609600" cy="609600"/>
+          </a:xfrm>
+          <a:prstGeom prst="rect">
+            <a:avLst/>
+          </a:prstGeom>
+        </p:spPr>
+      </p:pic>
     </p:spTree>
     <p:extLst>
       <p:ext uri="{BB962C8B-B14F-4D97-AF65-F5344CB8AC3E}">
@@ -5482,6 +6740,90 @@
   <p:clrMapOvr>
     <a:masterClrMapping/>
   </p:clrMapOvr>
+  <p:timing>
+    <p:tnLst>
+      <p:par>
+        <p:cTn id="1" dur="indefinite" restart="never" nodeType="tmRoot">
+          <p:childTnLst>
+            <p:seq concurrent="1" nextAc="seek">
+              <p:cTn id="2" dur="indefinite" nodeType="mainSeq">
+                <p:childTnLst>
+                  <p:par>
+                    <p:cTn id="3" fill="hold">
+                      <p:stCondLst>
+                        <p:cond delay="indefinite"/>
+                      </p:stCondLst>
+                      <p:childTnLst>
+                        <p:par>
+                          <p:cTn id="4" fill="hold">
+                            <p:stCondLst>
+                              <p:cond delay="0"/>
+                            </p:stCondLst>
+                            <p:childTnLst>
+                              <p:par>
+                                <p:cTn id="5" presetID="1" presetClass="mediacall" presetSubtype="0" fill="hold" nodeType="clickEffect">
+                                  <p:stCondLst>
+                                    <p:cond delay="0"/>
+                                  </p:stCondLst>
+                                  <p:childTnLst>
+                                    <p:cmd type="call" cmd="playFrom(0.0)">
+                                      <p:cBhvr>
+                                        <p:cTn id="6" dur="600" fill="hold"/>
+                                        <p:tgtEl>
+                                          <p:spTgt spid="5"/>
+                                        </p:tgtEl>
+                                      </p:cBhvr>
+                                    </p:cmd>
+                                  </p:childTnLst>
+                                </p:cTn>
+                              </p:par>
+                            </p:childTnLst>
+                          </p:cTn>
+                        </p:par>
+                      </p:childTnLst>
+                    </p:cTn>
+                  </p:par>
+                </p:childTnLst>
+              </p:cTn>
+              <p:prevCondLst>
+                <p:cond evt="onPrev" delay="0">
+                  <p:tgtEl>
+                    <p:sldTgt/>
+                  </p:tgtEl>
+                </p:cond>
+              </p:prevCondLst>
+              <p:nextCondLst>
+                <p:cond evt="onNext" delay="0">
+                  <p:tgtEl>
+                    <p:sldTgt/>
+                  </p:tgtEl>
+                </p:cond>
+              </p:nextCondLst>
+            </p:seq>
+            <p:audio>
+              <p:cMediaNode vol="80000">
+                <p:cTn id="7" fill="hold" display="0">
+                  <p:stCondLst>
+                    <p:cond delay="indefinite"/>
+                  </p:stCondLst>
+                  <p:endCondLst>
+                    <p:cond evt="onStopAudio" delay="0">
+                      <p:tgtEl>
+                        <p:sldTgt/>
+                      </p:tgtEl>
+                    </p:cond>
+                  </p:endCondLst>
+                </p:cTn>
+                <p:tgtEl>
+                  <p:spTgt spid="5"/>
+                </p:tgtEl>
+              </p:cMediaNode>
+            </p:audio>
+          </p:childTnLst>
+        </p:cTn>
+      </p:par>
+    </p:tnLst>
+  </p:timing>
 </p:sld>
 </file>
 
@@ -5626,6 +6968,44 @@
           </a:p>
         </p:txBody>
       </p:sp>
+      <p:pic>
+        <p:nvPicPr>
+          <p:cNvPr id="5" name="sound19">
+            <a:hlinkClick r:id="" action="ppaction://media"/>
+            <a:extLst>
+              <a:ext uri="{FF2B5EF4-FFF2-40B4-BE49-F238E27FC236}">
+                <a16:creationId xmlns:a16="http://schemas.microsoft.com/office/drawing/2014/main" id="{F5E12402-FD6B-ACF5-CC83-F03F681C674F}"/>
+              </a:ext>
+            </a:extLst>
+          </p:cNvPr>
+          <p:cNvPicPr>
+            <a:picLocks noChangeAspect="1"/>
+          </p:cNvPicPr>
+          <p:nvPr>
+            <a:audioFile r:link="rId2"/>
+            <p:extLst>
+              <p:ext uri="{DAA4B4D4-6D71-4841-9C94-3DE7FCFB9230}">
+                <p14:media xmlns:p14="http://schemas.microsoft.com/office/powerpoint/2010/main" r:embed="rId1"/>
+              </p:ext>
+            </p:extLst>
+          </p:nvPr>
+        </p:nvPicPr>
+        <p:blipFill>
+          <a:blip r:embed="rId4"/>
+          <a:stretch>
+            <a:fillRect/>
+          </a:stretch>
+        </p:blipFill>
+        <p:spPr>
+          <a:xfrm>
+            <a:off x="5332520" y="4367073"/>
+            <a:ext cx="609600" cy="609600"/>
+          </a:xfrm>
+          <a:prstGeom prst="rect">
+            <a:avLst/>
+          </a:prstGeom>
+        </p:spPr>
+      </p:pic>
     </p:spTree>
     <p:extLst>
       <p:ext uri="{BB962C8B-B14F-4D97-AF65-F5344CB8AC3E}">
@@ -5636,6 +7016,90 @@
   <p:clrMapOvr>
     <a:masterClrMapping/>
   </p:clrMapOvr>
+  <p:timing>
+    <p:tnLst>
+      <p:par>
+        <p:cTn id="1" dur="indefinite" restart="never" nodeType="tmRoot">
+          <p:childTnLst>
+            <p:seq concurrent="1" nextAc="seek">
+              <p:cTn id="2" dur="indefinite" nodeType="mainSeq">
+                <p:childTnLst>
+                  <p:par>
+                    <p:cTn id="3" fill="hold">
+                      <p:stCondLst>
+                        <p:cond delay="indefinite"/>
+                      </p:stCondLst>
+                      <p:childTnLst>
+                        <p:par>
+                          <p:cTn id="4" fill="hold">
+                            <p:stCondLst>
+                              <p:cond delay="0"/>
+                            </p:stCondLst>
+                            <p:childTnLst>
+                              <p:par>
+                                <p:cTn id="5" presetID="1" presetClass="mediacall" presetSubtype="0" fill="hold" nodeType="clickEffect">
+                                  <p:stCondLst>
+                                    <p:cond delay="0"/>
+                                  </p:stCondLst>
+                                  <p:childTnLst>
+                                    <p:cmd type="call" cmd="playFrom(0.0)">
+                                      <p:cBhvr>
+                                        <p:cTn id="6" dur="757" fill="hold"/>
+                                        <p:tgtEl>
+                                          <p:spTgt spid="5"/>
+                                        </p:tgtEl>
+                                      </p:cBhvr>
+                                    </p:cmd>
+                                  </p:childTnLst>
+                                </p:cTn>
+                              </p:par>
+                            </p:childTnLst>
+                          </p:cTn>
+                        </p:par>
+                      </p:childTnLst>
+                    </p:cTn>
+                  </p:par>
+                </p:childTnLst>
+              </p:cTn>
+              <p:prevCondLst>
+                <p:cond evt="onPrev" delay="0">
+                  <p:tgtEl>
+                    <p:sldTgt/>
+                  </p:tgtEl>
+                </p:cond>
+              </p:prevCondLst>
+              <p:nextCondLst>
+                <p:cond evt="onNext" delay="0">
+                  <p:tgtEl>
+                    <p:sldTgt/>
+                  </p:tgtEl>
+                </p:cond>
+              </p:nextCondLst>
+            </p:seq>
+            <p:audio>
+              <p:cMediaNode vol="80000">
+                <p:cTn id="7" fill="hold" display="0">
+                  <p:stCondLst>
+                    <p:cond delay="indefinite"/>
+                  </p:stCondLst>
+                  <p:endCondLst>
+                    <p:cond evt="onStopAudio" delay="0">
+                      <p:tgtEl>
+                        <p:sldTgt/>
+                      </p:tgtEl>
+                    </p:cond>
+                  </p:endCondLst>
+                </p:cTn>
+                <p:tgtEl>
+                  <p:spTgt spid="5"/>
+                </p:tgtEl>
+              </p:cMediaNode>
+            </p:audio>
+          </p:childTnLst>
+        </p:cTn>
+      </p:par>
+    </p:tnLst>
+  </p:timing>
 </p:sld>
 </file>
 
@@ -5780,6 +7244,44 @@
           </a:p>
         </p:txBody>
       </p:sp>
+      <p:pic>
+        <p:nvPicPr>
+          <p:cNvPr id="5" name="sound20">
+            <a:hlinkClick r:id="" action="ppaction://media"/>
+            <a:extLst>
+              <a:ext uri="{FF2B5EF4-FFF2-40B4-BE49-F238E27FC236}">
+                <a16:creationId xmlns:a16="http://schemas.microsoft.com/office/drawing/2014/main" id="{9CF774BC-C125-3448-8683-50103736B3BD}"/>
+              </a:ext>
+            </a:extLst>
+          </p:cNvPr>
+          <p:cNvPicPr>
+            <a:picLocks noChangeAspect="1"/>
+          </p:cNvPicPr>
+          <p:nvPr>
+            <a:audioFile r:link="rId2"/>
+            <p:extLst>
+              <p:ext uri="{DAA4B4D4-6D71-4841-9C94-3DE7FCFB9230}">
+                <p14:media xmlns:p14="http://schemas.microsoft.com/office/powerpoint/2010/main" r:embed="rId1"/>
+              </p:ext>
+            </p:extLst>
+          </p:nvPr>
+        </p:nvPicPr>
+        <p:blipFill>
+          <a:blip r:embed="rId4"/>
+          <a:stretch>
+            <a:fillRect/>
+          </a:stretch>
+        </p:blipFill>
+        <p:spPr>
+          <a:xfrm>
+            <a:off x="4267200" y="3124200"/>
+            <a:ext cx="609600" cy="609600"/>
+          </a:xfrm>
+          <a:prstGeom prst="rect">
+            <a:avLst/>
+          </a:prstGeom>
+        </p:spPr>
+      </p:pic>
     </p:spTree>
     <p:extLst>
       <p:ext uri="{BB962C8B-B14F-4D97-AF65-F5344CB8AC3E}">
@@ -5790,6 +7292,90 @@
   <p:clrMapOvr>
     <a:masterClrMapping/>
   </p:clrMapOvr>
+  <p:timing>
+    <p:tnLst>
+      <p:par>
+        <p:cTn id="1" dur="indefinite" restart="never" nodeType="tmRoot">
+          <p:childTnLst>
+            <p:seq concurrent="1" nextAc="seek">
+              <p:cTn id="2" dur="indefinite" nodeType="mainSeq">
+                <p:childTnLst>
+                  <p:par>
+                    <p:cTn id="3" fill="hold">
+                      <p:stCondLst>
+                        <p:cond delay="indefinite"/>
+                      </p:stCondLst>
+                      <p:childTnLst>
+                        <p:par>
+                          <p:cTn id="4" fill="hold">
+                            <p:stCondLst>
+                              <p:cond delay="0"/>
+                            </p:stCondLst>
+                            <p:childTnLst>
+                              <p:par>
+                                <p:cTn id="5" presetID="1" presetClass="mediacall" presetSubtype="0" fill="hold" nodeType="clickEffect">
+                                  <p:stCondLst>
+                                    <p:cond delay="0"/>
+                                  </p:stCondLst>
+                                  <p:childTnLst>
+                                    <p:cmd type="call" cmd="playFrom(0.0)">
+                                      <p:cBhvr>
+                                        <p:cTn id="6" dur="600" fill="hold"/>
+                                        <p:tgtEl>
+                                          <p:spTgt spid="5"/>
+                                        </p:tgtEl>
+                                      </p:cBhvr>
+                                    </p:cmd>
+                                  </p:childTnLst>
+                                </p:cTn>
+                              </p:par>
+                            </p:childTnLst>
+                          </p:cTn>
+                        </p:par>
+                      </p:childTnLst>
+                    </p:cTn>
+                  </p:par>
+                </p:childTnLst>
+              </p:cTn>
+              <p:prevCondLst>
+                <p:cond evt="onPrev" delay="0">
+                  <p:tgtEl>
+                    <p:sldTgt/>
+                  </p:tgtEl>
+                </p:cond>
+              </p:prevCondLst>
+              <p:nextCondLst>
+                <p:cond evt="onNext" delay="0">
+                  <p:tgtEl>
+                    <p:sldTgt/>
+                  </p:tgtEl>
+                </p:cond>
+              </p:nextCondLst>
+            </p:seq>
+            <p:audio>
+              <p:cMediaNode vol="80000">
+                <p:cTn id="7" fill="hold" display="0">
+                  <p:stCondLst>
+                    <p:cond delay="indefinite"/>
+                  </p:stCondLst>
+                  <p:endCondLst>
+                    <p:cond evt="onStopAudio" delay="0">
+                      <p:tgtEl>
+                        <p:sldTgt/>
+                      </p:tgtEl>
+                    </p:cond>
+                  </p:endCondLst>
+                </p:cTn>
+                <p:tgtEl>
+                  <p:spTgt spid="5"/>
+                </p:tgtEl>
+              </p:cMediaNode>
+            </p:audio>
+          </p:childTnLst>
+        </p:cTn>
+      </p:par>
+    </p:tnLst>
+  </p:timing>
 </p:sld>
 </file>
 
@@ -5929,6 +7515,44 @@
           </a:p>
         </p:txBody>
       </p:sp>
+      <p:pic>
+        <p:nvPicPr>
+          <p:cNvPr id="5" name="sound21">
+            <a:hlinkClick r:id="" action="ppaction://media"/>
+            <a:extLst>
+              <a:ext uri="{FF2B5EF4-FFF2-40B4-BE49-F238E27FC236}">
+                <a16:creationId xmlns:a16="http://schemas.microsoft.com/office/drawing/2014/main" id="{F5D9DBA0-55AE-E79A-AE58-0B303865FB02}"/>
+              </a:ext>
+            </a:extLst>
+          </p:cNvPr>
+          <p:cNvPicPr>
+            <a:picLocks noChangeAspect="1"/>
+          </p:cNvPicPr>
+          <p:nvPr>
+            <a:audioFile r:link="rId2"/>
+            <p:extLst>
+              <p:ext uri="{DAA4B4D4-6D71-4841-9C94-3DE7FCFB9230}">
+                <p14:media xmlns:p14="http://schemas.microsoft.com/office/powerpoint/2010/main" r:embed="rId1"/>
+              </p:ext>
+            </p:extLst>
+          </p:nvPr>
+        </p:nvPicPr>
+        <p:blipFill>
+          <a:blip r:embed="rId4"/>
+          <a:stretch>
+            <a:fillRect/>
+          </a:stretch>
+        </p:blipFill>
+        <p:spPr>
+          <a:xfrm>
+            <a:off x="4267200" y="3124200"/>
+            <a:ext cx="609600" cy="609600"/>
+          </a:xfrm>
+          <a:prstGeom prst="rect">
+            <a:avLst/>
+          </a:prstGeom>
+        </p:spPr>
+      </p:pic>
     </p:spTree>
     <p:extLst>
       <p:ext uri="{BB962C8B-B14F-4D97-AF65-F5344CB8AC3E}">
@@ -5939,6 +7563,90 @@
   <p:clrMapOvr>
     <a:masterClrMapping/>
   </p:clrMapOvr>
+  <p:timing>
+    <p:tnLst>
+      <p:par>
+        <p:cTn id="1" dur="indefinite" restart="never" nodeType="tmRoot">
+          <p:childTnLst>
+            <p:seq concurrent="1" nextAc="seek">
+              <p:cTn id="2" dur="indefinite" nodeType="mainSeq">
+                <p:childTnLst>
+                  <p:par>
+                    <p:cTn id="3" fill="hold">
+                      <p:stCondLst>
+                        <p:cond delay="indefinite"/>
+                      </p:stCondLst>
+                      <p:childTnLst>
+                        <p:par>
+                          <p:cTn id="4" fill="hold">
+                            <p:stCondLst>
+                              <p:cond delay="0"/>
+                            </p:stCondLst>
+                            <p:childTnLst>
+                              <p:par>
+                                <p:cTn id="5" presetID="1" presetClass="mediacall" presetSubtype="0" fill="hold" nodeType="clickEffect">
+                                  <p:stCondLst>
+                                    <p:cond delay="0"/>
+                                  </p:stCondLst>
+                                  <p:childTnLst>
+                                    <p:cmd type="call" cmd="playFrom(0.0)">
+                                      <p:cBhvr>
+                                        <p:cTn id="6" dur="313" fill="hold"/>
+                                        <p:tgtEl>
+                                          <p:spTgt spid="5"/>
+                                        </p:tgtEl>
+                                      </p:cBhvr>
+                                    </p:cmd>
+                                  </p:childTnLst>
+                                </p:cTn>
+                              </p:par>
+                            </p:childTnLst>
+                          </p:cTn>
+                        </p:par>
+                      </p:childTnLst>
+                    </p:cTn>
+                  </p:par>
+                </p:childTnLst>
+              </p:cTn>
+              <p:prevCondLst>
+                <p:cond evt="onPrev" delay="0">
+                  <p:tgtEl>
+                    <p:sldTgt/>
+                  </p:tgtEl>
+                </p:cond>
+              </p:prevCondLst>
+              <p:nextCondLst>
+                <p:cond evt="onNext" delay="0">
+                  <p:tgtEl>
+                    <p:sldTgt/>
+                  </p:tgtEl>
+                </p:cond>
+              </p:nextCondLst>
+            </p:seq>
+            <p:audio>
+              <p:cMediaNode vol="80000">
+                <p:cTn id="7" fill="hold" display="0">
+                  <p:stCondLst>
+                    <p:cond delay="indefinite"/>
+                  </p:stCondLst>
+                  <p:endCondLst>
+                    <p:cond evt="onStopAudio" delay="0">
+                      <p:tgtEl>
+                        <p:sldTgt/>
+                      </p:tgtEl>
+                    </p:cond>
+                  </p:endCondLst>
+                </p:cTn>
+                <p:tgtEl>
+                  <p:spTgt spid="5"/>
+                </p:tgtEl>
+              </p:cMediaNode>
+            </p:audio>
+          </p:childTnLst>
+        </p:cTn>
+      </p:par>
+    </p:tnLst>
+  </p:timing>
 </p:sld>
 </file>
 
@@ -6082,6 +7790,44 @@
           </a:p>
         </p:txBody>
       </p:sp>
+      <p:pic>
+        <p:nvPicPr>
+          <p:cNvPr id="5" name="sound22">
+            <a:hlinkClick r:id="" action="ppaction://media"/>
+            <a:extLst>
+              <a:ext uri="{FF2B5EF4-FFF2-40B4-BE49-F238E27FC236}">
+                <a16:creationId xmlns:a16="http://schemas.microsoft.com/office/drawing/2014/main" id="{7D7896CD-59E2-AE0A-F215-6A9BD01DF151}"/>
+              </a:ext>
+            </a:extLst>
+          </p:cNvPr>
+          <p:cNvPicPr>
+            <a:picLocks noChangeAspect="1"/>
+          </p:cNvPicPr>
+          <p:nvPr>
+            <a:audioFile r:link="rId2"/>
+            <p:extLst>
+              <p:ext uri="{DAA4B4D4-6D71-4841-9C94-3DE7FCFB9230}">
+                <p14:media xmlns:p14="http://schemas.microsoft.com/office/powerpoint/2010/main" r:embed="rId1"/>
+              </p:ext>
+            </p:extLst>
+          </p:nvPr>
+        </p:nvPicPr>
+        <p:blipFill>
+          <a:blip r:embed="rId4"/>
+          <a:stretch>
+            <a:fillRect/>
+          </a:stretch>
+        </p:blipFill>
+        <p:spPr>
+          <a:xfrm>
+            <a:off x="4267200" y="3124200"/>
+            <a:ext cx="609600" cy="609600"/>
+          </a:xfrm>
+          <a:prstGeom prst="rect">
+            <a:avLst/>
+          </a:prstGeom>
+        </p:spPr>
+      </p:pic>
     </p:spTree>
     <p:extLst>
       <p:ext uri="{BB962C8B-B14F-4D97-AF65-F5344CB8AC3E}">
@@ -6092,6 +7838,90 @@
   <p:clrMapOvr>
     <a:masterClrMapping/>
   </p:clrMapOvr>
+  <p:timing>
+    <p:tnLst>
+      <p:par>
+        <p:cTn id="1" dur="indefinite" restart="never" nodeType="tmRoot">
+          <p:childTnLst>
+            <p:seq concurrent="1" nextAc="seek">
+              <p:cTn id="2" dur="indefinite" nodeType="mainSeq">
+                <p:childTnLst>
+                  <p:par>
+                    <p:cTn id="3" fill="hold">
+                      <p:stCondLst>
+                        <p:cond delay="indefinite"/>
+                      </p:stCondLst>
+                      <p:childTnLst>
+                        <p:par>
+                          <p:cTn id="4" fill="hold">
+                            <p:stCondLst>
+                              <p:cond delay="0"/>
+                            </p:stCondLst>
+                            <p:childTnLst>
+                              <p:par>
+                                <p:cTn id="5" presetID="1" presetClass="mediacall" presetSubtype="0" fill="hold" nodeType="clickEffect">
+                                  <p:stCondLst>
+                                    <p:cond delay="0"/>
+                                  </p:stCondLst>
+                                  <p:childTnLst>
+                                    <p:cmd type="call" cmd="playFrom(0.0)">
+                                      <p:cBhvr>
+                                        <p:cTn id="6" dur="522" fill="hold"/>
+                                        <p:tgtEl>
+                                          <p:spTgt spid="5"/>
+                                        </p:tgtEl>
+                                      </p:cBhvr>
+                                    </p:cmd>
+                                  </p:childTnLst>
+                                </p:cTn>
+                              </p:par>
+                            </p:childTnLst>
+                          </p:cTn>
+                        </p:par>
+                      </p:childTnLst>
+                    </p:cTn>
+                  </p:par>
+                </p:childTnLst>
+              </p:cTn>
+              <p:prevCondLst>
+                <p:cond evt="onPrev" delay="0">
+                  <p:tgtEl>
+                    <p:sldTgt/>
+                  </p:tgtEl>
+                </p:cond>
+              </p:prevCondLst>
+              <p:nextCondLst>
+                <p:cond evt="onNext" delay="0">
+                  <p:tgtEl>
+                    <p:sldTgt/>
+                  </p:tgtEl>
+                </p:cond>
+              </p:nextCondLst>
+            </p:seq>
+            <p:audio>
+              <p:cMediaNode vol="80000">
+                <p:cTn id="7" fill="hold" display="0">
+                  <p:stCondLst>
+                    <p:cond delay="indefinite"/>
+                  </p:stCondLst>
+                  <p:endCondLst>
+                    <p:cond evt="onStopAudio" delay="0">
+                      <p:tgtEl>
+                        <p:sldTgt/>
+                      </p:tgtEl>
+                    </p:cond>
+                  </p:endCondLst>
+                </p:cTn>
+                <p:tgtEl>
+                  <p:spTgt spid="5"/>
+                </p:tgtEl>
+              </p:cMediaNode>
+            </p:audio>
+          </p:childTnLst>
+        </p:cTn>
+      </p:par>
+    </p:tnLst>
+  </p:timing>
 </p:sld>
 </file>
 
@@ -6235,6 +8065,44 @@
           </a:p>
         </p:txBody>
       </p:sp>
+      <p:pic>
+        <p:nvPicPr>
+          <p:cNvPr id="5" name="sound23">
+            <a:hlinkClick r:id="" action="ppaction://media"/>
+            <a:extLst>
+              <a:ext uri="{FF2B5EF4-FFF2-40B4-BE49-F238E27FC236}">
+                <a16:creationId xmlns:a16="http://schemas.microsoft.com/office/drawing/2014/main" id="{66240253-3E12-FB81-9944-22CA00B5A9EA}"/>
+              </a:ext>
+            </a:extLst>
+          </p:cNvPr>
+          <p:cNvPicPr>
+            <a:picLocks noChangeAspect="1"/>
+          </p:cNvPicPr>
+          <p:nvPr>
+            <a:audioFile r:link="rId2"/>
+            <p:extLst>
+              <p:ext uri="{DAA4B4D4-6D71-4841-9C94-3DE7FCFB9230}">
+                <p14:media xmlns:p14="http://schemas.microsoft.com/office/powerpoint/2010/main" r:embed="rId1"/>
+              </p:ext>
+            </p:extLst>
+          </p:nvPr>
+        </p:nvPicPr>
+        <p:blipFill>
+          <a:blip r:embed="rId4"/>
+          <a:stretch>
+            <a:fillRect/>
+          </a:stretch>
+        </p:blipFill>
+        <p:spPr>
+          <a:xfrm>
+            <a:off x="4267200" y="3124200"/>
+            <a:ext cx="609600" cy="609600"/>
+          </a:xfrm>
+          <a:prstGeom prst="rect">
+            <a:avLst/>
+          </a:prstGeom>
+        </p:spPr>
+      </p:pic>
     </p:spTree>
     <p:extLst>
       <p:ext uri="{BB962C8B-B14F-4D97-AF65-F5344CB8AC3E}">
@@ -6245,6 +8113,90 @@
   <p:clrMapOvr>
     <a:masterClrMapping/>
   </p:clrMapOvr>
+  <p:timing>
+    <p:tnLst>
+      <p:par>
+        <p:cTn id="1" dur="indefinite" restart="never" nodeType="tmRoot">
+          <p:childTnLst>
+            <p:seq concurrent="1" nextAc="seek">
+              <p:cTn id="2" dur="indefinite" nodeType="mainSeq">
+                <p:childTnLst>
+                  <p:par>
+                    <p:cTn id="3" fill="hold">
+                      <p:stCondLst>
+                        <p:cond delay="indefinite"/>
+                      </p:stCondLst>
+                      <p:childTnLst>
+                        <p:par>
+                          <p:cTn id="4" fill="hold">
+                            <p:stCondLst>
+                              <p:cond delay="0"/>
+                            </p:stCondLst>
+                            <p:childTnLst>
+                              <p:par>
+                                <p:cTn id="5" presetID="1" presetClass="mediacall" presetSubtype="0" fill="hold" nodeType="clickEffect">
+                                  <p:stCondLst>
+                                    <p:cond delay="0"/>
+                                  </p:stCondLst>
+                                  <p:childTnLst>
+                                    <p:cmd type="call" cmd="playFrom(0.0)">
+                                      <p:cBhvr>
+                                        <p:cTn id="6" dur="417" fill="hold"/>
+                                        <p:tgtEl>
+                                          <p:spTgt spid="5"/>
+                                        </p:tgtEl>
+                                      </p:cBhvr>
+                                    </p:cmd>
+                                  </p:childTnLst>
+                                </p:cTn>
+                              </p:par>
+                            </p:childTnLst>
+                          </p:cTn>
+                        </p:par>
+                      </p:childTnLst>
+                    </p:cTn>
+                  </p:par>
+                </p:childTnLst>
+              </p:cTn>
+              <p:prevCondLst>
+                <p:cond evt="onPrev" delay="0">
+                  <p:tgtEl>
+                    <p:sldTgt/>
+                  </p:tgtEl>
+                </p:cond>
+              </p:prevCondLst>
+              <p:nextCondLst>
+                <p:cond evt="onNext" delay="0">
+                  <p:tgtEl>
+                    <p:sldTgt/>
+                  </p:tgtEl>
+                </p:cond>
+              </p:nextCondLst>
+            </p:seq>
+            <p:audio>
+              <p:cMediaNode vol="80000">
+                <p:cTn id="7" fill="hold" display="0">
+                  <p:stCondLst>
+                    <p:cond delay="indefinite"/>
+                  </p:stCondLst>
+                  <p:endCondLst>
+                    <p:cond evt="onStopAudio" delay="0">
+                      <p:tgtEl>
+                        <p:sldTgt/>
+                      </p:tgtEl>
+                    </p:cond>
+                  </p:endCondLst>
+                </p:cTn>
+                <p:tgtEl>
+                  <p:spTgt spid="5"/>
+                </p:tgtEl>
+              </p:cMediaNode>
+            </p:audio>
+          </p:childTnLst>
+        </p:cTn>
+      </p:par>
+    </p:tnLst>
+  </p:timing>
 </p:sld>
 </file>
 
@@ -6388,6 +8340,44 @@
           </a:p>
         </p:txBody>
       </p:sp>
+      <p:pic>
+        <p:nvPicPr>
+          <p:cNvPr id="5" name="sound24">
+            <a:hlinkClick r:id="" action="ppaction://media"/>
+            <a:extLst>
+              <a:ext uri="{FF2B5EF4-FFF2-40B4-BE49-F238E27FC236}">
+                <a16:creationId xmlns:a16="http://schemas.microsoft.com/office/drawing/2014/main" id="{D6709581-1B61-E1BB-C069-D0AE8AC62FC8}"/>
+              </a:ext>
+            </a:extLst>
+          </p:cNvPr>
+          <p:cNvPicPr>
+            <a:picLocks noChangeAspect="1"/>
+          </p:cNvPicPr>
+          <p:nvPr>
+            <a:audioFile r:link="rId2"/>
+            <p:extLst>
+              <p:ext uri="{DAA4B4D4-6D71-4841-9C94-3DE7FCFB9230}">
+                <p14:media xmlns:p14="http://schemas.microsoft.com/office/powerpoint/2010/main" r:embed="rId1"/>
+              </p:ext>
+            </p:extLst>
+          </p:nvPr>
+        </p:nvPicPr>
+        <p:blipFill>
+          <a:blip r:embed="rId4"/>
+          <a:stretch>
+            <a:fillRect/>
+          </a:stretch>
+        </p:blipFill>
+        <p:spPr>
+          <a:xfrm>
+            <a:off x="4267200" y="3558381"/>
+            <a:ext cx="609600" cy="609600"/>
+          </a:xfrm>
+          <a:prstGeom prst="rect">
+            <a:avLst/>
+          </a:prstGeom>
+        </p:spPr>
+      </p:pic>
     </p:spTree>
     <p:extLst>
       <p:ext uri="{BB962C8B-B14F-4D97-AF65-F5344CB8AC3E}">
@@ -6398,6 +8388,90 @@
   <p:clrMapOvr>
     <a:masterClrMapping/>
   </p:clrMapOvr>
+  <p:timing>
+    <p:tnLst>
+      <p:par>
+        <p:cTn id="1" dur="indefinite" restart="never" nodeType="tmRoot">
+          <p:childTnLst>
+            <p:seq concurrent="1" nextAc="seek">
+              <p:cTn id="2" dur="indefinite" nodeType="mainSeq">
+                <p:childTnLst>
+                  <p:par>
+                    <p:cTn id="3" fill="hold">
+                      <p:stCondLst>
+                        <p:cond delay="indefinite"/>
+                      </p:stCondLst>
+                      <p:childTnLst>
+                        <p:par>
+                          <p:cTn id="4" fill="hold">
+                            <p:stCondLst>
+                              <p:cond delay="0"/>
+                            </p:stCondLst>
+                            <p:childTnLst>
+                              <p:par>
+                                <p:cTn id="5" presetID="1" presetClass="mediacall" presetSubtype="0" fill="hold" nodeType="clickEffect">
+                                  <p:stCondLst>
+                                    <p:cond delay="0"/>
+                                  </p:stCondLst>
+                                  <p:childTnLst>
+                                    <p:cmd type="call" cmd="playFrom(0.0)">
+                                      <p:cBhvr>
+                                        <p:cTn id="6" dur="548" fill="hold"/>
+                                        <p:tgtEl>
+                                          <p:spTgt spid="5"/>
+                                        </p:tgtEl>
+                                      </p:cBhvr>
+                                    </p:cmd>
+                                  </p:childTnLst>
+                                </p:cTn>
+                              </p:par>
+                            </p:childTnLst>
+                          </p:cTn>
+                        </p:par>
+                      </p:childTnLst>
+                    </p:cTn>
+                  </p:par>
+                </p:childTnLst>
+              </p:cTn>
+              <p:prevCondLst>
+                <p:cond evt="onPrev" delay="0">
+                  <p:tgtEl>
+                    <p:sldTgt/>
+                  </p:tgtEl>
+                </p:cond>
+              </p:prevCondLst>
+              <p:nextCondLst>
+                <p:cond evt="onNext" delay="0">
+                  <p:tgtEl>
+                    <p:sldTgt/>
+                  </p:tgtEl>
+                </p:cond>
+              </p:nextCondLst>
+            </p:seq>
+            <p:audio>
+              <p:cMediaNode vol="80000">
+                <p:cTn id="7" fill="hold" display="0">
+                  <p:stCondLst>
+                    <p:cond delay="indefinite"/>
+                  </p:stCondLst>
+                  <p:endCondLst>
+                    <p:cond evt="onStopAudio" delay="0">
+                      <p:tgtEl>
+                        <p:sldTgt/>
+                      </p:tgtEl>
+                    </p:cond>
+                  </p:endCondLst>
+                </p:cTn>
+                <p:tgtEl>
+                  <p:spTgt spid="5"/>
+                </p:tgtEl>
+              </p:cMediaNode>
+            </p:audio>
+          </p:childTnLst>
+        </p:cTn>
+      </p:par>
+    </p:tnLst>
+  </p:timing>
 </p:sld>
 </file>
 
@@ -6537,6 +8611,44 @@
           </a:p>
         </p:txBody>
       </p:sp>
+      <p:pic>
+        <p:nvPicPr>
+          <p:cNvPr id="5" name="sound25">
+            <a:hlinkClick r:id="" action="ppaction://media"/>
+            <a:extLst>
+              <a:ext uri="{FF2B5EF4-FFF2-40B4-BE49-F238E27FC236}">
+                <a16:creationId xmlns:a16="http://schemas.microsoft.com/office/drawing/2014/main" id="{E3EFF240-EAD4-AAF7-C106-C6550D8E33F5}"/>
+              </a:ext>
+            </a:extLst>
+          </p:cNvPr>
+          <p:cNvPicPr>
+            <a:picLocks noChangeAspect="1"/>
+          </p:cNvPicPr>
+          <p:nvPr>
+            <a:audioFile r:link="rId2"/>
+            <p:extLst>
+              <p:ext uri="{DAA4B4D4-6D71-4841-9C94-3DE7FCFB9230}">
+                <p14:media xmlns:p14="http://schemas.microsoft.com/office/powerpoint/2010/main" r:embed="rId1"/>
+              </p:ext>
+            </p:extLst>
+          </p:nvPr>
+        </p:nvPicPr>
+        <p:blipFill>
+          <a:blip r:embed="rId4"/>
+          <a:stretch>
+            <a:fillRect/>
+          </a:stretch>
+        </p:blipFill>
+        <p:spPr>
+          <a:xfrm>
+            <a:off x="4267200" y="3940946"/>
+            <a:ext cx="609600" cy="609600"/>
+          </a:xfrm>
+          <a:prstGeom prst="rect">
+            <a:avLst/>
+          </a:prstGeom>
+        </p:spPr>
+      </p:pic>
     </p:spTree>
     <p:extLst>
       <p:ext uri="{BB962C8B-B14F-4D97-AF65-F5344CB8AC3E}">
@@ -6547,6 +8659,90 @@
   <p:clrMapOvr>
     <a:masterClrMapping/>
   </p:clrMapOvr>
+  <p:timing>
+    <p:tnLst>
+      <p:par>
+        <p:cTn id="1" dur="indefinite" restart="never" nodeType="tmRoot">
+          <p:childTnLst>
+            <p:seq concurrent="1" nextAc="seek">
+              <p:cTn id="2" dur="indefinite" nodeType="mainSeq">
+                <p:childTnLst>
+                  <p:par>
+                    <p:cTn id="3" fill="hold">
+                      <p:stCondLst>
+                        <p:cond delay="indefinite"/>
+                      </p:stCondLst>
+                      <p:childTnLst>
+                        <p:par>
+                          <p:cTn id="4" fill="hold">
+                            <p:stCondLst>
+                              <p:cond delay="0"/>
+                            </p:stCondLst>
+                            <p:childTnLst>
+                              <p:par>
+                                <p:cTn id="5" presetID="1" presetClass="mediacall" presetSubtype="0" fill="hold" nodeType="clickEffect">
+                                  <p:stCondLst>
+                                    <p:cond delay="0"/>
+                                  </p:stCondLst>
+                                  <p:childTnLst>
+                                    <p:cmd type="call" cmd="playFrom(0.0)">
+                                      <p:cBhvr>
+                                        <p:cTn id="6" dur="444" fill="hold"/>
+                                        <p:tgtEl>
+                                          <p:spTgt spid="5"/>
+                                        </p:tgtEl>
+                                      </p:cBhvr>
+                                    </p:cmd>
+                                  </p:childTnLst>
+                                </p:cTn>
+                              </p:par>
+                            </p:childTnLst>
+                          </p:cTn>
+                        </p:par>
+                      </p:childTnLst>
+                    </p:cTn>
+                  </p:par>
+                </p:childTnLst>
+              </p:cTn>
+              <p:prevCondLst>
+                <p:cond evt="onPrev" delay="0">
+                  <p:tgtEl>
+                    <p:sldTgt/>
+                  </p:tgtEl>
+                </p:cond>
+              </p:prevCondLst>
+              <p:nextCondLst>
+                <p:cond evt="onNext" delay="0">
+                  <p:tgtEl>
+                    <p:sldTgt/>
+                  </p:tgtEl>
+                </p:cond>
+              </p:nextCondLst>
+            </p:seq>
+            <p:audio>
+              <p:cMediaNode vol="80000">
+                <p:cTn id="7" fill="hold" display="0">
+                  <p:stCondLst>
+                    <p:cond delay="indefinite"/>
+                  </p:stCondLst>
+                  <p:endCondLst>
+                    <p:cond evt="onStopAudio" delay="0">
+                      <p:tgtEl>
+                        <p:sldTgt/>
+                      </p:tgtEl>
+                    </p:cond>
+                  </p:endCondLst>
+                </p:cTn>
+                <p:tgtEl>
+                  <p:spTgt spid="5"/>
+                </p:tgtEl>
+              </p:cMediaNode>
+            </p:audio>
+          </p:childTnLst>
+        </p:cTn>
+      </p:par>
+    </p:tnLst>
+  </p:timing>
 </p:sld>
 </file>
 
@@ -6690,6 +8886,44 @@
           </a:p>
         </p:txBody>
       </p:sp>
+      <p:pic>
+        <p:nvPicPr>
+          <p:cNvPr id="5" name="sound26">
+            <a:hlinkClick r:id="" action="ppaction://media"/>
+            <a:extLst>
+              <a:ext uri="{FF2B5EF4-FFF2-40B4-BE49-F238E27FC236}">
+                <a16:creationId xmlns:a16="http://schemas.microsoft.com/office/drawing/2014/main" id="{3DA4A02C-66DC-0CD8-9B83-CE19A9D186F8}"/>
+              </a:ext>
+            </a:extLst>
+          </p:cNvPr>
+          <p:cNvPicPr>
+            <a:picLocks noChangeAspect="1"/>
+          </p:cNvPicPr>
+          <p:nvPr>
+            <a:audioFile r:link="rId2"/>
+            <p:extLst>
+              <p:ext uri="{DAA4B4D4-6D71-4841-9C94-3DE7FCFB9230}">
+                <p14:media xmlns:p14="http://schemas.microsoft.com/office/powerpoint/2010/main" r:embed="rId1"/>
+              </p:ext>
+            </p:extLst>
+          </p:nvPr>
+        </p:nvPicPr>
+        <p:blipFill>
+          <a:blip r:embed="rId4"/>
+          <a:stretch>
+            <a:fillRect/>
+          </a:stretch>
+        </p:blipFill>
+        <p:spPr>
+          <a:xfrm>
+            <a:off x="4293833" y="3558381"/>
+            <a:ext cx="609600" cy="609600"/>
+          </a:xfrm>
+          <a:prstGeom prst="rect">
+            <a:avLst/>
+          </a:prstGeom>
+        </p:spPr>
+      </p:pic>
     </p:spTree>
     <p:extLst>
       <p:ext uri="{BB962C8B-B14F-4D97-AF65-F5344CB8AC3E}">
@@ -6700,6 +8934,90 @@
   <p:clrMapOvr>
     <a:masterClrMapping/>
   </p:clrMapOvr>
+  <p:timing>
+    <p:tnLst>
+      <p:par>
+        <p:cTn id="1" dur="indefinite" restart="never" nodeType="tmRoot">
+          <p:childTnLst>
+            <p:seq concurrent="1" nextAc="seek">
+              <p:cTn id="2" dur="indefinite" nodeType="mainSeq">
+                <p:childTnLst>
+                  <p:par>
+                    <p:cTn id="3" fill="hold">
+                      <p:stCondLst>
+                        <p:cond delay="indefinite"/>
+                      </p:stCondLst>
+                      <p:childTnLst>
+                        <p:par>
+                          <p:cTn id="4" fill="hold">
+                            <p:stCondLst>
+                              <p:cond delay="0"/>
+                            </p:stCondLst>
+                            <p:childTnLst>
+                              <p:par>
+                                <p:cTn id="5" presetID="1" presetClass="mediacall" presetSubtype="0" fill="hold" nodeType="clickEffect">
+                                  <p:stCondLst>
+                                    <p:cond delay="0"/>
+                                  </p:stCondLst>
+                                  <p:childTnLst>
+                                    <p:cmd type="call" cmd="playFrom(0.0)">
+                                      <p:cBhvr>
+                                        <p:cTn id="6" dur="679" fill="hold"/>
+                                        <p:tgtEl>
+                                          <p:spTgt spid="5"/>
+                                        </p:tgtEl>
+                                      </p:cBhvr>
+                                    </p:cmd>
+                                  </p:childTnLst>
+                                </p:cTn>
+                              </p:par>
+                            </p:childTnLst>
+                          </p:cTn>
+                        </p:par>
+                      </p:childTnLst>
+                    </p:cTn>
+                  </p:par>
+                </p:childTnLst>
+              </p:cTn>
+              <p:prevCondLst>
+                <p:cond evt="onPrev" delay="0">
+                  <p:tgtEl>
+                    <p:sldTgt/>
+                  </p:tgtEl>
+                </p:cond>
+              </p:prevCondLst>
+              <p:nextCondLst>
+                <p:cond evt="onNext" delay="0">
+                  <p:tgtEl>
+                    <p:sldTgt/>
+                  </p:tgtEl>
+                </p:cond>
+              </p:nextCondLst>
+            </p:seq>
+            <p:audio>
+              <p:cMediaNode vol="80000">
+                <p:cTn id="7" fill="hold" display="0">
+                  <p:stCondLst>
+                    <p:cond delay="indefinite"/>
+                  </p:stCondLst>
+                  <p:endCondLst>
+                    <p:cond evt="onStopAudio" delay="0">
+                      <p:tgtEl>
+                        <p:sldTgt/>
+                      </p:tgtEl>
+                    </p:cond>
+                  </p:endCondLst>
+                </p:cTn>
+                <p:tgtEl>
+                  <p:spTgt spid="5"/>
+                </p:tgtEl>
+              </p:cMediaNode>
+            </p:audio>
+          </p:childTnLst>
+        </p:cTn>
+      </p:par>
+    </p:tnLst>
+  </p:timing>
 </p:sld>
 </file>
 
@@ -6839,6 +9157,44 @@
           </a:p>
         </p:txBody>
       </p:sp>
+      <p:pic>
+        <p:nvPicPr>
+          <p:cNvPr id="5" name="sound27">
+            <a:hlinkClick r:id="" action="ppaction://media"/>
+            <a:extLst>
+              <a:ext uri="{FF2B5EF4-FFF2-40B4-BE49-F238E27FC236}">
+                <a16:creationId xmlns:a16="http://schemas.microsoft.com/office/drawing/2014/main" id="{464C5BC1-8DAE-6CA4-20F6-EF7E7701B6CD}"/>
+              </a:ext>
+            </a:extLst>
+          </p:cNvPr>
+          <p:cNvPicPr>
+            <a:picLocks noChangeAspect="1"/>
+          </p:cNvPicPr>
+          <p:nvPr>
+            <a:audioFile r:link="rId2"/>
+            <p:extLst>
+              <p:ext uri="{DAA4B4D4-6D71-4841-9C94-3DE7FCFB9230}">
+                <p14:media xmlns:p14="http://schemas.microsoft.com/office/powerpoint/2010/main" r:embed="rId1"/>
+              </p:ext>
+            </p:extLst>
+          </p:nvPr>
+        </p:nvPicPr>
+        <p:blipFill>
+          <a:blip r:embed="rId4"/>
+          <a:stretch>
+            <a:fillRect/>
+          </a:stretch>
+        </p:blipFill>
+        <p:spPr>
+          <a:xfrm>
+            <a:off x="4267200" y="3558381"/>
+            <a:ext cx="609600" cy="609600"/>
+          </a:xfrm>
+          <a:prstGeom prst="rect">
+            <a:avLst/>
+          </a:prstGeom>
+        </p:spPr>
+      </p:pic>
     </p:spTree>
     <p:extLst>
       <p:ext uri="{BB962C8B-B14F-4D97-AF65-F5344CB8AC3E}">
@@ -6849,6 +9205,90 @@
   <p:clrMapOvr>
     <a:masterClrMapping/>
   </p:clrMapOvr>
+  <p:timing>
+    <p:tnLst>
+      <p:par>
+        <p:cTn id="1" dur="indefinite" restart="never" nodeType="tmRoot">
+          <p:childTnLst>
+            <p:seq concurrent="1" nextAc="seek">
+              <p:cTn id="2" dur="indefinite" nodeType="mainSeq">
+                <p:childTnLst>
+                  <p:par>
+                    <p:cTn id="3" fill="hold">
+                      <p:stCondLst>
+                        <p:cond delay="indefinite"/>
+                      </p:stCondLst>
+                      <p:childTnLst>
+                        <p:par>
+                          <p:cTn id="4" fill="hold">
+                            <p:stCondLst>
+                              <p:cond delay="0"/>
+                            </p:stCondLst>
+                            <p:childTnLst>
+                              <p:par>
+                                <p:cTn id="5" presetID="1" presetClass="mediacall" presetSubtype="0" fill="hold" nodeType="clickEffect">
+                                  <p:stCondLst>
+                                    <p:cond delay="0"/>
+                                  </p:stCondLst>
+                                  <p:childTnLst>
+                                    <p:cmd type="call" cmd="playFrom(0.0)">
+                                      <p:cBhvr>
+                                        <p:cTn id="6" dur="574" fill="hold"/>
+                                        <p:tgtEl>
+                                          <p:spTgt spid="5"/>
+                                        </p:tgtEl>
+                                      </p:cBhvr>
+                                    </p:cmd>
+                                  </p:childTnLst>
+                                </p:cTn>
+                              </p:par>
+                            </p:childTnLst>
+                          </p:cTn>
+                        </p:par>
+                      </p:childTnLst>
+                    </p:cTn>
+                  </p:par>
+                </p:childTnLst>
+              </p:cTn>
+              <p:prevCondLst>
+                <p:cond evt="onPrev" delay="0">
+                  <p:tgtEl>
+                    <p:sldTgt/>
+                  </p:tgtEl>
+                </p:cond>
+              </p:prevCondLst>
+              <p:nextCondLst>
+                <p:cond evt="onNext" delay="0">
+                  <p:tgtEl>
+                    <p:sldTgt/>
+                  </p:tgtEl>
+                </p:cond>
+              </p:nextCondLst>
+            </p:seq>
+            <p:audio>
+              <p:cMediaNode vol="80000">
+                <p:cTn id="7" fill="hold" display="0">
+                  <p:stCondLst>
+                    <p:cond delay="indefinite"/>
+                  </p:stCondLst>
+                  <p:endCondLst>
+                    <p:cond evt="onStopAudio" delay="0">
+                      <p:tgtEl>
+                        <p:sldTgt/>
+                      </p:tgtEl>
+                    </p:cond>
+                  </p:endCondLst>
+                </p:cTn>
+                <p:tgtEl>
+                  <p:spTgt spid="5"/>
+                </p:tgtEl>
+              </p:cMediaNode>
+            </p:audio>
+          </p:childTnLst>
+        </p:cTn>
+      </p:par>
+    </p:tnLst>
+  </p:timing>
 </p:sld>
 </file>
 
@@ -6996,6 +9436,44 @@
           </a:p>
         </p:txBody>
       </p:sp>
+      <p:pic>
+        <p:nvPicPr>
+          <p:cNvPr id="5" name="sound1">
+            <a:hlinkClick r:id="" action="ppaction://media"/>
+            <a:extLst>
+              <a:ext uri="{FF2B5EF4-FFF2-40B4-BE49-F238E27FC236}">
+                <a16:creationId xmlns:a16="http://schemas.microsoft.com/office/drawing/2014/main" id="{62964E79-4A47-1819-F4A7-C28289674560}"/>
+              </a:ext>
+            </a:extLst>
+          </p:cNvPr>
+          <p:cNvPicPr>
+            <a:picLocks noChangeAspect="1"/>
+          </p:cNvPicPr>
+          <p:nvPr>
+            <a:audioFile r:link="rId2"/>
+            <p:extLst>
+              <p:ext uri="{DAA4B4D4-6D71-4841-9C94-3DE7FCFB9230}">
+                <p14:media xmlns:p14="http://schemas.microsoft.com/office/powerpoint/2010/main" r:embed="rId1"/>
+              </p:ext>
+            </p:extLst>
+          </p:nvPr>
+        </p:nvPicPr>
+        <p:blipFill>
+          <a:blip r:embed="rId4"/>
+          <a:stretch>
+            <a:fillRect/>
+          </a:stretch>
+        </p:blipFill>
+        <p:spPr>
+          <a:xfrm>
+            <a:off x="4267200" y="4192479"/>
+            <a:ext cx="609600" cy="609600"/>
+          </a:xfrm>
+          <a:prstGeom prst="rect">
+            <a:avLst/>
+          </a:prstGeom>
+        </p:spPr>
+      </p:pic>
     </p:spTree>
     <p:extLst>
       <p:ext uri="{BB962C8B-B14F-4D97-AF65-F5344CB8AC3E}">
@@ -7006,6 +9484,90 @@
   <p:clrMapOvr>
     <a:masterClrMapping/>
   </p:clrMapOvr>
+  <p:timing>
+    <p:tnLst>
+      <p:par>
+        <p:cTn id="1" dur="indefinite" restart="never" nodeType="tmRoot">
+          <p:childTnLst>
+            <p:seq concurrent="1" nextAc="seek">
+              <p:cTn id="2" dur="indefinite" nodeType="mainSeq">
+                <p:childTnLst>
+                  <p:par>
+                    <p:cTn id="3" fill="hold">
+                      <p:stCondLst>
+                        <p:cond delay="indefinite"/>
+                      </p:stCondLst>
+                      <p:childTnLst>
+                        <p:par>
+                          <p:cTn id="4" fill="hold">
+                            <p:stCondLst>
+                              <p:cond delay="0"/>
+                            </p:stCondLst>
+                            <p:childTnLst>
+                              <p:par>
+                                <p:cTn id="5" presetID="1" presetClass="mediacall" presetSubtype="0" fill="hold" nodeType="clickEffect">
+                                  <p:stCondLst>
+                                    <p:cond delay="0"/>
+                                  </p:stCondLst>
+                                  <p:childTnLst>
+                                    <p:cmd type="call" cmd="playFrom(0.0)">
+                                      <p:cBhvr>
+                                        <p:cTn id="6" dur="731" fill="hold"/>
+                                        <p:tgtEl>
+                                          <p:spTgt spid="5"/>
+                                        </p:tgtEl>
+                                      </p:cBhvr>
+                                    </p:cmd>
+                                  </p:childTnLst>
+                                </p:cTn>
+                              </p:par>
+                            </p:childTnLst>
+                          </p:cTn>
+                        </p:par>
+                      </p:childTnLst>
+                    </p:cTn>
+                  </p:par>
+                </p:childTnLst>
+              </p:cTn>
+              <p:prevCondLst>
+                <p:cond evt="onPrev" delay="0">
+                  <p:tgtEl>
+                    <p:sldTgt/>
+                  </p:tgtEl>
+                </p:cond>
+              </p:prevCondLst>
+              <p:nextCondLst>
+                <p:cond evt="onNext" delay="0">
+                  <p:tgtEl>
+                    <p:sldTgt/>
+                  </p:tgtEl>
+                </p:cond>
+              </p:nextCondLst>
+            </p:seq>
+            <p:audio>
+              <p:cMediaNode vol="100000">
+                <p:cTn id="7" fill="hold" display="0">
+                  <p:stCondLst>
+                    <p:cond delay="indefinite"/>
+                  </p:stCondLst>
+                  <p:endCondLst>
+                    <p:cond evt="onStopAudio" delay="0">
+                      <p:tgtEl>
+                        <p:sldTgt/>
+                      </p:tgtEl>
+                    </p:cond>
+                  </p:endCondLst>
+                </p:cTn>
+                <p:tgtEl>
+                  <p:spTgt spid="5"/>
+                </p:tgtEl>
+              </p:cMediaNode>
+            </p:audio>
+          </p:childTnLst>
+        </p:cTn>
+      </p:par>
+    </p:tnLst>
+  </p:timing>
 </p:sld>
 </file>
 
@@ -7145,6 +9707,44 @@
           </a:p>
         </p:txBody>
       </p:sp>
+      <p:pic>
+        <p:nvPicPr>
+          <p:cNvPr id="5" name="sound28">
+            <a:hlinkClick r:id="" action="ppaction://media"/>
+            <a:extLst>
+              <a:ext uri="{FF2B5EF4-FFF2-40B4-BE49-F238E27FC236}">
+                <a16:creationId xmlns:a16="http://schemas.microsoft.com/office/drawing/2014/main" id="{DD72C095-6B9F-4A0F-3750-AED35ED6A8FB}"/>
+              </a:ext>
+            </a:extLst>
+          </p:cNvPr>
+          <p:cNvPicPr>
+            <a:picLocks noChangeAspect="1"/>
+          </p:cNvPicPr>
+          <p:nvPr>
+            <a:audioFile r:link="rId2"/>
+            <p:extLst>
+              <p:ext uri="{DAA4B4D4-6D71-4841-9C94-3DE7FCFB9230}">
+                <p14:media xmlns:p14="http://schemas.microsoft.com/office/powerpoint/2010/main" r:embed="rId1"/>
+              </p:ext>
+            </p:extLst>
+          </p:nvPr>
+        </p:nvPicPr>
+        <p:blipFill>
+          <a:blip r:embed="rId4"/>
+          <a:stretch>
+            <a:fillRect/>
+          </a:stretch>
+        </p:blipFill>
+        <p:spPr>
+          <a:xfrm>
+            <a:off x="4267200" y="3558381"/>
+            <a:ext cx="609600" cy="609600"/>
+          </a:xfrm>
+          <a:prstGeom prst="rect">
+            <a:avLst/>
+          </a:prstGeom>
+        </p:spPr>
+      </p:pic>
     </p:spTree>
     <p:extLst>
       <p:ext uri="{BB962C8B-B14F-4D97-AF65-F5344CB8AC3E}">
@@ -7155,6 +9755,90 @@
   <p:clrMapOvr>
     <a:masterClrMapping/>
   </p:clrMapOvr>
+  <p:timing>
+    <p:tnLst>
+      <p:par>
+        <p:cTn id="1" dur="indefinite" restart="never" nodeType="tmRoot">
+          <p:childTnLst>
+            <p:seq concurrent="1" nextAc="seek">
+              <p:cTn id="2" dur="indefinite" nodeType="mainSeq">
+                <p:childTnLst>
+                  <p:par>
+                    <p:cTn id="3" fill="hold">
+                      <p:stCondLst>
+                        <p:cond delay="indefinite"/>
+                      </p:stCondLst>
+                      <p:childTnLst>
+                        <p:par>
+                          <p:cTn id="4" fill="hold">
+                            <p:stCondLst>
+                              <p:cond delay="0"/>
+                            </p:stCondLst>
+                            <p:childTnLst>
+                              <p:par>
+                                <p:cTn id="5" presetID="1" presetClass="mediacall" presetSubtype="0" fill="hold" nodeType="clickEffect">
+                                  <p:stCondLst>
+                                    <p:cond delay="0"/>
+                                  </p:stCondLst>
+                                  <p:childTnLst>
+                                    <p:cmd type="call" cmd="playFrom(0.0)">
+                                      <p:cBhvr>
+                                        <p:cTn id="6" dur="417" fill="hold"/>
+                                        <p:tgtEl>
+                                          <p:spTgt spid="5"/>
+                                        </p:tgtEl>
+                                      </p:cBhvr>
+                                    </p:cmd>
+                                  </p:childTnLst>
+                                </p:cTn>
+                              </p:par>
+                            </p:childTnLst>
+                          </p:cTn>
+                        </p:par>
+                      </p:childTnLst>
+                    </p:cTn>
+                  </p:par>
+                </p:childTnLst>
+              </p:cTn>
+              <p:prevCondLst>
+                <p:cond evt="onPrev" delay="0">
+                  <p:tgtEl>
+                    <p:sldTgt/>
+                  </p:tgtEl>
+                </p:cond>
+              </p:prevCondLst>
+              <p:nextCondLst>
+                <p:cond evt="onNext" delay="0">
+                  <p:tgtEl>
+                    <p:sldTgt/>
+                  </p:tgtEl>
+                </p:cond>
+              </p:nextCondLst>
+            </p:seq>
+            <p:audio>
+              <p:cMediaNode vol="80000">
+                <p:cTn id="7" fill="hold" display="0">
+                  <p:stCondLst>
+                    <p:cond delay="indefinite"/>
+                  </p:stCondLst>
+                  <p:endCondLst>
+                    <p:cond evt="onStopAudio" delay="0">
+                      <p:tgtEl>
+                        <p:sldTgt/>
+                      </p:tgtEl>
+                    </p:cond>
+                  </p:endCondLst>
+                </p:cTn>
+                <p:tgtEl>
+                  <p:spTgt spid="5"/>
+                </p:tgtEl>
+              </p:cMediaNode>
+            </p:audio>
+          </p:childTnLst>
+        </p:cTn>
+      </p:par>
+    </p:tnLst>
+  </p:timing>
 </p:sld>
 </file>
 
@@ -7294,6 +9978,44 @@
           </a:p>
         </p:txBody>
       </p:sp>
+      <p:pic>
+        <p:nvPicPr>
+          <p:cNvPr id="5" name="sound29">
+            <a:hlinkClick r:id="" action="ppaction://media"/>
+            <a:extLst>
+              <a:ext uri="{FF2B5EF4-FFF2-40B4-BE49-F238E27FC236}">
+                <a16:creationId xmlns:a16="http://schemas.microsoft.com/office/drawing/2014/main" id="{78F14184-81CC-7384-E871-03E8B56C3E37}"/>
+              </a:ext>
+            </a:extLst>
+          </p:cNvPr>
+          <p:cNvPicPr>
+            <a:picLocks noChangeAspect="1"/>
+          </p:cNvPicPr>
+          <p:nvPr>
+            <a:audioFile r:link="rId2"/>
+            <p:extLst>
+              <p:ext uri="{DAA4B4D4-6D71-4841-9C94-3DE7FCFB9230}">
+                <p14:media xmlns:p14="http://schemas.microsoft.com/office/powerpoint/2010/main" r:embed="rId1"/>
+              </p:ext>
+            </p:extLst>
+          </p:nvPr>
+        </p:nvPicPr>
+        <p:blipFill>
+          <a:blip r:embed="rId4"/>
+          <a:stretch>
+            <a:fillRect/>
+          </a:stretch>
+        </p:blipFill>
+        <p:spPr>
+          <a:xfrm>
+            <a:off x="4267200" y="3558381"/>
+            <a:ext cx="609600" cy="609600"/>
+          </a:xfrm>
+          <a:prstGeom prst="rect">
+            <a:avLst/>
+          </a:prstGeom>
+        </p:spPr>
+      </p:pic>
     </p:spTree>
     <p:extLst>
       <p:ext uri="{BB962C8B-B14F-4D97-AF65-F5344CB8AC3E}">
@@ -7304,6 +10026,90 @@
   <p:clrMapOvr>
     <a:masterClrMapping/>
   </p:clrMapOvr>
+  <p:timing>
+    <p:tnLst>
+      <p:par>
+        <p:cTn id="1" dur="indefinite" restart="never" nodeType="tmRoot">
+          <p:childTnLst>
+            <p:seq concurrent="1" nextAc="seek">
+              <p:cTn id="2" dur="indefinite" nodeType="mainSeq">
+                <p:childTnLst>
+                  <p:par>
+                    <p:cTn id="3" fill="hold">
+                      <p:stCondLst>
+                        <p:cond delay="indefinite"/>
+                      </p:stCondLst>
+                      <p:childTnLst>
+                        <p:par>
+                          <p:cTn id="4" fill="hold">
+                            <p:stCondLst>
+                              <p:cond delay="0"/>
+                            </p:stCondLst>
+                            <p:childTnLst>
+                              <p:par>
+                                <p:cTn id="5" presetID="1" presetClass="mediacall" presetSubtype="0" fill="hold" nodeType="clickEffect">
+                                  <p:stCondLst>
+                                    <p:cond delay="0"/>
+                                  </p:stCondLst>
+                                  <p:childTnLst>
+                                    <p:cmd type="call" cmd="playFrom(0.0)">
+                                      <p:cBhvr>
+                                        <p:cTn id="6" dur="339" fill="hold"/>
+                                        <p:tgtEl>
+                                          <p:spTgt spid="5"/>
+                                        </p:tgtEl>
+                                      </p:cBhvr>
+                                    </p:cmd>
+                                  </p:childTnLst>
+                                </p:cTn>
+                              </p:par>
+                            </p:childTnLst>
+                          </p:cTn>
+                        </p:par>
+                      </p:childTnLst>
+                    </p:cTn>
+                  </p:par>
+                </p:childTnLst>
+              </p:cTn>
+              <p:prevCondLst>
+                <p:cond evt="onPrev" delay="0">
+                  <p:tgtEl>
+                    <p:sldTgt/>
+                  </p:tgtEl>
+                </p:cond>
+              </p:prevCondLst>
+              <p:nextCondLst>
+                <p:cond evt="onNext" delay="0">
+                  <p:tgtEl>
+                    <p:sldTgt/>
+                  </p:tgtEl>
+                </p:cond>
+              </p:nextCondLst>
+            </p:seq>
+            <p:audio>
+              <p:cMediaNode vol="80000">
+                <p:cTn id="7" fill="hold" display="0">
+                  <p:stCondLst>
+                    <p:cond delay="indefinite"/>
+                  </p:stCondLst>
+                  <p:endCondLst>
+                    <p:cond evt="onStopAudio" delay="0">
+                      <p:tgtEl>
+                        <p:sldTgt/>
+                      </p:tgtEl>
+                    </p:cond>
+                  </p:endCondLst>
+                </p:cTn>
+                <p:tgtEl>
+                  <p:spTgt spid="5"/>
+                </p:tgtEl>
+              </p:cMediaNode>
+            </p:audio>
+          </p:childTnLst>
+        </p:cTn>
+      </p:par>
+    </p:tnLst>
+  </p:timing>
 </p:sld>
 </file>
 
@@ -7447,6 +10253,44 @@
           </a:p>
         </p:txBody>
       </p:sp>
+      <p:pic>
+        <p:nvPicPr>
+          <p:cNvPr id="5" name="sound30">
+            <a:hlinkClick r:id="" action="ppaction://media"/>
+            <a:extLst>
+              <a:ext uri="{FF2B5EF4-FFF2-40B4-BE49-F238E27FC236}">
+                <a16:creationId xmlns:a16="http://schemas.microsoft.com/office/drawing/2014/main" id="{06B0378C-67F0-52B0-D585-9C34B0A841B9}"/>
+              </a:ext>
+            </a:extLst>
+          </p:cNvPr>
+          <p:cNvPicPr>
+            <a:picLocks noChangeAspect="1"/>
+          </p:cNvPicPr>
+          <p:nvPr>
+            <a:audioFile r:link="rId2"/>
+            <p:extLst>
+              <p:ext uri="{DAA4B4D4-6D71-4841-9C94-3DE7FCFB9230}">
+                <p14:media xmlns:p14="http://schemas.microsoft.com/office/powerpoint/2010/main" r:embed="rId1"/>
+              </p:ext>
+            </p:extLst>
+          </p:nvPr>
+        </p:nvPicPr>
+        <p:blipFill>
+          <a:blip r:embed="rId4"/>
+          <a:stretch>
+            <a:fillRect/>
+          </a:stretch>
+        </p:blipFill>
+        <p:spPr>
+          <a:xfrm>
+            <a:off x="4267200" y="3124200"/>
+            <a:ext cx="609600" cy="609600"/>
+          </a:xfrm>
+          <a:prstGeom prst="rect">
+            <a:avLst/>
+          </a:prstGeom>
+        </p:spPr>
+      </p:pic>
     </p:spTree>
     <p:extLst>
       <p:ext uri="{BB962C8B-B14F-4D97-AF65-F5344CB8AC3E}">
@@ -7457,6 +10301,90 @@
   <p:clrMapOvr>
     <a:masterClrMapping/>
   </p:clrMapOvr>
+  <p:timing>
+    <p:tnLst>
+      <p:par>
+        <p:cTn id="1" dur="indefinite" restart="never" nodeType="tmRoot">
+          <p:childTnLst>
+            <p:seq concurrent="1" nextAc="seek">
+              <p:cTn id="2" dur="indefinite" nodeType="mainSeq">
+                <p:childTnLst>
+                  <p:par>
+                    <p:cTn id="3" fill="hold">
+                      <p:stCondLst>
+                        <p:cond delay="indefinite"/>
+                      </p:stCondLst>
+                      <p:childTnLst>
+                        <p:par>
+                          <p:cTn id="4" fill="hold">
+                            <p:stCondLst>
+                              <p:cond delay="0"/>
+                            </p:stCondLst>
+                            <p:childTnLst>
+                              <p:par>
+                                <p:cTn id="5" presetID="1" presetClass="mediacall" presetSubtype="0" fill="hold" nodeType="clickEffect">
+                                  <p:stCondLst>
+                                    <p:cond delay="0"/>
+                                  </p:stCondLst>
+                                  <p:childTnLst>
+                                    <p:cmd type="call" cmd="playFrom(0.0)">
+                                      <p:cBhvr>
+                                        <p:cTn id="6" dur="470" fill="hold"/>
+                                        <p:tgtEl>
+                                          <p:spTgt spid="5"/>
+                                        </p:tgtEl>
+                                      </p:cBhvr>
+                                    </p:cmd>
+                                  </p:childTnLst>
+                                </p:cTn>
+                              </p:par>
+                            </p:childTnLst>
+                          </p:cTn>
+                        </p:par>
+                      </p:childTnLst>
+                    </p:cTn>
+                  </p:par>
+                </p:childTnLst>
+              </p:cTn>
+              <p:prevCondLst>
+                <p:cond evt="onPrev" delay="0">
+                  <p:tgtEl>
+                    <p:sldTgt/>
+                  </p:tgtEl>
+                </p:cond>
+              </p:prevCondLst>
+              <p:nextCondLst>
+                <p:cond evt="onNext" delay="0">
+                  <p:tgtEl>
+                    <p:sldTgt/>
+                  </p:tgtEl>
+                </p:cond>
+              </p:nextCondLst>
+            </p:seq>
+            <p:audio>
+              <p:cMediaNode vol="80000">
+                <p:cTn id="7" fill="hold" display="0">
+                  <p:stCondLst>
+                    <p:cond delay="indefinite"/>
+                  </p:stCondLst>
+                  <p:endCondLst>
+                    <p:cond evt="onStopAudio" delay="0">
+                      <p:tgtEl>
+                        <p:sldTgt/>
+                      </p:tgtEl>
+                    </p:cond>
+                  </p:endCondLst>
+                </p:cTn>
+                <p:tgtEl>
+                  <p:spTgt spid="5"/>
+                </p:tgtEl>
+              </p:cMediaNode>
+            </p:audio>
+          </p:childTnLst>
+        </p:cTn>
+      </p:par>
+    </p:tnLst>
+  </p:timing>
 </p:sld>
 </file>
 
@@ -7596,6 +10524,44 @@
           </a:p>
         </p:txBody>
       </p:sp>
+      <p:pic>
+        <p:nvPicPr>
+          <p:cNvPr id="5" name="sound31">
+            <a:hlinkClick r:id="" action="ppaction://media"/>
+            <a:extLst>
+              <a:ext uri="{FF2B5EF4-FFF2-40B4-BE49-F238E27FC236}">
+                <a16:creationId xmlns:a16="http://schemas.microsoft.com/office/drawing/2014/main" id="{57E546A9-167B-7CA1-0001-C6B5DEAFD765}"/>
+              </a:ext>
+            </a:extLst>
+          </p:cNvPr>
+          <p:cNvPicPr>
+            <a:picLocks noChangeAspect="1"/>
+          </p:cNvPicPr>
+          <p:nvPr>
+            <a:audioFile r:link="rId2"/>
+            <p:extLst>
+              <p:ext uri="{DAA4B4D4-6D71-4841-9C94-3DE7FCFB9230}">
+                <p14:media xmlns:p14="http://schemas.microsoft.com/office/powerpoint/2010/main" r:embed="rId1"/>
+              </p:ext>
+            </p:extLst>
+          </p:nvPr>
+        </p:nvPicPr>
+        <p:blipFill>
+          <a:blip r:embed="rId4"/>
+          <a:stretch>
+            <a:fillRect/>
+          </a:stretch>
+        </p:blipFill>
+        <p:spPr>
+          <a:xfrm>
+            <a:off x="4267200" y="3124200"/>
+            <a:ext cx="609600" cy="609600"/>
+          </a:xfrm>
+          <a:prstGeom prst="rect">
+            <a:avLst/>
+          </a:prstGeom>
+        </p:spPr>
+      </p:pic>
     </p:spTree>
     <p:extLst>
       <p:ext uri="{BB962C8B-B14F-4D97-AF65-F5344CB8AC3E}">
@@ -7606,6 +10572,90 @@
   <p:clrMapOvr>
     <a:masterClrMapping/>
   </p:clrMapOvr>
+  <p:timing>
+    <p:tnLst>
+      <p:par>
+        <p:cTn id="1" dur="indefinite" restart="never" nodeType="tmRoot">
+          <p:childTnLst>
+            <p:seq concurrent="1" nextAc="seek">
+              <p:cTn id="2" dur="indefinite" nodeType="mainSeq">
+                <p:childTnLst>
+                  <p:par>
+                    <p:cTn id="3" fill="hold">
+                      <p:stCondLst>
+                        <p:cond delay="indefinite"/>
+                      </p:stCondLst>
+                      <p:childTnLst>
+                        <p:par>
+                          <p:cTn id="4" fill="hold">
+                            <p:stCondLst>
+                              <p:cond delay="0"/>
+                            </p:stCondLst>
+                            <p:childTnLst>
+                              <p:par>
+                                <p:cTn id="5" presetID="1" presetClass="mediacall" presetSubtype="0" fill="hold" nodeType="clickEffect">
+                                  <p:stCondLst>
+                                    <p:cond delay="0"/>
+                                  </p:stCondLst>
+                                  <p:childTnLst>
+                                    <p:cmd type="call" cmd="playFrom(0.0)">
+                                      <p:cBhvr>
+                                        <p:cTn id="6" dur="391" fill="hold"/>
+                                        <p:tgtEl>
+                                          <p:spTgt spid="5"/>
+                                        </p:tgtEl>
+                                      </p:cBhvr>
+                                    </p:cmd>
+                                  </p:childTnLst>
+                                </p:cTn>
+                              </p:par>
+                            </p:childTnLst>
+                          </p:cTn>
+                        </p:par>
+                      </p:childTnLst>
+                    </p:cTn>
+                  </p:par>
+                </p:childTnLst>
+              </p:cTn>
+              <p:prevCondLst>
+                <p:cond evt="onPrev" delay="0">
+                  <p:tgtEl>
+                    <p:sldTgt/>
+                  </p:tgtEl>
+                </p:cond>
+              </p:prevCondLst>
+              <p:nextCondLst>
+                <p:cond evt="onNext" delay="0">
+                  <p:tgtEl>
+                    <p:sldTgt/>
+                  </p:tgtEl>
+                </p:cond>
+              </p:nextCondLst>
+            </p:seq>
+            <p:audio>
+              <p:cMediaNode vol="80000">
+                <p:cTn id="7" fill="hold" display="0">
+                  <p:stCondLst>
+                    <p:cond delay="indefinite"/>
+                  </p:stCondLst>
+                  <p:endCondLst>
+                    <p:cond evt="onStopAudio" delay="0">
+                      <p:tgtEl>
+                        <p:sldTgt/>
+                      </p:tgtEl>
+                    </p:cond>
+                  </p:endCondLst>
+                </p:cTn>
+                <p:tgtEl>
+                  <p:spTgt spid="5"/>
+                </p:tgtEl>
+              </p:cMediaNode>
+            </p:audio>
+          </p:childTnLst>
+        </p:cTn>
+      </p:par>
+    </p:tnLst>
+  </p:timing>
 </p:sld>
 </file>
 
@@ -7749,6 +10799,44 @@
           </a:p>
         </p:txBody>
       </p:sp>
+      <p:pic>
+        <p:nvPicPr>
+          <p:cNvPr id="5" name="sound32">
+            <a:hlinkClick r:id="" action="ppaction://media"/>
+            <a:extLst>
+              <a:ext uri="{FF2B5EF4-FFF2-40B4-BE49-F238E27FC236}">
+                <a16:creationId xmlns:a16="http://schemas.microsoft.com/office/drawing/2014/main" id="{F4999E02-2B24-E82B-A252-D9D771743876}"/>
+              </a:ext>
+            </a:extLst>
+          </p:cNvPr>
+          <p:cNvPicPr>
+            <a:picLocks noChangeAspect="1"/>
+          </p:cNvPicPr>
+          <p:nvPr>
+            <a:audioFile r:link="rId2"/>
+            <p:extLst>
+              <p:ext uri="{DAA4B4D4-6D71-4841-9C94-3DE7FCFB9230}">
+                <p14:media xmlns:p14="http://schemas.microsoft.com/office/powerpoint/2010/main" r:embed="rId1"/>
+              </p:ext>
+            </p:extLst>
+          </p:nvPr>
+        </p:nvPicPr>
+        <p:blipFill>
+          <a:blip r:embed="rId4"/>
+          <a:stretch>
+            <a:fillRect/>
+          </a:stretch>
+        </p:blipFill>
+        <p:spPr>
+          <a:xfrm>
+            <a:off x="4267200" y="3124200"/>
+            <a:ext cx="609600" cy="609600"/>
+          </a:xfrm>
+          <a:prstGeom prst="rect">
+            <a:avLst/>
+          </a:prstGeom>
+        </p:spPr>
+      </p:pic>
     </p:spTree>
     <p:extLst>
       <p:ext uri="{BB962C8B-B14F-4D97-AF65-F5344CB8AC3E}">
@@ -7759,6 +10847,90 @@
   <p:clrMapOvr>
     <a:masterClrMapping/>
   </p:clrMapOvr>
+  <p:timing>
+    <p:tnLst>
+      <p:par>
+        <p:cTn id="1" dur="indefinite" restart="never" nodeType="tmRoot">
+          <p:childTnLst>
+            <p:seq concurrent="1" nextAc="seek">
+              <p:cTn id="2" dur="indefinite" nodeType="mainSeq">
+                <p:childTnLst>
+                  <p:par>
+                    <p:cTn id="3" fill="hold">
+                      <p:stCondLst>
+                        <p:cond delay="indefinite"/>
+                      </p:stCondLst>
+                      <p:childTnLst>
+                        <p:par>
+                          <p:cTn id="4" fill="hold">
+                            <p:stCondLst>
+                              <p:cond delay="0"/>
+                            </p:stCondLst>
+                            <p:childTnLst>
+                              <p:par>
+                                <p:cTn id="5" presetID="1" presetClass="mediacall" presetSubtype="0" fill="hold" nodeType="clickEffect">
+                                  <p:stCondLst>
+                                    <p:cond delay="0"/>
+                                  </p:stCondLst>
+                                  <p:childTnLst>
+                                    <p:cmd type="call" cmd="playFrom(0.0)">
+                                      <p:cBhvr>
+                                        <p:cTn id="6" dur="522" fill="hold"/>
+                                        <p:tgtEl>
+                                          <p:spTgt spid="5"/>
+                                        </p:tgtEl>
+                                      </p:cBhvr>
+                                    </p:cmd>
+                                  </p:childTnLst>
+                                </p:cTn>
+                              </p:par>
+                            </p:childTnLst>
+                          </p:cTn>
+                        </p:par>
+                      </p:childTnLst>
+                    </p:cTn>
+                  </p:par>
+                </p:childTnLst>
+              </p:cTn>
+              <p:prevCondLst>
+                <p:cond evt="onPrev" delay="0">
+                  <p:tgtEl>
+                    <p:sldTgt/>
+                  </p:tgtEl>
+                </p:cond>
+              </p:prevCondLst>
+              <p:nextCondLst>
+                <p:cond evt="onNext" delay="0">
+                  <p:tgtEl>
+                    <p:sldTgt/>
+                  </p:tgtEl>
+                </p:cond>
+              </p:nextCondLst>
+            </p:seq>
+            <p:audio>
+              <p:cMediaNode vol="80000">
+                <p:cTn id="7" fill="hold" display="0">
+                  <p:stCondLst>
+                    <p:cond delay="indefinite"/>
+                  </p:stCondLst>
+                  <p:endCondLst>
+                    <p:cond evt="onStopAudio" delay="0">
+                      <p:tgtEl>
+                        <p:sldTgt/>
+                      </p:tgtEl>
+                    </p:cond>
+                  </p:endCondLst>
+                </p:cTn>
+                <p:tgtEl>
+                  <p:spTgt spid="5"/>
+                </p:tgtEl>
+              </p:cMediaNode>
+            </p:audio>
+          </p:childTnLst>
+        </p:cTn>
+      </p:par>
+    </p:tnLst>
+  </p:timing>
 </p:sld>
 </file>
 
@@ -7906,6 +11078,44 @@
           </a:p>
         </p:txBody>
       </p:sp>
+      <p:pic>
+        <p:nvPicPr>
+          <p:cNvPr id="5" name="sound33">
+            <a:hlinkClick r:id="" action="ppaction://media"/>
+            <a:extLst>
+              <a:ext uri="{FF2B5EF4-FFF2-40B4-BE49-F238E27FC236}">
+                <a16:creationId xmlns:a16="http://schemas.microsoft.com/office/drawing/2014/main" id="{7B56C5BB-5B33-A9ED-FDF6-3C9B0CCADF50}"/>
+              </a:ext>
+            </a:extLst>
+          </p:cNvPr>
+          <p:cNvPicPr>
+            <a:picLocks noChangeAspect="1"/>
+          </p:cNvPicPr>
+          <p:nvPr>
+            <a:audioFile r:link="rId2"/>
+            <p:extLst>
+              <p:ext uri="{DAA4B4D4-6D71-4841-9C94-3DE7FCFB9230}">
+                <p14:media xmlns:p14="http://schemas.microsoft.com/office/powerpoint/2010/main" r:embed="rId1"/>
+              </p:ext>
+            </p:extLst>
+          </p:nvPr>
+        </p:nvPicPr>
+        <p:blipFill>
+          <a:blip r:embed="rId4"/>
+          <a:stretch>
+            <a:fillRect/>
+          </a:stretch>
+        </p:blipFill>
+        <p:spPr>
+          <a:xfrm>
+            <a:off x="4267200" y="3124200"/>
+            <a:ext cx="609600" cy="609600"/>
+          </a:xfrm>
+          <a:prstGeom prst="rect">
+            <a:avLst/>
+          </a:prstGeom>
+        </p:spPr>
+      </p:pic>
     </p:spTree>
     <p:extLst>
       <p:ext uri="{BB962C8B-B14F-4D97-AF65-F5344CB8AC3E}">
@@ -7916,6 +11126,90 @@
   <p:clrMapOvr>
     <a:masterClrMapping/>
   </p:clrMapOvr>
+  <p:timing>
+    <p:tnLst>
+      <p:par>
+        <p:cTn id="1" dur="indefinite" restart="never" nodeType="tmRoot">
+          <p:childTnLst>
+            <p:seq concurrent="1" nextAc="seek">
+              <p:cTn id="2" dur="indefinite" nodeType="mainSeq">
+                <p:childTnLst>
+                  <p:par>
+                    <p:cTn id="3" fill="hold">
+                      <p:stCondLst>
+                        <p:cond delay="indefinite"/>
+                      </p:stCondLst>
+                      <p:childTnLst>
+                        <p:par>
+                          <p:cTn id="4" fill="hold">
+                            <p:stCondLst>
+                              <p:cond delay="0"/>
+                            </p:stCondLst>
+                            <p:childTnLst>
+                              <p:par>
+                                <p:cTn id="5" presetID="1" presetClass="mediacall" presetSubtype="0" fill="hold" nodeType="clickEffect">
+                                  <p:stCondLst>
+                                    <p:cond delay="0"/>
+                                  </p:stCondLst>
+                                  <p:childTnLst>
+                                    <p:cmd type="call" cmd="playFrom(0.0)">
+                                      <p:cBhvr>
+                                        <p:cTn id="6" dur="391" fill="hold"/>
+                                        <p:tgtEl>
+                                          <p:spTgt spid="5"/>
+                                        </p:tgtEl>
+                                      </p:cBhvr>
+                                    </p:cmd>
+                                  </p:childTnLst>
+                                </p:cTn>
+                              </p:par>
+                            </p:childTnLst>
+                          </p:cTn>
+                        </p:par>
+                      </p:childTnLst>
+                    </p:cTn>
+                  </p:par>
+                </p:childTnLst>
+              </p:cTn>
+              <p:prevCondLst>
+                <p:cond evt="onPrev" delay="0">
+                  <p:tgtEl>
+                    <p:sldTgt/>
+                  </p:tgtEl>
+                </p:cond>
+              </p:prevCondLst>
+              <p:nextCondLst>
+                <p:cond evt="onNext" delay="0">
+                  <p:tgtEl>
+                    <p:sldTgt/>
+                  </p:tgtEl>
+                </p:cond>
+              </p:nextCondLst>
+            </p:seq>
+            <p:audio>
+              <p:cMediaNode vol="80000">
+                <p:cTn id="7" fill="hold" display="0">
+                  <p:stCondLst>
+                    <p:cond delay="indefinite"/>
+                  </p:stCondLst>
+                  <p:endCondLst>
+                    <p:cond evt="onStopAudio" delay="0">
+                      <p:tgtEl>
+                        <p:sldTgt/>
+                      </p:tgtEl>
+                    </p:cond>
+                  </p:endCondLst>
+                </p:cTn>
+                <p:tgtEl>
+                  <p:spTgt spid="5"/>
+                </p:tgtEl>
+              </p:cMediaNode>
+            </p:audio>
+          </p:childTnLst>
+        </p:cTn>
+      </p:par>
+    </p:tnLst>
+  </p:timing>
 </p:sld>
 </file>
 
@@ -8055,6 +11349,44 @@
           </a:p>
         </p:txBody>
       </p:sp>
+      <p:pic>
+        <p:nvPicPr>
+          <p:cNvPr id="5" name="sound34">
+            <a:hlinkClick r:id="" action="ppaction://media"/>
+            <a:extLst>
+              <a:ext uri="{FF2B5EF4-FFF2-40B4-BE49-F238E27FC236}">
+                <a16:creationId xmlns:a16="http://schemas.microsoft.com/office/drawing/2014/main" id="{DF12A839-7407-F0A3-A458-74A9A8D646E3}"/>
+              </a:ext>
+            </a:extLst>
+          </p:cNvPr>
+          <p:cNvPicPr>
+            <a:picLocks noChangeAspect="1"/>
+          </p:cNvPicPr>
+          <p:nvPr>
+            <a:audioFile r:link="rId2"/>
+            <p:extLst>
+              <p:ext uri="{DAA4B4D4-6D71-4841-9C94-3DE7FCFB9230}">
+                <p14:media xmlns:p14="http://schemas.microsoft.com/office/powerpoint/2010/main" r:embed="rId1"/>
+              </p:ext>
+            </p:extLst>
+          </p:nvPr>
+        </p:nvPicPr>
+        <p:blipFill>
+          <a:blip r:embed="rId4"/>
+          <a:stretch>
+            <a:fillRect/>
+          </a:stretch>
+        </p:blipFill>
+        <p:spPr>
+          <a:xfrm>
+            <a:off x="4267200" y="3124200"/>
+            <a:ext cx="609600" cy="609600"/>
+          </a:xfrm>
+          <a:prstGeom prst="rect">
+            <a:avLst/>
+          </a:prstGeom>
+        </p:spPr>
+      </p:pic>
     </p:spTree>
     <p:extLst>
       <p:ext uri="{BB962C8B-B14F-4D97-AF65-F5344CB8AC3E}">
@@ -8065,6 +11397,90 @@
   <p:clrMapOvr>
     <a:masterClrMapping/>
   </p:clrMapOvr>
+  <p:timing>
+    <p:tnLst>
+      <p:par>
+        <p:cTn id="1" dur="indefinite" restart="never" nodeType="tmRoot">
+          <p:childTnLst>
+            <p:seq concurrent="1" nextAc="seek">
+              <p:cTn id="2" dur="indefinite" nodeType="mainSeq">
+                <p:childTnLst>
+                  <p:par>
+                    <p:cTn id="3" fill="hold">
+                      <p:stCondLst>
+                        <p:cond delay="indefinite"/>
+                      </p:stCondLst>
+                      <p:childTnLst>
+                        <p:par>
+                          <p:cTn id="4" fill="hold">
+                            <p:stCondLst>
+                              <p:cond delay="0"/>
+                            </p:stCondLst>
+                            <p:childTnLst>
+                              <p:par>
+                                <p:cTn id="5" presetID="1" presetClass="mediacall" presetSubtype="0" fill="hold" nodeType="clickEffect">
+                                  <p:stCondLst>
+                                    <p:cond delay="0"/>
+                                  </p:stCondLst>
+                                  <p:childTnLst>
+                                    <p:cmd type="call" cmd="playFrom(0.0)">
+                                      <p:cBhvr>
+                                        <p:cTn id="6" dur="548" fill="hold"/>
+                                        <p:tgtEl>
+                                          <p:spTgt spid="5"/>
+                                        </p:tgtEl>
+                                      </p:cBhvr>
+                                    </p:cmd>
+                                  </p:childTnLst>
+                                </p:cTn>
+                              </p:par>
+                            </p:childTnLst>
+                          </p:cTn>
+                        </p:par>
+                      </p:childTnLst>
+                    </p:cTn>
+                  </p:par>
+                </p:childTnLst>
+              </p:cTn>
+              <p:prevCondLst>
+                <p:cond evt="onPrev" delay="0">
+                  <p:tgtEl>
+                    <p:sldTgt/>
+                  </p:tgtEl>
+                </p:cond>
+              </p:prevCondLst>
+              <p:nextCondLst>
+                <p:cond evt="onNext" delay="0">
+                  <p:tgtEl>
+                    <p:sldTgt/>
+                  </p:tgtEl>
+                </p:cond>
+              </p:nextCondLst>
+            </p:seq>
+            <p:audio>
+              <p:cMediaNode vol="80000">
+                <p:cTn id="7" fill="hold" display="0">
+                  <p:stCondLst>
+                    <p:cond delay="indefinite"/>
+                  </p:stCondLst>
+                  <p:endCondLst>
+                    <p:cond evt="onStopAudio" delay="0">
+                      <p:tgtEl>
+                        <p:sldTgt/>
+                      </p:tgtEl>
+                    </p:cond>
+                  </p:endCondLst>
+                </p:cTn>
+                <p:tgtEl>
+                  <p:spTgt spid="5"/>
+                </p:tgtEl>
+              </p:cMediaNode>
+            </p:audio>
+          </p:childTnLst>
+        </p:cTn>
+      </p:par>
+    </p:tnLst>
+  </p:timing>
 </p:sld>
 </file>
 
@@ -8212,6 +11628,44 @@
           </a:p>
         </p:txBody>
       </p:sp>
+      <p:pic>
+        <p:nvPicPr>
+          <p:cNvPr id="5" name="sound35">
+            <a:hlinkClick r:id="" action="ppaction://media"/>
+            <a:extLst>
+              <a:ext uri="{FF2B5EF4-FFF2-40B4-BE49-F238E27FC236}">
+                <a16:creationId xmlns:a16="http://schemas.microsoft.com/office/drawing/2014/main" id="{A4CE66C4-1EBD-8E33-C118-B3A77562B587}"/>
+              </a:ext>
+            </a:extLst>
+          </p:cNvPr>
+          <p:cNvPicPr>
+            <a:picLocks noChangeAspect="1"/>
+          </p:cNvPicPr>
+          <p:nvPr>
+            <a:audioFile r:link="rId2"/>
+            <p:extLst>
+              <p:ext uri="{DAA4B4D4-6D71-4841-9C94-3DE7FCFB9230}">
+                <p14:media xmlns:p14="http://schemas.microsoft.com/office/powerpoint/2010/main" r:embed="rId1"/>
+              </p:ext>
+            </p:extLst>
+          </p:nvPr>
+        </p:nvPicPr>
+        <p:blipFill>
+          <a:blip r:embed="rId4"/>
+          <a:stretch>
+            <a:fillRect/>
+          </a:stretch>
+        </p:blipFill>
+        <p:spPr>
+          <a:xfrm>
+            <a:off x="4267200" y="3124200"/>
+            <a:ext cx="609600" cy="609600"/>
+          </a:xfrm>
+          <a:prstGeom prst="rect">
+            <a:avLst/>
+          </a:prstGeom>
+        </p:spPr>
+      </p:pic>
     </p:spTree>
     <p:extLst>
       <p:ext uri="{BB962C8B-B14F-4D97-AF65-F5344CB8AC3E}">
@@ -8222,6 +11676,90 @@
   <p:clrMapOvr>
     <a:masterClrMapping/>
   </p:clrMapOvr>
+  <p:timing>
+    <p:tnLst>
+      <p:par>
+        <p:cTn id="1" dur="indefinite" restart="never" nodeType="tmRoot">
+          <p:childTnLst>
+            <p:seq concurrent="1" nextAc="seek">
+              <p:cTn id="2" dur="indefinite" nodeType="mainSeq">
+                <p:childTnLst>
+                  <p:par>
+                    <p:cTn id="3" fill="hold">
+                      <p:stCondLst>
+                        <p:cond delay="indefinite"/>
+                      </p:stCondLst>
+                      <p:childTnLst>
+                        <p:par>
+                          <p:cTn id="4" fill="hold">
+                            <p:stCondLst>
+                              <p:cond delay="0"/>
+                            </p:stCondLst>
+                            <p:childTnLst>
+                              <p:par>
+                                <p:cTn id="5" presetID="1" presetClass="mediacall" presetSubtype="0" fill="hold" nodeType="clickEffect">
+                                  <p:stCondLst>
+                                    <p:cond delay="0"/>
+                                  </p:stCondLst>
+                                  <p:childTnLst>
+                                    <p:cmd type="call" cmd="playFrom(0.0)">
+                                      <p:cBhvr>
+                                        <p:cTn id="6" dur="574" fill="hold"/>
+                                        <p:tgtEl>
+                                          <p:spTgt spid="5"/>
+                                        </p:tgtEl>
+                                      </p:cBhvr>
+                                    </p:cmd>
+                                  </p:childTnLst>
+                                </p:cTn>
+                              </p:par>
+                            </p:childTnLst>
+                          </p:cTn>
+                        </p:par>
+                      </p:childTnLst>
+                    </p:cTn>
+                  </p:par>
+                </p:childTnLst>
+              </p:cTn>
+              <p:prevCondLst>
+                <p:cond evt="onPrev" delay="0">
+                  <p:tgtEl>
+                    <p:sldTgt/>
+                  </p:tgtEl>
+                </p:cond>
+              </p:prevCondLst>
+              <p:nextCondLst>
+                <p:cond evt="onNext" delay="0">
+                  <p:tgtEl>
+                    <p:sldTgt/>
+                  </p:tgtEl>
+                </p:cond>
+              </p:nextCondLst>
+            </p:seq>
+            <p:audio>
+              <p:cMediaNode vol="80000">
+                <p:cTn id="7" fill="hold" display="0">
+                  <p:stCondLst>
+                    <p:cond delay="indefinite"/>
+                  </p:stCondLst>
+                  <p:endCondLst>
+                    <p:cond evt="onStopAudio" delay="0">
+                      <p:tgtEl>
+                        <p:sldTgt/>
+                      </p:tgtEl>
+                    </p:cond>
+                  </p:endCondLst>
+                </p:cTn>
+                <p:tgtEl>
+                  <p:spTgt spid="5"/>
+                </p:tgtEl>
+              </p:cMediaNode>
+            </p:audio>
+          </p:childTnLst>
+        </p:cTn>
+      </p:par>
+    </p:tnLst>
+  </p:timing>
 </p:sld>
 </file>
 
@@ -8361,6 +11899,44 @@
           </a:p>
         </p:txBody>
       </p:sp>
+      <p:pic>
+        <p:nvPicPr>
+          <p:cNvPr id="5" name="sound36">
+            <a:hlinkClick r:id="" action="ppaction://media"/>
+            <a:extLst>
+              <a:ext uri="{FF2B5EF4-FFF2-40B4-BE49-F238E27FC236}">
+                <a16:creationId xmlns:a16="http://schemas.microsoft.com/office/drawing/2014/main" id="{5CFD854C-3CEC-990B-CB0B-01535FD0BCE4}"/>
+              </a:ext>
+            </a:extLst>
+          </p:cNvPr>
+          <p:cNvPicPr>
+            <a:picLocks noChangeAspect="1"/>
+          </p:cNvPicPr>
+          <p:nvPr>
+            <a:audioFile r:link="rId2"/>
+            <p:extLst>
+              <p:ext uri="{DAA4B4D4-6D71-4841-9C94-3DE7FCFB9230}">
+                <p14:media xmlns:p14="http://schemas.microsoft.com/office/powerpoint/2010/main" r:embed="rId1"/>
+              </p:ext>
+            </p:extLst>
+          </p:nvPr>
+        </p:nvPicPr>
+        <p:blipFill>
+          <a:blip r:embed="rId4"/>
+          <a:stretch>
+            <a:fillRect/>
+          </a:stretch>
+        </p:blipFill>
+        <p:spPr>
+          <a:xfrm>
+            <a:off x="4267200" y="3124200"/>
+            <a:ext cx="609600" cy="609600"/>
+          </a:xfrm>
+          <a:prstGeom prst="rect">
+            <a:avLst/>
+          </a:prstGeom>
+        </p:spPr>
+      </p:pic>
     </p:spTree>
     <p:extLst>
       <p:ext uri="{BB962C8B-B14F-4D97-AF65-F5344CB8AC3E}">
@@ -8371,6 +11947,90 @@
   <p:clrMapOvr>
     <a:masterClrMapping/>
   </p:clrMapOvr>
+  <p:timing>
+    <p:tnLst>
+      <p:par>
+        <p:cTn id="1" dur="indefinite" restart="never" nodeType="tmRoot">
+          <p:childTnLst>
+            <p:seq concurrent="1" nextAc="seek">
+              <p:cTn id="2" dur="indefinite" nodeType="mainSeq">
+                <p:childTnLst>
+                  <p:par>
+                    <p:cTn id="3" fill="hold">
+                      <p:stCondLst>
+                        <p:cond delay="indefinite"/>
+                      </p:stCondLst>
+                      <p:childTnLst>
+                        <p:par>
+                          <p:cTn id="4" fill="hold">
+                            <p:stCondLst>
+                              <p:cond delay="0"/>
+                            </p:stCondLst>
+                            <p:childTnLst>
+                              <p:par>
+                                <p:cTn id="5" presetID="1" presetClass="mediacall" presetSubtype="0" fill="hold" nodeType="clickEffect">
+                                  <p:stCondLst>
+                                    <p:cond delay="0"/>
+                                  </p:stCondLst>
+                                  <p:childTnLst>
+                                    <p:cmd type="call" cmd="playFrom(0.0)">
+                                      <p:cBhvr>
+                                        <p:cTn id="6" dur="496" fill="hold"/>
+                                        <p:tgtEl>
+                                          <p:spTgt spid="5"/>
+                                        </p:tgtEl>
+                                      </p:cBhvr>
+                                    </p:cmd>
+                                  </p:childTnLst>
+                                </p:cTn>
+                              </p:par>
+                            </p:childTnLst>
+                          </p:cTn>
+                        </p:par>
+                      </p:childTnLst>
+                    </p:cTn>
+                  </p:par>
+                </p:childTnLst>
+              </p:cTn>
+              <p:prevCondLst>
+                <p:cond evt="onPrev" delay="0">
+                  <p:tgtEl>
+                    <p:sldTgt/>
+                  </p:tgtEl>
+                </p:cond>
+              </p:prevCondLst>
+              <p:nextCondLst>
+                <p:cond evt="onNext" delay="0">
+                  <p:tgtEl>
+                    <p:sldTgt/>
+                  </p:tgtEl>
+                </p:cond>
+              </p:nextCondLst>
+            </p:seq>
+            <p:audio>
+              <p:cMediaNode vol="80000">
+                <p:cTn id="7" fill="hold" display="0">
+                  <p:stCondLst>
+                    <p:cond delay="indefinite"/>
+                  </p:stCondLst>
+                  <p:endCondLst>
+                    <p:cond evt="onStopAudio" delay="0">
+                      <p:tgtEl>
+                        <p:sldTgt/>
+                      </p:tgtEl>
+                    </p:cond>
+                  </p:endCondLst>
+                </p:cTn>
+                <p:tgtEl>
+                  <p:spTgt spid="5"/>
+                </p:tgtEl>
+              </p:cMediaNode>
+            </p:audio>
+          </p:childTnLst>
+        </p:cTn>
+      </p:par>
+    </p:tnLst>
+  </p:timing>
 </p:sld>
 </file>
 
@@ -8510,6 +12170,44 @@
           </a:p>
         </p:txBody>
       </p:sp>
+      <p:pic>
+        <p:nvPicPr>
+          <p:cNvPr id="5" name="sound37">
+            <a:hlinkClick r:id="" action="ppaction://media"/>
+            <a:extLst>
+              <a:ext uri="{FF2B5EF4-FFF2-40B4-BE49-F238E27FC236}">
+                <a16:creationId xmlns:a16="http://schemas.microsoft.com/office/drawing/2014/main" id="{CCE2841D-3ACB-FAB2-E7A9-FC965059FC3E}"/>
+              </a:ext>
+            </a:extLst>
+          </p:cNvPr>
+          <p:cNvPicPr>
+            <a:picLocks noChangeAspect="1"/>
+          </p:cNvPicPr>
+          <p:nvPr>
+            <a:audioFile r:link="rId2"/>
+            <p:extLst>
+              <p:ext uri="{DAA4B4D4-6D71-4841-9C94-3DE7FCFB9230}">
+                <p14:media xmlns:p14="http://schemas.microsoft.com/office/powerpoint/2010/main" r:embed="rId1"/>
+              </p:ext>
+            </p:extLst>
+          </p:nvPr>
+        </p:nvPicPr>
+        <p:blipFill>
+          <a:blip r:embed="rId4"/>
+          <a:stretch>
+            <a:fillRect/>
+          </a:stretch>
+        </p:blipFill>
+        <p:spPr>
+          <a:xfrm>
+            <a:off x="4267200" y="3124200"/>
+            <a:ext cx="609600" cy="609600"/>
+          </a:xfrm>
+          <a:prstGeom prst="rect">
+            <a:avLst/>
+          </a:prstGeom>
+        </p:spPr>
+      </p:pic>
     </p:spTree>
     <p:extLst>
       <p:ext uri="{BB962C8B-B14F-4D97-AF65-F5344CB8AC3E}">
@@ -8520,6 +12218,90 @@
   <p:clrMapOvr>
     <a:masterClrMapping/>
   </p:clrMapOvr>
+  <p:timing>
+    <p:tnLst>
+      <p:par>
+        <p:cTn id="1" dur="indefinite" restart="never" nodeType="tmRoot">
+          <p:childTnLst>
+            <p:seq concurrent="1" nextAc="seek">
+              <p:cTn id="2" dur="indefinite" nodeType="mainSeq">
+                <p:childTnLst>
+                  <p:par>
+                    <p:cTn id="3" fill="hold">
+                      <p:stCondLst>
+                        <p:cond delay="indefinite"/>
+                      </p:stCondLst>
+                      <p:childTnLst>
+                        <p:par>
+                          <p:cTn id="4" fill="hold">
+                            <p:stCondLst>
+                              <p:cond delay="0"/>
+                            </p:stCondLst>
+                            <p:childTnLst>
+                              <p:par>
+                                <p:cTn id="5" presetID="1" presetClass="mediacall" presetSubtype="0" fill="hold" nodeType="clickEffect">
+                                  <p:stCondLst>
+                                    <p:cond delay="0"/>
+                                  </p:stCondLst>
+                                  <p:childTnLst>
+                                    <p:cmd type="call" cmd="playFrom(0.0)">
+                                      <p:cBhvr>
+                                        <p:cTn id="6" dur="444" fill="hold"/>
+                                        <p:tgtEl>
+                                          <p:spTgt spid="5"/>
+                                        </p:tgtEl>
+                                      </p:cBhvr>
+                                    </p:cmd>
+                                  </p:childTnLst>
+                                </p:cTn>
+                              </p:par>
+                            </p:childTnLst>
+                          </p:cTn>
+                        </p:par>
+                      </p:childTnLst>
+                    </p:cTn>
+                  </p:par>
+                </p:childTnLst>
+              </p:cTn>
+              <p:prevCondLst>
+                <p:cond evt="onPrev" delay="0">
+                  <p:tgtEl>
+                    <p:sldTgt/>
+                  </p:tgtEl>
+                </p:cond>
+              </p:prevCondLst>
+              <p:nextCondLst>
+                <p:cond evt="onNext" delay="0">
+                  <p:tgtEl>
+                    <p:sldTgt/>
+                  </p:tgtEl>
+                </p:cond>
+              </p:nextCondLst>
+            </p:seq>
+            <p:audio>
+              <p:cMediaNode vol="80000">
+                <p:cTn id="7" fill="hold" display="0">
+                  <p:stCondLst>
+                    <p:cond delay="indefinite"/>
+                  </p:stCondLst>
+                  <p:endCondLst>
+                    <p:cond evt="onStopAudio" delay="0">
+                      <p:tgtEl>
+                        <p:sldTgt/>
+                      </p:tgtEl>
+                    </p:cond>
+                  </p:endCondLst>
+                </p:cTn>
+                <p:tgtEl>
+                  <p:spTgt spid="5"/>
+                </p:tgtEl>
+              </p:cMediaNode>
+            </p:audio>
+          </p:childTnLst>
+        </p:cTn>
+      </p:par>
+    </p:tnLst>
+  </p:timing>
 </p:sld>
 </file>
 
@@ -8667,6 +12449,44 @@
           </a:p>
         </p:txBody>
       </p:sp>
+      <p:pic>
+        <p:nvPicPr>
+          <p:cNvPr id="5" name="sound2">
+            <a:hlinkClick r:id="" action="ppaction://media"/>
+            <a:extLst>
+              <a:ext uri="{FF2B5EF4-FFF2-40B4-BE49-F238E27FC236}">
+                <a16:creationId xmlns:a16="http://schemas.microsoft.com/office/drawing/2014/main" id="{FF30698B-4A66-B9AA-3690-72E65EBFAB90}"/>
+              </a:ext>
+            </a:extLst>
+          </p:cNvPr>
+          <p:cNvPicPr>
+            <a:picLocks noChangeAspect="1"/>
+          </p:cNvPicPr>
+          <p:nvPr>
+            <a:audioFile r:link="rId2"/>
+            <p:extLst>
+              <p:ext uri="{DAA4B4D4-6D71-4841-9C94-3DE7FCFB9230}">
+                <p14:media xmlns:p14="http://schemas.microsoft.com/office/powerpoint/2010/main" r:embed="rId1"/>
+              </p:ext>
+            </p:extLst>
+          </p:nvPr>
+        </p:nvPicPr>
+        <p:blipFill>
+          <a:blip r:embed="rId4"/>
+          <a:stretch>
+            <a:fillRect/>
+          </a:stretch>
+        </p:blipFill>
+        <p:spPr>
+          <a:xfrm>
+            <a:off x="4267200" y="3124200"/>
+            <a:ext cx="609600" cy="609600"/>
+          </a:xfrm>
+          <a:prstGeom prst="rect">
+            <a:avLst/>
+          </a:prstGeom>
+        </p:spPr>
+      </p:pic>
     </p:spTree>
     <p:extLst>
       <p:ext uri="{BB962C8B-B14F-4D97-AF65-F5344CB8AC3E}">
@@ -8677,6 +12497,90 @@
   <p:clrMapOvr>
     <a:masterClrMapping/>
   </p:clrMapOvr>
+  <p:timing>
+    <p:tnLst>
+      <p:par>
+        <p:cTn id="1" dur="indefinite" restart="never" nodeType="tmRoot">
+          <p:childTnLst>
+            <p:seq concurrent="1" nextAc="seek">
+              <p:cTn id="2" dur="indefinite" nodeType="mainSeq">
+                <p:childTnLst>
+                  <p:par>
+                    <p:cTn id="3" fill="hold">
+                      <p:stCondLst>
+                        <p:cond delay="indefinite"/>
+                      </p:stCondLst>
+                      <p:childTnLst>
+                        <p:par>
+                          <p:cTn id="4" fill="hold">
+                            <p:stCondLst>
+                              <p:cond delay="0"/>
+                            </p:stCondLst>
+                            <p:childTnLst>
+                              <p:par>
+                                <p:cTn id="5" presetID="1" presetClass="mediacall" presetSubtype="0" fill="hold" nodeType="clickEffect">
+                                  <p:stCondLst>
+                                    <p:cond delay="0"/>
+                                  </p:stCondLst>
+                                  <p:childTnLst>
+                                    <p:cmd type="call" cmd="playFrom(0.0)">
+                                      <p:cBhvr>
+                                        <p:cTn id="6" dur="417" fill="hold"/>
+                                        <p:tgtEl>
+                                          <p:spTgt spid="5"/>
+                                        </p:tgtEl>
+                                      </p:cBhvr>
+                                    </p:cmd>
+                                  </p:childTnLst>
+                                </p:cTn>
+                              </p:par>
+                            </p:childTnLst>
+                          </p:cTn>
+                        </p:par>
+                      </p:childTnLst>
+                    </p:cTn>
+                  </p:par>
+                </p:childTnLst>
+              </p:cTn>
+              <p:prevCondLst>
+                <p:cond evt="onPrev" delay="0">
+                  <p:tgtEl>
+                    <p:sldTgt/>
+                  </p:tgtEl>
+                </p:cond>
+              </p:prevCondLst>
+              <p:nextCondLst>
+                <p:cond evt="onNext" delay="0">
+                  <p:tgtEl>
+                    <p:sldTgt/>
+                  </p:tgtEl>
+                </p:cond>
+              </p:nextCondLst>
+            </p:seq>
+            <p:audio>
+              <p:cMediaNode vol="80000">
+                <p:cTn id="7" fill="hold" display="0">
+                  <p:stCondLst>
+                    <p:cond delay="indefinite"/>
+                  </p:stCondLst>
+                  <p:endCondLst>
+                    <p:cond evt="onStopAudio" delay="0">
+                      <p:tgtEl>
+                        <p:sldTgt/>
+                      </p:tgtEl>
+                    </p:cond>
+                  </p:endCondLst>
+                </p:cTn>
+                <p:tgtEl>
+                  <p:spTgt spid="5"/>
+                </p:tgtEl>
+              </p:cMediaNode>
+            </p:audio>
+          </p:childTnLst>
+        </p:cTn>
+      </p:par>
+    </p:tnLst>
+  </p:timing>
 </p:sld>
 </file>
 
@@ -8816,6 +12720,44 @@
           </a:p>
         </p:txBody>
       </p:sp>
+      <p:pic>
+        <p:nvPicPr>
+          <p:cNvPr id="5" name="sound38">
+            <a:hlinkClick r:id="" action="ppaction://media"/>
+            <a:extLst>
+              <a:ext uri="{FF2B5EF4-FFF2-40B4-BE49-F238E27FC236}">
+                <a16:creationId xmlns:a16="http://schemas.microsoft.com/office/drawing/2014/main" id="{B40F721F-D4E6-492C-D72A-05F304F9B07E}"/>
+              </a:ext>
+            </a:extLst>
+          </p:cNvPr>
+          <p:cNvPicPr>
+            <a:picLocks noChangeAspect="1"/>
+          </p:cNvPicPr>
+          <p:nvPr>
+            <a:audioFile r:link="rId2"/>
+            <p:extLst>
+              <p:ext uri="{DAA4B4D4-6D71-4841-9C94-3DE7FCFB9230}">
+                <p14:media xmlns:p14="http://schemas.microsoft.com/office/powerpoint/2010/main" r:embed="rId1"/>
+              </p:ext>
+            </p:extLst>
+          </p:nvPr>
+        </p:nvPicPr>
+        <p:blipFill>
+          <a:blip r:embed="rId4"/>
+          <a:stretch>
+            <a:fillRect/>
+          </a:stretch>
+        </p:blipFill>
+        <p:spPr>
+          <a:xfrm>
+            <a:off x="4267200" y="3124200"/>
+            <a:ext cx="609600" cy="609600"/>
+          </a:xfrm>
+          <a:prstGeom prst="rect">
+            <a:avLst/>
+          </a:prstGeom>
+        </p:spPr>
+      </p:pic>
     </p:spTree>
     <p:extLst>
       <p:ext uri="{BB962C8B-B14F-4D97-AF65-F5344CB8AC3E}">
@@ -8826,6 +12768,90 @@
   <p:clrMapOvr>
     <a:masterClrMapping/>
   </p:clrMapOvr>
+  <p:timing>
+    <p:tnLst>
+      <p:par>
+        <p:cTn id="1" dur="indefinite" restart="never" nodeType="tmRoot">
+          <p:childTnLst>
+            <p:seq concurrent="1" nextAc="seek">
+              <p:cTn id="2" dur="indefinite" nodeType="mainSeq">
+                <p:childTnLst>
+                  <p:par>
+                    <p:cTn id="3" fill="hold">
+                      <p:stCondLst>
+                        <p:cond delay="indefinite"/>
+                      </p:stCondLst>
+                      <p:childTnLst>
+                        <p:par>
+                          <p:cTn id="4" fill="hold">
+                            <p:stCondLst>
+                              <p:cond delay="0"/>
+                            </p:stCondLst>
+                            <p:childTnLst>
+                              <p:par>
+                                <p:cTn id="5" presetID="1" presetClass="mediacall" presetSubtype="0" fill="hold" nodeType="clickEffect">
+                                  <p:stCondLst>
+                                    <p:cond delay="0"/>
+                                  </p:stCondLst>
+                                  <p:childTnLst>
+                                    <p:cmd type="call" cmd="playFrom(0.0)">
+                                      <p:cBhvr>
+                                        <p:cTn id="6" dur="626" fill="hold"/>
+                                        <p:tgtEl>
+                                          <p:spTgt spid="5"/>
+                                        </p:tgtEl>
+                                      </p:cBhvr>
+                                    </p:cmd>
+                                  </p:childTnLst>
+                                </p:cTn>
+                              </p:par>
+                            </p:childTnLst>
+                          </p:cTn>
+                        </p:par>
+                      </p:childTnLst>
+                    </p:cTn>
+                  </p:par>
+                </p:childTnLst>
+              </p:cTn>
+              <p:prevCondLst>
+                <p:cond evt="onPrev" delay="0">
+                  <p:tgtEl>
+                    <p:sldTgt/>
+                  </p:tgtEl>
+                </p:cond>
+              </p:prevCondLst>
+              <p:nextCondLst>
+                <p:cond evt="onNext" delay="0">
+                  <p:tgtEl>
+                    <p:sldTgt/>
+                  </p:tgtEl>
+                </p:cond>
+              </p:nextCondLst>
+            </p:seq>
+            <p:audio>
+              <p:cMediaNode vol="80000">
+                <p:cTn id="7" fill="hold" display="0">
+                  <p:stCondLst>
+                    <p:cond delay="indefinite"/>
+                  </p:stCondLst>
+                  <p:endCondLst>
+                    <p:cond evt="onStopAudio" delay="0">
+                      <p:tgtEl>
+                        <p:sldTgt/>
+                      </p:tgtEl>
+                    </p:cond>
+                  </p:endCondLst>
+                </p:cTn>
+                <p:tgtEl>
+                  <p:spTgt spid="5"/>
+                </p:tgtEl>
+              </p:cMediaNode>
+            </p:audio>
+          </p:childTnLst>
+        </p:cTn>
+      </p:par>
+    </p:tnLst>
+  </p:timing>
 </p:sld>
 </file>
 
@@ -8969,6 +12995,44 @@
           </a:p>
         </p:txBody>
       </p:sp>
+      <p:pic>
+        <p:nvPicPr>
+          <p:cNvPr id="5" name="sound39">
+            <a:hlinkClick r:id="" action="ppaction://media"/>
+            <a:extLst>
+              <a:ext uri="{FF2B5EF4-FFF2-40B4-BE49-F238E27FC236}">
+                <a16:creationId xmlns:a16="http://schemas.microsoft.com/office/drawing/2014/main" id="{D1FECD75-9769-10C1-3594-EBA4636B01C1}"/>
+              </a:ext>
+            </a:extLst>
+          </p:cNvPr>
+          <p:cNvPicPr>
+            <a:picLocks noChangeAspect="1"/>
+          </p:cNvPicPr>
+          <p:nvPr>
+            <a:audioFile r:link="rId2"/>
+            <p:extLst>
+              <p:ext uri="{DAA4B4D4-6D71-4841-9C94-3DE7FCFB9230}">
+                <p14:media xmlns:p14="http://schemas.microsoft.com/office/powerpoint/2010/main" r:embed="rId1"/>
+              </p:ext>
+            </p:extLst>
+          </p:nvPr>
+        </p:nvPicPr>
+        <p:blipFill>
+          <a:blip r:embed="rId4"/>
+          <a:stretch>
+            <a:fillRect/>
+          </a:stretch>
+        </p:blipFill>
+        <p:spPr>
+          <a:xfrm>
+            <a:off x="4267200" y="3124200"/>
+            <a:ext cx="609600" cy="609600"/>
+          </a:xfrm>
+          <a:prstGeom prst="rect">
+            <a:avLst/>
+          </a:prstGeom>
+        </p:spPr>
+      </p:pic>
     </p:spTree>
     <p:extLst>
       <p:ext uri="{BB962C8B-B14F-4D97-AF65-F5344CB8AC3E}">
@@ -8979,6 +13043,90 @@
   <p:clrMapOvr>
     <a:masterClrMapping/>
   </p:clrMapOvr>
+  <p:timing>
+    <p:tnLst>
+      <p:par>
+        <p:cTn id="1" dur="indefinite" restart="never" nodeType="tmRoot">
+          <p:childTnLst>
+            <p:seq concurrent="1" nextAc="seek">
+              <p:cTn id="2" dur="indefinite" nodeType="mainSeq">
+                <p:childTnLst>
+                  <p:par>
+                    <p:cTn id="3" fill="hold">
+                      <p:stCondLst>
+                        <p:cond delay="indefinite"/>
+                      </p:stCondLst>
+                      <p:childTnLst>
+                        <p:par>
+                          <p:cTn id="4" fill="hold">
+                            <p:stCondLst>
+                              <p:cond delay="0"/>
+                            </p:stCondLst>
+                            <p:childTnLst>
+                              <p:par>
+                                <p:cTn id="5" presetID="1" presetClass="mediacall" presetSubtype="0" fill="hold" nodeType="clickEffect">
+                                  <p:stCondLst>
+                                    <p:cond delay="0"/>
+                                  </p:stCondLst>
+                                  <p:childTnLst>
+                                    <p:cmd type="call" cmd="playFrom(0.0)">
+                                      <p:cBhvr>
+                                        <p:cTn id="6" dur="600" fill="hold"/>
+                                        <p:tgtEl>
+                                          <p:spTgt spid="5"/>
+                                        </p:tgtEl>
+                                      </p:cBhvr>
+                                    </p:cmd>
+                                  </p:childTnLst>
+                                </p:cTn>
+                              </p:par>
+                            </p:childTnLst>
+                          </p:cTn>
+                        </p:par>
+                      </p:childTnLst>
+                    </p:cTn>
+                  </p:par>
+                </p:childTnLst>
+              </p:cTn>
+              <p:prevCondLst>
+                <p:cond evt="onPrev" delay="0">
+                  <p:tgtEl>
+                    <p:sldTgt/>
+                  </p:tgtEl>
+                </p:cond>
+              </p:prevCondLst>
+              <p:nextCondLst>
+                <p:cond evt="onNext" delay="0">
+                  <p:tgtEl>
+                    <p:sldTgt/>
+                  </p:tgtEl>
+                </p:cond>
+              </p:nextCondLst>
+            </p:seq>
+            <p:audio>
+              <p:cMediaNode vol="80000">
+                <p:cTn id="7" fill="hold" display="0">
+                  <p:stCondLst>
+                    <p:cond delay="indefinite"/>
+                  </p:stCondLst>
+                  <p:endCondLst>
+                    <p:cond evt="onStopAudio" delay="0">
+                      <p:tgtEl>
+                        <p:sldTgt/>
+                      </p:tgtEl>
+                    </p:cond>
+                  </p:endCondLst>
+                </p:cTn>
+                <p:tgtEl>
+                  <p:spTgt spid="5"/>
+                </p:tgtEl>
+              </p:cMediaNode>
+            </p:audio>
+          </p:childTnLst>
+        </p:cTn>
+      </p:par>
+    </p:tnLst>
+  </p:timing>
 </p:sld>
 </file>
 
@@ -9118,6 +13266,44 @@
           </a:p>
         </p:txBody>
       </p:sp>
+      <p:pic>
+        <p:nvPicPr>
+          <p:cNvPr id="5" name="sound40">
+            <a:hlinkClick r:id="" action="ppaction://media"/>
+            <a:extLst>
+              <a:ext uri="{FF2B5EF4-FFF2-40B4-BE49-F238E27FC236}">
+                <a16:creationId xmlns:a16="http://schemas.microsoft.com/office/drawing/2014/main" id="{32CEB8F0-DB9C-ACF9-5229-ECF579264738}"/>
+              </a:ext>
+            </a:extLst>
+          </p:cNvPr>
+          <p:cNvPicPr>
+            <a:picLocks noChangeAspect="1"/>
+          </p:cNvPicPr>
+          <p:nvPr>
+            <a:audioFile r:link="rId2"/>
+            <p:extLst>
+              <p:ext uri="{DAA4B4D4-6D71-4841-9C94-3DE7FCFB9230}">
+                <p14:media xmlns:p14="http://schemas.microsoft.com/office/powerpoint/2010/main" r:embed="rId1"/>
+              </p:ext>
+            </p:extLst>
+          </p:nvPr>
+        </p:nvPicPr>
+        <p:blipFill>
+          <a:blip r:embed="rId4"/>
+          <a:stretch>
+            <a:fillRect/>
+          </a:stretch>
+        </p:blipFill>
+        <p:spPr>
+          <a:xfrm>
+            <a:off x="4267200" y="3124200"/>
+            <a:ext cx="609600" cy="609600"/>
+          </a:xfrm>
+          <a:prstGeom prst="rect">
+            <a:avLst/>
+          </a:prstGeom>
+        </p:spPr>
+      </p:pic>
     </p:spTree>
     <p:extLst>
       <p:ext uri="{BB962C8B-B14F-4D97-AF65-F5344CB8AC3E}">
@@ -9128,6 +13314,90 @@
   <p:clrMapOvr>
     <a:masterClrMapping/>
   </p:clrMapOvr>
+  <p:timing>
+    <p:tnLst>
+      <p:par>
+        <p:cTn id="1" dur="indefinite" restart="never" nodeType="tmRoot">
+          <p:childTnLst>
+            <p:seq concurrent="1" nextAc="seek">
+              <p:cTn id="2" dur="indefinite" nodeType="mainSeq">
+                <p:childTnLst>
+                  <p:par>
+                    <p:cTn id="3" fill="hold">
+                      <p:stCondLst>
+                        <p:cond delay="indefinite"/>
+                      </p:stCondLst>
+                      <p:childTnLst>
+                        <p:par>
+                          <p:cTn id="4" fill="hold">
+                            <p:stCondLst>
+                              <p:cond delay="0"/>
+                            </p:stCondLst>
+                            <p:childTnLst>
+                              <p:par>
+                                <p:cTn id="5" presetID="1" presetClass="mediacall" presetSubtype="0" fill="hold" nodeType="clickEffect">
+                                  <p:stCondLst>
+                                    <p:cond delay="0"/>
+                                  </p:stCondLst>
+                                  <p:childTnLst>
+                                    <p:cmd type="call" cmd="playFrom(0.0)">
+                                      <p:cBhvr>
+                                        <p:cTn id="6" dur="705" fill="hold"/>
+                                        <p:tgtEl>
+                                          <p:spTgt spid="5"/>
+                                        </p:tgtEl>
+                                      </p:cBhvr>
+                                    </p:cmd>
+                                  </p:childTnLst>
+                                </p:cTn>
+                              </p:par>
+                            </p:childTnLst>
+                          </p:cTn>
+                        </p:par>
+                      </p:childTnLst>
+                    </p:cTn>
+                  </p:par>
+                </p:childTnLst>
+              </p:cTn>
+              <p:prevCondLst>
+                <p:cond evt="onPrev" delay="0">
+                  <p:tgtEl>
+                    <p:sldTgt/>
+                  </p:tgtEl>
+                </p:cond>
+              </p:prevCondLst>
+              <p:nextCondLst>
+                <p:cond evt="onNext" delay="0">
+                  <p:tgtEl>
+                    <p:sldTgt/>
+                  </p:tgtEl>
+                </p:cond>
+              </p:nextCondLst>
+            </p:seq>
+            <p:audio>
+              <p:cMediaNode vol="80000">
+                <p:cTn id="7" fill="hold" display="0">
+                  <p:stCondLst>
+                    <p:cond delay="indefinite"/>
+                  </p:stCondLst>
+                  <p:endCondLst>
+                    <p:cond evt="onStopAudio" delay="0">
+                      <p:tgtEl>
+                        <p:sldTgt/>
+                      </p:tgtEl>
+                    </p:cond>
+                  </p:endCondLst>
+                </p:cTn>
+                <p:tgtEl>
+                  <p:spTgt spid="5"/>
+                </p:tgtEl>
+              </p:cMediaNode>
+            </p:audio>
+          </p:childTnLst>
+        </p:cTn>
+      </p:par>
+    </p:tnLst>
+  </p:timing>
 </p:sld>
 </file>
 
@@ -9271,6 +13541,44 @@
           </a:p>
         </p:txBody>
       </p:sp>
+      <p:pic>
+        <p:nvPicPr>
+          <p:cNvPr id="5" name="sound41">
+            <a:hlinkClick r:id="" action="ppaction://media"/>
+            <a:extLst>
+              <a:ext uri="{FF2B5EF4-FFF2-40B4-BE49-F238E27FC236}">
+                <a16:creationId xmlns:a16="http://schemas.microsoft.com/office/drawing/2014/main" id="{74BFCE0F-EB20-A809-EF29-A10BF5F906F1}"/>
+              </a:ext>
+            </a:extLst>
+          </p:cNvPr>
+          <p:cNvPicPr>
+            <a:picLocks noChangeAspect="1"/>
+          </p:cNvPicPr>
+          <p:nvPr>
+            <a:audioFile r:link="rId2"/>
+            <p:extLst>
+              <p:ext uri="{DAA4B4D4-6D71-4841-9C94-3DE7FCFB9230}">
+                <p14:media xmlns:p14="http://schemas.microsoft.com/office/powerpoint/2010/main" r:embed="rId1"/>
+              </p:ext>
+            </p:extLst>
+          </p:nvPr>
+        </p:nvPicPr>
+        <p:blipFill>
+          <a:blip r:embed="rId4"/>
+          <a:stretch>
+            <a:fillRect/>
+          </a:stretch>
+        </p:blipFill>
+        <p:spPr>
+          <a:xfrm>
+            <a:off x="4267200" y="3124200"/>
+            <a:ext cx="609600" cy="609600"/>
+          </a:xfrm>
+          <a:prstGeom prst="rect">
+            <a:avLst/>
+          </a:prstGeom>
+        </p:spPr>
+      </p:pic>
     </p:spTree>
     <p:extLst>
       <p:ext uri="{BB962C8B-B14F-4D97-AF65-F5344CB8AC3E}">
@@ -9281,6 +13589,90 @@
   <p:clrMapOvr>
     <a:masterClrMapping/>
   </p:clrMapOvr>
+  <p:timing>
+    <p:tnLst>
+      <p:par>
+        <p:cTn id="1" dur="indefinite" restart="never" nodeType="tmRoot">
+          <p:childTnLst>
+            <p:seq concurrent="1" nextAc="seek">
+              <p:cTn id="2" dur="indefinite" nodeType="mainSeq">
+                <p:childTnLst>
+                  <p:par>
+                    <p:cTn id="3" fill="hold">
+                      <p:stCondLst>
+                        <p:cond delay="indefinite"/>
+                      </p:stCondLst>
+                      <p:childTnLst>
+                        <p:par>
+                          <p:cTn id="4" fill="hold">
+                            <p:stCondLst>
+                              <p:cond delay="0"/>
+                            </p:stCondLst>
+                            <p:childTnLst>
+                              <p:par>
+                                <p:cTn id="5" presetID="1" presetClass="mediacall" presetSubtype="0" fill="hold" nodeType="clickEffect">
+                                  <p:stCondLst>
+                                    <p:cond delay="0"/>
+                                  </p:stCondLst>
+                                  <p:childTnLst>
+                                    <p:cmd type="call" cmd="playFrom(0.0)">
+                                      <p:cBhvr>
+                                        <p:cTn id="6" dur="496" fill="hold"/>
+                                        <p:tgtEl>
+                                          <p:spTgt spid="5"/>
+                                        </p:tgtEl>
+                                      </p:cBhvr>
+                                    </p:cmd>
+                                  </p:childTnLst>
+                                </p:cTn>
+                              </p:par>
+                            </p:childTnLst>
+                          </p:cTn>
+                        </p:par>
+                      </p:childTnLst>
+                    </p:cTn>
+                  </p:par>
+                </p:childTnLst>
+              </p:cTn>
+              <p:prevCondLst>
+                <p:cond evt="onPrev" delay="0">
+                  <p:tgtEl>
+                    <p:sldTgt/>
+                  </p:tgtEl>
+                </p:cond>
+              </p:prevCondLst>
+              <p:nextCondLst>
+                <p:cond evt="onNext" delay="0">
+                  <p:tgtEl>
+                    <p:sldTgt/>
+                  </p:tgtEl>
+                </p:cond>
+              </p:nextCondLst>
+            </p:seq>
+            <p:audio>
+              <p:cMediaNode vol="80000">
+                <p:cTn id="7" fill="hold" display="0">
+                  <p:stCondLst>
+                    <p:cond delay="indefinite"/>
+                  </p:stCondLst>
+                  <p:endCondLst>
+                    <p:cond evt="onStopAudio" delay="0">
+                      <p:tgtEl>
+                        <p:sldTgt/>
+                      </p:tgtEl>
+                    </p:cond>
+                  </p:endCondLst>
+                </p:cTn>
+                <p:tgtEl>
+                  <p:spTgt spid="5"/>
+                </p:tgtEl>
+              </p:cMediaNode>
+            </p:audio>
+          </p:childTnLst>
+        </p:cTn>
+      </p:par>
+    </p:tnLst>
+  </p:timing>
 </p:sld>
 </file>
 
@@ -9420,6 +13812,44 @@
           </a:p>
         </p:txBody>
       </p:sp>
+      <p:pic>
+        <p:nvPicPr>
+          <p:cNvPr id="5" name="sound42">
+            <a:hlinkClick r:id="" action="ppaction://media"/>
+            <a:extLst>
+              <a:ext uri="{FF2B5EF4-FFF2-40B4-BE49-F238E27FC236}">
+                <a16:creationId xmlns:a16="http://schemas.microsoft.com/office/drawing/2014/main" id="{E417BD34-727E-5618-1586-41DCA56C0B87}"/>
+              </a:ext>
+            </a:extLst>
+          </p:cNvPr>
+          <p:cNvPicPr>
+            <a:picLocks noChangeAspect="1"/>
+          </p:cNvPicPr>
+          <p:nvPr>
+            <a:audioFile r:link="rId2"/>
+            <p:extLst>
+              <p:ext uri="{DAA4B4D4-6D71-4841-9C94-3DE7FCFB9230}">
+                <p14:media xmlns:p14="http://schemas.microsoft.com/office/powerpoint/2010/main" r:embed="rId1"/>
+              </p:ext>
+            </p:extLst>
+          </p:nvPr>
+        </p:nvPicPr>
+        <p:blipFill>
+          <a:blip r:embed="rId4"/>
+          <a:stretch>
+            <a:fillRect/>
+          </a:stretch>
+        </p:blipFill>
+        <p:spPr>
+          <a:xfrm>
+            <a:off x="4267200" y="3124200"/>
+            <a:ext cx="609600" cy="609600"/>
+          </a:xfrm>
+          <a:prstGeom prst="rect">
+            <a:avLst/>
+          </a:prstGeom>
+        </p:spPr>
+      </p:pic>
     </p:spTree>
     <p:extLst>
       <p:ext uri="{BB962C8B-B14F-4D97-AF65-F5344CB8AC3E}">
@@ -9430,6 +13860,90 @@
   <p:clrMapOvr>
     <a:masterClrMapping/>
   </p:clrMapOvr>
+  <p:timing>
+    <p:tnLst>
+      <p:par>
+        <p:cTn id="1" dur="indefinite" restart="never" nodeType="tmRoot">
+          <p:childTnLst>
+            <p:seq concurrent="1" nextAc="seek">
+              <p:cTn id="2" dur="indefinite" nodeType="mainSeq">
+                <p:childTnLst>
+                  <p:par>
+                    <p:cTn id="3" fill="hold">
+                      <p:stCondLst>
+                        <p:cond delay="indefinite"/>
+                      </p:stCondLst>
+                      <p:childTnLst>
+                        <p:par>
+                          <p:cTn id="4" fill="hold">
+                            <p:stCondLst>
+                              <p:cond delay="0"/>
+                            </p:stCondLst>
+                            <p:childTnLst>
+                              <p:par>
+                                <p:cTn id="5" presetID="1" presetClass="mediacall" presetSubtype="0" fill="hold" nodeType="clickEffect">
+                                  <p:stCondLst>
+                                    <p:cond delay="0"/>
+                                  </p:stCondLst>
+                                  <p:childTnLst>
+                                    <p:cmd type="call" cmd="playFrom(0.0)">
+                                      <p:cBhvr>
+                                        <p:cTn id="6" dur="679" fill="hold"/>
+                                        <p:tgtEl>
+                                          <p:spTgt spid="5"/>
+                                        </p:tgtEl>
+                                      </p:cBhvr>
+                                    </p:cmd>
+                                  </p:childTnLst>
+                                </p:cTn>
+                              </p:par>
+                            </p:childTnLst>
+                          </p:cTn>
+                        </p:par>
+                      </p:childTnLst>
+                    </p:cTn>
+                  </p:par>
+                </p:childTnLst>
+              </p:cTn>
+              <p:prevCondLst>
+                <p:cond evt="onPrev" delay="0">
+                  <p:tgtEl>
+                    <p:sldTgt/>
+                  </p:tgtEl>
+                </p:cond>
+              </p:prevCondLst>
+              <p:nextCondLst>
+                <p:cond evt="onNext" delay="0">
+                  <p:tgtEl>
+                    <p:sldTgt/>
+                  </p:tgtEl>
+                </p:cond>
+              </p:nextCondLst>
+            </p:seq>
+            <p:audio>
+              <p:cMediaNode vol="80000">
+                <p:cTn id="7" fill="hold" display="0">
+                  <p:stCondLst>
+                    <p:cond delay="indefinite"/>
+                  </p:stCondLst>
+                  <p:endCondLst>
+                    <p:cond evt="onStopAudio" delay="0">
+                      <p:tgtEl>
+                        <p:sldTgt/>
+                      </p:tgtEl>
+                    </p:cond>
+                  </p:endCondLst>
+                </p:cTn>
+                <p:tgtEl>
+                  <p:spTgt spid="5"/>
+                </p:tgtEl>
+              </p:cMediaNode>
+            </p:audio>
+          </p:childTnLst>
+        </p:cTn>
+      </p:par>
+    </p:tnLst>
+  </p:timing>
 </p:sld>
 </file>
 
@@ -9569,6 +14083,44 @@
           </a:p>
         </p:txBody>
       </p:sp>
+      <p:pic>
+        <p:nvPicPr>
+          <p:cNvPr id="5" name="sound43">
+            <a:hlinkClick r:id="" action="ppaction://media"/>
+            <a:extLst>
+              <a:ext uri="{FF2B5EF4-FFF2-40B4-BE49-F238E27FC236}">
+                <a16:creationId xmlns:a16="http://schemas.microsoft.com/office/drawing/2014/main" id="{6FC0BFCB-3246-0B10-798E-24A59E44E263}"/>
+              </a:ext>
+            </a:extLst>
+          </p:cNvPr>
+          <p:cNvPicPr>
+            <a:picLocks noChangeAspect="1"/>
+          </p:cNvPicPr>
+          <p:nvPr>
+            <a:audioFile r:link="rId2"/>
+            <p:extLst>
+              <p:ext uri="{DAA4B4D4-6D71-4841-9C94-3DE7FCFB9230}">
+                <p14:media xmlns:p14="http://schemas.microsoft.com/office/powerpoint/2010/main" r:embed="rId1"/>
+              </p:ext>
+            </p:extLst>
+          </p:nvPr>
+        </p:nvPicPr>
+        <p:blipFill>
+          <a:blip r:embed="rId4"/>
+          <a:stretch>
+            <a:fillRect/>
+          </a:stretch>
+        </p:blipFill>
+        <p:spPr>
+          <a:xfrm>
+            <a:off x="4267200" y="3124200"/>
+            <a:ext cx="609600" cy="609600"/>
+          </a:xfrm>
+          <a:prstGeom prst="rect">
+            <a:avLst/>
+          </a:prstGeom>
+        </p:spPr>
+      </p:pic>
     </p:spTree>
     <p:extLst>
       <p:ext uri="{BB962C8B-B14F-4D97-AF65-F5344CB8AC3E}">
@@ -9579,6 +14131,90 @@
   <p:clrMapOvr>
     <a:masterClrMapping/>
   </p:clrMapOvr>
+  <p:timing>
+    <p:tnLst>
+      <p:par>
+        <p:cTn id="1" dur="indefinite" restart="never" nodeType="tmRoot">
+          <p:childTnLst>
+            <p:seq concurrent="1" nextAc="seek">
+              <p:cTn id="2" dur="indefinite" nodeType="mainSeq">
+                <p:childTnLst>
+                  <p:par>
+                    <p:cTn id="3" fill="hold">
+                      <p:stCondLst>
+                        <p:cond delay="indefinite"/>
+                      </p:stCondLst>
+                      <p:childTnLst>
+                        <p:par>
+                          <p:cTn id="4" fill="hold">
+                            <p:stCondLst>
+                              <p:cond delay="0"/>
+                            </p:stCondLst>
+                            <p:childTnLst>
+                              <p:par>
+                                <p:cTn id="5" presetID="1" presetClass="mediacall" presetSubtype="0" fill="hold" nodeType="clickEffect">
+                                  <p:stCondLst>
+                                    <p:cond delay="0"/>
+                                  </p:stCondLst>
+                                  <p:childTnLst>
+                                    <p:cmd type="call" cmd="playFrom(0.0)">
+                                      <p:cBhvr>
+                                        <p:cTn id="6" dur="470" fill="hold"/>
+                                        <p:tgtEl>
+                                          <p:spTgt spid="5"/>
+                                        </p:tgtEl>
+                                      </p:cBhvr>
+                                    </p:cmd>
+                                  </p:childTnLst>
+                                </p:cTn>
+                              </p:par>
+                            </p:childTnLst>
+                          </p:cTn>
+                        </p:par>
+                      </p:childTnLst>
+                    </p:cTn>
+                  </p:par>
+                </p:childTnLst>
+              </p:cTn>
+              <p:prevCondLst>
+                <p:cond evt="onPrev" delay="0">
+                  <p:tgtEl>
+                    <p:sldTgt/>
+                  </p:tgtEl>
+                </p:cond>
+              </p:prevCondLst>
+              <p:nextCondLst>
+                <p:cond evt="onNext" delay="0">
+                  <p:tgtEl>
+                    <p:sldTgt/>
+                  </p:tgtEl>
+                </p:cond>
+              </p:nextCondLst>
+            </p:seq>
+            <p:audio>
+              <p:cMediaNode vol="80000">
+                <p:cTn id="7" fill="hold" display="0">
+                  <p:stCondLst>
+                    <p:cond delay="indefinite"/>
+                  </p:stCondLst>
+                  <p:endCondLst>
+                    <p:cond evt="onStopAudio" delay="0">
+                      <p:tgtEl>
+                        <p:sldTgt/>
+                      </p:tgtEl>
+                    </p:cond>
+                  </p:endCondLst>
+                </p:cTn>
+                <p:tgtEl>
+                  <p:spTgt spid="5"/>
+                </p:tgtEl>
+              </p:cMediaNode>
+            </p:audio>
+          </p:childTnLst>
+        </p:cTn>
+      </p:par>
+    </p:tnLst>
+  </p:timing>
 </p:sld>
 </file>
 
@@ -9718,6 +14354,44 @@
           </a:p>
         </p:txBody>
       </p:sp>
+      <p:pic>
+        <p:nvPicPr>
+          <p:cNvPr id="5" name="sound44">
+            <a:hlinkClick r:id="" action="ppaction://media"/>
+            <a:extLst>
+              <a:ext uri="{FF2B5EF4-FFF2-40B4-BE49-F238E27FC236}">
+                <a16:creationId xmlns:a16="http://schemas.microsoft.com/office/drawing/2014/main" id="{2388E92E-AA7D-801E-DEF5-5E90AB64ADBD}"/>
+              </a:ext>
+            </a:extLst>
+          </p:cNvPr>
+          <p:cNvPicPr>
+            <a:picLocks noChangeAspect="1"/>
+          </p:cNvPicPr>
+          <p:nvPr>
+            <a:audioFile r:link="rId2"/>
+            <p:extLst>
+              <p:ext uri="{DAA4B4D4-6D71-4841-9C94-3DE7FCFB9230}">
+                <p14:media xmlns:p14="http://schemas.microsoft.com/office/powerpoint/2010/main" r:embed="rId1"/>
+              </p:ext>
+            </p:extLst>
+          </p:nvPr>
+        </p:nvPicPr>
+        <p:blipFill>
+          <a:blip r:embed="rId4"/>
+          <a:stretch>
+            <a:fillRect/>
+          </a:stretch>
+        </p:blipFill>
+        <p:spPr>
+          <a:xfrm>
+            <a:off x="4267200" y="3124200"/>
+            <a:ext cx="609600" cy="609600"/>
+          </a:xfrm>
+          <a:prstGeom prst="rect">
+            <a:avLst/>
+          </a:prstGeom>
+        </p:spPr>
+      </p:pic>
     </p:spTree>
     <p:extLst>
       <p:ext uri="{BB962C8B-B14F-4D97-AF65-F5344CB8AC3E}">
@@ -9728,6 +14402,90 @@
   <p:clrMapOvr>
     <a:masterClrMapping/>
   </p:clrMapOvr>
+  <p:timing>
+    <p:tnLst>
+      <p:par>
+        <p:cTn id="1" dur="indefinite" restart="never" nodeType="tmRoot">
+          <p:childTnLst>
+            <p:seq concurrent="1" nextAc="seek">
+              <p:cTn id="2" dur="indefinite" nodeType="mainSeq">
+                <p:childTnLst>
+                  <p:par>
+                    <p:cTn id="3" fill="hold">
+                      <p:stCondLst>
+                        <p:cond delay="indefinite"/>
+                      </p:stCondLst>
+                      <p:childTnLst>
+                        <p:par>
+                          <p:cTn id="4" fill="hold">
+                            <p:stCondLst>
+                              <p:cond delay="0"/>
+                            </p:stCondLst>
+                            <p:childTnLst>
+                              <p:par>
+                                <p:cTn id="5" presetID="1" presetClass="mediacall" presetSubtype="0" fill="hold" nodeType="clickEffect">
+                                  <p:stCondLst>
+                                    <p:cond delay="0"/>
+                                  </p:stCondLst>
+                                  <p:childTnLst>
+                                    <p:cmd type="call" cmd="playFrom(0.0)">
+                                      <p:cBhvr>
+                                        <p:cTn id="6" dur="522" fill="hold"/>
+                                        <p:tgtEl>
+                                          <p:spTgt spid="5"/>
+                                        </p:tgtEl>
+                                      </p:cBhvr>
+                                    </p:cmd>
+                                  </p:childTnLst>
+                                </p:cTn>
+                              </p:par>
+                            </p:childTnLst>
+                          </p:cTn>
+                        </p:par>
+                      </p:childTnLst>
+                    </p:cTn>
+                  </p:par>
+                </p:childTnLst>
+              </p:cTn>
+              <p:prevCondLst>
+                <p:cond evt="onPrev" delay="0">
+                  <p:tgtEl>
+                    <p:sldTgt/>
+                  </p:tgtEl>
+                </p:cond>
+              </p:prevCondLst>
+              <p:nextCondLst>
+                <p:cond evt="onNext" delay="0">
+                  <p:tgtEl>
+                    <p:sldTgt/>
+                  </p:tgtEl>
+                </p:cond>
+              </p:nextCondLst>
+            </p:seq>
+            <p:audio>
+              <p:cMediaNode vol="80000">
+                <p:cTn id="7" fill="hold" display="0">
+                  <p:stCondLst>
+                    <p:cond delay="indefinite"/>
+                  </p:stCondLst>
+                  <p:endCondLst>
+                    <p:cond evt="onStopAudio" delay="0">
+                      <p:tgtEl>
+                        <p:sldTgt/>
+                      </p:tgtEl>
+                    </p:cond>
+                  </p:endCondLst>
+                </p:cTn>
+                <p:tgtEl>
+                  <p:spTgt spid="5"/>
+                </p:tgtEl>
+              </p:cMediaNode>
+            </p:audio>
+          </p:childTnLst>
+        </p:cTn>
+      </p:par>
+    </p:tnLst>
+  </p:timing>
 </p:sld>
 </file>
 
@@ -9990,6 +14748,44 @@
           </a:p>
         </p:txBody>
       </p:sp>
+      <p:pic>
+        <p:nvPicPr>
+          <p:cNvPr id="5" name="sound3">
+            <a:hlinkClick r:id="" action="ppaction://media"/>
+            <a:extLst>
+              <a:ext uri="{FF2B5EF4-FFF2-40B4-BE49-F238E27FC236}">
+                <a16:creationId xmlns:a16="http://schemas.microsoft.com/office/drawing/2014/main" id="{1B42DAF6-46AA-78F6-9350-A9C9082DB44C}"/>
+              </a:ext>
+            </a:extLst>
+          </p:cNvPr>
+          <p:cNvPicPr>
+            <a:picLocks noChangeAspect="1"/>
+          </p:cNvPicPr>
+          <p:nvPr>
+            <a:audioFile r:link="rId2"/>
+            <p:extLst>
+              <p:ext uri="{DAA4B4D4-6D71-4841-9C94-3DE7FCFB9230}">
+                <p14:media xmlns:p14="http://schemas.microsoft.com/office/powerpoint/2010/main" r:embed="rId1"/>
+              </p:ext>
+            </p:extLst>
+          </p:nvPr>
+        </p:nvPicPr>
+        <p:blipFill>
+          <a:blip r:embed="rId4"/>
+          <a:stretch>
+            <a:fillRect/>
+          </a:stretch>
+        </p:blipFill>
+        <p:spPr>
+          <a:xfrm>
+            <a:off x="4267200" y="3124200"/>
+            <a:ext cx="609600" cy="609600"/>
+          </a:xfrm>
+          <a:prstGeom prst="rect">
+            <a:avLst/>
+          </a:prstGeom>
+        </p:spPr>
+      </p:pic>
     </p:spTree>
     <p:extLst>
       <p:ext uri="{BB962C8B-B14F-4D97-AF65-F5344CB8AC3E}">
@@ -10000,6 +14796,90 @@
   <p:clrMapOvr>
     <a:masterClrMapping/>
   </p:clrMapOvr>
+  <p:timing>
+    <p:tnLst>
+      <p:par>
+        <p:cTn id="1" dur="indefinite" restart="never" nodeType="tmRoot">
+          <p:childTnLst>
+            <p:seq concurrent="1" nextAc="seek">
+              <p:cTn id="2" dur="indefinite" nodeType="mainSeq">
+                <p:childTnLst>
+                  <p:par>
+                    <p:cTn id="3" fill="hold">
+                      <p:stCondLst>
+                        <p:cond delay="indefinite"/>
+                      </p:stCondLst>
+                      <p:childTnLst>
+                        <p:par>
+                          <p:cTn id="4" fill="hold">
+                            <p:stCondLst>
+                              <p:cond delay="0"/>
+                            </p:stCondLst>
+                            <p:childTnLst>
+                              <p:par>
+                                <p:cTn id="5" presetID="1" presetClass="mediacall" presetSubtype="0" fill="hold" nodeType="clickEffect">
+                                  <p:stCondLst>
+                                    <p:cond delay="0"/>
+                                  </p:stCondLst>
+                                  <p:childTnLst>
+                                    <p:cmd type="call" cmd="playFrom(0.0)">
+                                      <p:cBhvr>
+                                        <p:cTn id="6" dur="574" fill="hold"/>
+                                        <p:tgtEl>
+                                          <p:spTgt spid="5"/>
+                                        </p:tgtEl>
+                                      </p:cBhvr>
+                                    </p:cmd>
+                                  </p:childTnLst>
+                                </p:cTn>
+                              </p:par>
+                            </p:childTnLst>
+                          </p:cTn>
+                        </p:par>
+                      </p:childTnLst>
+                    </p:cTn>
+                  </p:par>
+                </p:childTnLst>
+              </p:cTn>
+              <p:prevCondLst>
+                <p:cond evt="onPrev" delay="0">
+                  <p:tgtEl>
+                    <p:sldTgt/>
+                  </p:tgtEl>
+                </p:cond>
+              </p:prevCondLst>
+              <p:nextCondLst>
+                <p:cond evt="onNext" delay="0">
+                  <p:tgtEl>
+                    <p:sldTgt/>
+                  </p:tgtEl>
+                </p:cond>
+              </p:nextCondLst>
+            </p:seq>
+            <p:audio>
+              <p:cMediaNode vol="80000">
+                <p:cTn id="7" fill="hold" display="0">
+                  <p:stCondLst>
+                    <p:cond delay="indefinite"/>
+                  </p:stCondLst>
+                  <p:endCondLst>
+                    <p:cond evt="onStopAudio" delay="0">
+                      <p:tgtEl>
+                        <p:sldTgt/>
+                      </p:tgtEl>
+                    </p:cond>
+                  </p:endCondLst>
+                </p:cTn>
+                <p:tgtEl>
+                  <p:spTgt spid="5"/>
+                </p:tgtEl>
+              </p:cMediaNode>
+            </p:audio>
+          </p:childTnLst>
+        </p:cTn>
+      </p:par>
+    </p:tnLst>
+  </p:timing>
 </p:sld>
 </file>
 
@@ -10147,6 +15027,44 @@
           </a:p>
         </p:txBody>
       </p:sp>
+      <p:pic>
+        <p:nvPicPr>
+          <p:cNvPr id="5" name="sound4">
+            <a:hlinkClick r:id="" action="ppaction://media"/>
+            <a:extLst>
+              <a:ext uri="{FF2B5EF4-FFF2-40B4-BE49-F238E27FC236}">
+                <a16:creationId xmlns:a16="http://schemas.microsoft.com/office/drawing/2014/main" id="{011DC99C-DBC9-E48F-F5AF-D7C604D66F8F}"/>
+              </a:ext>
+            </a:extLst>
+          </p:cNvPr>
+          <p:cNvPicPr>
+            <a:picLocks noChangeAspect="1"/>
+          </p:cNvPicPr>
+          <p:nvPr>
+            <a:audioFile r:link="rId2"/>
+            <p:extLst>
+              <p:ext uri="{DAA4B4D4-6D71-4841-9C94-3DE7FCFB9230}">
+                <p14:media xmlns:p14="http://schemas.microsoft.com/office/powerpoint/2010/main" r:embed="rId1"/>
+              </p:ext>
+            </p:extLst>
+          </p:nvPr>
+        </p:nvPicPr>
+        <p:blipFill>
+          <a:blip r:embed="rId4"/>
+          <a:stretch>
+            <a:fillRect/>
+          </a:stretch>
+        </p:blipFill>
+        <p:spPr>
+          <a:xfrm>
+            <a:off x="4267200" y="3124200"/>
+            <a:ext cx="609600" cy="609600"/>
+          </a:xfrm>
+          <a:prstGeom prst="rect">
+            <a:avLst/>
+          </a:prstGeom>
+        </p:spPr>
+      </p:pic>
     </p:spTree>
     <p:extLst>
       <p:ext uri="{BB962C8B-B14F-4D97-AF65-F5344CB8AC3E}">
@@ -10157,6 +15075,90 @@
   <p:clrMapOvr>
     <a:masterClrMapping/>
   </p:clrMapOvr>
+  <p:timing>
+    <p:tnLst>
+      <p:par>
+        <p:cTn id="1" dur="indefinite" restart="never" nodeType="tmRoot">
+          <p:childTnLst>
+            <p:seq concurrent="1" nextAc="seek">
+              <p:cTn id="2" dur="indefinite" nodeType="mainSeq">
+                <p:childTnLst>
+                  <p:par>
+                    <p:cTn id="3" fill="hold">
+                      <p:stCondLst>
+                        <p:cond delay="indefinite"/>
+                      </p:stCondLst>
+                      <p:childTnLst>
+                        <p:par>
+                          <p:cTn id="4" fill="hold">
+                            <p:stCondLst>
+                              <p:cond delay="0"/>
+                            </p:stCondLst>
+                            <p:childTnLst>
+                              <p:par>
+                                <p:cTn id="5" presetID="1" presetClass="mediacall" presetSubtype="0" fill="hold" nodeType="clickEffect">
+                                  <p:stCondLst>
+                                    <p:cond delay="0"/>
+                                  </p:stCondLst>
+                                  <p:childTnLst>
+                                    <p:cmd type="call" cmd="playFrom(0.0)">
+                                      <p:cBhvr>
+                                        <p:cTn id="6" dur="783" fill="hold"/>
+                                        <p:tgtEl>
+                                          <p:spTgt spid="5"/>
+                                        </p:tgtEl>
+                                      </p:cBhvr>
+                                    </p:cmd>
+                                  </p:childTnLst>
+                                </p:cTn>
+                              </p:par>
+                            </p:childTnLst>
+                          </p:cTn>
+                        </p:par>
+                      </p:childTnLst>
+                    </p:cTn>
+                  </p:par>
+                </p:childTnLst>
+              </p:cTn>
+              <p:prevCondLst>
+                <p:cond evt="onPrev" delay="0">
+                  <p:tgtEl>
+                    <p:sldTgt/>
+                  </p:tgtEl>
+                </p:cond>
+              </p:prevCondLst>
+              <p:nextCondLst>
+                <p:cond evt="onNext" delay="0">
+                  <p:tgtEl>
+                    <p:sldTgt/>
+                  </p:tgtEl>
+                </p:cond>
+              </p:nextCondLst>
+            </p:seq>
+            <p:audio>
+              <p:cMediaNode vol="80000">
+                <p:cTn id="7" fill="hold" display="0">
+                  <p:stCondLst>
+                    <p:cond delay="indefinite"/>
+                  </p:stCondLst>
+                  <p:endCondLst>
+                    <p:cond evt="onStopAudio" delay="0">
+                      <p:tgtEl>
+                        <p:sldTgt/>
+                      </p:tgtEl>
+                    </p:cond>
+                  </p:endCondLst>
+                </p:cTn>
+                <p:tgtEl>
+                  <p:spTgt spid="5"/>
+                </p:tgtEl>
+              </p:cMediaNode>
+            </p:audio>
+          </p:childTnLst>
+        </p:cTn>
+      </p:par>
+    </p:tnLst>
+  </p:timing>
 </p:sld>
 </file>
 
@@ -10304,6 +15306,44 @@
           </a:p>
         </p:txBody>
       </p:sp>
+      <p:pic>
+        <p:nvPicPr>
+          <p:cNvPr id="5" name="sound5">
+            <a:hlinkClick r:id="" action="ppaction://media"/>
+            <a:extLst>
+              <a:ext uri="{FF2B5EF4-FFF2-40B4-BE49-F238E27FC236}">
+                <a16:creationId xmlns:a16="http://schemas.microsoft.com/office/drawing/2014/main" id="{5CA2FD64-F547-9CDE-6F2C-6CB5957BB3FB}"/>
+              </a:ext>
+            </a:extLst>
+          </p:cNvPr>
+          <p:cNvPicPr>
+            <a:picLocks noChangeAspect="1"/>
+          </p:cNvPicPr>
+          <p:nvPr>
+            <a:audioFile r:link="rId2"/>
+            <p:extLst>
+              <p:ext uri="{DAA4B4D4-6D71-4841-9C94-3DE7FCFB9230}">
+                <p14:media xmlns:p14="http://schemas.microsoft.com/office/powerpoint/2010/main" r:embed="rId1"/>
+              </p:ext>
+            </p:extLst>
+          </p:nvPr>
+        </p:nvPicPr>
+        <p:blipFill>
+          <a:blip r:embed="rId4"/>
+          <a:stretch>
+            <a:fillRect/>
+          </a:stretch>
+        </p:blipFill>
+        <p:spPr>
+          <a:xfrm>
+            <a:off x="4267200" y="3124200"/>
+            <a:ext cx="609600" cy="609600"/>
+          </a:xfrm>
+          <a:prstGeom prst="rect">
+            <a:avLst/>
+          </a:prstGeom>
+        </p:spPr>
+      </p:pic>
     </p:spTree>
     <p:extLst>
       <p:ext uri="{BB962C8B-B14F-4D97-AF65-F5344CB8AC3E}">
@@ -10314,6 +15354,90 @@
   <p:clrMapOvr>
     <a:masterClrMapping/>
   </p:clrMapOvr>
+  <p:timing>
+    <p:tnLst>
+      <p:par>
+        <p:cTn id="1" dur="indefinite" restart="never" nodeType="tmRoot">
+          <p:childTnLst>
+            <p:seq concurrent="1" nextAc="seek">
+              <p:cTn id="2" dur="indefinite" nodeType="mainSeq">
+                <p:childTnLst>
+                  <p:par>
+                    <p:cTn id="3" fill="hold">
+                      <p:stCondLst>
+                        <p:cond delay="indefinite"/>
+                      </p:stCondLst>
+                      <p:childTnLst>
+                        <p:par>
+                          <p:cTn id="4" fill="hold">
+                            <p:stCondLst>
+                              <p:cond delay="0"/>
+                            </p:stCondLst>
+                            <p:childTnLst>
+                              <p:par>
+                                <p:cTn id="5" presetID="1" presetClass="mediacall" presetSubtype="0" fill="hold" nodeType="clickEffect">
+                                  <p:stCondLst>
+                                    <p:cond delay="0"/>
+                                  </p:stCondLst>
+                                  <p:childTnLst>
+                                    <p:cmd type="call" cmd="playFrom(0.0)">
+                                      <p:cBhvr>
+                                        <p:cTn id="6" dur="417" fill="hold"/>
+                                        <p:tgtEl>
+                                          <p:spTgt spid="5"/>
+                                        </p:tgtEl>
+                                      </p:cBhvr>
+                                    </p:cmd>
+                                  </p:childTnLst>
+                                </p:cTn>
+                              </p:par>
+                            </p:childTnLst>
+                          </p:cTn>
+                        </p:par>
+                      </p:childTnLst>
+                    </p:cTn>
+                  </p:par>
+                </p:childTnLst>
+              </p:cTn>
+              <p:prevCondLst>
+                <p:cond evt="onPrev" delay="0">
+                  <p:tgtEl>
+                    <p:sldTgt/>
+                  </p:tgtEl>
+                </p:cond>
+              </p:prevCondLst>
+              <p:nextCondLst>
+                <p:cond evt="onNext" delay="0">
+                  <p:tgtEl>
+                    <p:sldTgt/>
+                  </p:tgtEl>
+                </p:cond>
+              </p:nextCondLst>
+            </p:seq>
+            <p:audio>
+              <p:cMediaNode vol="80000">
+                <p:cTn id="7" fill="hold" display="0">
+                  <p:stCondLst>
+                    <p:cond delay="indefinite"/>
+                  </p:stCondLst>
+                  <p:endCondLst>
+                    <p:cond evt="onStopAudio" delay="0">
+                      <p:tgtEl>
+                        <p:sldTgt/>
+                      </p:tgtEl>
+                    </p:cond>
+                  </p:endCondLst>
+                </p:cTn>
+                <p:tgtEl>
+                  <p:spTgt spid="5"/>
+                </p:tgtEl>
+              </p:cMediaNode>
+            </p:audio>
+          </p:childTnLst>
+        </p:cTn>
+      </p:par>
+    </p:tnLst>
+  </p:timing>
 </p:sld>
 </file>
 
@@ -10459,6 +15583,44 @@
           </a:p>
         </p:txBody>
       </p:sp>
+      <p:pic>
+        <p:nvPicPr>
+          <p:cNvPr id="5" name="sound6">
+            <a:hlinkClick r:id="" action="ppaction://media"/>
+            <a:extLst>
+              <a:ext uri="{FF2B5EF4-FFF2-40B4-BE49-F238E27FC236}">
+                <a16:creationId xmlns:a16="http://schemas.microsoft.com/office/drawing/2014/main" id="{1F867FB2-3085-EB80-7F3B-5B9D22B9E9DF}"/>
+              </a:ext>
+            </a:extLst>
+          </p:cNvPr>
+          <p:cNvPicPr>
+            <a:picLocks noChangeAspect="1"/>
+          </p:cNvPicPr>
+          <p:nvPr>
+            <a:audioFile r:link="rId2"/>
+            <p:extLst>
+              <p:ext uri="{DAA4B4D4-6D71-4841-9C94-3DE7FCFB9230}">
+                <p14:media xmlns:p14="http://schemas.microsoft.com/office/powerpoint/2010/main" r:embed="rId1"/>
+              </p:ext>
+            </p:extLst>
+          </p:nvPr>
+        </p:nvPicPr>
+        <p:blipFill>
+          <a:blip r:embed="rId4"/>
+          <a:stretch>
+            <a:fillRect/>
+          </a:stretch>
+        </p:blipFill>
+        <p:spPr>
+          <a:xfrm>
+            <a:off x="4267200" y="3124200"/>
+            <a:ext cx="609600" cy="609600"/>
+          </a:xfrm>
+          <a:prstGeom prst="rect">
+            <a:avLst/>
+          </a:prstGeom>
+        </p:spPr>
+      </p:pic>
     </p:spTree>
     <p:extLst>
       <p:ext uri="{BB962C8B-B14F-4D97-AF65-F5344CB8AC3E}">
@@ -10469,6 +15631,90 @@
   <p:clrMapOvr>
     <a:masterClrMapping/>
   </p:clrMapOvr>
+  <p:timing>
+    <p:tnLst>
+      <p:par>
+        <p:cTn id="1" dur="indefinite" restart="never" nodeType="tmRoot">
+          <p:childTnLst>
+            <p:seq concurrent="1" nextAc="seek">
+              <p:cTn id="2" dur="indefinite" nodeType="mainSeq">
+                <p:childTnLst>
+                  <p:par>
+                    <p:cTn id="3" fill="hold">
+                      <p:stCondLst>
+                        <p:cond delay="indefinite"/>
+                      </p:stCondLst>
+                      <p:childTnLst>
+                        <p:par>
+                          <p:cTn id="4" fill="hold">
+                            <p:stCondLst>
+                              <p:cond delay="0"/>
+                            </p:stCondLst>
+                            <p:childTnLst>
+                              <p:par>
+                                <p:cTn id="5" presetID="1" presetClass="mediacall" presetSubtype="0" fill="hold" nodeType="clickEffect">
+                                  <p:stCondLst>
+                                    <p:cond delay="0"/>
+                                  </p:stCondLst>
+                                  <p:childTnLst>
+                                    <p:cmd type="call" cmd="playFrom(0.0)">
+                                      <p:cBhvr>
+                                        <p:cTn id="6" dur="391" fill="hold"/>
+                                        <p:tgtEl>
+                                          <p:spTgt spid="5"/>
+                                        </p:tgtEl>
+                                      </p:cBhvr>
+                                    </p:cmd>
+                                  </p:childTnLst>
+                                </p:cTn>
+                              </p:par>
+                            </p:childTnLst>
+                          </p:cTn>
+                        </p:par>
+                      </p:childTnLst>
+                    </p:cTn>
+                  </p:par>
+                </p:childTnLst>
+              </p:cTn>
+              <p:prevCondLst>
+                <p:cond evt="onPrev" delay="0">
+                  <p:tgtEl>
+                    <p:sldTgt/>
+                  </p:tgtEl>
+                </p:cond>
+              </p:prevCondLst>
+              <p:nextCondLst>
+                <p:cond evt="onNext" delay="0">
+                  <p:tgtEl>
+                    <p:sldTgt/>
+                  </p:tgtEl>
+                </p:cond>
+              </p:nextCondLst>
+            </p:seq>
+            <p:audio>
+              <p:cMediaNode vol="80000">
+                <p:cTn id="7" fill="hold" display="0">
+                  <p:stCondLst>
+                    <p:cond delay="indefinite"/>
+                  </p:stCondLst>
+                  <p:endCondLst>
+                    <p:cond evt="onStopAudio" delay="0">
+                      <p:tgtEl>
+                        <p:sldTgt/>
+                      </p:tgtEl>
+                    </p:cond>
+                  </p:endCondLst>
+                </p:cTn>
+                <p:tgtEl>
+                  <p:spTgt spid="5"/>
+                </p:tgtEl>
+              </p:cMediaNode>
+            </p:audio>
+          </p:childTnLst>
+        </p:cTn>
+      </p:par>
+    </p:tnLst>
+  </p:timing>
 </p:sld>
 </file>
 
@@ -10616,6 +15862,44 @@
           </a:p>
         </p:txBody>
       </p:sp>
+      <p:pic>
+        <p:nvPicPr>
+          <p:cNvPr id="5" name="sound7">
+            <a:hlinkClick r:id="" action="ppaction://media"/>
+            <a:extLst>
+              <a:ext uri="{FF2B5EF4-FFF2-40B4-BE49-F238E27FC236}">
+                <a16:creationId xmlns:a16="http://schemas.microsoft.com/office/drawing/2014/main" id="{D4CAFCBC-4FCB-B40B-579C-BA670D43693F}"/>
+              </a:ext>
+            </a:extLst>
+          </p:cNvPr>
+          <p:cNvPicPr>
+            <a:picLocks noChangeAspect="1"/>
+          </p:cNvPicPr>
+          <p:nvPr>
+            <a:audioFile r:link="rId2"/>
+            <p:extLst>
+              <p:ext uri="{DAA4B4D4-6D71-4841-9C94-3DE7FCFB9230}">
+                <p14:media xmlns:p14="http://schemas.microsoft.com/office/powerpoint/2010/main" r:embed="rId1"/>
+              </p:ext>
+            </p:extLst>
+          </p:nvPr>
+        </p:nvPicPr>
+        <p:blipFill>
+          <a:blip r:embed="rId4"/>
+          <a:stretch>
+            <a:fillRect/>
+          </a:stretch>
+        </p:blipFill>
+        <p:spPr>
+          <a:xfrm>
+            <a:off x="4267200" y="3558381"/>
+            <a:ext cx="609600" cy="609600"/>
+          </a:xfrm>
+          <a:prstGeom prst="rect">
+            <a:avLst/>
+          </a:prstGeom>
+        </p:spPr>
+      </p:pic>
     </p:spTree>
     <p:extLst>
       <p:ext uri="{BB962C8B-B14F-4D97-AF65-F5344CB8AC3E}">
@@ -10626,6 +15910,90 @@
   <p:clrMapOvr>
     <a:masterClrMapping/>
   </p:clrMapOvr>
+  <p:timing>
+    <p:tnLst>
+      <p:par>
+        <p:cTn id="1" dur="indefinite" restart="never" nodeType="tmRoot">
+          <p:childTnLst>
+            <p:seq concurrent="1" nextAc="seek">
+              <p:cTn id="2" dur="indefinite" nodeType="mainSeq">
+                <p:childTnLst>
+                  <p:par>
+                    <p:cTn id="3" fill="hold">
+                      <p:stCondLst>
+                        <p:cond delay="indefinite"/>
+                      </p:stCondLst>
+                      <p:childTnLst>
+                        <p:par>
+                          <p:cTn id="4" fill="hold">
+                            <p:stCondLst>
+                              <p:cond delay="0"/>
+                            </p:stCondLst>
+                            <p:childTnLst>
+                              <p:par>
+                                <p:cTn id="5" presetID="1" presetClass="mediacall" presetSubtype="0" fill="hold" nodeType="clickEffect">
+                                  <p:stCondLst>
+                                    <p:cond delay="0"/>
+                                  </p:stCondLst>
+                                  <p:childTnLst>
+                                    <p:cmd type="call" cmd="playFrom(0.0)">
+                                      <p:cBhvr>
+                                        <p:cTn id="6" dur="679" fill="hold"/>
+                                        <p:tgtEl>
+                                          <p:spTgt spid="5"/>
+                                        </p:tgtEl>
+                                      </p:cBhvr>
+                                    </p:cmd>
+                                  </p:childTnLst>
+                                </p:cTn>
+                              </p:par>
+                            </p:childTnLst>
+                          </p:cTn>
+                        </p:par>
+                      </p:childTnLst>
+                    </p:cTn>
+                  </p:par>
+                </p:childTnLst>
+              </p:cTn>
+              <p:prevCondLst>
+                <p:cond evt="onPrev" delay="0">
+                  <p:tgtEl>
+                    <p:sldTgt/>
+                  </p:tgtEl>
+                </p:cond>
+              </p:prevCondLst>
+              <p:nextCondLst>
+                <p:cond evt="onNext" delay="0">
+                  <p:tgtEl>
+                    <p:sldTgt/>
+                  </p:tgtEl>
+                </p:cond>
+              </p:nextCondLst>
+            </p:seq>
+            <p:audio>
+              <p:cMediaNode vol="80000">
+                <p:cTn id="7" fill="hold" display="0">
+                  <p:stCondLst>
+                    <p:cond delay="indefinite"/>
+                  </p:stCondLst>
+                  <p:endCondLst>
+                    <p:cond evt="onStopAudio" delay="0">
+                      <p:tgtEl>
+                        <p:sldTgt/>
+                      </p:tgtEl>
+                    </p:cond>
+                  </p:endCondLst>
+                </p:cTn>
+                <p:tgtEl>
+                  <p:spTgt spid="5"/>
+                </p:tgtEl>
+              </p:cMediaNode>
+            </p:audio>
+          </p:childTnLst>
+        </p:cTn>
+      </p:par>
+    </p:tnLst>
+  </p:timing>
 </p:sld>
 </file>
 

--- a/StimPres/stimulus.pptx
+++ b/StimPres/stimulus.pptx
@@ -5,7 +5,7 @@
     <p:sldMasterId id="2147483648" r:id="rId1"/>
   </p:sldMasterIdLst>
   <p:notesMasterIdLst>
-    <p:notesMasterId r:id="rId49"/>
+    <p:notesMasterId r:id="rId93"/>
   </p:notesMasterIdLst>
   <p:sldIdLst>
     <p:sldId id="256" r:id="rId2"/>
@@ -55,6 +55,50 @@
     <p:sldId id="300" r:id="rId46"/>
     <p:sldId id="301" r:id="rId47"/>
     <p:sldId id="302" r:id="rId48"/>
+    <p:sldId id="303" r:id="rId49"/>
+    <p:sldId id="304" r:id="rId50"/>
+    <p:sldId id="305" r:id="rId51"/>
+    <p:sldId id="306" r:id="rId52"/>
+    <p:sldId id="307" r:id="rId53"/>
+    <p:sldId id="308" r:id="rId54"/>
+    <p:sldId id="309" r:id="rId55"/>
+    <p:sldId id="310" r:id="rId56"/>
+    <p:sldId id="311" r:id="rId57"/>
+    <p:sldId id="312" r:id="rId58"/>
+    <p:sldId id="313" r:id="rId59"/>
+    <p:sldId id="314" r:id="rId60"/>
+    <p:sldId id="315" r:id="rId61"/>
+    <p:sldId id="316" r:id="rId62"/>
+    <p:sldId id="317" r:id="rId63"/>
+    <p:sldId id="318" r:id="rId64"/>
+    <p:sldId id="319" r:id="rId65"/>
+    <p:sldId id="320" r:id="rId66"/>
+    <p:sldId id="321" r:id="rId67"/>
+    <p:sldId id="322" r:id="rId68"/>
+    <p:sldId id="323" r:id="rId69"/>
+    <p:sldId id="324" r:id="rId70"/>
+    <p:sldId id="325" r:id="rId71"/>
+    <p:sldId id="326" r:id="rId72"/>
+    <p:sldId id="327" r:id="rId73"/>
+    <p:sldId id="328" r:id="rId74"/>
+    <p:sldId id="329" r:id="rId75"/>
+    <p:sldId id="330" r:id="rId76"/>
+    <p:sldId id="331" r:id="rId77"/>
+    <p:sldId id="332" r:id="rId78"/>
+    <p:sldId id="333" r:id="rId79"/>
+    <p:sldId id="334" r:id="rId80"/>
+    <p:sldId id="335" r:id="rId81"/>
+    <p:sldId id="336" r:id="rId82"/>
+    <p:sldId id="337" r:id="rId83"/>
+    <p:sldId id="338" r:id="rId84"/>
+    <p:sldId id="339" r:id="rId85"/>
+    <p:sldId id="340" r:id="rId86"/>
+    <p:sldId id="341" r:id="rId87"/>
+    <p:sldId id="342" r:id="rId88"/>
+    <p:sldId id="343" r:id="rId89"/>
+    <p:sldId id="344" r:id="rId90"/>
+    <p:sldId id="345" r:id="rId91"/>
+    <p:sldId id="346" r:id="rId92"/>
   </p:sldIdLst>
   <p:sldSz cx="9144000" cy="6858000" type="screen4x3"/>
   <p:notesSz cx="6858000" cy="9144000"/>
@@ -172,6 +216,688 @@
 </p:presentation>
 </file>
 
+<file path=ppt/revisionInfo.xml><?xml version="1.0" encoding="utf-8"?>
+<p1510:revInfo xmlns:a="http://schemas.openxmlformats.org/drawingml/2006/main" xmlns:r="http://schemas.openxmlformats.org/officeDocument/2006/relationships" xmlns:p1510="http://schemas.microsoft.com/office/powerpoint/2015/10/main">
+  <p1510:revLst>
+    <p1510:client id="{45E9E116-4B16-4A09-8803-DE07C0E9016C}" v="4" dt="2023-02-15T21:33:58.033"/>
+  </p1510:revLst>
+</p1510:revInfo>
+</file>
+
+<file path=ppt/changesInfos/changesInfo1.xml><?xml version="1.0" encoding="utf-8"?>
+<pc:chgInfo xmlns:a="http://schemas.openxmlformats.org/drawingml/2006/main" xmlns:r="http://schemas.openxmlformats.org/officeDocument/2006/relationships" xmlns:ac="http://schemas.microsoft.com/office/drawing/2013/main/command" xmlns:pc="http://schemas.microsoft.com/office/powerpoint/2013/main/command">
+  <pc:docChgLst>
+    <pc:chgData name="ArkServerBunchy 15" userId="cd6cf3a392ffe86f" providerId="LiveId" clId="{45E9E116-4B16-4A09-8803-DE07C0E9016C}"/>
+    <pc:docChg chg="undo custSel addSld delSld modSld">
+      <pc:chgData name="ArkServerBunchy 15" userId="cd6cf3a392ffe86f" providerId="LiveId" clId="{45E9E116-4B16-4A09-8803-DE07C0E9016C}" dt="2023-02-15T21:37:12.103" v="48" actId="478"/>
+      <pc:docMkLst>
+        <pc:docMk/>
+      </pc:docMkLst>
+      <pc:sldChg chg="delSp mod delAnim">
+        <pc:chgData name="ArkServerBunchy 15" userId="cd6cf3a392ffe86f" providerId="LiveId" clId="{45E9E116-4B16-4A09-8803-DE07C0E9016C}" dt="2023-02-15T21:35:01.142" v="3" actId="478"/>
+        <pc:sldMkLst>
+          <pc:docMk/>
+          <pc:sldMk cId="2508346461" sldId="303"/>
+        </pc:sldMkLst>
+        <pc:picChg chg="del">
+          <ac:chgData name="ArkServerBunchy 15" userId="cd6cf3a392ffe86f" providerId="LiveId" clId="{45E9E116-4B16-4A09-8803-DE07C0E9016C}" dt="2023-02-15T21:35:01.142" v="3" actId="478"/>
+          <ac:picMkLst>
+            <pc:docMk/>
+            <pc:sldMk cId="2508346461" sldId="303"/>
+            <ac:picMk id="5" creationId="{62964E79-4A47-1819-F4A7-C28289674560}"/>
+          </ac:picMkLst>
+        </pc:picChg>
+      </pc:sldChg>
+      <pc:sldChg chg="delSp add mod delAnim">
+        <pc:chgData name="ArkServerBunchy 15" userId="cd6cf3a392ffe86f" providerId="LiveId" clId="{45E9E116-4B16-4A09-8803-DE07C0E9016C}" dt="2023-02-15T21:35:04.374" v="4" actId="478"/>
+        <pc:sldMkLst>
+          <pc:docMk/>
+          <pc:sldMk cId="2068556229" sldId="304"/>
+        </pc:sldMkLst>
+        <pc:picChg chg="del">
+          <ac:chgData name="ArkServerBunchy 15" userId="cd6cf3a392ffe86f" providerId="LiveId" clId="{45E9E116-4B16-4A09-8803-DE07C0E9016C}" dt="2023-02-15T21:35:04.374" v="4" actId="478"/>
+          <ac:picMkLst>
+            <pc:docMk/>
+            <pc:sldMk cId="2068556229" sldId="304"/>
+            <ac:picMk id="5" creationId="{FF30698B-4A66-B9AA-3690-72E65EBFAB90}"/>
+          </ac:picMkLst>
+        </pc:picChg>
+      </pc:sldChg>
+      <pc:sldChg chg="delSp add mod delAnim">
+        <pc:chgData name="ArkServerBunchy 15" userId="cd6cf3a392ffe86f" providerId="LiveId" clId="{45E9E116-4B16-4A09-8803-DE07C0E9016C}" dt="2023-02-15T21:35:06.590" v="5" actId="478"/>
+        <pc:sldMkLst>
+          <pc:docMk/>
+          <pc:sldMk cId="3670341692" sldId="305"/>
+        </pc:sldMkLst>
+        <pc:picChg chg="del">
+          <ac:chgData name="ArkServerBunchy 15" userId="cd6cf3a392ffe86f" providerId="LiveId" clId="{45E9E116-4B16-4A09-8803-DE07C0E9016C}" dt="2023-02-15T21:35:06.590" v="5" actId="478"/>
+          <ac:picMkLst>
+            <pc:docMk/>
+            <pc:sldMk cId="3670341692" sldId="305"/>
+            <ac:picMk id="5" creationId="{1B42DAF6-46AA-78F6-9350-A9C9082DB44C}"/>
+          </ac:picMkLst>
+        </pc:picChg>
+      </pc:sldChg>
+      <pc:sldChg chg="delSp add mod delAnim">
+        <pc:chgData name="ArkServerBunchy 15" userId="cd6cf3a392ffe86f" providerId="LiveId" clId="{45E9E116-4B16-4A09-8803-DE07C0E9016C}" dt="2023-02-15T21:35:12.369" v="6" actId="478"/>
+        <pc:sldMkLst>
+          <pc:docMk/>
+          <pc:sldMk cId="1723421364" sldId="306"/>
+        </pc:sldMkLst>
+        <pc:picChg chg="del">
+          <ac:chgData name="ArkServerBunchy 15" userId="cd6cf3a392ffe86f" providerId="LiveId" clId="{45E9E116-4B16-4A09-8803-DE07C0E9016C}" dt="2023-02-15T21:35:12.369" v="6" actId="478"/>
+          <ac:picMkLst>
+            <pc:docMk/>
+            <pc:sldMk cId="1723421364" sldId="306"/>
+            <ac:picMk id="5" creationId="{011DC99C-DBC9-E48F-F5AF-D7C604D66F8F}"/>
+          </ac:picMkLst>
+        </pc:picChg>
+      </pc:sldChg>
+      <pc:sldChg chg="delSp add mod delAnim">
+        <pc:chgData name="ArkServerBunchy 15" userId="cd6cf3a392ffe86f" providerId="LiveId" clId="{45E9E116-4B16-4A09-8803-DE07C0E9016C}" dt="2023-02-15T21:35:14.555" v="7" actId="478"/>
+        <pc:sldMkLst>
+          <pc:docMk/>
+          <pc:sldMk cId="1595970286" sldId="307"/>
+        </pc:sldMkLst>
+        <pc:picChg chg="del">
+          <ac:chgData name="ArkServerBunchy 15" userId="cd6cf3a392ffe86f" providerId="LiveId" clId="{45E9E116-4B16-4A09-8803-DE07C0E9016C}" dt="2023-02-15T21:35:14.555" v="7" actId="478"/>
+          <ac:picMkLst>
+            <pc:docMk/>
+            <pc:sldMk cId="1595970286" sldId="307"/>
+            <ac:picMk id="5" creationId="{5CA2FD64-F547-9CDE-6F2C-6CB5957BB3FB}"/>
+          </ac:picMkLst>
+        </pc:picChg>
+      </pc:sldChg>
+      <pc:sldChg chg="delSp add mod delAnim">
+        <pc:chgData name="ArkServerBunchy 15" userId="cd6cf3a392ffe86f" providerId="LiveId" clId="{45E9E116-4B16-4A09-8803-DE07C0E9016C}" dt="2023-02-15T21:35:17.217" v="8" actId="478"/>
+        <pc:sldMkLst>
+          <pc:docMk/>
+          <pc:sldMk cId="2442321283" sldId="308"/>
+        </pc:sldMkLst>
+        <pc:picChg chg="del">
+          <ac:chgData name="ArkServerBunchy 15" userId="cd6cf3a392ffe86f" providerId="LiveId" clId="{45E9E116-4B16-4A09-8803-DE07C0E9016C}" dt="2023-02-15T21:35:17.217" v="8" actId="478"/>
+          <ac:picMkLst>
+            <pc:docMk/>
+            <pc:sldMk cId="2442321283" sldId="308"/>
+            <ac:picMk id="5" creationId="{1F867FB2-3085-EB80-7F3B-5B9D22B9E9DF}"/>
+          </ac:picMkLst>
+        </pc:picChg>
+      </pc:sldChg>
+      <pc:sldChg chg="delSp add mod delAnim">
+        <pc:chgData name="ArkServerBunchy 15" userId="cd6cf3a392ffe86f" providerId="LiveId" clId="{45E9E116-4B16-4A09-8803-DE07C0E9016C}" dt="2023-02-15T21:35:19.769" v="9" actId="478"/>
+        <pc:sldMkLst>
+          <pc:docMk/>
+          <pc:sldMk cId="1540283297" sldId="309"/>
+        </pc:sldMkLst>
+        <pc:picChg chg="del">
+          <ac:chgData name="ArkServerBunchy 15" userId="cd6cf3a392ffe86f" providerId="LiveId" clId="{45E9E116-4B16-4A09-8803-DE07C0E9016C}" dt="2023-02-15T21:35:19.769" v="9" actId="478"/>
+          <ac:picMkLst>
+            <pc:docMk/>
+            <pc:sldMk cId="1540283297" sldId="309"/>
+            <ac:picMk id="5" creationId="{D4CAFCBC-4FCB-B40B-579C-BA670D43693F}"/>
+          </ac:picMkLst>
+        </pc:picChg>
+      </pc:sldChg>
+      <pc:sldChg chg="delSp add mod delAnim">
+        <pc:chgData name="ArkServerBunchy 15" userId="cd6cf3a392ffe86f" providerId="LiveId" clId="{45E9E116-4B16-4A09-8803-DE07C0E9016C}" dt="2023-02-15T21:35:21.594" v="10" actId="478"/>
+        <pc:sldMkLst>
+          <pc:docMk/>
+          <pc:sldMk cId="3794950788" sldId="310"/>
+        </pc:sldMkLst>
+        <pc:picChg chg="del">
+          <ac:chgData name="ArkServerBunchy 15" userId="cd6cf3a392ffe86f" providerId="LiveId" clId="{45E9E116-4B16-4A09-8803-DE07C0E9016C}" dt="2023-02-15T21:35:21.594" v="10" actId="478"/>
+          <ac:picMkLst>
+            <pc:docMk/>
+            <pc:sldMk cId="3794950788" sldId="310"/>
+            <ac:picMk id="5" creationId="{69CB93DF-5DD7-495F-78AB-AEE1D25EEA0B}"/>
+          </ac:picMkLst>
+        </pc:picChg>
+      </pc:sldChg>
+      <pc:sldChg chg="delSp add mod delAnim">
+        <pc:chgData name="ArkServerBunchy 15" userId="cd6cf3a392ffe86f" providerId="LiveId" clId="{45E9E116-4B16-4A09-8803-DE07C0E9016C}" dt="2023-02-15T21:35:23.444" v="11" actId="478"/>
+        <pc:sldMkLst>
+          <pc:docMk/>
+          <pc:sldMk cId="3797619804" sldId="311"/>
+        </pc:sldMkLst>
+        <pc:picChg chg="del">
+          <ac:chgData name="ArkServerBunchy 15" userId="cd6cf3a392ffe86f" providerId="LiveId" clId="{45E9E116-4B16-4A09-8803-DE07C0E9016C}" dt="2023-02-15T21:35:23.444" v="11" actId="478"/>
+          <ac:picMkLst>
+            <pc:docMk/>
+            <pc:sldMk cId="3797619804" sldId="311"/>
+            <ac:picMk id="5" creationId="{29FBD54E-C911-E129-F071-F7D61C6DC3F0}"/>
+          </ac:picMkLst>
+        </pc:picChg>
+      </pc:sldChg>
+      <pc:sldChg chg="delSp add mod delAnim">
+        <pc:chgData name="ArkServerBunchy 15" userId="cd6cf3a392ffe86f" providerId="LiveId" clId="{45E9E116-4B16-4A09-8803-DE07C0E9016C}" dt="2023-02-15T21:35:25.645" v="12" actId="478"/>
+        <pc:sldMkLst>
+          <pc:docMk/>
+          <pc:sldMk cId="3312593154" sldId="312"/>
+        </pc:sldMkLst>
+        <pc:picChg chg="del">
+          <ac:chgData name="ArkServerBunchy 15" userId="cd6cf3a392ffe86f" providerId="LiveId" clId="{45E9E116-4B16-4A09-8803-DE07C0E9016C}" dt="2023-02-15T21:35:25.645" v="12" actId="478"/>
+          <ac:picMkLst>
+            <pc:docMk/>
+            <pc:sldMk cId="3312593154" sldId="312"/>
+            <ac:picMk id="5" creationId="{DBDEE177-1DB7-59E7-9259-A64E18EA07BC}"/>
+          </ac:picMkLst>
+        </pc:picChg>
+      </pc:sldChg>
+      <pc:sldChg chg="delSp add del mod delAnim">
+        <pc:chgData name="ArkServerBunchy 15" userId="cd6cf3a392ffe86f" providerId="LiveId" clId="{45E9E116-4B16-4A09-8803-DE07C0E9016C}" dt="2023-02-15T21:35:32.872" v="15" actId="478"/>
+        <pc:sldMkLst>
+          <pc:docMk/>
+          <pc:sldMk cId="2823741609" sldId="313"/>
+        </pc:sldMkLst>
+        <pc:picChg chg="del">
+          <ac:chgData name="ArkServerBunchy 15" userId="cd6cf3a392ffe86f" providerId="LiveId" clId="{45E9E116-4B16-4A09-8803-DE07C0E9016C}" dt="2023-02-15T21:35:32.872" v="15" actId="478"/>
+          <ac:picMkLst>
+            <pc:docMk/>
+            <pc:sldMk cId="2823741609" sldId="313"/>
+            <ac:picMk id="5" creationId="{2A9DDC4E-3EB7-52E6-6DA0-010D2A4E978B}"/>
+          </ac:picMkLst>
+        </pc:picChg>
+      </pc:sldChg>
+      <pc:sldChg chg="delSp add mod delAnim">
+        <pc:chgData name="ArkServerBunchy 15" userId="cd6cf3a392ffe86f" providerId="LiveId" clId="{45E9E116-4B16-4A09-8803-DE07C0E9016C}" dt="2023-02-15T21:35:36.944" v="16" actId="478"/>
+        <pc:sldMkLst>
+          <pc:docMk/>
+          <pc:sldMk cId="3303810201" sldId="314"/>
+        </pc:sldMkLst>
+        <pc:picChg chg="del">
+          <ac:chgData name="ArkServerBunchy 15" userId="cd6cf3a392ffe86f" providerId="LiveId" clId="{45E9E116-4B16-4A09-8803-DE07C0E9016C}" dt="2023-02-15T21:35:36.944" v="16" actId="478"/>
+          <ac:picMkLst>
+            <pc:docMk/>
+            <pc:sldMk cId="3303810201" sldId="314"/>
+            <ac:picMk id="5" creationId="{A8DD506B-1193-F4BC-1916-AC11D4134286}"/>
+          </ac:picMkLst>
+        </pc:picChg>
+      </pc:sldChg>
+      <pc:sldChg chg="delSp add mod delAnim">
+        <pc:chgData name="ArkServerBunchy 15" userId="cd6cf3a392ffe86f" providerId="LiveId" clId="{45E9E116-4B16-4A09-8803-DE07C0E9016C}" dt="2023-02-15T21:35:39.305" v="17" actId="478"/>
+        <pc:sldMkLst>
+          <pc:docMk/>
+          <pc:sldMk cId="4201878811" sldId="315"/>
+        </pc:sldMkLst>
+        <pc:picChg chg="del">
+          <ac:chgData name="ArkServerBunchy 15" userId="cd6cf3a392ffe86f" providerId="LiveId" clId="{45E9E116-4B16-4A09-8803-DE07C0E9016C}" dt="2023-02-15T21:35:39.305" v="17" actId="478"/>
+          <ac:picMkLst>
+            <pc:docMk/>
+            <pc:sldMk cId="4201878811" sldId="315"/>
+            <ac:picMk id="5" creationId="{14B7FDE4-0516-09BA-B0CE-DA59B8536FCF}"/>
+          </ac:picMkLst>
+        </pc:picChg>
+      </pc:sldChg>
+      <pc:sldChg chg="delSp add mod delAnim">
+        <pc:chgData name="ArkServerBunchy 15" userId="cd6cf3a392ffe86f" providerId="LiveId" clId="{45E9E116-4B16-4A09-8803-DE07C0E9016C}" dt="2023-02-15T21:35:43.238" v="18" actId="478"/>
+        <pc:sldMkLst>
+          <pc:docMk/>
+          <pc:sldMk cId="543758456" sldId="316"/>
+        </pc:sldMkLst>
+        <pc:picChg chg="del">
+          <ac:chgData name="ArkServerBunchy 15" userId="cd6cf3a392ffe86f" providerId="LiveId" clId="{45E9E116-4B16-4A09-8803-DE07C0E9016C}" dt="2023-02-15T21:35:43.238" v="18" actId="478"/>
+          <ac:picMkLst>
+            <pc:docMk/>
+            <pc:sldMk cId="543758456" sldId="316"/>
+            <ac:picMk id="5" creationId="{309F08FC-B0FA-7FAA-EB73-979496A85717}"/>
+          </ac:picMkLst>
+        </pc:picChg>
+      </pc:sldChg>
+      <pc:sldChg chg="delSp add mod delAnim">
+        <pc:chgData name="ArkServerBunchy 15" userId="cd6cf3a392ffe86f" providerId="LiveId" clId="{45E9E116-4B16-4A09-8803-DE07C0E9016C}" dt="2023-02-15T21:35:45.760" v="19" actId="478"/>
+        <pc:sldMkLst>
+          <pc:docMk/>
+          <pc:sldMk cId="3387745632" sldId="317"/>
+        </pc:sldMkLst>
+        <pc:picChg chg="del">
+          <ac:chgData name="ArkServerBunchy 15" userId="cd6cf3a392ffe86f" providerId="LiveId" clId="{45E9E116-4B16-4A09-8803-DE07C0E9016C}" dt="2023-02-15T21:35:45.760" v="19" actId="478"/>
+          <ac:picMkLst>
+            <pc:docMk/>
+            <pc:sldMk cId="3387745632" sldId="317"/>
+            <ac:picMk id="5" creationId="{76D4937D-EFDF-3380-545C-BF66DE77C715}"/>
+          </ac:picMkLst>
+        </pc:picChg>
+      </pc:sldChg>
+      <pc:sldChg chg="delSp add mod delAnim">
+        <pc:chgData name="ArkServerBunchy 15" userId="cd6cf3a392ffe86f" providerId="LiveId" clId="{45E9E116-4B16-4A09-8803-DE07C0E9016C}" dt="2023-02-15T21:35:49.655" v="20" actId="478"/>
+        <pc:sldMkLst>
+          <pc:docMk/>
+          <pc:sldMk cId="4084338293" sldId="318"/>
+        </pc:sldMkLst>
+        <pc:picChg chg="del">
+          <ac:chgData name="ArkServerBunchy 15" userId="cd6cf3a392ffe86f" providerId="LiveId" clId="{45E9E116-4B16-4A09-8803-DE07C0E9016C}" dt="2023-02-15T21:35:49.655" v="20" actId="478"/>
+          <ac:picMkLst>
+            <pc:docMk/>
+            <pc:sldMk cId="4084338293" sldId="318"/>
+            <ac:picMk id="5" creationId="{1943942D-2D19-63C5-15C8-2476DC874FD1}"/>
+          </ac:picMkLst>
+        </pc:picChg>
+      </pc:sldChg>
+      <pc:sldChg chg="delSp add mod delAnim">
+        <pc:chgData name="ArkServerBunchy 15" userId="cd6cf3a392ffe86f" providerId="LiveId" clId="{45E9E116-4B16-4A09-8803-DE07C0E9016C}" dt="2023-02-15T21:35:52.931" v="21" actId="478"/>
+        <pc:sldMkLst>
+          <pc:docMk/>
+          <pc:sldMk cId="3702880425" sldId="319"/>
+        </pc:sldMkLst>
+        <pc:picChg chg="del">
+          <ac:chgData name="ArkServerBunchy 15" userId="cd6cf3a392ffe86f" providerId="LiveId" clId="{45E9E116-4B16-4A09-8803-DE07C0E9016C}" dt="2023-02-15T21:35:52.931" v="21" actId="478"/>
+          <ac:picMkLst>
+            <pc:docMk/>
+            <pc:sldMk cId="3702880425" sldId="319"/>
+            <ac:picMk id="5" creationId="{A198AE9D-0FB4-81F9-5E3F-1F93E29E2E9A}"/>
+          </ac:picMkLst>
+        </pc:picChg>
+      </pc:sldChg>
+      <pc:sldChg chg="delSp add mod delAnim">
+        <pc:chgData name="ArkServerBunchy 15" userId="cd6cf3a392ffe86f" providerId="LiveId" clId="{45E9E116-4B16-4A09-8803-DE07C0E9016C}" dt="2023-02-15T21:35:55.719" v="22" actId="478"/>
+        <pc:sldMkLst>
+          <pc:docMk/>
+          <pc:sldMk cId="261023487" sldId="320"/>
+        </pc:sldMkLst>
+        <pc:picChg chg="del">
+          <ac:chgData name="ArkServerBunchy 15" userId="cd6cf3a392ffe86f" providerId="LiveId" clId="{45E9E116-4B16-4A09-8803-DE07C0E9016C}" dt="2023-02-15T21:35:55.719" v="22" actId="478"/>
+          <ac:picMkLst>
+            <pc:docMk/>
+            <pc:sldMk cId="261023487" sldId="320"/>
+            <ac:picMk id="5" creationId="{43C3B951-1C49-27AC-E0E3-F28DEE9669C0}"/>
+          </ac:picMkLst>
+        </pc:picChg>
+      </pc:sldChg>
+      <pc:sldChg chg="delSp add mod delAnim">
+        <pc:chgData name="ArkServerBunchy 15" userId="cd6cf3a392ffe86f" providerId="LiveId" clId="{45E9E116-4B16-4A09-8803-DE07C0E9016C}" dt="2023-02-15T21:35:58.747" v="23" actId="478"/>
+        <pc:sldMkLst>
+          <pc:docMk/>
+          <pc:sldMk cId="2263522641" sldId="321"/>
+        </pc:sldMkLst>
+        <pc:picChg chg="del">
+          <ac:chgData name="ArkServerBunchy 15" userId="cd6cf3a392ffe86f" providerId="LiveId" clId="{45E9E116-4B16-4A09-8803-DE07C0E9016C}" dt="2023-02-15T21:35:58.747" v="23" actId="478"/>
+          <ac:picMkLst>
+            <pc:docMk/>
+            <pc:sldMk cId="2263522641" sldId="321"/>
+            <ac:picMk id="5" creationId="{F5E12402-FD6B-ACF5-CC83-F03F681C674F}"/>
+          </ac:picMkLst>
+        </pc:picChg>
+      </pc:sldChg>
+      <pc:sldChg chg="delSp add mod delAnim">
+        <pc:chgData name="ArkServerBunchy 15" userId="cd6cf3a392ffe86f" providerId="LiveId" clId="{45E9E116-4B16-4A09-8803-DE07C0E9016C}" dt="2023-02-15T21:36:04.873" v="24" actId="478"/>
+        <pc:sldMkLst>
+          <pc:docMk/>
+          <pc:sldMk cId="3315112459" sldId="322"/>
+        </pc:sldMkLst>
+        <pc:picChg chg="del">
+          <ac:chgData name="ArkServerBunchy 15" userId="cd6cf3a392ffe86f" providerId="LiveId" clId="{45E9E116-4B16-4A09-8803-DE07C0E9016C}" dt="2023-02-15T21:36:04.873" v="24" actId="478"/>
+          <ac:picMkLst>
+            <pc:docMk/>
+            <pc:sldMk cId="3315112459" sldId="322"/>
+            <ac:picMk id="5" creationId="{9CF774BC-C125-3448-8683-50103736B3BD}"/>
+          </ac:picMkLst>
+        </pc:picChg>
+      </pc:sldChg>
+      <pc:sldChg chg="delSp add mod delAnim">
+        <pc:chgData name="ArkServerBunchy 15" userId="cd6cf3a392ffe86f" providerId="LiveId" clId="{45E9E116-4B16-4A09-8803-DE07C0E9016C}" dt="2023-02-15T21:36:07.144" v="25" actId="478"/>
+        <pc:sldMkLst>
+          <pc:docMk/>
+          <pc:sldMk cId="3034916822" sldId="323"/>
+        </pc:sldMkLst>
+        <pc:picChg chg="del">
+          <ac:chgData name="ArkServerBunchy 15" userId="cd6cf3a392ffe86f" providerId="LiveId" clId="{45E9E116-4B16-4A09-8803-DE07C0E9016C}" dt="2023-02-15T21:36:07.144" v="25" actId="478"/>
+          <ac:picMkLst>
+            <pc:docMk/>
+            <pc:sldMk cId="3034916822" sldId="323"/>
+            <ac:picMk id="5" creationId="{F5D9DBA0-55AE-E79A-AE58-0B303865FB02}"/>
+          </ac:picMkLst>
+        </pc:picChg>
+      </pc:sldChg>
+      <pc:sldChg chg="delSp add mod delAnim">
+        <pc:chgData name="ArkServerBunchy 15" userId="cd6cf3a392ffe86f" providerId="LiveId" clId="{45E9E116-4B16-4A09-8803-DE07C0E9016C}" dt="2023-02-15T21:36:11.518" v="26" actId="478"/>
+        <pc:sldMkLst>
+          <pc:docMk/>
+          <pc:sldMk cId="4048731830" sldId="324"/>
+        </pc:sldMkLst>
+        <pc:picChg chg="del">
+          <ac:chgData name="ArkServerBunchy 15" userId="cd6cf3a392ffe86f" providerId="LiveId" clId="{45E9E116-4B16-4A09-8803-DE07C0E9016C}" dt="2023-02-15T21:36:11.518" v="26" actId="478"/>
+          <ac:picMkLst>
+            <pc:docMk/>
+            <pc:sldMk cId="4048731830" sldId="324"/>
+            <ac:picMk id="5" creationId="{7D7896CD-59E2-AE0A-F215-6A9BD01DF151}"/>
+          </ac:picMkLst>
+        </pc:picChg>
+      </pc:sldChg>
+      <pc:sldChg chg="delSp add mod delAnim">
+        <pc:chgData name="ArkServerBunchy 15" userId="cd6cf3a392ffe86f" providerId="LiveId" clId="{45E9E116-4B16-4A09-8803-DE07C0E9016C}" dt="2023-02-15T21:36:13.640" v="27" actId="478"/>
+        <pc:sldMkLst>
+          <pc:docMk/>
+          <pc:sldMk cId="1061701432" sldId="325"/>
+        </pc:sldMkLst>
+        <pc:picChg chg="del">
+          <ac:chgData name="ArkServerBunchy 15" userId="cd6cf3a392ffe86f" providerId="LiveId" clId="{45E9E116-4B16-4A09-8803-DE07C0E9016C}" dt="2023-02-15T21:36:13.640" v="27" actId="478"/>
+          <ac:picMkLst>
+            <pc:docMk/>
+            <pc:sldMk cId="1061701432" sldId="325"/>
+            <ac:picMk id="5" creationId="{66240253-3E12-FB81-9944-22CA00B5A9EA}"/>
+          </ac:picMkLst>
+        </pc:picChg>
+      </pc:sldChg>
+      <pc:sldChg chg="delSp add mod delAnim">
+        <pc:chgData name="ArkServerBunchy 15" userId="cd6cf3a392ffe86f" providerId="LiveId" clId="{45E9E116-4B16-4A09-8803-DE07C0E9016C}" dt="2023-02-15T21:36:17.233" v="28" actId="478"/>
+        <pc:sldMkLst>
+          <pc:docMk/>
+          <pc:sldMk cId="3908587593" sldId="326"/>
+        </pc:sldMkLst>
+        <pc:picChg chg="del">
+          <ac:chgData name="ArkServerBunchy 15" userId="cd6cf3a392ffe86f" providerId="LiveId" clId="{45E9E116-4B16-4A09-8803-DE07C0E9016C}" dt="2023-02-15T21:36:17.233" v="28" actId="478"/>
+          <ac:picMkLst>
+            <pc:docMk/>
+            <pc:sldMk cId="3908587593" sldId="326"/>
+            <ac:picMk id="5" creationId="{D6709581-1B61-E1BB-C069-D0AE8AC62FC8}"/>
+          </ac:picMkLst>
+        </pc:picChg>
+      </pc:sldChg>
+      <pc:sldChg chg="delSp add mod delAnim">
+        <pc:chgData name="ArkServerBunchy 15" userId="cd6cf3a392ffe86f" providerId="LiveId" clId="{45E9E116-4B16-4A09-8803-DE07C0E9016C}" dt="2023-02-15T21:36:19.685" v="29" actId="478"/>
+        <pc:sldMkLst>
+          <pc:docMk/>
+          <pc:sldMk cId="944833700" sldId="327"/>
+        </pc:sldMkLst>
+        <pc:picChg chg="del">
+          <ac:chgData name="ArkServerBunchy 15" userId="cd6cf3a392ffe86f" providerId="LiveId" clId="{45E9E116-4B16-4A09-8803-DE07C0E9016C}" dt="2023-02-15T21:36:19.685" v="29" actId="478"/>
+          <ac:picMkLst>
+            <pc:docMk/>
+            <pc:sldMk cId="944833700" sldId="327"/>
+            <ac:picMk id="5" creationId="{E3EFF240-EAD4-AAF7-C106-C6550D8E33F5}"/>
+          </ac:picMkLst>
+        </pc:picChg>
+      </pc:sldChg>
+      <pc:sldChg chg="delSp add mod delAnim">
+        <pc:chgData name="ArkServerBunchy 15" userId="cd6cf3a392ffe86f" providerId="LiveId" clId="{45E9E116-4B16-4A09-8803-DE07C0E9016C}" dt="2023-02-15T21:36:23.161" v="30" actId="478"/>
+        <pc:sldMkLst>
+          <pc:docMk/>
+          <pc:sldMk cId="3434941474" sldId="328"/>
+        </pc:sldMkLst>
+        <pc:picChg chg="del">
+          <ac:chgData name="ArkServerBunchy 15" userId="cd6cf3a392ffe86f" providerId="LiveId" clId="{45E9E116-4B16-4A09-8803-DE07C0E9016C}" dt="2023-02-15T21:36:23.161" v="30" actId="478"/>
+          <ac:picMkLst>
+            <pc:docMk/>
+            <pc:sldMk cId="3434941474" sldId="328"/>
+            <ac:picMk id="5" creationId="{3DA4A02C-66DC-0CD8-9B83-CE19A9D186F8}"/>
+          </ac:picMkLst>
+        </pc:picChg>
+      </pc:sldChg>
+      <pc:sldChg chg="delSp add mod delAnim">
+        <pc:chgData name="ArkServerBunchy 15" userId="cd6cf3a392ffe86f" providerId="LiveId" clId="{45E9E116-4B16-4A09-8803-DE07C0E9016C}" dt="2023-02-15T21:36:26.267" v="31" actId="478"/>
+        <pc:sldMkLst>
+          <pc:docMk/>
+          <pc:sldMk cId="2217024140" sldId="329"/>
+        </pc:sldMkLst>
+        <pc:picChg chg="del">
+          <ac:chgData name="ArkServerBunchy 15" userId="cd6cf3a392ffe86f" providerId="LiveId" clId="{45E9E116-4B16-4A09-8803-DE07C0E9016C}" dt="2023-02-15T21:36:26.267" v="31" actId="478"/>
+          <ac:picMkLst>
+            <pc:docMk/>
+            <pc:sldMk cId="2217024140" sldId="329"/>
+            <ac:picMk id="5" creationId="{464C5BC1-8DAE-6CA4-20F6-EF7E7701B6CD}"/>
+          </ac:picMkLst>
+        </pc:picChg>
+      </pc:sldChg>
+      <pc:sldChg chg="delSp add mod delAnim">
+        <pc:chgData name="ArkServerBunchy 15" userId="cd6cf3a392ffe86f" providerId="LiveId" clId="{45E9E116-4B16-4A09-8803-DE07C0E9016C}" dt="2023-02-15T21:36:28.724" v="32" actId="478"/>
+        <pc:sldMkLst>
+          <pc:docMk/>
+          <pc:sldMk cId="1237170569" sldId="330"/>
+        </pc:sldMkLst>
+        <pc:picChg chg="del">
+          <ac:chgData name="ArkServerBunchy 15" userId="cd6cf3a392ffe86f" providerId="LiveId" clId="{45E9E116-4B16-4A09-8803-DE07C0E9016C}" dt="2023-02-15T21:36:28.724" v="32" actId="478"/>
+          <ac:picMkLst>
+            <pc:docMk/>
+            <pc:sldMk cId="1237170569" sldId="330"/>
+            <ac:picMk id="5" creationId="{DD72C095-6B9F-4A0F-3750-AED35ED6A8FB}"/>
+          </ac:picMkLst>
+        </pc:picChg>
+      </pc:sldChg>
+      <pc:sldChg chg="delSp add mod delAnim">
+        <pc:chgData name="ArkServerBunchy 15" userId="cd6cf3a392ffe86f" providerId="LiveId" clId="{45E9E116-4B16-4A09-8803-DE07C0E9016C}" dt="2023-02-15T21:36:32.716" v="33" actId="478"/>
+        <pc:sldMkLst>
+          <pc:docMk/>
+          <pc:sldMk cId="1066460895" sldId="331"/>
+        </pc:sldMkLst>
+        <pc:picChg chg="del">
+          <ac:chgData name="ArkServerBunchy 15" userId="cd6cf3a392ffe86f" providerId="LiveId" clId="{45E9E116-4B16-4A09-8803-DE07C0E9016C}" dt="2023-02-15T21:36:32.716" v="33" actId="478"/>
+          <ac:picMkLst>
+            <pc:docMk/>
+            <pc:sldMk cId="1066460895" sldId="331"/>
+            <ac:picMk id="5" creationId="{78F14184-81CC-7384-E871-03E8B56C3E37}"/>
+          </ac:picMkLst>
+        </pc:picChg>
+      </pc:sldChg>
+      <pc:sldChg chg="delSp add mod delAnim">
+        <pc:chgData name="ArkServerBunchy 15" userId="cd6cf3a392ffe86f" providerId="LiveId" clId="{45E9E116-4B16-4A09-8803-DE07C0E9016C}" dt="2023-02-15T21:36:35.643" v="34" actId="478"/>
+        <pc:sldMkLst>
+          <pc:docMk/>
+          <pc:sldMk cId="220842687" sldId="332"/>
+        </pc:sldMkLst>
+        <pc:picChg chg="del">
+          <ac:chgData name="ArkServerBunchy 15" userId="cd6cf3a392ffe86f" providerId="LiveId" clId="{45E9E116-4B16-4A09-8803-DE07C0E9016C}" dt="2023-02-15T21:36:35.643" v="34" actId="478"/>
+          <ac:picMkLst>
+            <pc:docMk/>
+            <pc:sldMk cId="220842687" sldId="332"/>
+            <ac:picMk id="5" creationId="{06B0378C-67F0-52B0-D585-9C34B0A841B9}"/>
+          </ac:picMkLst>
+        </pc:picChg>
+      </pc:sldChg>
+      <pc:sldChg chg="delSp add mod delAnim">
+        <pc:chgData name="ArkServerBunchy 15" userId="cd6cf3a392ffe86f" providerId="LiveId" clId="{45E9E116-4B16-4A09-8803-DE07C0E9016C}" dt="2023-02-15T21:36:37.997" v="35" actId="478"/>
+        <pc:sldMkLst>
+          <pc:docMk/>
+          <pc:sldMk cId="4139009147" sldId="333"/>
+        </pc:sldMkLst>
+        <pc:picChg chg="del">
+          <ac:chgData name="ArkServerBunchy 15" userId="cd6cf3a392ffe86f" providerId="LiveId" clId="{45E9E116-4B16-4A09-8803-DE07C0E9016C}" dt="2023-02-15T21:36:37.997" v="35" actId="478"/>
+          <ac:picMkLst>
+            <pc:docMk/>
+            <pc:sldMk cId="4139009147" sldId="333"/>
+            <ac:picMk id="5" creationId="{57E546A9-167B-7CA1-0001-C6B5DEAFD765}"/>
+          </ac:picMkLst>
+        </pc:picChg>
+      </pc:sldChg>
+      <pc:sldChg chg="delSp add mod delAnim">
+        <pc:chgData name="ArkServerBunchy 15" userId="cd6cf3a392ffe86f" providerId="LiveId" clId="{45E9E116-4B16-4A09-8803-DE07C0E9016C}" dt="2023-02-15T21:36:40.593" v="36" actId="478"/>
+        <pc:sldMkLst>
+          <pc:docMk/>
+          <pc:sldMk cId="778377558" sldId="334"/>
+        </pc:sldMkLst>
+        <pc:picChg chg="del">
+          <ac:chgData name="ArkServerBunchy 15" userId="cd6cf3a392ffe86f" providerId="LiveId" clId="{45E9E116-4B16-4A09-8803-DE07C0E9016C}" dt="2023-02-15T21:36:40.593" v="36" actId="478"/>
+          <ac:picMkLst>
+            <pc:docMk/>
+            <pc:sldMk cId="778377558" sldId="334"/>
+            <ac:picMk id="5" creationId="{F4999E02-2B24-E82B-A252-D9D771743876}"/>
+          </ac:picMkLst>
+        </pc:picChg>
+      </pc:sldChg>
+      <pc:sldChg chg="delSp add mod delAnim">
+        <pc:chgData name="ArkServerBunchy 15" userId="cd6cf3a392ffe86f" providerId="LiveId" clId="{45E9E116-4B16-4A09-8803-DE07C0E9016C}" dt="2023-02-15T21:36:43.615" v="37" actId="478"/>
+        <pc:sldMkLst>
+          <pc:docMk/>
+          <pc:sldMk cId="2745572011" sldId="335"/>
+        </pc:sldMkLst>
+        <pc:picChg chg="del">
+          <ac:chgData name="ArkServerBunchy 15" userId="cd6cf3a392ffe86f" providerId="LiveId" clId="{45E9E116-4B16-4A09-8803-DE07C0E9016C}" dt="2023-02-15T21:36:43.615" v="37" actId="478"/>
+          <ac:picMkLst>
+            <pc:docMk/>
+            <pc:sldMk cId="2745572011" sldId="335"/>
+            <ac:picMk id="5" creationId="{7B56C5BB-5B33-A9ED-FDF6-3C9B0CCADF50}"/>
+          </ac:picMkLst>
+        </pc:picChg>
+      </pc:sldChg>
+      <pc:sldChg chg="delSp add mod delAnim">
+        <pc:chgData name="ArkServerBunchy 15" userId="cd6cf3a392ffe86f" providerId="LiveId" clId="{45E9E116-4B16-4A09-8803-DE07C0E9016C}" dt="2023-02-15T21:36:45.786" v="38" actId="478"/>
+        <pc:sldMkLst>
+          <pc:docMk/>
+          <pc:sldMk cId="1715084597" sldId="336"/>
+        </pc:sldMkLst>
+        <pc:picChg chg="del">
+          <ac:chgData name="ArkServerBunchy 15" userId="cd6cf3a392ffe86f" providerId="LiveId" clId="{45E9E116-4B16-4A09-8803-DE07C0E9016C}" dt="2023-02-15T21:36:45.786" v="38" actId="478"/>
+          <ac:picMkLst>
+            <pc:docMk/>
+            <pc:sldMk cId="1715084597" sldId="336"/>
+            <ac:picMk id="5" creationId="{DF12A839-7407-F0A3-A458-74A9A8D646E3}"/>
+          </ac:picMkLst>
+        </pc:picChg>
+      </pc:sldChg>
+      <pc:sldChg chg="delSp add mod delAnim">
+        <pc:chgData name="ArkServerBunchy 15" userId="cd6cf3a392ffe86f" providerId="LiveId" clId="{45E9E116-4B16-4A09-8803-DE07C0E9016C}" dt="2023-02-15T21:36:47.654" v="39" actId="478"/>
+        <pc:sldMkLst>
+          <pc:docMk/>
+          <pc:sldMk cId="1260561371" sldId="337"/>
+        </pc:sldMkLst>
+        <pc:picChg chg="del">
+          <ac:chgData name="ArkServerBunchy 15" userId="cd6cf3a392ffe86f" providerId="LiveId" clId="{45E9E116-4B16-4A09-8803-DE07C0E9016C}" dt="2023-02-15T21:36:47.654" v="39" actId="478"/>
+          <ac:picMkLst>
+            <pc:docMk/>
+            <pc:sldMk cId="1260561371" sldId="337"/>
+            <ac:picMk id="5" creationId="{A4CE66C4-1EBD-8E33-C118-B3A77562B587}"/>
+          </ac:picMkLst>
+        </pc:picChg>
+      </pc:sldChg>
+      <pc:sldChg chg="delSp add mod delAnim">
+        <pc:chgData name="ArkServerBunchy 15" userId="cd6cf3a392ffe86f" providerId="LiveId" clId="{45E9E116-4B16-4A09-8803-DE07C0E9016C}" dt="2023-02-15T21:36:51.228" v="40" actId="478"/>
+        <pc:sldMkLst>
+          <pc:docMk/>
+          <pc:sldMk cId="56934875" sldId="338"/>
+        </pc:sldMkLst>
+        <pc:picChg chg="del">
+          <ac:chgData name="ArkServerBunchy 15" userId="cd6cf3a392ffe86f" providerId="LiveId" clId="{45E9E116-4B16-4A09-8803-DE07C0E9016C}" dt="2023-02-15T21:36:51.228" v="40" actId="478"/>
+          <ac:picMkLst>
+            <pc:docMk/>
+            <pc:sldMk cId="56934875" sldId="338"/>
+            <ac:picMk id="5" creationId="{5CFD854C-3CEC-990B-CB0B-01535FD0BCE4}"/>
+          </ac:picMkLst>
+        </pc:picChg>
+      </pc:sldChg>
+      <pc:sldChg chg="delSp add mod delAnim">
+        <pc:chgData name="ArkServerBunchy 15" userId="cd6cf3a392ffe86f" providerId="LiveId" clId="{45E9E116-4B16-4A09-8803-DE07C0E9016C}" dt="2023-02-15T21:36:53.034" v="41" actId="478"/>
+        <pc:sldMkLst>
+          <pc:docMk/>
+          <pc:sldMk cId="2120409770" sldId="339"/>
+        </pc:sldMkLst>
+        <pc:picChg chg="del">
+          <ac:chgData name="ArkServerBunchy 15" userId="cd6cf3a392ffe86f" providerId="LiveId" clId="{45E9E116-4B16-4A09-8803-DE07C0E9016C}" dt="2023-02-15T21:36:53.034" v="41" actId="478"/>
+          <ac:picMkLst>
+            <pc:docMk/>
+            <pc:sldMk cId="2120409770" sldId="339"/>
+            <ac:picMk id="5" creationId="{CCE2841D-3ACB-FAB2-E7A9-FC965059FC3E}"/>
+          </ac:picMkLst>
+        </pc:picChg>
+      </pc:sldChg>
+      <pc:sldChg chg="delSp add mod delAnim">
+        <pc:chgData name="ArkServerBunchy 15" userId="cd6cf3a392ffe86f" providerId="LiveId" clId="{45E9E116-4B16-4A09-8803-DE07C0E9016C}" dt="2023-02-15T21:36:56.453" v="42" actId="478"/>
+        <pc:sldMkLst>
+          <pc:docMk/>
+          <pc:sldMk cId="3686748527" sldId="340"/>
+        </pc:sldMkLst>
+        <pc:picChg chg="del">
+          <ac:chgData name="ArkServerBunchy 15" userId="cd6cf3a392ffe86f" providerId="LiveId" clId="{45E9E116-4B16-4A09-8803-DE07C0E9016C}" dt="2023-02-15T21:36:56.453" v="42" actId="478"/>
+          <ac:picMkLst>
+            <pc:docMk/>
+            <pc:sldMk cId="3686748527" sldId="340"/>
+            <ac:picMk id="5" creationId="{B40F721F-D4E6-492C-D72A-05F304F9B07E}"/>
+          </ac:picMkLst>
+        </pc:picChg>
+      </pc:sldChg>
+      <pc:sldChg chg="delSp add mod delAnim">
+        <pc:chgData name="ArkServerBunchy 15" userId="cd6cf3a392ffe86f" providerId="LiveId" clId="{45E9E116-4B16-4A09-8803-DE07C0E9016C}" dt="2023-02-15T21:36:58.535" v="43" actId="478"/>
+        <pc:sldMkLst>
+          <pc:docMk/>
+          <pc:sldMk cId="3953645612" sldId="341"/>
+        </pc:sldMkLst>
+        <pc:picChg chg="del">
+          <ac:chgData name="ArkServerBunchy 15" userId="cd6cf3a392ffe86f" providerId="LiveId" clId="{45E9E116-4B16-4A09-8803-DE07C0E9016C}" dt="2023-02-15T21:36:58.535" v="43" actId="478"/>
+          <ac:picMkLst>
+            <pc:docMk/>
+            <pc:sldMk cId="3953645612" sldId="341"/>
+            <ac:picMk id="5" creationId="{D1FECD75-9769-10C1-3594-EBA4636B01C1}"/>
+          </ac:picMkLst>
+        </pc:picChg>
+      </pc:sldChg>
+      <pc:sldChg chg="delSp add mod delAnim">
+        <pc:chgData name="ArkServerBunchy 15" userId="cd6cf3a392ffe86f" providerId="LiveId" clId="{45E9E116-4B16-4A09-8803-DE07C0E9016C}" dt="2023-02-15T21:37:02.025" v="44" actId="478"/>
+        <pc:sldMkLst>
+          <pc:docMk/>
+          <pc:sldMk cId="2028164698" sldId="342"/>
+        </pc:sldMkLst>
+        <pc:picChg chg="del">
+          <ac:chgData name="ArkServerBunchy 15" userId="cd6cf3a392ffe86f" providerId="LiveId" clId="{45E9E116-4B16-4A09-8803-DE07C0E9016C}" dt="2023-02-15T21:37:02.025" v="44" actId="478"/>
+          <ac:picMkLst>
+            <pc:docMk/>
+            <pc:sldMk cId="2028164698" sldId="342"/>
+            <ac:picMk id="5" creationId="{32CEB8F0-DB9C-ACF9-5229-ECF579264738}"/>
+          </ac:picMkLst>
+        </pc:picChg>
+      </pc:sldChg>
+      <pc:sldChg chg="delSp add mod delAnim">
+        <pc:chgData name="ArkServerBunchy 15" userId="cd6cf3a392ffe86f" providerId="LiveId" clId="{45E9E116-4B16-4A09-8803-DE07C0E9016C}" dt="2023-02-15T21:37:04.137" v="45" actId="478"/>
+        <pc:sldMkLst>
+          <pc:docMk/>
+          <pc:sldMk cId="173753700" sldId="343"/>
+        </pc:sldMkLst>
+        <pc:picChg chg="del">
+          <ac:chgData name="ArkServerBunchy 15" userId="cd6cf3a392ffe86f" providerId="LiveId" clId="{45E9E116-4B16-4A09-8803-DE07C0E9016C}" dt="2023-02-15T21:37:04.137" v="45" actId="478"/>
+          <ac:picMkLst>
+            <pc:docMk/>
+            <pc:sldMk cId="173753700" sldId="343"/>
+            <ac:picMk id="5" creationId="{74BFCE0F-EB20-A809-EF29-A10BF5F906F1}"/>
+          </ac:picMkLst>
+        </pc:picChg>
+      </pc:sldChg>
+      <pc:sldChg chg="delSp add mod delAnim">
+        <pc:chgData name="ArkServerBunchy 15" userId="cd6cf3a392ffe86f" providerId="LiveId" clId="{45E9E116-4B16-4A09-8803-DE07C0E9016C}" dt="2023-02-15T21:37:06.180" v="46" actId="478"/>
+        <pc:sldMkLst>
+          <pc:docMk/>
+          <pc:sldMk cId="2900970879" sldId="344"/>
+        </pc:sldMkLst>
+        <pc:picChg chg="del">
+          <ac:chgData name="ArkServerBunchy 15" userId="cd6cf3a392ffe86f" providerId="LiveId" clId="{45E9E116-4B16-4A09-8803-DE07C0E9016C}" dt="2023-02-15T21:37:06.180" v="46" actId="478"/>
+          <ac:picMkLst>
+            <pc:docMk/>
+            <pc:sldMk cId="2900970879" sldId="344"/>
+            <ac:picMk id="5" creationId="{E417BD34-727E-5618-1586-41DCA56C0B87}"/>
+          </ac:picMkLst>
+        </pc:picChg>
+      </pc:sldChg>
+      <pc:sldChg chg="delSp add mod delAnim">
+        <pc:chgData name="ArkServerBunchy 15" userId="cd6cf3a392ffe86f" providerId="LiveId" clId="{45E9E116-4B16-4A09-8803-DE07C0E9016C}" dt="2023-02-15T21:37:09.807" v="47" actId="478"/>
+        <pc:sldMkLst>
+          <pc:docMk/>
+          <pc:sldMk cId="772516592" sldId="345"/>
+        </pc:sldMkLst>
+        <pc:picChg chg="del">
+          <ac:chgData name="ArkServerBunchy 15" userId="cd6cf3a392ffe86f" providerId="LiveId" clId="{45E9E116-4B16-4A09-8803-DE07C0E9016C}" dt="2023-02-15T21:37:09.807" v="47" actId="478"/>
+          <ac:picMkLst>
+            <pc:docMk/>
+            <pc:sldMk cId="772516592" sldId="345"/>
+            <ac:picMk id="5" creationId="{6FC0BFCB-3246-0B10-798E-24A59E44E263}"/>
+          </ac:picMkLst>
+        </pc:picChg>
+      </pc:sldChg>
+      <pc:sldChg chg="delSp add mod delAnim">
+        <pc:chgData name="ArkServerBunchy 15" userId="cd6cf3a392ffe86f" providerId="LiveId" clId="{45E9E116-4B16-4A09-8803-DE07C0E9016C}" dt="2023-02-15T21:37:12.103" v="48" actId="478"/>
+        <pc:sldMkLst>
+          <pc:docMk/>
+          <pc:sldMk cId="586981679" sldId="346"/>
+        </pc:sldMkLst>
+        <pc:picChg chg="del">
+          <ac:chgData name="ArkServerBunchy 15" userId="cd6cf3a392ffe86f" providerId="LiveId" clId="{45E9E116-4B16-4A09-8803-DE07C0E9016C}" dt="2023-02-15T21:37:12.103" v="48" actId="478"/>
+          <ac:picMkLst>
+            <pc:docMk/>
+            <pc:sldMk cId="586981679" sldId="346"/>
+            <ac:picMk id="5" creationId="{2388E92E-AA7D-801E-DEF5-5E90AB64ADBD}"/>
+          </ac:picMkLst>
+        </pc:picChg>
+      </pc:sldChg>
+    </pc:docChg>
+  </pc:docChgLst>
+</pc:chgInfo>
+</file>
+
 <file path=ppt/notesMasters/notesMaster1.xml><?xml version="1.0" encoding="utf-8"?>
 <p:notesMaster xmlns:a="http://schemas.openxmlformats.org/drawingml/2006/main" xmlns:r="http://schemas.openxmlformats.org/officeDocument/2006/relationships" xmlns:p="http://schemas.openxmlformats.org/presentationml/2006/main">
   <p:cSld>
@@ -254,7 +980,7 @@
           <a:p>
             <a:fld id="{80454385-8AA6-476F-B993-0A62B51145DD}" type="datetimeFigureOut">
               <a:rPr lang="en-US" smtClean="0"/>
-              <a:t>2/14/2023</a:t>
+              <a:t>2/15/2023</a:t>
             </a:fld>
             <a:endParaRPr lang="en-US"/>
           </a:p>
@@ -700,7 +1426,7 @@
           <a:p>
             <a:fld id="{11671E59-BB83-45A2-A119-4CFDC198A103}" type="datetime1">
               <a:rPr lang="en-US" smtClean="0"/>
-              <a:t>2/14/2023</a:t>
+              <a:t>2/15/2023</a:t>
             </a:fld>
             <a:endParaRPr lang="en-US"/>
           </a:p>
@@ -868,7 +1594,7 @@
           <a:p>
             <a:fld id="{5F68BF0F-6CEC-431F-A24B-3F3943565BAE}" type="datetime1">
               <a:rPr lang="en-US" smtClean="0"/>
-              <a:t>2/14/2023</a:t>
+              <a:t>2/15/2023</a:t>
             </a:fld>
             <a:endParaRPr lang="en-US"/>
           </a:p>
@@ -1046,7 +1772,7 @@
           <a:p>
             <a:fld id="{2C491CDD-7F30-4F0E-9996-87B6C1501A39}" type="datetime1">
               <a:rPr lang="en-US" smtClean="0"/>
-              <a:t>2/14/2023</a:t>
+              <a:t>2/15/2023</a:t>
             </a:fld>
             <a:endParaRPr lang="en-US"/>
           </a:p>
@@ -1214,7 +1940,7 @@
           <a:p>
             <a:fld id="{1476E99E-AFB1-4856-881A-E9CFDEA7CFD8}" type="datetime1">
               <a:rPr lang="en-US" smtClean="0"/>
-              <a:t>2/14/2023</a:t>
+              <a:t>2/15/2023</a:t>
             </a:fld>
             <a:endParaRPr lang="en-US"/>
           </a:p>
@@ -1459,7 +2185,7 @@
           <a:p>
             <a:fld id="{DF7C5D1F-9D9B-4429-9DC6-910D085DA42B}" type="datetime1">
               <a:rPr lang="en-US" smtClean="0"/>
-              <a:t>2/14/2023</a:t>
+              <a:t>2/15/2023</a:t>
             </a:fld>
             <a:endParaRPr lang="en-US"/>
           </a:p>
@@ -1744,7 +2470,7 @@
           <a:p>
             <a:fld id="{75C89C9D-A2FE-42E3-8847-75A4D28208D3}" type="datetime1">
               <a:rPr lang="en-US" smtClean="0"/>
-              <a:t>2/14/2023</a:t>
+              <a:t>2/15/2023</a:t>
             </a:fld>
             <a:endParaRPr lang="en-US"/>
           </a:p>
@@ -2163,7 +2889,7 @@
           <a:p>
             <a:fld id="{8E6DF7A5-EDB0-44C7-BAAD-F3B5B553E549}" type="datetime1">
               <a:rPr lang="en-US" smtClean="0"/>
-              <a:t>2/14/2023</a:t>
+              <a:t>2/15/2023</a:t>
             </a:fld>
             <a:endParaRPr lang="en-US"/>
           </a:p>
@@ -2280,7 +3006,7 @@
           <a:p>
             <a:fld id="{41502DCB-DFDF-4FE0-86D5-617D5692AEC8}" type="datetime1">
               <a:rPr lang="en-US" smtClean="0"/>
-              <a:t>2/14/2023</a:t>
+              <a:t>2/15/2023</a:t>
             </a:fld>
             <a:endParaRPr lang="en-US"/>
           </a:p>
@@ -2375,7 +3101,7 @@
           <a:p>
             <a:fld id="{DAAAC218-3E7D-47E1-81B3-0AA2B3421DD7}" type="datetime1">
               <a:rPr lang="en-US" smtClean="0"/>
-              <a:t>2/14/2023</a:t>
+              <a:t>2/15/2023</a:t>
             </a:fld>
             <a:endParaRPr lang="en-US"/>
           </a:p>
@@ -2650,7 +3376,7 @@
           <a:p>
             <a:fld id="{8174D001-B0B7-4BD9-9FB6-08D30BA5DE56}" type="datetime1">
               <a:rPr lang="en-US" smtClean="0"/>
-              <a:t>2/14/2023</a:t>
+              <a:t>2/15/2023</a:t>
             </a:fld>
             <a:endParaRPr lang="en-US"/>
           </a:p>
@@ -2902,7 +3628,7 @@
           <a:p>
             <a:fld id="{38B56C4B-47A3-42BC-9CFE-58F02AA4D0F2}" type="datetime1">
               <a:rPr lang="en-US" smtClean="0"/>
-              <a:t>2/14/2023</a:t>
+              <a:t>2/15/2023</a:t>
             </a:fld>
             <a:endParaRPr lang="en-US"/>
           </a:p>
@@ -3113,7 +3839,7 @@
           <a:p>
             <a:fld id="{DB7A4736-C27A-4407-A2B4-E126A37D22E1}" type="datetime1">
               <a:rPr lang="en-US" smtClean="0"/>
-              <a:t>2/14/2023</a:t>
+              <a:t>2/15/2023</a:t>
             </a:fld>
             <a:endParaRPr lang="en-US"/>
           </a:p>
@@ -14601,6 +15327,320 @@
 </p:sld>
 </file>
 
+<file path=ppt/slides/slide48.xml><?xml version="1.0" encoding="utf-8"?>
+<p:sld xmlns:a="http://schemas.openxmlformats.org/drawingml/2006/main" xmlns:r="http://schemas.openxmlformats.org/officeDocument/2006/relationships" xmlns:p="http://schemas.openxmlformats.org/presentationml/2006/main">
+  <p:cSld>
+    <p:spTree>
+      <p:nvGrpSpPr>
+        <p:cNvPr id="1" name=""/>
+        <p:cNvGrpSpPr/>
+        <p:nvPr/>
+      </p:nvGrpSpPr>
+      <p:grpSpPr>
+        <a:xfrm>
+          <a:off x="0" y="0"/>
+          <a:ext cx="0" cy="0"/>
+          <a:chOff x="0" y="0"/>
+          <a:chExt cx="0" cy="0"/>
+        </a:xfrm>
+      </p:grpSpPr>
+      <p:sp>
+        <p:nvSpPr>
+          <p:cNvPr id="2" name="Title 1">
+            <a:extLst>
+              <a:ext uri="{FF2B5EF4-FFF2-40B4-BE49-F238E27FC236}">
+                <a16:creationId xmlns:a16="http://schemas.microsoft.com/office/drawing/2014/main" id="{AE7DC625-80A7-7191-C891-C7BF0C452513}"/>
+              </a:ext>
+            </a:extLst>
+          </p:cNvPr>
+          <p:cNvSpPr>
+            <a:spLocks noGrp="1"/>
+          </p:cNvSpPr>
+          <p:nvPr>
+            <p:ph type="title"/>
+          </p:nvPr>
+        </p:nvSpPr>
+        <p:spPr/>
+        <p:txBody>
+          <a:bodyPr/>
+          <a:lstStyle/>
+          <a:p>
+            <a:r>
+              <a:rPr lang="en-US" dirty="0"/>
+              <a:t>i:</a:t>
+            </a:r>
+          </a:p>
+        </p:txBody>
+      </p:sp>
+      <p:sp>
+        <p:nvSpPr>
+          <p:cNvPr id="3" name="Content Placeholder 2">
+            <a:extLst>
+              <a:ext uri="{FF2B5EF4-FFF2-40B4-BE49-F238E27FC236}">
+                <a16:creationId xmlns:a16="http://schemas.microsoft.com/office/drawing/2014/main" id="{122174C3-482D-FFEE-B3C1-428525ADBD09}"/>
+              </a:ext>
+            </a:extLst>
+          </p:cNvPr>
+          <p:cNvSpPr>
+            <a:spLocks noGrp="1"/>
+          </p:cNvSpPr>
+          <p:nvPr>
+            <p:ph idx="1"/>
+          </p:nvPr>
+        </p:nvSpPr>
+        <p:spPr/>
+        <p:txBody>
+          <a:bodyPr/>
+          <a:lstStyle/>
+          <a:p>
+            <a:pPr marL="0" indent="0" algn="ctr">
+              <a:buNone/>
+            </a:pPr>
+            <a:endParaRPr lang="en-US" dirty="0"/>
+          </a:p>
+          <a:p>
+            <a:pPr marL="0" indent="0" algn="ctr">
+              <a:buNone/>
+            </a:pPr>
+            <a:r>
+              <a:rPr lang="en-US" dirty="0"/>
+              <a:t>F</a:t>
+            </a:r>
+            <a:r>
+              <a:rPr lang="en-US" dirty="0">
+                <a:highlight>
+                  <a:srgbClr val="FFFF00"/>
+                </a:highlight>
+              </a:rPr>
+              <a:t>ee</a:t>
+            </a:r>
+            <a:r>
+              <a:rPr lang="en-US" dirty="0"/>
+              <a:t>l</a:t>
+            </a:r>
+          </a:p>
+          <a:p>
+            <a:pPr marL="0" indent="0" algn="ctr">
+              <a:buNone/>
+            </a:pPr>
+            <a:r>
+              <a:rPr lang="en-US" dirty="0"/>
+              <a:t>R</a:t>
+            </a:r>
+            <a:r>
+              <a:rPr lang="en-US" dirty="0">
+                <a:highlight>
+                  <a:srgbClr val="FFFF00"/>
+                </a:highlight>
+              </a:rPr>
+              <a:t>ea</a:t>
+            </a:r>
+            <a:r>
+              <a:rPr lang="en-US" dirty="0"/>
+              <a:t>d</a:t>
+            </a:r>
+          </a:p>
+        </p:txBody>
+      </p:sp>
+      <p:sp>
+        <p:nvSpPr>
+          <p:cNvPr id="4" name="Slide Number Placeholder 3">
+            <a:extLst>
+              <a:ext uri="{FF2B5EF4-FFF2-40B4-BE49-F238E27FC236}">
+                <a16:creationId xmlns:a16="http://schemas.microsoft.com/office/drawing/2014/main" id="{736CD534-90A2-F68E-56C2-33339B4246B5}"/>
+              </a:ext>
+            </a:extLst>
+          </p:cNvPr>
+          <p:cNvSpPr>
+            <a:spLocks noGrp="1"/>
+          </p:cNvSpPr>
+          <p:nvPr>
+            <p:ph type="sldNum" sz="quarter" idx="12"/>
+          </p:nvPr>
+        </p:nvSpPr>
+        <p:spPr/>
+        <p:txBody>
+          <a:bodyPr/>
+          <a:lstStyle/>
+          <a:p>
+            <a:fld id="{C1FF6DA9-008F-8B48-92A6-B652298478BF}" type="slidenum">
+              <a:rPr lang="en-US" smtClean="0"/>
+              <a:t>48</a:t>
+            </a:fld>
+            <a:endParaRPr lang="en-US"/>
+          </a:p>
+        </p:txBody>
+      </p:sp>
+    </p:spTree>
+    <p:extLst>
+      <p:ext uri="{BB962C8B-B14F-4D97-AF65-F5344CB8AC3E}">
+        <p14:creationId xmlns:p14="http://schemas.microsoft.com/office/powerpoint/2010/main" val="2508346461"/>
+      </p:ext>
+    </p:extLst>
+  </p:cSld>
+  <p:clrMapOvr>
+    <a:masterClrMapping/>
+  </p:clrMapOvr>
+</p:sld>
+</file>
+
+<file path=ppt/slides/slide49.xml><?xml version="1.0" encoding="utf-8"?>
+<p:sld xmlns:a="http://schemas.openxmlformats.org/drawingml/2006/main" xmlns:r="http://schemas.openxmlformats.org/officeDocument/2006/relationships" xmlns:p="http://schemas.openxmlformats.org/presentationml/2006/main">
+  <p:cSld>
+    <p:spTree>
+      <p:nvGrpSpPr>
+        <p:cNvPr id="1" name=""/>
+        <p:cNvGrpSpPr/>
+        <p:nvPr/>
+      </p:nvGrpSpPr>
+      <p:grpSpPr>
+        <a:xfrm>
+          <a:off x="0" y="0"/>
+          <a:ext cx="0" cy="0"/>
+          <a:chOff x="0" y="0"/>
+          <a:chExt cx="0" cy="0"/>
+        </a:xfrm>
+      </p:grpSpPr>
+      <p:sp>
+        <p:nvSpPr>
+          <p:cNvPr id="2" name="Title 1">
+            <a:extLst>
+              <a:ext uri="{FF2B5EF4-FFF2-40B4-BE49-F238E27FC236}">
+                <a16:creationId xmlns:a16="http://schemas.microsoft.com/office/drawing/2014/main" id="{72C7543D-F055-48CE-A0F6-1D273A8544F5}"/>
+              </a:ext>
+            </a:extLst>
+          </p:cNvPr>
+          <p:cNvSpPr>
+            <a:spLocks noGrp="1"/>
+          </p:cNvSpPr>
+          <p:nvPr>
+            <p:ph type="title"/>
+          </p:nvPr>
+        </p:nvSpPr>
+        <p:spPr/>
+        <p:txBody>
+          <a:bodyPr/>
+          <a:lstStyle/>
+          <a:p>
+            <a:r>
+              <a:rPr lang="en-US" dirty="0"/>
+              <a:t>I</a:t>
+            </a:r>
+          </a:p>
+        </p:txBody>
+      </p:sp>
+      <p:sp>
+        <p:nvSpPr>
+          <p:cNvPr id="3" name="Content Placeholder 2">
+            <a:extLst>
+              <a:ext uri="{FF2B5EF4-FFF2-40B4-BE49-F238E27FC236}">
+                <a16:creationId xmlns:a16="http://schemas.microsoft.com/office/drawing/2014/main" id="{4B365952-1876-8DF3-DE65-601093FF7616}"/>
+              </a:ext>
+            </a:extLst>
+          </p:cNvPr>
+          <p:cNvSpPr>
+            <a:spLocks noGrp="1"/>
+          </p:cNvSpPr>
+          <p:nvPr>
+            <p:ph idx="1"/>
+          </p:nvPr>
+        </p:nvSpPr>
+        <p:spPr/>
+        <p:txBody>
+          <a:bodyPr/>
+          <a:lstStyle/>
+          <a:p>
+            <a:pPr marL="0" indent="0" algn="ctr">
+              <a:buNone/>
+            </a:pPr>
+            <a:endParaRPr lang="en-US" dirty="0"/>
+          </a:p>
+          <a:p>
+            <a:pPr marL="0" indent="0" algn="ctr">
+              <a:buNone/>
+            </a:pPr>
+            <a:r>
+              <a:rPr lang="en-US" dirty="0"/>
+              <a:t>Un</a:t>
+            </a:r>
+            <a:r>
+              <a:rPr lang="en-US" dirty="0">
+                <a:highlight>
+                  <a:srgbClr val="FFFF00"/>
+                </a:highlight>
+              </a:rPr>
+              <a:t>i</a:t>
+            </a:r>
+            <a:r>
+              <a:rPr lang="en-US" dirty="0"/>
+              <a:t>t</a:t>
+            </a:r>
+          </a:p>
+          <a:p>
+            <a:pPr marL="0" indent="0" algn="ctr">
+              <a:buNone/>
+            </a:pPr>
+            <a:r>
+              <a:rPr lang="en-US" dirty="0"/>
+              <a:t>W</a:t>
+            </a:r>
+            <a:r>
+              <a:rPr lang="en-US" dirty="0">
+                <a:highlight>
+                  <a:srgbClr val="FFFF00"/>
+                </a:highlight>
+              </a:rPr>
+              <a:t>i</a:t>
+            </a:r>
+            <a:r>
+              <a:rPr lang="en-US" dirty="0"/>
+              <a:t>nd</a:t>
+            </a:r>
+          </a:p>
+        </p:txBody>
+      </p:sp>
+      <p:sp>
+        <p:nvSpPr>
+          <p:cNvPr id="4" name="Slide Number Placeholder 3">
+            <a:extLst>
+              <a:ext uri="{FF2B5EF4-FFF2-40B4-BE49-F238E27FC236}">
+                <a16:creationId xmlns:a16="http://schemas.microsoft.com/office/drawing/2014/main" id="{0C7D55C9-7C29-EA69-5766-8058C8BE1D67}"/>
+              </a:ext>
+            </a:extLst>
+          </p:cNvPr>
+          <p:cNvSpPr>
+            <a:spLocks noGrp="1"/>
+          </p:cNvSpPr>
+          <p:nvPr>
+            <p:ph type="sldNum" sz="quarter" idx="12"/>
+          </p:nvPr>
+        </p:nvSpPr>
+        <p:spPr/>
+        <p:txBody>
+          <a:bodyPr/>
+          <a:lstStyle/>
+          <a:p>
+            <a:fld id="{C1FF6DA9-008F-8B48-92A6-B652298478BF}" type="slidenum">
+              <a:rPr lang="en-US" smtClean="0"/>
+              <a:t>49</a:t>
+            </a:fld>
+            <a:endParaRPr lang="en-US"/>
+          </a:p>
+        </p:txBody>
+      </p:sp>
+    </p:spTree>
+    <p:extLst>
+      <p:ext uri="{BB962C8B-B14F-4D97-AF65-F5344CB8AC3E}">
+        <p14:creationId xmlns:p14="http://schemas.microsoft.com/office/powerpoint/2010/main" val="2068556229"/>
+      </p:ext>
+    </p:extLst>
+  </p:cSld>
+  <p:clrMapOvr>
+    <a:masterClrMapping/>
+  </p:clrMapOvr>
+</p:sld>
+</file>
+
 <file path=ppt/slides/slide5.xml><?xml version="1.0" encoding="utf-8"?>
 <p:sld xmlns:a="http://schemas.openxmlformats.org/drawingml/2006/main" xmlns:r="http://schemas.openxmlformats.org/officeDocument/2006/relationships" xmlns:p="http://schemas.openxmlformats.org/presentationml/2006/main">
   <p:cSld>
@@ -14883,6 +15923,1585 @@
 </p:sld>
 </file>
 
+<file path=ppt/slides/slide50.xml><?xml version="1.0" encoding="utf-8"?>
+<p:sld xmlns:a="http://schemas.openxmlformats.org/drawingml/2006/main" xmlns:r="http://schemas.openxmlformats.org/officeDocument/2006/relationships" xmlns:p="http://schemas.openxmlformats.org/presentationml/2006/main">
+  <p:cSld>
+    <p:spTree>
+      <p:nvGrpSpPr>
+        <p:cNvPr id="1" name=""/>
+        <p:cNvGrpSpPr/>
+        <p:nvPr/>
+      </p:nvGrpSpPr>
+      <p:grpSpPr>
+        <a:xfrm>
+          <a:off x="0" y="0"/>
+          <a:ext cx="0" cy="0"/>
+          <a:chOff x="0" y="0"/>
+          <a:chExt cx="0" cy="0"/>
+        </a:xfrm>
+      </p:grpSpPr>
+      <p:sp>
+        <p:nvSpPr>
+          <p:cNvPr id="2" name="Title 1">
+            <a:extLst>
+              <a:ext uri="{FF2B5EF4-FFF2-40B4-BE49-F238E27FC236}">
+                <a16:creationId xmlns:a16="http://schemas.microsoft.com/office/drawing/2014/main" id="{A24376B3-1550-3E59-93F2-C9B7A46996C4}"/>
+              </a:ext>
+            </a:extLst>
+          </p:cNvPr>
+          <p:cNvSpPr>
+            <a:spLocks noGrp="1"/>
+          </p:cNvSpPr>
+          <p:nvPr>
+            <p:ph type="title"/>
+          </p:nvPr>
+        </p:nvSpPr>
+        <p:spPr/>
+        <p:txBody>
+          <a:bodyPr/>
+          <a:lstStyle/>
+          <a:p>
+            <a:r>
+              <a:rPr lang="en-US" dirty="0">
+                <a:latin typeface="Arial" panose="020B0604020202020204" pitchFamily="34" charset="0"/>
+              </a:rPr>
+              <a:t>ʊ</a:t>
+            </a:r>
+            <a:endParaRPr lang="en-US" dirty="0"/>
+          </a:p>
+        </p:txBody>
+      </p:sp>
+      <p:sp>
+        <p:nvSpPr>
+          <p:cNvPr id="3" name="Content Placeholder 2">
+            <a:extLst>
+              <a:ext uri="{FF2B5EF4-FFF2-40B4-BE49-F238E27FC236}">
+                <a16:creationId xmlns:a16="http://schemas.microsoft.com/office/drawing/2014/main" id="{1F2544D3-0959-65E9-79AF-0E39CFC9AF5C}"/>
+              </a:ext>
+            </a:extLst>
+          </p:cNvPr>
+          <p:cNvSpPr>
+            <a:spLocks noGrp="1"/>
+          </p:cNvSpPr>
+          <p:nvPr>
+            <p:ph idx="1"/>
+          </p:nvPr>
+        </p:nvSpPr>
+        <p:spPr/>
+        <p:txBody>
+          <a:bodyPr/>
+          <a:lstStyle/>
+          <a:p>
+            <a:pPr marL="57150" indent="0" algn="ctr">
+              <a:buNone/>
+            </a:pPr>
+            <a:endParaRPr lang="en-US" dirty="0"/>
+          </a:p>
+          <a:p>
+            <a:pPr marL="57150" indent="0" algn="ctr">
+              <a:buNone/>
+            </a:pPr>
+            <a:r>
+              <a:rPr lang="en-US" dirty="0"/>
+              <a:t>P</a:t>
+            </a:r>
+            <a:r>
+              <a:rPr lang="en-US" dirty="0">
+                <a:highlight>
+                  <a:srgbClr val="FFFF00"/>
+                </a:highlight>
+              </a:rPr>
+              <a:t>u</a:t>
+            </a:r>
+            <a:r>
+              <a:rPr lang="en-US" dirty="0"/>
+              <a:t>t</a:t>
+            </a:r>
+          </a:p>
+          <a:p>
+            <a:pPr marL="57150" indent="0" algn="ctr">
+              <a:buNone/>
+            </a:pPr>
+            <a:r>
+              <a:rPr lang="en-US" dirty="0"/>
+              <a:t>L</a:t>
+            </a:r>
+            <a:r>
+              <a:rPr lang="en-US" dirty="0">
+                <a:highlight>
+                  <a:srgbClr val="FFFF00"/>
+                </a:highlight>
+              </a:rPr>
+              <a:t>oo</a:t>
+            </a:r>
+            <a:r>
+              <a:rPr lang="en-US" dirty="0"/>
+              <a:t>k</a:t>
+            </a:r>
+          </a:p>
+        </p:txBody>
+      </p:sp>
+      <p:sp>
+        <p:nvSpPr>
+          <p:cNvPr id="4" name="Slide Number Placeholder 3">
+            <a:extLst>
+              <a:ext uri="{FF2B5EF4-FFF2-40B4-BE49-F238E27FC236}">
+                <a16:creationId xmlns:a16="http://schemas.microsoft.com/office/drawing/2014/main" id="{7E6EEEBB-06F5-2898-3569-A62A2F063125}"/>
+              </a:ext>
+            </a:extLst>
+          </p:cNvPr>
+          <p:cNvSpPr>
+            <a:spLocks noGrp="1"/>
+          </p:cNvSpPr>
+          <p:nvPr>
+            <p:ph type="sldNum" sz="quarter" idx="12"/>
+          </p:nvPr>
+        </p:nvSpPr>
+        <p:spPr/>
+        <p:txBody>
+          <a:bodyPr/>
+          <a:lstStyle/>
+          <a:p>
+            <a:fld id="{C1FF6DA9-008F-8B48-92A6-B652298478BF}" type="slidenum">
+              <a:rPr lang="en-US" smtClean="0"/>
+              <a:t>50</a:t>
+            </a:fld>
+            <a:endParaRPr lang="en-US"/>
+          </a:p>
+        </p:txBody>
+      </p:sp>
+    </p:spTree>
+    <p:extLst>
+      <p:ext uri="{BB962C8B-B14F-4D97-AF65-F5344CB8AC3E}">
+        <p14:creationId xmlns:p14="http://schemas.microsoft.com/office/powerpoint/2010/main" val="3670341692"/>
+      </p:ext>
+    </p:extLst>
+  </p:cSld>
+  <p:clrMapOvr>
+    <a:masterClrMapping/>
+  </p:clrMapOvr>
+</p:sld>
+</file>
+
+<file path=ppt/slides/slide51.xml><?xml version="1.0" encoding="utf-8"?>
+<p:sld xmlns:a="http://schemas.openxmlformats.org/drawingml/2006/main" xmlns:r="http://schemas.openxmlformats.org/officeDocument/2006/relationships" xmlns:p="http://schemas.openxmlformats.org/presentationml/2006/main">
+  <p:cSld>
+    <p:spTree>
+      <p:nvGrpSpPr>
+        <p:cNvPr id="1" name=""/>
+        <p:cNvGrpSpPr/>
+        <p:nvPr/>
+      </p:nvGrpSpPr>
+      <p:grpSpPr>
+        <a:xfrm>
+          <a:off x="0" y="0"/>
+          <a:ext cx="0" cy="0"/>
+          <a:chOff x="0" y="0"/>
+          <a:chExt cx="0" cy="0"/>
+        </a:xfrm>
+      </p:grpSpPr>
+      <p:sp>
+        <p:nvSpPr>
+          <p:cNvPr id="2" name="Title 1">
+            <a:extLst>
+              <a:ext uri="{FF2B5EF4-FFF2-40B4-BE49-F238E27FC236}">
+                <a16:creationId xmlns:a16="http://schemas.microsoft.com/office/drawing/2014/main" id="{9209EB7E-2C40-8F9A-341E-91C1E9BE3324}"/>
+              </a:ext>
+            </a:extLst>
+          </p:cNvPr>
+          <p:cNvSpPr>
+            <a:spLocks noGrp="1"/>
+          </p:cNvSpPr>
+          <p:nvPr>
+            <p:ph type="title"/>
+          </p:nvPr>
+        </p:nvSpPr>
+        <p:spPr/>
+        <p:txBody>
+          <a:bodyPr/>
+          <a:lstStyle/>
+          <a:p>
+            <a:r>
+              <a:rPr lang="en-US" dirty="0"/>
+              <a:t>u:</a:t>
+            </a:r>
+          </a:p>
+        </p:txBody>
+      </p:sp>
+      <p:sp>
+        <p:nvSpPr>
+          <p:cNvPr id="3" name="Content Placeholder 2">
+            <a:extLst>
+              <a:ext uri="{FF2B5EF4-FFF2-40B4-BE49-F238E27FC236}">
+                <a16:creationId xmlns:a16="http://schemas.microsoft.com/office/drawing/2014/main" id="{570F993C-A852-8965-1BE0-204698A59E54}"/>
+              </a:ext>
+            </a:extLst>
+          </p:cNvPr>
+          <p:cNvSpPr>
+            <a:spLocks noGrp="1"/>
+          </p:cNvSpPr>
+          <p:nvPr>
+            <p:ph idx="1"/>
+          </p:nvPr>
+        </p:nvSpPr>
+        <p:spPr/>
+        <p:txBody>
+          <a:bodyPr/>
+          <a:lstStyle/>
+          <a:p>
+            <a:pPr marL="0" indent="0" algn="ctr">
+              <a:buNone/>
+            </a:pPr>
+            <a:endParaRPr lang="en-US" dirty="0"/>
+          </a:p>
+          <a:p>
+            <a:pPr marL="0" indent="0" algn="ctr">
+              <a:buNone/>
+            </a:pPr>
+            <a:r>
+              <a:rPr lang="en-US" dirty="0"/>
+              <a:t>N</a:t>
+            </a:r>
+            <a:r>
+              <a:rPr lang="en-US" dirty="0">
+                <a:highlight>
+                  <a:srgbClr val="FFFF00"/>
+                </a:highlight>
+              </a:rPr>
+              <a:t>oo</a:t>
+            </a:r>
+            <a:r>
+              <a:rPr lang="en-US" dirty="0"/>
+              <a:t>n</a:t>
+            </a:r>
+          </a:p>
+          <a:p>
+            <a:pPr marL="0" indent="0" algn="ctr">
+              <a:buNone/>
+            </a:pPr>
+            <a:r>
+              <a:rPr lang="en-US" dirty="0"/>
+              <a:t>Bl</a:t>
+            </a:r>
+            <a:r>
+              <a:rPr lang="en-US" dirty="0">
+                <a:highlight>
+                  <a:srgbClr val="FFFF00"/>
+                </a:highlight>
+              </a:rPr>
+              <a:t>u</a:t>
+            </a:r>
+            <a:r>
+              <a:rPr lang="en-US" dirty="0"/>
+              <a:t>e</a:t>
+            </a:r>
+          </a:p>
+        </p:txBody>
+      </p:sp>
+      <p:sp>
+        <p:nvSpPr>
+          <p:cNvPr id="4" name="Slide Number Placeholder 3">
+            <a:extLst>
+              <a:ext uri="{FF2B5EF4-FFF2-40B4-BE49-F238E27FC236}">
+                <a16:creationId xmlns:a16="http://schemas.microsoft.com/office/drawing/2014/main" id="{B1A00E54-ECEB-190C-A969-A244B7C5B2CE}"/>
+              </a:ext>
+            </a:extLst>
+          </p:cNvPr>
+          <p:cNvSpPr>
+            <a:spLocks noGrp="1"/>
+          </p:cNvSpPr>
+          <p:nvPr>
+            <p:ph type="sldNum" sz="quarter" idx="12"/>
+          </p:nvPr>
+        </p:nvSpPr>
+        <p:spPr/>
+        <p:txBody>
+          <a:bodyPr/>
+          <a:lstStyle/>
+          <a:p>
+            <a:fld id="{C1FF6DA9-008F-8B48-92A6-B652298478BF}" type="slidenum">
+              <a:rPr lang="en-US" smtClean="0"/>
+              <a:t>51</a:t>
+            </a:fld>
+            <a:endParaRPr lang="en-US"/>
+          </a:p>
+        </p:txBody>
+      </p:sp>
+    </p:spTree>
+    <p:extLst>
+      <p:ext uri="{BB962C8B-B14F-4D97-AF65-F5344CB8AC3E}">
+        <p14:creationId xmlns:p14="http://schemas.microsoft.com/office/powerpoint/2010/main" val="1723421364"/>
+      </p:ext>
+    </p:extLst>
+  </p:cSld>
+  <p:clrMapOvr>
+    <a:masterClrMapping/>
+  </p:clrMapOvr>
+</p:sld>
+</file>
+
+<file path=ppt/slides/slide52.xml><?xml version="1.0" encoding="utf-8"?>
+<p:sld xmlns:a="http://schemas.openxmlformats.org/drawingml/2006/main" xmlns:r="http://schemas.openxmlformats.org/officeDocument/2006/relationships" xmlns:p="http://schemas.openxmlformats.org/presentationml/2006/main">
+  <p:cSld>
+    <p:spTree>
+      <p:nvGrpSpPr>
+        <p:cNvPr id="1" name=""/>
+        <p:cNvGrpSpPr/>
+        <p:nvPr/>
+      </p:nvGrpSpPr>
+      <p:grpSpPr>
+        <a:xfrm>
+          <a:off x="0" y="0"/>
+          <a:ext cx="0" cy="0"/>
+          <a:chOff x="0" y="0"/>
+          <a:chExt cx="0" cy="0"/>
+        </a:xfrm>
+      </p:grpSpPr>
+      <p:sp>
+        <p:nvSpPr>
+          <p:cNvPr id="2" name="Title 1">
+            <a:extLst>
+              <a:ext uri="{FF2B5EF4-FFF2-40B4-BE49-F238E27FC236}">
+                <a16:creationId xmlns:a16="http://schemas.microsoft.com/office/drawing/2014/main" id="{5F71A659-94BE-81EF-72C1-65685A5AF72A}"/>
+              </a:ext>
+            </a:extLst>
+          </p:cNvPr>
+          <p:cNvSpPr>
+            <a:spLocks noGrp="1"/>
+          </p:cNvSpPr>
+          <p:nvPr>
+            <p:ph type="title"/>
+          </p:nvPr>
+        </p:nvSpPr>
+        <p:spPr/>
+        <p:txBody>
+          <a:bodyPr/>
+          <a:lstStyle/>
+          <a:p>
+            <a:r>
+              <a:rPr lang="en-US" dirty="0"/>
+              <a:t>e</a:t>
+            </a:r>
+          </a:p>
+        </p:txBody>
+      </p:sp>
+      <p:sp>
+        <p:nvSpPr>
+          <p:cNvPr id="3" name="Content Placeholder 2">
+            <a:extLst>
+              <a:ext uri="{FF2B5EF4-FFF2-40B4-BE49-F238E27FC236}">
+                <a16:creationId xmlns:a16="http://schemas.microsoft.com/office/drawing/2014/main" id="{0DB4B0B2-39CA-C946-109B-3E5F95B28824}"/>
+              </a:ext>
+            </a:extLst>
+          </p:cNvPr>
+          <p:cNvSpPr>
+            <a:spLocks noGrp="1"/>
+          </p:cNvSpPr>
+          <p:nvPr>
+            <p:ph idx="1"/>
+          </p:nvPr>
+        </p:nvSpPr>
+        <p:spPr/>
+        <p:txBody>
+          <a:bodyPr/>
+          <a:lstStyle/>
+          <a:p>
+            <a:pPr marL="0" indent="0" algn="ctr">
+              <a:buNone/>
+            </a:pPr>
+            <a:endParaRPr lang="en-US" dirty="0"/>
+          </a:p>
+          <a:p>
+            <a:pPr marL="0" indent="0" algn="ctr">
+              <a:buNone/>
+            </a:pPr>
+            <a:r>
+              <a:rPr lang="en-US" dirty="0"/>
+              <a:t>B</a:t>
+            </a:r>
+            <a:r>
+              <a:rPr lang="en-US" dirty="0">
+                <a:highlight>
+                  <a:srgbClr val="FFFF00"/>
+                </a:highlight>
+              </a:rPr>
+              <a:t>e</a:t>
+            </a:r>
+            <a:r>
+              <a:rPr lang="en-US" dirty="0"/>
+              <a:t>d</a:t>
+            </a:r>
+          </a:p>
+          <a:p>
+            <a:pPr marL="0" indent="0" algn="ctr">
+              <a:buNone/>
+            </a:pPr>
+            <a:r>
+              <a:rPr lang="en-US" dirty="0"/>
+              <a:t>D</a:t>
+            </a:r>
+            <a:r>
+              <a:rPr lang="en-US" dirty="0">
+                <a:highlight>
+                  <a:srgbClr val="FFFF00"/>
+                </a:highlight>
+              </a:rPr>
+              <a:t>e</a:t>
+            </a:r>
+            <a:r>
+              <a:rPr lang="en-US" dirty="0"/>
+              <a:t>sk</a:t>
+            </a:r>
+          </a:p>
+        </p:txBody>
+      </p:sp>
+      <p:sp>
+        <p:nvSpPr>
+          <p:cNvPr id="4" name="Slide Number Placeholder 3">
+            <a:extLst>
+              <a:ext uri="{FF2B5EF4-FFF2-40B4-BE49-F238E27FC236}">
+                <a16:creationId xmlns:a16="http://schemas.microsoft.com/office/drawing/2014/main" id="{365A6C41-61F3-5D78-372D-D58018C58BBF}"/>
+              </a:ext>
+            </a:extLst>
+          </p:cNvPr>
+          <p:cNvSpPr>
+            <a:spLocks noGrp="1"/>
+          </p:cNvSpPr>
+          <p:nvPr>
+            <p:ph type="sldNum" sz="quarter" idx="12"/>
+          </p:nvPr>
+        </p:nvSpPr>
+        <p:spPr/>
+        <p:txBody>
+          <a:bodyPr/>
+          <a:lstStyle/>
+          <a:p>
+            <a:fld id="{C1FF6DA9-008F-8B48-92A6-B652298478BF}" type="slidenum">
+              <a:rPr lang="en-US" smtClean="0"/>
+              <a:t>52</a:t>
+            </a:fld>
+            <a:endParaRPr lang="en-US"/>
+          </a:p>
+        </p:txBody>
+      </p:sp>
+    </p:spTree>
+    <p:extLst>
+      <p:ext uri="{BB962C8B-B14F-4D97-AF65-F5344CB8AC3E}">
+        <p14:creationId xmlns:p14="http://schemas.microsoft.com/office/powerpoint/2010/main" val="1595970286"/>
+      </p:ext>
+    </p:extLst>
+  </p:cSld>
+  <p:clrMapOvr>
+    <a:masterClrMapping/>
+  </p:clrMapOvr>
+</p:sld>
+</file>
+
+<file path=ppt/slides/slide53.xml><?xml version="1.0" encoding="utf-8"?>
+<p:sld xmlns:a="http://schemas.openxmlformats.org/drawingml/2006/main" xmlns:r="http://schemas.openxmlformats.org/officeDocument/2006/relationships" xmlns:p="http://schemas.openxmlformats.org/presentationml/2006/main">
+  <p:cSld>
+    <p:spTree>
+      <p:nvGrpSpPr>
+        <p:cNvPr id="1" name=""/>
+        <p:cNvGrpSpPr/>
+        <p:nvPr/>
+      </p:nvGrpSpPr>
+      <p:grpSpPr>
+        <a:xfrm>
+          <a:off x="0" y="0"/>
+          <a:ext cx="0" cy="0"/>
+          <a:chOff x="0" y="0"/>
+          <a:chExt cx="0" cy="0"/>
+        </a:xfrm>
+      </p:grpSpPr>
+      <p:sp>
+        <p:nvSpPr>
+          <p:cNvPr id="2" name="Title 1">
+            <a:extLst>
+              <a:ext uri="{FF2B5EF4-FFF2-40B4-BE49-F238E27FC236}">
+                <a16:creationId xmlns:a16="http://schemas.microsoft.com/office/drawing/2014/main" id="{2354FBAC-1DEB-94A9-E169-991377DB18CB}"/>
+              </a:ext>
+            </a:extLst>
+          </p:cNvPr>
+          <p:cNvSpPr>
+            <a:spLocks noGrp="1"/>
+          </p:cNvSpPr>
+          <p:nvPr>
+            <p:ph type="title"/>
+          </p:nvPr>
+        </p:nvSpPr>
+        <p:spPr/>
+        <p:txBody>
+          <a:bodyPr>
+            <a:noAutofit/>
+          </a:bodyPr>
+          <a:lstStyle/>
+          <a:p>
+            <a:r>
+              <a:rPr lang="en-US" sz="7200" dirty="0"/>
+              <a:t>ᵊ</a:t>
+            </a:r>
+          </a:p>
+        </p:txBody>
+      </p:sp>
+      <p:sp>
+        <p:nvSpPr>
+          <p:cNvPr id="3" name="Content Placeholder 2">
+            <a:extLst>
+              <a:ext uri="{FF2B5EF4-FFF2-40B4-BE49-F238E27FC236}">
+                <a16:creationId xmlns:a16="http://schemas.microsoft.com/office/drawing/2014/main" id="{2E722AEE-67AF-266F-1E2B-6E7971A992BF}"/>
+              </a:ext>
+            </a:extLst>
+          </p:cNvPr>
+          <p:cNvSpPr>
+            <a:spLocks noGrp="1"/>
+          </p:cNvSpPr>
+          <p:nvPr>
+            <p:ph idx="1"/>
+          </p:nvPr>
+        </p:nvSpPr>
+        <p:spPr/>
+        <p:txBody>
+          <a:bodyPr/>
+          <a:lstStyle/>
+          <a:p>
+            <a:pPr marL="0" indent="0" algn="ctr">
+              <a:buNone/>
+            </a:pPr>
+            <a:endParaRPr lang="en-US" dirty="0"/>
+          </a:p>
+          <a:p>
+            <a:pPr marL="0" indent="0" algn="ctr">
+              <a:buNone/>
+            </a:pPr>
+            <a:r>
+              <a:rPr lang="en-US" dirty="0">
+                <a:highlight>
+                  <a:srgbClr val="FFFF00"/>
+                </a:highlight>
+              </a:rPr>
+              <a:t>A</a:t>
+            </a:r>
+            <a:r>
+              <a:rPr lang="en-US" dirty="0"/>
+              <a:t>gain</a:t>
+            </a:r>
+          </a:p>
+          <a:p>
+            <a:pPr marL="0" indent="0" algn="ctr">
+              <a:buNone/>
+            </a:pPr>
+            <a:r>
+              <a:rPr lang="en-US" dirty="0"/>
+              <a:t>Und</a:t>
+            </a:r>
+            <a:r>
+              <a:rPr lang="en-US" dirty="0">
+                <a:highlight>
+                  <a:srgbClr val="FFFF00"/>
+                </a:highlight>
+              </a:rPr>
+              <a:t>e</a:t>
+            </a:r>
+            <a:r>
+              <a:rPr lang="en-US" dirty="0"/>
+              <a:t>r</a:t>
+            </a:r>
+          </a:p>
+        </p:txBody>
+      </p:sp>
+      <p:sp>
+        <p:nvSpPr>
+          <p:cNvPr id="4" name="Slide Number Placeholder 3">
+            <a:extLst>
+              <a:ext uri="{FF2B5EF4-FFF2-40B4-BE49-F238E27FC236}">
+                <a16:creationId xmlns:a16="http://schemas.microsoft.com/office/drawing/2014/main" id="{939A939B-AF02-9AC6-4E39-1104E1F2A217}"/>
+              </a:ext>
+            </a:extLst>
+          </p:cNvPr>
+          <p:cNvSpPr>
+            <a:spLocks noGrp="1"/>
+          </p:cNvSpPr>
+          <p:nvPr>
+            <p:ph type="sldNum" sz="quarter" idx="12"/>
+          </p:nvPr>
+        </p:nvSpPr>
+        <p:spPr/>
+        <p:txBody>
+          <a:bodyPr/>
+          <a:lstStyle/>
+          <a:p>
+            <a:fld id="{C1FF6DA9-008F-8B48-92A6-B652298478BF}" type="slidenum">
+              <a:rPr lang="en-US" smtClean="0"/>
+              <a:t>53</a:t>
+            </a:fld>
+            <a:endParaRPr lang="en-US"/>
+          </a:p>
+        </p:txBody>
+      </p:sp>
+    </p:spTree>
+    <p:extLst>
+      <p:ext uri="{BB962C8B-B14F-4D97-AF65-F5344CB8AC3E}">
+        <p14:creationId xmlns:p14="http://schemas.microsoft.com/office/powerpoint/2010/main" val="2442321283"/>
+      </p:ext>
+    </p:extLst>
+  </p:cSld>
+  <p:clrMapOvr>
+    <a:masterClrMapping/>
+  </p:clrMapOvr>
+</p:sld>
+</file>
+
+<file path=ppt/slides/slide54.xml><?xml version="1.0" encoding="utf-8"?>
+<p:sld xmlns:a="http://schemas.openxmlformats.org/drawingml/2006/main" xmlns:r="http://schemas.openxmlformats.org/officeDocument/2006/relationships" xmlns:p="http://schemas.openxmlformats.org/presentationml/2006/main">
+  <p:cSld>
+    <p:spTree>
+      <p:nvGrpSpPr>
+        <p:cNvPr id="1" name=""/>
+        <p:cNvGrpSpPr/>
+        <p:nvPr/>
+      </p:nvGrpSpPr>
+      <p:grpSpPr>
+        <a:xfrm>
+          <a:off x="0" y="0"/>
+          <a:ext cx="0" cy="0"/>
+          <a:chOff x="0" y="0"/>
+          <a:chExt cx="0" cy="0"/>
+        </a:xfrm>
+      </p:grpSpPr>
+      <p:sp>
+        <p:nvSpPr>
+          <p:cNvPr id="2" name="Title 1">
+            <a:extLst>
+              <a:ext uri="{FF2B5EF4-FFF2-40B4-BE49-F238E27FC236}">
+                <a16:creationId xmlns:a16="http://schemas.microsoft.com/office/drawing/2014/main" id="{D52F209A-FBDA-F6EA-8CAF-95AB189F3BF8}"/>
+              </a:ext>
+            </a:extLst>
+          </p:cNvPr>
+          <p:cNvSpPr>
+            <a:spLocks noGrp="1"/>
+          </p:cNvSpPr>
+          <p:nvPr>
+            <p:ph type="title"/>
+          </p:nvPr>
+        </p:nvSpPr>
+        <p:spPr/>
+        <p:txBody>
+          <a:bodyPr/>
+          <a:lstStyle/>
+          <a:p>
+            <a:r>
+              <a:rPr lang="en-US" dirty="0"/>
+              <a:t>3:</a:t>
+            </a:r>
+          </a:p>
+        </p:txBody>
+      </p:sp>
+      <p:sp>
+        <p:nvSpPr>
+          <p:cNvPr id="3" name="Content Placeholder 2">
+            <a:extLst>
+              <a:ext uri="{FF2B5EF4-FFF2-40B4-BE49-F238E27FC236}">
+                <a16:creationId xmlns:a16="http://schemas.microsoft.com/office/drawing/2014/main" id="{8C2589AB-7524-8E82-6965-6EA488925E3B}"/>
+              </a:ext>
+            </a:extLst>
+          </p:cNvPr>
+          <p:cNvSpPr>
+            <a:spLocks noGrp="1"/>
+          </p:cNvSpPr>
+          <p:nvPr>
+            <p:ph idx="1"/>
+          </p:nvPr>
+        </p:nvSpPr>
+        <p:spPr/>
+        <p:txBody>
+          <a:bodyPr/>
+          <a:lstStyle/>
+          <a:p>
+            <a:pPr marL="0" indent="0" algn="ctr">
+              <a:buNone/>
+            </a:pPr>
+            <a:endParaRPr lang="en-US" dirty="0"/>
+          </a:p>
+          <a:p>
+            <a:pPr marL="0" indent="0" algn="ctr">
+              <a:buNone/>
+            </a:pPr>
+            <a:r>
+              <a:rPr lang="en-US" dirty="0"/>
+              <a:t>W</a:t>
+            </a:r>
+            <a:r>
+              <a:rPr lang="en-US" dirty="0">
+                <a:highlight>
+                  <a:srgbClr val="FFFF00"/>
+                </a:highlight>
+              </a:rPr>
+              <a:t>or</a:t>
+            </a:r>
+            <a:r>
+              <a:rPr lang="en-US" dirty="0"/>
+              <a:t>k</a:t>
+            </a:r>
+          </a:p>
+          <a:p>
+            <a:pPr marL="0" indent="0" algn="ctr">
+              <a:buNone/>
+            </a:pPr>
+            <a:r>
+              <a:rPr lang="en-US" dirty="0"/>
+              <a:t>B</a:t>
+            </a:r>
+            <a:r>
+              <a:rPr lang="en-US" dirty="0">
+                <a:highlight>
+                  <a:srgbClr val="FFFF00"/>
+                </a:highlight>
+              </a:rPr>
+              <a:t>ur</a:t>
+            </a:r>
+            <a:r>
+              <a:rPr lang="en-US" dirty="0"/>
+              <a:t>n</a:t>
+            </a:r>
+          </a:p>
+        </p:txBody>
+      </p:sp>
+      <p:sp>
+        <p:nvSpPr>
+          <p:cNvPr id="4" name="Slide Number Placeholder 3">
+            <a:extLst>
+              <a:ext uri="{FF2B5EF4-FFF2-40B4-BE49-F238E27FC236}">
+                <a16:creationId xmlns:a16="http://schemas.microsoft.com/office/drawing/2014/main" id="{4DD67FB3-29ED-E934-B1AD-D38264DB1118}"/>
+              </a:ext>
+            </a:extLst>
+          </p:cNvPr>
+          <p:cNvSpPr>
+            <a:spLocks noGrp="1"/>
+          </p:cNvSpPr>
+          <p:nvPr>
+            <p:ph type="sldNum" sz="quarter" idx="12"/>
+          </p:nvPr>
+        </p:nvSpPr>
+        <p:spPr/>
+        <p:txBody>
+          <a:bodyPr/>
+          <a:lstStyle/>
+          <a:p>
+            <a:fld id="{C1FF6DA9-008F-8B48-92A6-B652298478BF}" type="slidenum">
+              <a:rPr lang="en-US" smtClean="0"/>
+              <a:t>54</a:t>
+            </a:fld>
+            <a:endParaRPr lang="en-US"/>
+          </a:p>
+        </p:txBody>
+      </p:sp>
+    </p:spTree>
+    <p:extLst>
+      <p:ext uri="{BB962C8B-B14F-4D97-AF65-F5344CB8AC3E}">
+        <p14:creationId xmlns:p14="http://schemas.microsoft.com/office/powerpoint/2010/main" val="1540283297"/>
+      </p:ext>
+    </p:extLst>
+  </p:cSld>
+  <p:clrMapOvr>
+    <a:masterClrMapping/>
+  </p:clrMapOvr>
+</p:sld>
+</file>
+
+<file path=ppt/slides/slide55.xml><?xml version="1.0" encoding="utf-8"?>
+<p:sld xmlns:a="http://schemas.openxmlformats.org/drawingml/2006/main" xmlns:r="http://schemas.openxmlformats.org/officeDocument/2006/relationships" xmlns:p="http://schemas.openxmlformats.org/presentationml/2006/main">
+  <p:cSld>
+    <p:spTree>
+      <p:nvGrpSpPr>
+        <p:cNvPr id="1" name=""/>
+        <p:cNvGrpSpPr/>
+        <p:nvPr/>
+      </p:nvGrpSpPr>
+      <p:grpSpPr>
+        <a:xfrm>
+          <a:off x="0" y="0"/>
+          <a:ext cx="0" cy="0"/>
+          <a:chOff x="0" y="0"/>
+          <a:chExt cx="0" cy="0"/>
+        </a:xfrm>
+      </p:grpSpPr>
+      <p:sp>
+        <p:nvSpPr>
+          <p:cNvPr id="2" name="Title 1">
+            <a:extLst>
+              <a:ext uri="{FF2B5EF4-FFF2-40B4-BE49-F238E27FC236}">
+                <a16:creationId xmlns:a16="http://schemas.microsoft.com/office/drawing/2014/main" id="{2CA21DD0-3411-4336-3407-2551B5596F7A}"/>
+              </a:ext>
+            </a:extLst>
+          </p:cNvPr>
+          <p:cNvSpPr>
+            <a:spLocks noGrp="1"/>
+          </p:cNvSpPr>
+          <p:nvPr>
+            <p:ph type="title"/>
+          </p:nvPr>
+        </p:nvSpPr>
+        <p:spPr/>
+        <p:txBody>
+          <a:bodyPr>
+            <a:noAutofit/>
+          </a:bodyPr>
+          <a:lstStyle/>
+          <a:p>
+            <a:r>
+              <a:rPr lang="en-US" sz="3600" dirty="0">
+                <a:latin typeface="Arial" panose="020B0604020202020204" pitchFamily="34" charset="0"/>
+              </a:rPr>
+              <a:t>ɔː</a:t>
+            </a:r>
+            <a:endParaRPr lang="en-US" sz="7200" dirty="0"/>
+          </a:p>
+        </p:txBody>
+      </p:sp>
+      <p:sp>
+        <p:nvSpPr>
+          <p:cNvPr id="3" name="Content Placeholder 2">
+            <a:extLst>
+              <a:ext uri="{FF2B5EF4-FFF2-40B4-BE49-F238E27FC236}">
+                <a16:creationId xmlns:a16="http://schemas.microsoft.com/office/drawing/2014/main" id="{8823044F-A578-4CDC-8A6A-68258D08E25A}"/>
+              </a:ext>
+            </a:extLst>
+          </p:cNvPr>
+          <p:cNvSpPr>
+            <a:spLocks noGrp="1"/>
+          </p:cNvSpPr>
+          <p:nvPr>
+            <p:ph idx="1"/>
+          </p:nvPr>
+        </p:nvSpPr>
+        <p:spPr/>
+        <p:txBody>
+          <a:bodyPr/>
+          <a:lstStyle/>
+          <a:p>
+            <a:pPr marL="0" indent="0" algn="ctr">
+              <a:buNone/>
+            </a:pPr>
+            <a:endParaRPr lang="en-US" dirty="0"/>
+          </a:p>
+          <a:p>
+            <a:pPr marL="0" indent="0" algn="ctr">
+              <a:buNone/>
+            </a:pPr>
+            <a:r>
+              <a:rPr lang="en-US" dirty="0"/>
+              <a:t>R</a:t>
+            </a:r>
+            <a:r>
+              <a:rPr lang="en-US" dirty="0">
+                <a:highlight>
+                  <a:srgbClr val="FFFF00"/>
+                </a:highlight>
+              </a:rPr>
+              <a:t>oa</a:t>
+            </a:r>
+            <a:r>
+              <a:rPr lang="en-US" dirty="0"/>
+              <a:t>r</a:t>
+            </a:r>
+          </a:p>
+          <a:p>
+            <a:pPr marL="0" indent="0" algn="ctr">
+              <a:buNone/>
+            </a:pPr>
+            <a:r>
+              <a:rPr lang="en-US" dirty="0"/>
+              <a:t>M</a:t>
+            </a:r>
+            <a:r>
+              <a:rPr lang="en-US" dirty="0">
+                <a:highlight>
+                  <a:srgbClr val="FFFF00"/>
+                </a:highlight>
+              </a:rPr>
+              <a:t>o</a:t>
+            </a:r>
+            <a:r>
+              <a:rPr lang="en-US" dirty="0"/>
+              <a:t>rning</a:t>
+            </a:r>
+          </a:p>
+        </p:txBody>
+      </p:sp>
+      <p:sp>
+        <p:nvSpPr>
+          <p:cNvPr id="4" name="Slide Number Placeholder 3">
+            <a:extLst>
+              <a:ext uri="{FF2B5EF4-FFF2-40B4-BE49-F238E27FC236}">
+                <a16:creationId xmlns:a16="http://schemas.microsoft.com/office/drawing/2014/main" id="{B49E87CA-C223-3F15-435D-DD58D07268EC}"/>
+              </a:ext>
+            </a:extLst>
+          </p:cNvPr>
+          <p:cNvSpPr>
+            <a:spLocks noGrp="1"/>
+          </p:cNvSpPr>
+          <p:nvPr>
+            <p:ph type="sldNum" sz="quarter" idx="12"/>
+          </p:nvPr>
+        </p:nvSpPr>
+        <p:spPr/>
+        <p:txBody>
+          <a:bodyPr/>
+          <a:lstStyle/>
+          <a:p>
+            <a:fld id="{C1FF6DA9-008F-8B48-92A6-B652298478BF}" type="slidenum">
+              <a:rPr lang="en-US" smtClean="0"/>
+              <a:t>55</a:t>
+            </a:fld>
+            <a:endParaRPr lang="en-US"/>
+          </a:p>
+        </p:txBody>
+      </p:sp>
+    </p:spTree>
+    <p:extLst>
+      <p:ext uri="{BB962C8B-B14F-4D97-AF65-F5344CB8AC3E}">
+        <p14:creationId xmlns:p14="http://schemas.microsoft.com/office/powerpoint/2010/main" val="3794950788"/>
+      </p:ext>
+    </p:extLst>
+  </p:cSld>
+  <p:clrMapOvr>
+    <a:masterClrMapping/>
+  </p:clrMapOvr>
+</p:sld>
+</file>
+
+<file path=ppt/slides/slide56.xml><?xml version="1.0" encoding="utf-8"?>
+<p:sld xmlns:a="http://schemas.openxmlformats.org/drawingml/2006/main" xmlns:r="http://schemas.openxmlformats.org/officeDocument/2006/relationships" xmlns:p="http://schemas.openxmlformats.org/presentationml/2006/main">
+  <p:cSld>
+    <p:spTree>
+      <p:nvGrpSpPr>
+        <p:cNvPr id="1" name=""/>
+        <p:cNvGrpSpPr/>
+        <p:nvPr/>
+      </p:nvGrpSpPr>
+      <p:grpSpPr>
+        <a:xfrm>
+          <a:off x="0" y="0"/>
+          <a:ext cx="0" cy="0"/>
+          <a:chOff x="0" y="0"/>
+          <a:chExt cx="0" cy="0"/>
+        </a:xfrm>
+      </p:grpSpPr>
+      <p:sp>
+        <p:nvSpPr>
+          <p:cNvPr id="2" name="Title 1">
+            <a:extLst>
+              <a:ext uri="{FF2B5EF4-FFF2-40B4-BE49-F238E27FC236}">
+                <a16:creationId xmlns:a16="http://schemas.microsoft.com/office/drawing/2014/main" id="{77E45BB9-D912-D532-490A-18D7C432F010}"/>
+              </a:ext>
+            </a:extLst>
+          </p:cNvPr>
+          <p:cNvSpPr>
+            <a:spLocks noGrp="1"/>
+          </p:cNvSpPr>
+          <p:nvPr>
+            <p:ph type="title"/>
+          </p:nvPr>
+        </p:nvSpPr>
+        <p:spPr/>
+        <p:txBody>
+          <a:bodyPr/>
+          <a:lstStyle/>
+          <a:p>
+            <a:r>
+              <a:rPr lang="en-US" dirty="0"/>
+              <a:t>æ</a:t>
+            </a:r>
+          </a:p>
+        </p:txBody>
+      </p:sp>
+      <p:sp>
+        <p:nvSpPr>
+          <p:cNvPr id="3" name="Content Placeholder 2">
+            <a:extLst>
+              <a:ext uri="{FF2B5EF4-FFF2-40B4-BE49-F238E27FC236}">
+                <a16:creationId xmlns:a16="http://schemas.microsoft.com/office/drawing/2014/main" id="{17FEA033-D4A5-0B95-ACB4-798A6AEAB653}"/>
+              </a:ext>
+            </a:extLst>
+          </p:cNvPr>
+          <p:cNvSpPr>
+            <a:spLocks noGrp="1"/>
+          </p:cNvSpPr>
+          <p:nvPr>
+            <p:ph idx="1"/>
+          </p:nvPr>
+        </p:nvSpPr>
+        <p:spPr/>
+        <p:txBody>
+          <a:bodyPr/>
+          <a:lstStyle/>
+          <a:p>
+            <a:pPr marL="0" indent="0" algn="ctr">
+              <a:buNone/>
+            </a:pPr>
+            <a:endParaRPr lang="en-US" dirty="0"/>
+          </a:p>
+          <a:p>
+            <a:pPr marL="0" indent="0" algn="ctr">
+              <a:buNone/>
+            </a:pPr>
+            <a:r>
+              <a:rPr lang="en-US" dirty="0"/>
+              <a:t>B</a:t>
+            </a:r>
+            <a:r>
+              <a:rPr lang="en-US" dirty="0">
+                <a:highlight>
+                  <a:srgbClr val="FFFF00"/>
+                </a:highlight>
+              </a:rPr>
+              <a:t>a</a:t>
+            </a:r>
+            <a:r>
+              <a:rPr lang="en-US" dirty="0"/>
+              <a:t>d</a:t>
+            </a:r>
+          </a:p>
+          <a:p>
+            <a:pPr marL="0" indent="0" algn="ctr">
+              <a:buNone/>
+            </a:pPr>
+            <a:r>
+              <a:rPr lang="en-US" dirty="0"/>
+              <a:t>L</a:t>
+            </a:r>
+            <a:r>
+              <a:rPr lang="en-US" dirty="0">
+                <a:highlight>
+                  <a:srgbClr val="FFFF00"/>
+                </a:highlight>
+              </a:rPr>
+              <a:t>au</a:t>
+            </a:r>
+            <a:r>
+              <a:rPr lang="en-US" dirty="0"/>
+              <a:t>gh</a:t>
+            </a:r>
+          </a:p>
+        </p:txBody>
+      </p:sp>
+      <p:sp>
+        <p:nvSpPr>
+          <p:cNvPr id="4" name="Slide Number Placeholder 3">
+            <a:extLst>
+              <a:ext uri="{FF2B5EF4-FFF2-40B4-BE49-F238E27FC236}">
+                <a16:creationId xmlns:a16="http://schemas.microsoft.com/office/drawing/2014/main" id="{6538245A-EFF3-9BCA-6E9F-1DC28F08C82B}"/>
+              </a:ext>
+            </a:extLst>
+          </p:cNvPr>
+          <p:cNvSpPr>
+            <a:spLocks noGrp="1"/>
+          </p:cNvSpPr>
+          <p:nvPr>
+            <p:ph type="sldNum" sz="quarter" idx="12"/>
+          </p:nvPr>
+        </p:nvSpPr>
+        <p:spPr/>
+        <p:txBody>
+          <a:bodyPr/>
+          <a:lstStyle/>
+          <a:p>
+            <a:fld id="{C1FF6DA9-008F-8B48-92A6-B652298478BF}" type="slidenum">
+              <a:rPr lang="en-US" smtClean="0"/>
+              <a:t>56</a:t>
+            </a:fld>
+            <a:endParaRPr lang="en-US"/>
+          </a:p>
+        </p:txBody>
+      </p:sp>
+    </p:spTree>
+    <p:extLst>
+      <p:ext uri="{BB962C8B-B14F-4D97-AF65-F5344CB8AC3E}">
+        <p14:creationId xmlns:p14="http://schemas.microsoft.com/office/powerpoint/2010/main" val="3797619804"/>
+      </p:ext>
+    </p:extLst>
+  </p:cSld>
+  <p:clrMapOvr>
+    <a:masterClrMapping/>
+  </p:clrMapOvr>
+</p:sld>
+</file>
+
+<file path=ppt/slides/slide57.xml><?xml version="1.0" encoding="utf-8"?>
+<p:sld xmlns:a="http://schemas.openxmlformats.org/drawingml/2006/main" xmlns:r="http://schemas.openxmlformats.org/officeDocument/2006/relationships" xmlns:p="http://schemas.openxmlformats.org/presentationml/2006/main">
+  <p:cSld>
+    <p:spTree>
+      <p:nvGrpSpPr>
+        <p:cNvPr id="1" name=""/>
+        <p:cNvGrpSpPr/>
+        <p:nvPr/>
+      </p:nvGrpSpPr>
+      <p:grpSpPr>
+        <a:xfrm>
+          <a:off x="0" y="0"/>
+          <a:ext cx="0" cy="0"/>
+          <a:chOff x="0" y="0"/>
+          <a:chExt cx="0" cy="0"/>
+        </a:xfrm>
+      </p:grpSpPr>
+      <p:sp>
+        <p:nvSpPr>
+          <p:cNvPr id="2" name="Title 1">
+            <a:extLst>
+              <a:ext uri="{FF2B5EF4-FFF2-40B4-BE49-F238E27FC236}">
+                <a16:creationId xmlns:a16="http://schemas.microsoft.com/office/drawing/2014/main" id="{338F13EB-C78E-41DB-FAAA-4D4994D9A7DD}"/>
+              </a:ext>
+            </a:extLst>
+          </p:cNvPr>
+          <p:cNvSpPr>
+            <a:spLocks noGrp="1"/>
+          </p:cNvSpPr>
+          <p:nvPr>
+            <p:ph type="title"/>
+          </p:nvPr>
+        </p:nvSpPr>
+        <p:spPr/>
+        <p:txBody>
+          <a:bodyPr/>
+          <a:lstStyle/>
+          <a:p>
+            <a:r>
+              <a:rPr lang="el-GR" dirty="0"/>
+              <a:t>ᴧ</a:t>
+            </a:r>
+            <a:endParaRPr lang="en-US" dirty="0"/>
+          </a:p>
+        </p:txBody>
+      </p:sp>
+      <p:sp>
+        <p:nvSpPr>
+          <p:cNvPr id="3" name="Content Placeholder 2">
+            <a:extLst>
+              <a:ext uri="{FF2B5EF4-FFF2-40B4-BE49-F238E27FC236}">
+                <a16:creationId xmlns:a16="http://schemas.microsoft.com/office/drawing/2014/main" id="{472396E7-9B35-6FDD-5782-F82BAE85BA0E}"/>
+              </a:ext>
+            </a:extLst>
+          </p:cNvPr>
+          <p:cNvSpPr>
+            <a:spLocks noGrp="1"/>
+          </p:cNvSpPr>
+          <p:nvPr>
+            <p:ph idx="1"/>
+          </p:nvPr>
+        </p:nvSpPr>
+        <p:spPr/>
+        <p:txBody>
+          <a:bodyPr/>
+          <a:lstStyle/>
+          <a:p>
+            <a:pPr marL="0" indent="0" algn="ctr">
+              <a:buNone/>
+            </a:pPr>
+            <a:endParaRPr lang="en-US" dirty="0"/>
+          </a:p>
+          <a:p>
+            <a:pPr marL="0" indent="0" algn="ctr">
+              <a:buNone/>
+            </a:pPr>
+            <a:r>
+              <a:rPr lang="en-US" dirty="0"/>
+              <a:t>N</a:t>
+            </a:r>
+            <a:r>
+              <a:rPr lang="en-US" dirty="0">
+                <a:highlight>
+                  <a:srgbClr val="FFFF00"/>
+                </a:highlight>
+              </a:rPr>
+              <a:t>u</a:t>
+            </a:r>
+            <a:r>
+              <a:rPr lang="en-US" dirty="0"/>
+              <a:t>t</a:t>
+            </a:r>
+          </a:p>
+          <a:p>
+            <a:pPr marL="0" indent="0" algn="ctr">
+              <a:buNone/>
+            </a:pPr>
+            <a:r>
+              <a:rPr lang="en-US" dirty="0"/>
+              <a:t>C</a:t>
+            </a:r>
+            <a:r>
+              <a:rPr lang="en-US" dirty="0">
+                <a:highlight>
+                  <a:srgbClr val="FFFF00"/>
+                </a:highlight>
+              </a:rPr>
+              <a:t>u</a:t>
+            </a:r>
+            <a:r>
+              <a:rPr lang="en-US" dirty="0"/>
+              <a:t>t</a:t>
+            </a:r>
+          </a:p>
+        </p:txBody>
+      </p:sp>
+      <p:sp>
+        <p:nvSpPr>
+          <p:cNvPr id="4" name="Slide Number Placeholder 3">
+            <a:extLst>
+              <a:ext uri="{FF2B5EF4-FFF2-40B4-BE49-F238E27FC236}">
+                <a16:creationId xmlns:a16="http://schemas.microsoft.com/office/drawing/2014/main" id="{3D29F072-92BD-D367-3C18-9720D6DFF8DC}"/>
+              </a:ext>
+            </a:extLst>
+          </p:cNvPr>
+          <p:cNvSpPr>
+            <a:spLocks noGrp="1"/>
+          </p:cNvSpPr>
+          <p:nvPr>
+            <p:ph type="sldNum" sz="quarter" idx="12"/>
+          </p:nvPr>
+        </p:nvSpPr>
+        <p:spPr/>
+        <p:txBody>
+          <a:bodyPr/>
+          <a:lstStyle/>
+          <a:p>
+            <a:fld id="{C1FF6DA9-008F-8B48-92A6-B652298478BF}" type="slidenum">
+              <a:rPr lang="en-US" smtClean="0"/>
+              <a:t>57</a:t>
+            </a:fld>
+            <a:endParaRPr lang="en-US"/>
+          </a:p>
+        </p:txBody>
+      </p:sp>
+    </p:spTree>
+    <p:extLst>
+      <p:ext uri="{BB962C8B-B14F-4D97-AF65-F5344CB8AC3E}">
+        <p14:creationId xmlns:p14="http://schemas.microsoft.com/office/powerpoint/2010/main" val="3312593154"/>
+      </p:ext>
+    </p:extLst>
+  </p:cSld>
+  <p:clrMapOvr>
+    <a:masterClrMapping/>
+  </p:clrMapOvr>
+</p:sld>
+</file>
+
+<file path=ppt/slides/slide58.xml><?xml version="1.0" encoding="utf-8"?>
+<p:sld xmlns:a="http://schemas.openxmlformats.org/drawingml/2006/main" xmlns:r="http://schemas.openxmlformats.org/officeDocument/2006/relationships" xmlns:p="http://schemas.openxmlformats.org/presentationml/2006/main">
+  <p:cSld>
+    <p:spTree>
+      <p:nvGrpSpPr>
+        <p:cNvPr id="1" name=""/>
+        <p:cNvGrpSpPr/>
+        <p:nvPr/>
+      </p:nvGrpSpPr>
+      <p:grpSpPr>
+        <a:xfrm>
+          <a:off x="0" y="0"/>
+          <a:ext cx="0" cy="0"/>
+          <a:chOff x="0" y="0"/>
+          <a:chExt cx="0" cy="0"/>
+        </a:xfrm>
+      </p:grpSpPr>
+      <p:sp>
+        <p:nvSpPr>
+          <p:cNvPr id="2" name="Title 1">
+            <a:extLst>
+              <a:ext uri="{FF2B5EF4-FFF2-40B4-BE49-F238E27FC236}">
+                <a16:creationId xmlns:a16="http://schemas.microsoft.com/office/drawing/2014/main" id="{A1E70954-8DAA-C8EC-CBC1-7663EA247A1C}"/>
+              </a:ext>
+            </a:extLst>
+          </p:cNvPr>
+          <p:cNvSpPr>
+            <a:spLocks noGrp="1"/>
+          </p:cNvSpPr>
+          <p:nvPr>
+            <p:ph type="title"/>
+          </p:nvPr>
+        </p:nvSpPr>
+        <p:spPr/>
+        <p:txBody>
+          <a:bodyPr/>
+          <a:lstStyle/>
+          <a:p>
+            <a:r>
+              <a:rPr lang="en-US" dirty="0">
+                <a:latin typeface="Arial" panose="020B0604020202020204" pitchFamily="34" charset="0"/>
+              </a:rPr>
+              <a:t>ɑː</a:t>
+            </a:r>
+            <a:endParaRPr lang="en-US" dirty="0"/>
+          </a:p>
+        </p:txBody>
+      </p:sp>
+      <p:sp>
+        <p:nvSpPr>
+          <p:cNvPr id="3" name="Content Placeholder 2">
+            <a:extLst>
+              <a:ext uri="{FF2B5EF4-FFF2-40B4-BE49-F238E27FC236}">
+                <a16:creationId xmlns:a16="http://schemas.microsoft.com/office/drawing/2014/main" id="{84148495-C2B4-9B80-4A35-92D983F7F5BE}"/>
+              </a:ext>
+            </a:extLst>
+          </p:cNvPr>
+          <p:cNvSpPr>
+            <a:spLocks noGrp="1"/>
+          </p:cNvSpPr>
+          <p:nvPr>
+            <p:ph idx="1"/>
+          </p:nvPr>
+        </p:nvSpPr>
+        <p:spPr/>
+        <p:txBody>
+          <a:bodyPr/>
+          <a:lstStyle/>
+          <a:p>
+            <a:pPr marL="0" indent="0" algn="ctr">
+              <a:buNone/>
+            </a:pPr>
+            <a:endParaRPr lang="en-US" dirty="0"/>
+          </a:p>
+          <a:p>
+            <a:pPr marL="0" indent="0" algn="ctr">
+              <a:buNone/>
+            </a:pPr>
+            <a:r>
+              <a:rPr lang="en-US" dirty="0"/>
+              <a:t>D</a:t>
+            </a:r>
+            <a:r>
+              <a:rPr lang="en-US" dirty="0">
+                <a:highlight>
+                  <a:srgbClr val="FFFF00"/>
+                </a:highlight>
+              </a:rPr>
+              <a:t>ar</a:t>
+            </a:r>
+            <a:r>
+              <a:rPr lang="en-US" dirty="0"/>
+              <a:t>k</a:t>
+            </a:r>
+          </a:p>
+          <a:p>
+            <a:pPr marL="0" indent="0" algn="ctr">
+              <a:buNone/>
+            </a:pPr>
+            <a:r>
+              <a:rPr lang="en-US" dirty="0">
+                <a:highlight>
+                  <a:srgbClr val="FFFF00"/>
+                </a:highlight>
+              </a:rPr>
+              <a:t>Ar</a:t>
+            </a:r>
+            <a:r>
+              <a:rPr lang="en-US" dirty="0"/>
+              <a:t>e</a:t>
+            </a:r>
+          </a:p>
+        </p:txBody>
+      </p:sp>
+      <p:sp>
+        <p:nvSpPr>
+          <p:cNvPr id="4" name="Slide Number Placeholder 3">
+            <a:extLst>
+              <a:ext uri="{FF2B5EF4-FFF2-40B4-BE49-F238E27FC236}">
+                <a16:creationId xmlns:a16="http://schemas.microsoft.com/office/drawing/2014/main" id="{926ECB24-66CD-E85C-F24F-B6AC6194E517}"/>
+              </a:ext>
+            </a:extLst>
+          </p:cNvPr>
+          <p:cNvSpPr>
+            <a:spLocks noGrp="1"/>
+          </p:cNvSpPr>
+          <p:nvPr>
+            <p:ph type="sldNum" sz="quarter" idx="12"/>
+          </p:nvPr>
+        </p:nvSpPr>
+        <p:spPr/>
+        <p:txBody>
+          <a:bodyPr/>
+          <a:lstStyle/>
+          <a:p>
+            <a:fld id="{C1FF6DA9-008F-8B48-92A6-B652298478BF}" type="slidenum">
+              <a:rPr lang="en-US" smtClean="0"/>
+              <a:t>58</a:t>
+            </a:fld>
+            <a:endParaRPr lang="en-US"/>
+          </a:p>
+        </p:txBody>
+      </p:sp>
+    </p:spTree>
+    <p:extLst>
+      <p:ext uri="{BB962C8B-B14F-4D97-AF65-F5344CB8AC3E}">
+        <p14:creationId xmlns:p14="http://schemas.microsoft.com/office/powerpoint/2010/main" val="2823741609"/>
+      </p:ext>
+    </p:extLst>
+  </p:cSld>
+  <p:clrMapOvr>
+    <a:masterClrMapping/>
+  </p:clrMapOvr>
+</p:sld>
+</file>
+
+<file path=ppt/slides/slide59.xml><?xml version="1.0" encoding="utf-8"?>
+<p:sld xmlns:a="http://schemas.openxmlformats.org/drawingml/2006/main" xmlns:r="http://schemas.openxmlformats.org/officeDocument/2006/relationships" xmlns:p="http://schemas.openxmlformats.org/presentationml/2006/main">
+  <p:cSld>
+    <p:spTree>
+      <p:nvGrpSpPr>
+        <p:cNvPr id="1" name=""/>
+        <p:cNvGrpSpPr/>
+        <p:nvPr/>
+      </p:nvGrpSpPr>
+      <p:grpSpPr>
+        <a:xfrm>
+          <a:off x="0" y="0"/>
+          <a:ext cx="0" cy="0"/>
+          <a:chOff x="0" y="0"/>
+          <a:chExt cx="0" cy="0"/>
+        </a:xfrm>
+      </p:grpSpPr>
+      <p:sp>
+        <p:nvSpPr>
+          <p:cNvPr id="2" name="Title 1">
+            <a:extLst>
+              <a:ext uri="{FF2B5EF4-FFF2-40B4-BE49-F238E27FC236}">
+                <a16:creationId xmlns:a16="http://schemas.microsoft.com/office/drawing/2014/main" id="{B788D427-2121-2C92-FA8D-3A8502543D13}"/>
+              </a:ext>
+            </a:extLst>
+          </p:cNvPr>
+          <p:cNvSpPr>
+            <a:spLocks noGrp="1"/>
+          </p:cNvSpPr>
+          <p:nvPr>
+            <p:ph type="title"/>
+          </p:nvPr>
+        </p:nvSpPr>
+        <p:spPr/>
+        <p:txBody>
+          <a:bodyPr/>
+          <a:lstStyle/>
+          <a:p>
+            <a:r>
+              <a:rPr lang="en-US" dirty="0">
+                <a:latin typeface="Arial" panose="020B0604020202020204" pitchFamily="34" charset="0"/>
+              </a:rPr>
+              <a:t>ɒ</a:t>
+            </a:r>
+            <a:endParaRPr lang="en-US" dirty="0"/>
+          </a:p>
+        </p:txBody>
+      </p:sp>
+      <p:sp>
+        <p:nvSpPr>
+          <p:cNvPr id="3" name="Content Placeholder 2">
+            <a:extLst>
+              <a:ext uri="{FF2B5EF4-FFF2-40B4-BE49-F238E27FC236}">
+                <a16:creationId xmlns:a16="http://schemas.microsoft.com/office/drawing/2014/main" id="{986EB2A2-4C66-3D64-906A-7452480D773F}"/>
+              </a:ext>
+            </a:extLst>
+          </p:cNvPr>
+          <p:cNvSpPr>
+            <a:spLocks noGrp="1"/>
+          </p:cNvSpPr>
+          <p:nvPr>
+            <p:ph idx="1"/>
+          </p:nvPr>
+        </p:nvSpPr>
+        <p:spPr/>
+        <p:txBody>
+          <a:bodyPr/>
+          <a:lstStyle/>
+          <a:p>
+            <a:pPr marL="0" indent="0" algn="ctr">
+              <a:buNone/>
+            </a:pPr>
+            <a:endParaRPr lang="en-US" dirty="0"/>
+          </a:p>
+          <a:p>
+            <a:pPr marL="0" indent="0" algn="ctr">
+              <a:buNone/>
+            </a:pPr>
+            <a:r>
+              <a:rPr lang="en-US" dirty="0"/>
+              <a:t>N</a:t>
+            </a:r>
+            <a:r>
+              <a:rPr lang="en-US" dirty="0">
+                <a:highlight>
+                  <a:srgbClr val="FFFF00"/>
+                </a:highlight>
+              </a:rPr>
+              <a:t>o</a:t>
+            </a:r>
+            <a:r>
+              <a:rPr lang="en-US" dirty="0"/>
+              <a:t>t</a:t>
+            </a:r>
+          </a:p>
+          <a:p>
+            <a:pPr marL="0" indent="0" algn="ctr">
+              <a:buNone/>
+            </a:pPr>
+            <a:r>
+              <a:rPr lang="en-US" dirty="0"/>
+              <a:t>W</a:t>
+            </a:r>
+            <a:r>
+              <a:rPr lang="en-US" dirty="0">
+                <a:highlight>
+                  <a:srgbClr val="FFFF00"/>
+                </a:highlight>
+              </a:rPr>
+              <a:t>a</a:t>
+            </a:r>
+            <a:r>
+              <a:rPr lang="en-US" dirty="0"/>
+              <a:t>sh</a:t>
+            </a:r>
+          </a:p>
+        </p:txBody>
+      </p:sp>
+      <p:sp>
+        <p:nvSpPr>
+          <p:cNvPr id="4" name="Slide Number Placeholder 3">
+            <a:extLst>
+              <a:ext uri="{FF2B5EF4-FFF2-40B4-BE49-F238E27FC236}">
+                <a16:creationId xmlns:a16="http://schemas.microsoft.com/office/drawing/2014/main" id="{DFCB18D8-B749-DF64-B920-A84137BEAC5D}"/>
+              </a:ext>
+            </a:extLst>
+          </p:cNvPr>
+          <p:cNvSpPr>
+            <a:spLocks noGrp="1"/>
+          </p:cNvSpPr>
+          <p:nvPr>
+            <p:ph type="sldNum" sz="quarter" idx="12"/>
+          </p:nvPr>
+        </p:nvSpPr>
+        <p:spPr/>
+        <p:txBody>
+          <a:bodyPr/>
+          <a:lstStyle/>
+          <a:p>
+            <a:fld id="{C1FF6DA9-008F-8B48-92A6-B652298478BF}" type="slidenum">
+              <a:rPr lang="en-US" smtClean="0"/>
+              <a:t>59</a:t>
+            </a:fld>
+            <a:endParaRPr lang="en-US"/>
+          </a:p>
+        </p:txBody>
+      </p:sp>
+    </p:spTree>
+    <p:extLst>
+      <p:ext uri="{BB962C8B-B14F-4D97-AF65-F5344CB8AC3E}">
+        <p14:creationId xmlns:p14="http://schemas.microsoft.com/office/powerpoint/2010/main" val="3303810201"/>
+      </p:ext>
+    </p:extLst>
+  </p:cSld>
+  <p:clrMapOvr>
+    <a:masterClrMapping/>
+  </p:clrMapOvr>
+</p:sld>
+</file>
+
 <file path=ppt/slides/slide6.xml><?xml version="1.0" encoding="utf-8"?>
 <p:sld xmlns:a="http://schemas.openxmlformats.org/drawingml/2006/main" xmlns:r="http://schemas.openxmlformats.org/officeDocument/2006/relationships" xmlns:p="http://schemas.openxmlformats.org/presentationml/2006/main">
   <p:cSld>
@@ -15162,6 +17781,1578 @@
 </p:sld>
 </file>
 
+<file path=ppt/slides/slide60.xml><?xml version="1.0" encoding="utf-8"?>
+<p:sld xmlns:a="http://schemas.openxmlformats.org/drawingml/2006/main" xmlns:r="http://schemas.openxmlformats.org/officeDocument/2006/relationships" xmlns:p="http://schemas.openxmlformats.org/presentationml/2006/main">
+  <p:cSld>
+    <p:spTree>
+      <p:nvGrpSpPr>
+        <p:cNvPr id="1" name=""/>
+        <p:cNvGrpSpPr/>
+        <p:nvPr/>
+      </p:nvGrpSpPr>
+      <p:grpSpPr>
+        <a:xfrm>
+          <a:off x="0" y="0"/>
+          <a:ext cx="0" cy="0"/>
+          <a:chOff x="0" y="0"/>
+          <a:chExt cx="0" cy="0"/>
+        </a:xfrm>
+      </p:grpSpPr>
+      <p:sp>
+        <p:nvSpPr>
+          <p:cNvPr id="2" name="Title 1">
+            <a:extLst>
+              <a:ext uri="{FF2B5EF4-FFF2-40B4-BE49-F238E27FC236}">
+                <a16:creationId xmlns:a16="http://schemas.microsoft.com/office/drawing/2014/main" id="{4E1F5EE0-A3EF-E84A-8C80-7B90B59A802C}"/>
+              </a:ext>
+            </a:extLst>
+          </p:cNvPr>
+          <p:cNvSpPr>
+            <a:spLocks noGrp="1"/>
+          </p:cNvSpPr>
+          <p:nvPr>
+            <p:ph type="title"/>
+          </p:nvPr>
+        </p:nvSpPr>
+        <p:spPr/>
+        <p:txBody>
+          <a:bodyPr/>
+          <a:lstStyle/>
+          <a:p>
+            <a:r>
+              <a:rPr lang="en-US" b="0" i="0" dirty="0" err="1">
+                <a:solidFill>
+                  <a:srgbClr val="202122"/>
+                </a:solidFill>
+                <a:effectLst/>
+                <a:latin typeface="Arial" panose="020B0604020202020204" pitchFamily="34" charset="0"/>
+              </a:rPr>
+              <a:t>ɪə</a:t>
+            </a:r>
+            <a:endParaRPr lang="en-US" dirty="0"/>
+          </a:p>
+        </p:txBody>
+      </p:sp>
+      <p:sp>
+        <p:nvSpPr>
+          <p:cNvPr id="3" name="Content Placeholder 2">
+            <a:extLst>
+              <a:ext uri="{FF2B5EF4-FFF2-40B4-BE49-F238E27FC236}">
+                <a16:creationId xmlns:a16="http://schemas.microsoft.com/office/drawing/2014/main" id="{93BB90B9-E78E-532B-F930-FFCE9BC214E4}"/>
+              </a:ext>
+            </a:extLst>
+          </p:cNvPr>
+          <p:cNvSpPr>
+            <a:spLocks noGrp="1"/>
+          </p:cNvSpPr>
+          <p:nvPr>
+            <p:ph idx="1"/>
+          </p:nvPr>
+        </p:nvSpPr>
+        <p:spPr/>
+        <p:txBody>
+          <a:bodyPr/>
+          <a:lstStyle/>
+          <a:p>
+            <a:pPr marL="0" indent="0" algn="ctr">
+              <a:buNone/>
+            </a:pPr>
+            <a:endParaRPr lang="en-US" dirty="0"/>
+          </a:p>
+          <a:p>
+            <a:pPr marL="0" indent="0" algn="ctr">
+              <a:buNone/>
+            </a:pPr>
+            <a:r>
+              <a:rPr lang="en-US" dirty="0"/>
+              <a:t>R</a:t>
+            </a:r>
+            <a:r>
+              <a:rPr lang="en-US" dirty="0">
+                <a:highlight>
+                  <a:srgbClr val="FFFF00"/>
+                </a:highlight>
+              </a:rPr>
+              <a:t>ea</a:t>
+            </a:r>
+            <a:r>
+              <a:rPr lang="en-US" dirty="0"/>
+              <a:t>l</a:t>
+            </a:r>
+          </a:p>
+          <a:p>
+            <a:pPr marL="0" indent="0" algn="ctr">
+              <a:buNone/>
+            </a:pPr>
+            <a:r>
+              <a:rPr lang="en-US" dirty="0"/>
+              <a:t>B</a:t>
+            </a:r>
+            <a:r>
+              <a:rPr lang="en-US" dirty="0">
+                <a:highlight>
+                  <a:srgbClr val="FFFF00"/>
+                </a:highlight>
+              </a:rPr>
+              <a:t>ee</a:t>
+            </a:r>
+            <a:r>
+              <a:rPr lang="en-US" dirty="0"/>
+              <a:t>r</a:t>
+            </a:r>
+          </a:p>
+        </p:txBody>
+      </p:sp>
+      <p:sp>
+        <p:nvSpPr>
+          <p:cNvPr id="4" name="Slide Number Placeholder 3">
+            <a:extLst>
+              <a:ext uri="{FF2B5EF4-FFF2-40B4-BE49-F238E27FC236}">
+                <a16:creationId xmlns:a16="http://schemas.microsoft.com/office/drawing/2014/main" id="{75BAE383-DF84-D5EF-E423-CF35AAB9FA7B}"/>
+              </a:ext>
+            </a:extLst>
+          </p:cNvPr>
+          <p:cNvSpPr>
+            <a:spLocks noGrp="1"/>
+          </p:cNvSpPr>
+          <p:nvPr>
+            <p:ph type="sldNum" sz="quarter" idx="12"/>
+          </p:nvPr>
+        </p:nvSpPr>
+        <p:spPr/>
+        <p:txBody>
+          <a:bodyPr/>
+          <a:lstStyle/>
+          <a:p>
+            <a:fld id="{C1FF6DA9-008F-8B48-92A6-B652298478BF}" type="slidenum">
+              <a:rPr lang="en-US" smtClean="0"/>
+              <a:t>60</a:t>
+            </a:fld>
+            <a:endParaRPr lang="en-US"/>
+          </a:p>
+        </p:txBody>
+      </p:sp>
+    </p:spTree>
+    <p:extLst>
+      <p:ext uri="{BB962C8B-B14F-4D97-AF65-F5344CB8AC3E}">
+        <p14:creationId xmlns:p14="http://schemas.microsoft.com/office/powerpoint/2010/main" val="4201878811"/>
+      </p:ext>
+    </p:extLst>
+  </p:cSld>
+  <p:clrMapOvr>
+    <a:masterClrMapping/>
+  </p:clrMapOvr>
+</p:sld>
+</file>
+
+<file path=ppt/slides/slide61.xml><?xml version="1.0" encoding="utf-8"?>
+<p:sld xmlns:a="http://schemas.openxmlformats.org/drawingml/2006/main" xmlns:r="http://schemas.openxmlformats.org/officeDocument/2006/relationships" xmlns:p="http://schemas.openxmlformats.org/presentationml/2006/main">
+  <p:cSld>
+    <p:spTree>
+      <p:nvGrpSpPr>
+        <p:cNvPr id="1" name=""/>
+        <p:cNvGrpSpPr/>
+        <p:nvPr/>
+      </p:nvGrpSpPr>
+      <p:grpSpPr>
+        <a:xfrm>
+          <a:off x="0" y="0"/>
+          <a:ext cx="0" cy="0"/>
+          <a:chOff x="0" y="0"/>
+          <a:chExt cx="0" cy="0"/>
+        </a:xfrm>
+      </p:grpSpPr>
+      <p:sp>
+        <p:nvSpPr>
+          <p:cNvPr id="2" name="Title 1">
+            <a:extLst>
+              <a:ext uri="{FF2B5EF4-FFF2-40B4-BE49-F238E27FC236}">
+                <a16:creationId xmlns:a16="http://schemas.microsoft.com/office/drawing/2014/main" id="{E350ECB2-CE0D-AF36-004D-564F653E5877}"/>
+              </a:ext>
+            </a:extLst>
+          </p:cNvPr>
+          <p:cNvSpPr>
+            <a:spLocks noGrp="1"/>
+          </p:cNvSpPr>
+          <p:nvPr>
+            <p:ph type="title"/>
+          </p:nvPr>
+        </p:nvSpPr>
+        <p:spPr/>
+        <p:txBody>
+          <a:bodyPr/>
+          <a:lstStyle/>
+          <a:p>
+            <a:r>
+              <a:rPr lang="en-US" b="0" i="0" dirty="0" err="1">
+                <a:solidFill>
+                  <a:srgbClr val="202122"/>
+                </a:solidFill>
+                <a:effectLst/>
+                <a:latin typeface="Arial" panose="020B0604020202020204" pitchFamily="34" charset="0"/>
+              </a:rPr>
+              <a:t>eɪ</a:t>
+            </a:r>
+            <a:endParaRPr lang="en-US" dirty="0"/>
+          </a:p>
+        </p:txBody>
+      </p:sp>
+      <p:sp>
+        <p:nvSpPr>
+          <p:cNvPr id="3" name="Content Placeholder 2">
+            <a:extLst>
+              <a:ext uri="{FF2B5EF4-FFF2-40B4-BE49-F238E27FC236}">
+                <a16:creationId xmlns:a16="http://schemas.microsoft.com/office/drawing/2014/main" id="{9B1F244E-16F2-4052-6F67-92C3BDCF6FA9}"/>
+              </a:ext>
+            </a:extLst>
+          </p:cNvPr>
+          <p:cNvSpPr>
+            <a:spLocks noGrp="1"/>
+          </p:cNvSpPr>
+          <p:nvPr>
+            <p:ph idx="1"/>
+          </p:nvPr>
+        </p:nvSpPr>
+        <p:spPr/>
+        <p:txBody>
+          <a:bodyPr/>
+          <a:lstStyle/>
+          <a:p>
+            <a:pPr marL="0" indent="0" algn="ctr">
+              <a:buNone/>
+            </a:pPr>
+            <a:endParaRPr lang="en-US" dirty="0"/>
+          </a:p>
+          <a:p>
+            <a:pPr marL="0" indent="0" algn="ctr">
+              <a:buNone/>
+            </a:pPr>
+            <a:r>
+              <a:rPr lang="en-US" dirty="0"/>
+              <a:t>S</a:t>
+            </a:r>
+            <a:r>
+              <a:rPr lang="en-US" dirty="0">
+                <a:highlight>
+                  <a:srgbClr val="FFFF00"/>
+                </a:highlight>
+              </a:rPr>
+              <a:t>a</a:t>
+            </a:r>
+            <a:r>
+              <a:rPr lang="en-US" dirty="0"/>
+              <a:t>y</a:t>
+            </a:r>
+          </a:p>
+          <a:p>
+            <a:pPr marL="0" indent="0" algn="ctr">
+              <a:buNone/>
+            </a:pPr>
+            <a:r>
+              <a:rPr lang="en-US" dirty="0"/>
+              <a:t>T</a:t>
+            </a:r>
+            <a:r>
+              <a:rPr lang="en-US" dirty="0">
+                <a:highlight>
+                  <a:srgbClr val="FFFF00"/>
+                </a:highlight>
+              </a:rPr>
+              <a:t>a</a:t>
+            </a:r>
+            <a:r>
+              <a:rPr lang="en-US" dirty="0"/>
+              <a:t>ble</a:t>
+            </a:r>
+          </a:p>
+        </p:txBody>
+      </p:sp>
+      <p:sp>
+        <p:nvSpPr>
+          <p:cNvPr id="4" name="Slide Number Placeholder 3">
+            <a:extLst>
+              <a:ext uri="{FF2B5EF4-FFF2-40B4-BE49-F238E27FC236}">
+                <a16:creationId xmlns:a16="http://schemas.microsoft.com/office/drawing/2014/main" id="{89A54720-9D79-925F-802C-1B2960E00E9E}"/>
+              </a:ext>
+            </a:extLst>
+          </p:cNvPr>
+          <p:cNvSpPr>
+            <a:spLocks noGrp="1"/>
+          </p:cNvSpPr>
+          <p:nvPr>
+            <p:ph type="sldNum" sz="quarter" idx="12"/>
+          </p:nvPr>
+        </p:nvSpPr>
+        <p:spPr/>
+        <p:txBody>
+          <a:bodyPr/>
+          <a:lstStyle/>
+          <a:p>
+            <a:fld id="{C1FF6DA9-008F-8B48-92A6-B652298478BF}" type="slidenum">
+              <a:rPr lang="en-US" smtClean="0"/>
+              <a:t>61</a:t>
+            </a:fld>
+            <a:endParaRPr lang="en-US"/>
+          </a:p>
+        </p:txBody>
+      </p:sp>
+    </p:spTree>
+    <p:extLst>
+      <p:ext uri="{BB962C8B-B14F-4D97-AF65-F5344CB8AC3E}">
+        <p14:creationId xmlns:p14="http://schemas.microsoft.com/office/powerpoint/2010/main" val="543758456"/>
+      </p:ext>
+    </p:extLst>
+  </p:cSld>
+  <p:clrMapOvr>
+    <a:masterClrMapping/>
+  </p:clrMapOvr>
+</p:sld>
+</file>
+
+<file path=ppt/slides/slide62.xml><?xml version="1.0" encoding="utf-8"?>
+<p:sld xmlns:a="http://schemas.openxmlformats.org/drawingml/2006/main" xmlns:r="http://schemas.openxmlformats.org/officeDocument/2006/relationships" xmlns:p="http://schemas.openxmlformats.org/presentationml/2006/main">
+  <p:cSld>
+    <p:spTree>
+      <p:nvGrpSpPr>
+        <p:cNvPr id="1" name=""/>
+        <p:cNvGrpSpPr/>
+        <p:nvPr/>
+      </p:nvGrpSpPr>
+      <p:grpSpPr>
+        <a:xfrm>
+          <a:off x="0" y="0"/>
+          <a:ext cx="0" cy="0"/>
+          <a:chOff x="0" y="0"/>
+          <a:chExt cx="0" cy="0"/>
+        </a:xfrm>
+      </p:grpSpPr>
+      <p:sp>
+        <p:nvSpPr>
+          <p:cNvPr id="2" name="Title 1">
+            <a:extLst>
+              <a:ext uri="{FF2B5EF4-FFF2-40B4-BE49-F238E27FC236}">
+                <a16:creationId xmlns:a16="http://schemas.microsoft.com/office/drawing/2014/main" id="{6CB6C844-AC9D-2EB5-0444-203EE468EC21}"/>
+              </a:ext>
+            </a:extLst>
+          </p:cNvPr>
+          <p:cNvSpPr>
+            <a:spLocks noGrp="1"/>
+          </p:cNvSpPr>
+          <p:nvPr>
+            <p:ph type="title"/>
+          </p:nvPr>
+        </p:nvSpPr>
+        <p:spPr/>
+        <p:txBody>
+          <a:bodyPr/>
+          <a:lstStyle/>
+          <a:p>
+            <a:r>
+              <a:rPr lang="en-US" b="0" i="0" dirty="0" err="1">
+                <a:solidFill>
+                  <a:srgbClr val="202122"/>
+                </a:solidFill>
+                <a:effectLst/>
+                <a:latin typeface="Arial" panose="020B0604020202020204" pitchFamily="34" charset="0"/>
+              </a:rPr>
+              <a:t>ʊə</a:t>
+            </a:r>
+            <a:endParaRPr lang="en-US" dirty="0"/>
+          </a:p>
+        </p:txBody>
+      </p:sp>
+      <p:sp>
+        <p:nvSpPr>
+          <p:cNvPr id="3" name="Content Placeholder 2">
+            <a:extLst>
+              <a:ext uri="{FF2B5EF4-FFF2-40B4-BE49-F238E27FC236}">
+                <a16:creationId xmlns:a16="http://schemas.microsoft.com/office/drawing/2014/main" id="{C5E01872-0803-B7F4-F68F-6917F29E11E4}"/>
+              </a:ext>
+            </a:extLst>
+          </p:cNvPr>
+          <p:cNvSpPr>
+            <a:spLocks noGrp="1"/>
+          </p:cNvSpPr>
+          <p:nvPr>
+            <p:ph idx="1"/>
+          </p:nvPr>
+        </p:nvSpPr>
+        <p:spPr/>
+        <p:txBody>
+          <a:bodyPr/>
+          <a:lstStyle/>
+          <a:p>
+            <a:pPr marL="0" indent="0" algn="ctr">
+              <a:buNone/>
+            </a:pPr>
+            <a:endParaRPr lang="en-US" dirty="0"/>
+          </a:p>
+          <a:p>
+            <a:pPr marL="0" indent="0" algn="ctr">
+              <a:buNone/>
+            </a:pPr>
+            <a:r>
+              <a:rPr lang="en-US" dirty="0"/>
+              <a:t>T</a:t>
+            </a:r>
+            <a:r>
+              <a:rPr lang="en-US" dirty="0">
+                <a:highlight>
+                  <a:srgbClr val="FFFF00"/>
+                </a:highlight>
+              </a:rPr>
+              <a:t>ou</a:t>
+            </a:r>
+            <a:r>
+              <a:rPr lang="en-US" dirty="0"/>
+              <a:t>r</a:t>
+            </a:r>
+          </a:p>
+          <a:p>
+            <a:pPr marL="0" indent="0" algn="ctr">
+              <a:buNone/>
+            </a:pPr>
+            <a:r>
+              <a:rPr lang="en-US" dirty="0"/>
+              <a:t>J</a:t>
+            </a:r>
+            <a:r>
+              <a:rPr lang="en-US" dirty="0">
+                <a:highlight>
+                  <a:srgbClr val="FFFF00"/>
+                </a:highlight>
+              </a:rPr>
+              <a:t>u</a:t>
+            </a:r>
+            <a:r>
+              <a:rPr lang="en-US" dirty="0"/>
+              <a:t>ry</a:t>
+            </a:r>
+          </a:p>
+        </p:txBody>
+      </p:sp>
+      <p:sp>
+        <p:nvSpPr>
+          <p:cNvPr id="4" name="Slide Number Placeholder 3">
+            <a:extLst>
+              <a:ext uri="{FF2B5EF4-FFF2-40B4-BE49-F238E27FC236}">
+                <a16:creationId xmlns:a16="http://schemas.microsoft.com/office/drawing/2014/main" id="{86190939-3027-CBE5-1C25-0FD359875277}"/>
+              </a:ext>
+            </a:extLst>
+          </p:cNvPr>
+          <p:cNvSpPr>
+            <a:spLocks noGrp="1"/>
+          </p:cNvSpPr>
+          <p:nvPr>
+            <p:ph type="sldNum" sz="quarter" idx="12"/>
+          </p:nvPr>
+        </p:nvSpPr>
+        <p:spPr/>
+        <p:txBody>
+          <a:bodyPr/>
+          <a:lstStyle/>
+          <a:p>
+            <a:fld id="{C1FF6DA9-008F-8B48-92A6-B652298478BF}" type="slidenum">
+              <a:rPr lang="en-US" smtClean="0"/>
+              <a:t>62</a:t>
+            </a:fld>
+            <a:endParaRPr lang="en-US"/>
+          </a:p>
+        </p:txBody>
+      </p:sp>
+    </p:spTree>
+    <p:extLst>
+      <p:ext uri="{BB962C8B-B14F-4D97-AF65-F5344CB8AC3E}">
+        <p14:creationId xmlns:p14="http://schemas.microsoft.com/office/powerpoint/2010/main" val="3387745632"/>
+      </p:ext>
+    </p:extLst>
+  </p:cSld>
+  <p:clrMapOvr>
+    <a:masterClrMapping/>
+  </p:clrMapOvr>
+</p:sld>
+</file>
+
+<file path=ppt/slides/slide63.xml><?xml version="1.0" encoding="utf-8"?>
+<p:sld xmlns:a="http://schemas.openxmlformats.org/drawingml/2006/main" xmlns:r="http://schemas.openxmlformats.org/officeDocument/2006/relationships" xmlns:p="http://schemas.openxmlformats.org/presentationml/2006/main">
+  <p:cSld>
+    <p:spTree>
+      <p:nvGrpSpPr>
+        <p:cNvPr id="1" name=""/>
+        <p:cNvGrpSpPr/>
+        <p:nvPr/>
+      </p:nvGrpSpPr>
+      <p:grpSpPr>
+        <a:xfrm>
+          <a:off x="0" y="0"/>
+          <a:ext cx="0" cy="0"/>
+          <a:chOff x="0" y="0"/>
+          <a:chExt cx="0" cy="0"/>
+        </a:xfrm>
+      </p:grpSpPr>
+      <p:sp>
+        <p:nvSpPr>
+          <p:cNvPr id="2" name="Title 1">
+            <a:extLst>
+              <a:ext uri="{FF2B5EF4-FFF2-40B4-BE49-F238E27FC236}">
+                <a16:creationId xmlns:a16="http://schemas.microsoft.com/office/drawing/2014/main" id="{43D36797-AB26-9D95-4828-B870D1B095D2}"/>
+              </a:ext>
+            </a:extLst>
+          </p:cNvPr>
+          <p:cNvSpPr>
+            <a:spLocks noGrp="1"/>
+          </p:cNvSpPr>
+          <p:nvPr>
+            <p:ph type="title"/>
+          </p:nvPr>
+        </p:nvSpPr>
+        <p:spPr/>
+        <p:txBody>
+          <a:bodyPr/>
+          <a:lstStyle/>
+          <a:p>
+            <a:r>
+              <a:rPr lang="en-US" b="0" i="0" dirty="0" err="1">
+                <a:solidFill>
+                  <a:srgbClr val="202122"/>
+                </a:solidFill>
+                <a:effectLst/>
+                <a:latin typeface="Arial" panose="020B0604020202020204" pitchFamily="34" charset="0"/>
+              </a:rPr>
+              <a:t>ɔɪ</a:t>
+            </a:r>
+            <a:endParaRPr lang="en-US" dirty="0"/>
+          </a:p>
+        </p:txBody>
+      </p:sp>
+      <p:sp>
+        <p:nvSpPr>
+          <p:cNvPr id="3" name="Content Placeholder 2">
+            <a:extLst>
+              <a:ext uri="{FF2B5EF4-FFF2-40B4-BE49-F238E27FC236}">
+                <a16:creationId xmlns:a16="http://schemas.microsoft.com/office/drawing/2014/main" id="{B0409EA7-0D64-3BEF-051C-00D30624DBC2}"/>
+              </a:ext>
+            </a:extLst>
+          </p:cNvPr>
+          <p:cNvSpPr>
+            <a:spLocks noGrp="1"/>
+          </p:cNvSpPr>
+          <p:nvPr>
+            <p:ph idx="1"/>
+          </p:nvPr>
+        </p:nvSpPr>
+        <p:spPr/>
+        <p:txBody>
+          <a:bodyPr/>
+          <a:lstStyle/>
+          <a:p>
+            <a:pPr marL="0" indent="0" algn="ctr">
+              <a:buNone/>
+            </a:pPr>
+            <a:endParaRPr lang="en-US" dirty="0"/>
+          </a:p>
+          <a:p>
+            <a:pPr marL="0" indent="0" algn="ctr">
+              <a:buNone/>
+            </a:pPr>
+            <a:r>
+              <a:rPr lang="en-US" dirty="0"/>
+              <a:t>B</a:t>
+            </a:r>
+            <a:r>
+              <a:rPr lang="en-US" dirty="0">
+                <a:highlight>
+                  <a:srgbClr val="FFFF00"/>
+                </a:highlight>
+              </a:rPr>
+              <a:t>oy</a:t>
+            </a:r>
+          </a:p>
+          <a:p>
+            <a:pPr marL="0" indent="0" algn="ctr">
+              <a:buNone/>
+            </a:pPr>
+            <a:r>
+              <a:rPr lang="en-US" dirty="0"/>
+              <a:t>N</a:t>
+            </a:r>
+            <a:r>
+              <a:rPr lang="en-US" dirty="0">
+                <a:highlight>
+                  <a:srgbClr val="FFFF00"/>
+                </a:highlight>
+              </a:rPr>
+              <a:t>oi</a:t>
+            </a:r>
+            <a:r>
+              <a:rPr lang="en-US" dirty="0"/>
+              <a:t>se</a:t>
+            </a:r>
+          </a:p>
+        </p:txBody>
+      </p:sp>
+      <p:sp>
+        <p:nvSpPr>
+          <p:cNvPr id="4" name="Slide Number Placeholder 3">
+            <a:extLst>
+              <a:ext uri="{FF2B5EF4-FFF2-40B4-BE49-F238E27FC236}">
+                <a16:creationId xmlns:a16="http://schemas.microsoft.com/office/drawing/2014/main" id="{1C3D9B6B-92D8-8795-785F-33DE17D38CB8}"/>
+              </a:ext>
+            </a:extLst>
+          </p:cNvPr>
+          <p:cNvSpPr>
+            <a:spLocks noGrp="1"/>
+          </p:cNvSpPr>
+          <p:nvPr>
+            <p:ph type="sldNum" sz="quarter" idx="12"/>
+          </p:nvPr>
+        </p:nvSpPr>
+        <p:spPr/>
+        <p:txBody>
+          <a:bodyPr/>
+          <a:lstStyle/>
+          <a:p>
+            <a:fld id="{C1FF6DA9-008F-8B48-92A6-B652298478BF}" type="slidenum">
+              <a:rPr lang="en-US" smtClean="0"/>
+              <a:t>63</a:t>
+            </a:fld>
+            <a:endParaRPr lang="en-US"/>
+          </a:p>
+        </p:txBody>
+      </p:sp>
+    </p:spTree>
+    <p:extLst>
+      <p:ext uri="{BB962C8B-B14F-4D97-AF65-F5344CB8AC3E}">
+        <p14:creationId xmlns:p14="http://schemas.microsoft.com/office/powerpoint/2010/main" val="4084338293"/>
+      </p:ext>
+    </p:extLst>
+  </p:cSld>
+  <p:clrMapOvr>
+    <a:masterClrMapping/>
+  </p:clrMapOvr>
+</p:sld>
+</file>
+
+<file path=ppt/slides/slide64.xml><?xml version="1.0" encoding="utf-8"?>
+<p:sld xmlns:a="http://schemas.openxmlformats.org/drawingml/2006/main" xmlns:r="http://schemas.openxmlformats.org/officeDocument/2006/relationships" xmlns:p="http://schemas.openxmlformats.org/presentationml/2006/main">
+  <p:cSld>
+    <p:spTree>
+      <p:nvGrpSpPr>
+        <p:cNvPr id="1" name=""/>
+        <p:cNvGrpSpPr/>
+        <p:nvPr/>
+      </p:nvGrpSpPr>
+      <p:grpSpPr>
+        <a:xfrm>
+          <a:off x="0" y="0"/>
+          <a:ext cx="0" cy="0"/>
+          <a:chOff x="0" y="0"/>
+          <a:chExt cx="0" cy="0"/>
+        </a:xfrm>
+      </p:grpSpPr>
+      <p:sp>
+        <p:nvSpPr>
+          <p:cNvPr id="2" name="Title 1">
+            <a:extLst>
+              <a:ext uri="{FF2B5EF4-FFF2-40B4-BE49-F238E27FC236}">
+                <a16:creationId xmlns:a16="http://schemas.microsoft.com/office/drawing/2014/main" id="{68B30A1F-6EB9-E2F2-F4E5-08983038A319}"/>
+              </a:ext>
+            </a:extLst>
+          </p:cNvPr>
+          <p:cNvSpPr>
+            <a:spLocks noGrp="1"/>
+          </p:cNvSpPr>
+          <p:nvPr>
+            <p:ph type="title"/>
+          </p:nvPr>
+        </p:nvSpPr>
+        <p:spPr/>
+        <p:txBody>
+          <a:bodyPr/>
+          <a:lstStyle/>
+          <a:p>
+            <a:r>
+              <a:rPr lang="en-US" b="0" i="0" dirty="0" err="1">
+                <a:solidFill>
+                  <a:srgbClr val="202122"/>
+                </a:solidFill>
+                <a:effectLst/>
+                <a:latin typeface="Arial" panose="020B0604020202020204" pitchFamily="34" charset="0"/>
+              </a:rPr>
+              <a:t>əʊ</a:t>
+            </a:r>
+            <a:endParaRPr lang="en-US" dirty="0"/>
+          </a:p>
+        </p:txBody>
+      </p:sp>
+      <p:sp>
+        <p:nvSpPr>
+          <p:cNvPr id="3" name="Content Placeholder 2">
+            <a:extLst>
+              <a:ext uri="{FF2B5EF4-FFF2-40B4-BE49-F238E27FC236}">
+                <a16:creationId xmlns:a16="http://schemas.microsoft.com/office/drawing/2014/main" id="{1F27D910-BB3C-A03C-4607-03EC44B9D743}"/>
+              </a:ext>
+            </a:extLst>
+          </p:cNvPr>
+          <p:cNvSpPr>
+            <a:spLocks noGrp="1"/>
+          </p:cNvSpPr>
+          <p:nvPr>
+            <p:ph idx="1"/>
+          </p:nvPr>
+        </p:nvSpPr>
+        <p:spPr/>
+        <p:txBody>
+          <a:bodyPr/>
+          <a:lstStyle/>
+          <a:p>
+            <a:pPr marL="0" indent="0" algn="ctr">
+              <a:buNone/>
+            </a:pPr>
+            <a:endParaRPr lang="en-US" dirty="0"/>
+          </a:p>
+          <a:p>
+            <a:pPr marL="0" indent="0" algn="ctr">
+              <a:buNone/>
+            </a:pPr>
+            <a:r>
+              <a:rPr lang="en-US" dirty="0"/>
+              <a:t>C</a:t>
+            </a:r>
+            <a:r>
+              <a:rPr lang="en-US" dirty="0">
+                <a:highlight>
+                  <a:srgbClr val="FFFF00"/>
+                </a:highlight>
+              </a:rPr>
+              <a:t>oa</a:t>
+            </a:r>
+            <a:r>
+              <a:rPr lang="en-US" dirty="0"/>
+              <a:t>t</a:t>
+            </a:r>
+          </a:p>
+          <a:p>
+            <a:pPr marL="0" indent="0" algn="ctr">
+              <a:buNone/>
+            </a:pPr>
+            <a:r>
+              <a:rPr lang="en-US" dirty="0"/>
+              <a:t>Fl</a:t>
+            </a:r>
+            <a:r>
+              <a:rPr lang="en-US" dirty="0">
+                <a:highlight>
+                  <a:srgbClr val="FFFF00"/>
+                </a:highlight>
+              </a:rPr>
+              <a:t>ow</a:t>
+            </a:r>
+          </a:p>
+        </p:txBody>
+      </p:sp>
+      <p:sp>
+        <p:nvSpPr>
+          <p:cNvPr id="4" name="Slide Number Placeholder 3">
+            <a:extLst>
+              <a:ext uri="{FF2B5EF4-FFF2-40B4-BE49-F238E27FC236}">
+                <a16:creationId xmlns:a16="http://schemas.microsoft.com/office/drawing/2014/main" id="{F85261FD-009B-4C0C-DC95-63F65384A944}"/>
+              </a:ext>
+            </a:extLst>
+          </p:cNvPr>
+          <p:cNvSpPr>
+            <a:spLocks noGrp="1"/>
+          </p:cNvSpPr>
+          <p:nvPr>
+            <p:ph type="sldNum" sz="quarter" idx="12"/>
+          </p:nvPr>
+        </p:nvSpPr>
+        <p:spPr/>
+        <p:txBody>
+          <a:bodyPr/>
+          <a:lstStyle/>
+          <a:p>
+            <a:fld id="{C1FF6DA9-008F-8B48-92A6-B652298478BF}" type="slidenum">
+              <a:rPr lang="en-US" smtClean="0"/>
+              <a:t>64</a:t>
+            </a:fld>
+            <a:endParaRPr lang="en-US"/>
+          </a:p>
+        </p:txBody>
+      </p:sp>
+    </p:spTree>
+    <p:extLst>
+      <p:ext uri="{BB962C8B-B14F-4D97-AF65-F5344CB8AC3E}">
+        <p14:creationId xmlns:p14="http://schemas.microsoft.com/office/powerpoint/2010/main" val="3702880425"/>
+      </p:ext>
+    </p:extLst>
+  </p:cSld>
+  <p:clrMapOvr>
+    <a:masterClrMapping/>
+  </p:clrMapOvr>
+</p:sld>
+</file>
+
+<file path=ppt/slides/slide65.xml><?xml version="1.0" encoding="utf-8"?>
+<p:sld xmlns:a="http://schemas.openxmlformats.org/drawingml/2006/main" xmlns:r="http://schemas.openxmlformats.org/officeDocument/2006/relationships" xmlns:p="http://schemas.openxmlformats.org/presentationml/2006/main">
+  <p:cSld>
+    <p:spTree>
+      <p:nvGrpSpPr>
+        <p:cNvPr id="1" name=""/>
+        <p:cNvGrpSpPr/>
+        <p:nvPr/>
+      </p:nvGrpSpPr>
+      <p:grpSpPr>
+        <a:xfrm>
+          <a:off x="0" y="0"/>
+          <a:ext cx="0" cy="0"/>
+          <a:chOff x="0" y="0"/>
+          <a:chExt cx="0" cy="0"/>
+        </a:xfrm>
+      </p:grpSpPr>
+      <p:sp>
+        <p:nvSpPr>
+          <p:cNvPr id="2" name="Title 1">
+            <a:extLst>
+              <a:ext uri="{FF2B5EF4-FFF2-40B4-BE49-F238E27FC236}">
+                <a16:creationId xmlns:a16="http://schemas.microsoft.com/office/drawing/2014/main" id="{634CF5A9-64FF-4ACC-720A-9A2AB89436EA}"/>
+              </a:ext>
+            </a:extLst>
+          </p:cNvPr>
+          <p:cNvSpPr>
+            <a:spLocks noGrp="1"/>
+          </p:cNvSpPr>
+          <p:nvPr>
+            <p:ph type="title"/>
+          </p:nvPr>
+        </p:nvSpPr>
+        <p:spPr/>
+        <p:txBody>
+          <a:bodyPr/>
+          <a:lstStyle/>
+          <a:p>
+            <a:r>
+              <a:rPr lang="en-US" dirty="0" err="1"/>
+              <a:t>eə</a:t>
+            </a:r>
+            <a:endParaRPr lang="en-US" dirty="0"/>
+          </a:p>
+        </p:txBody>
+      </p:sp>
+      <p:sp>
+        <p:nvSpPr>
+          <p:cNvPr id="3" name="Content Placeholder 2">
+            <a:extLst>
+              <a:ext uri="{FF2B5EF4-FFF2-40B4-BE49-F238E27FC236}">
+                <a16:creationId xmlns:a16="http://schemas.microsoft.com/office/drawing/2014/main" id="{1729CCD6-589C-F5B0-63AD-9E69AC537F05}"/>
+              </a:ext>
+            </a:extLst>
+          </p:cNvPr>
+          <p:cNvSpPr>
+            <a:spLocks noGrp="1"/>
+          </p:cNvSpPr>
+          <p:nvPr>
+            <p:ph idx="1"/>
+          </p:nvPr>
+        </p:nvSpPr>
+        <p:spPr/>
+        <p:txBody>
+          <a:bodyPr/>
+          <a:lstStyle/>
+          <a:p>
+            <a:pPr marL="0" indent="0" algn="ctr">
+              <a:buNone/>
+            </a:pPr>
+            <a:endParaRPr lang="en-US" dirty="0"/>
+          </a:p>
+          <a:p>
+            <a:pPr marL="0" indent="0" algn="ctr">
+              <a:buNone/>
+            </a:pPr>
+            <a:r>
+              <a:rPr lang="en-US" dirty="0"/>
+              <a:t>Wh</a:t>
+            </a:r>
+            <a:r>
+              <a:rPr lang="en-US" dirty="0">
+                <a:highlight>
+                  <a:srgbClr val="FFFF00"/>
+                </a:highlight>
+              </a:rPr>
+              <a:t>ere</a:t>
+            </a:r>
+          </a:p>
+          <a:p>
+            <a:pPr marL="0" indent="0" algn="ctr">
+              <a:buNone/>
+            </a:pPr>
+            <a:r>
+              <a:rPr lang="en-US" dirty="0"/>
+              <a:t>Th</a:t>
+            </a:r>
+            <a:r>
+              <a:rPr lang="en-US" dirty="0">
+                <a:highlight>
+                  <a:srgbClr val="FFFF00"/>
+                </a:highlight>
+              </a:rPr>
+              <a:t>eir</a:t>
+            </a:r>
+          </a:p>
+        </p:txBody>
+      </p:sp>
+      <p:sp>
+        <p:nvSpPr>
+          <p:cNvPr id="4" name="Slide Number Placeholder 3">
+            <a:extLst>
+              <a:ext uri="{FF2B5EF4-FFF2-40B4-BE49-F238E27FC236}">
+                <a16:creationId xmlns:a16="http://schemas.microsoft.com/office/drawing/2014/main" id="{A4759215-F4D6-E32B-38B6-8CA03F71B2F8}"/>
+              </a:ext>
+            </a:extLst>
+          </p:cNvPr>
+          <p:cNvSpPr>
+            <a:spLocks noGrp="1"/>
+          </p:cNvSpPr>
+          <p:nvPr>
+            <p:ph type="sldNum" sz="quarter" idx="12"/>
+          </p:nvPr>
+        </p:nvSpPr>
+        <p:spPr/>
+        <p:txBody>
+          <a:bodyPr/>
+          <a:lstStyle/>
+          <a:p>
+            <a:fld id="{C1FF6DA9-008F-8B48-92A6-B652298478BF}" type="slidenum">
+              <a:rPr lang="en-US" smtClean="0"/>
+              <a:t>65</a:t>
+            </a:fld>
+            <a:endParaRPr lang="en-US"/>
+          </a:p>
+        </p:txBody>
+      </p:sp>
+    </p:spTree>
+    <p:extLst>
+      <p:ext uri="{BB962C8B-B14F-4D97-AF65-F5344CB8AC3E}">
+        <p14:creationId xmlns:p14="http://schemas.microsoft.com/office/powerpoint/2010/main" val="261023487"/>
+      </p:ext>
+    </p:extLst>
+  </p:cSld>
+  <p:clrMapOvr>
+    <a:masterClrMapping/>
+  </p:clrMapOvr>
+</p:sld>
+</file>
+
+<file path=ppt/slides/slide66.xml><?xml version="1.0" encoding="utf-8"?>
+<p:sld xmlns:a="http://schemas.openxmlformats.org/drawingml/2006/main" xmlns:r="http://schemas.openxmlformats.org/officeDocument/2006/relationships" xmlns:p="http://schemas.openxmlformats.org/presentationml/2006/main">
+  <p:cSld>
+    <p:spTree>
+      <p:nvGrpSpPr>
+        <p:cNvPr id="1" name=""/>
+        <p:cNvGrpSpPr/>
+        <p:nvPr/>
+      </p:nvGrpSpPr>
+      <p:grpSpPr>
+        <a:xfrm>
+          <a:off x="0" y="0"/>
+          <a:ext cx="0" cy="0"/>
+          <a:chOff x="0" y="0"/>
+          <a:chExt cx="0" cy="0"/>
+        </a:xfrm>
+      </p:grpSpPr>
+      <p:sp>
+        <p:nvSpPr>
+          <p:cNvPr id="2" name="Title 1">
+            <a:extLst>
+              <a:ext uri="{FF2B5EF4-FFF2-40B4-BE49-F238E27FC236}">
+                <a16:creationId xmlns:a16="http://schemas.microsoft.com/office/drawing/2014/main" id="{47663A2F-5008-ABCB-72CE-674AF7A3AC8B}"/>
+              </a:ext>
+            </a:extLst>
+          </p:cNvPr>
+          <p:cNvSpPr>
+            <a:spLocks noGrp="1"/>
+          </p:cNvSpPr>
+          <p:nvPr>
+            <p:ph type="title"/>
+          </p:nvPr>
+        </p:nvSpPr>
+        <p:spPr/>
+        <p:txBody>
+          <a:bodyPr/>
+          <a:lstStyle/>
+          <a:p>
+            <a:r>
+              <a:rPr lang="en-US" dirty="0" err="1"/>
+              <a:t>aɪ</a:t>
+            </a:r>
+            <a:endParaRPr lang="en-US" dirty="0"/>
+          </a:p>
+        </p:txBody>
+      </p:sp>
+      <p:sp>
+        <p:nvSpPr>
+          <p:cNvPr id="3" name="Content Placeholder 2">
+            <a:extLst>
+              <a:ext uri="{FF2B5EF4-FFF2-40B4-BE49-F238E27FC236}">
+                <a16:creationId xmlns:a16="http://schemas.microsoft.com/office/drawing/2014/main" id="{1624ABC3-D5F0-078C-A3F0-1974390B4F8E}"/>
+              </a:ext>
+            </a:extLst>
+          </p:cNvPr>
+          <p:cNvSpPr>
+            <a:spLocks noGrp="1"/>
+          </p:cNvSpPr>
+          <p:nvPr>
+            <p:ph idx="1"/>
+          </p:nvPr>
+        </p:nvSpPr>
+        <p:spPr/>
+        <p:txBody>
+          <a:bodyPr/>
+          <a:lstStyle/>
+          <a:p>
+            <a:pPr marL="0" indent="0" algn="ctr">
+              <a:buNone/>
+            </a:pPr>
+            <a:endParaRPr lang="en-US" dirty="0"/>
+          </a:p>
+          <a:p>
+            <a:pPr marL="0" indent="0" algn="ctr">
+              <a:buNone/>
+            </a:pPr>
+            <a:r>
+              <a:rPr lang="en-US" dirty="0"/>
+              <a:t>F</a:t>
+            </a:r>
+            <a:r>
+              <a:rPr lang="en-US" dirty="0">
+                <a:highlight>
+                  <a:srgbClr val="FFFF00"/>
+                </a:highlight>
+              </a:rPr>
+              <a:t>i</a:t>
+            </a:r>
+            <a:r>
+              <a:rPr lang="en-US" dirty="0"/>
+              <a:t>ve</a:t>
+            </a:r>
+          </a:p>
+          <a:p>
+            <a:pPr marL="0" indent="0" algn="ctr">
+              <a:buNone/>
+            </a:pPr>
+            <a:r>
+              <a:rPr lang="en-US" dirty="0"/>
+              <a:t>M</a:t>
+            </a:r>
+            <a:r>
+              <a:rPr lang="en-US" dirty="0">
+                <a:highlight>
+                  <a:srgbClr val="FFFF00"/>
+                </a:highlight>
+              </a:rPr>
+              <a:t>y</a:t>
+            </a:r>
+          </a:p>
+        </p:txBody>
+      </p:sp>
+      <p:sp>
+        <p:nvSpPr>
+          <p:cNvPr id="4" name="Slide Number Placeholder 3">
+            <a:extLst>
+              <a:ext uri="{FF2B5EF4-FFF2-40B4-BE49-F238E27FC236}">
+                <a16:creationId xmlns:a16="http://schemas.microsoft.com/office/drawing/2014/main" id="{8CFB9739-BC0A-E4D2-3B1F-77546D10846E}"/>
+              </a:ext>
+            </a:extLst>
+          </p:cNvPr>
+          <p:cNvSpPr>
+            <a:spLocks noGrp="1"/>
+          </p:cNvSpPr>
+          <p:nvPr>
+            <p:ph type="sldNum" sz="quarter" idx="12"/>
+          </p:nvPr>
+        </p:nvSpPr>
+        <p:spPr/>
+        <p:txBody>
+          <a:bodyPr/>
+          <a:lstStyle/>
+          <a:p>
+            <a:fld id="{C1FF6DA9-008F-8B48-92A6-B652298478BF}" type="slidenum">
+              <a:rPr lang="en-US" smtClean="0"/>
+              <a:t>66</a:t>
+            </a:fld>
+            <a:endParaRPr lang="en-US"/>
+          </a:p>
+        </p:txBody>
+      </p:sp>
+    </p:spTree>
+    <p:extLst>
+      <p:ext uri="{BB962C8B-B14F-4D97-AF65-F5344CB8AC3E}">
+        <p14:creationId xmlns:p14="http://schemas.microsoft.com/office/powerpoint/2010/main" val="2263522641"/>
+      </p:ext>
+    </p:extLst>
+  </p:cSld>
+  <p:clrMapOvr>
+    <a:masterClrMapping/>
+  </p:clrMapOvr>
+</p:sld>
+</file>
+
+<file path=ppt/slides/slide67.xml><?xml version="1.0" encoding="utf-8"?>
+<p:sld xmlns:a="http://schemas.openxmlformats.org/drawingml/2006/main" xmlns:r="http://schemas.openxmlformats.org/officeDocument/2006/relationships" xmlns:p="http://schemas.openxmlformats.org/presentationml/2006/main">
+  <p:cSld>
+    <p:spTree>
+      <p:nvGrpSpPr>
+        <p:cNvPr id="1" name=""/>
+        <p:cNvGrpSpPr/>
+        <p:nvPr/>
+      </p:nvGrpSpPr>
+      <p:grpSpPr>
+        <a:xfrm>
+          <a:off x="0" y="0"/>
+          <a:ext cx="0" cy="0"/>
+          <a:chOff x="0" y="0"/>
+          <a:chExt cx="0" cy="0"/>
+        </a:xfrm>
+      </p:grpSpPr>
+      <p:sp>
+        <p:nvSpPr>
+          <p:cNvPr id="2" name="Title 1">
+            <a:extLst>
+              <a:ext uri="{FF2B5EF4-FFF2-40B4-BE49-F238E27FC236}">
+                <a16:creationId xmlns:a16="http://schemas.microsoft.com/office/drawing/2014/main" id="{B3815A78-E7E9-D437-5847-EED1970BC74C}"/>
+              </a:ext>
+            </a:extLst>
+          </p:cNvPr>
+          <p:cNvSpPr>
+            <a:spLocks noGrp="1"/>
+          </p:cNvSpPr>
+          <p:nvPr>
+            <p:ph type="title"/>
+          </p:nvPr>
+        </p:nvSpPr>
+        <p:spPr/>
+        <p:txBody>
+          <a:bodyPr/>
+          <a:lstStyle/>
+          <a:p>
+            <a:r>
+              <a:rPr lang="en-US" dirty="0" err="1"/>
+              <a:t>aʊ</a:t>
+            </a:r>
+            <a:endParaRPr lang="en-US" dirty="0"/>
+          </a:p>
+        </p:txBody>
+      </p:sp>
+      <p:sp>
+        <p:nvSpPr>
+          <p:cNvPr id="3" name="Content Placeholder 2">
+            <a:extLst>
+              <a:ext uri="{FF2B5EF4-FFF2-40B4-BE49-F238E27FC236}">
+                <a16:creationId xmlns:a16="http://schemas.microsoft.com/office/drawing/2014/main" id="{2FE036D1-E61F-6A47-52B4-756AD9242BDA}"/>
+              </a:ext>
+            </a:extLst>
+          </p:cNvPr>
+          <p:cNvSpPr>
+            <a:spLocks noGrp="1"/>
+          </p:cNvSpPr>
+          <p:nvPr>
+            <p:ph idx="1"/>
+          </p:nvPr>
+        </p:nvSpPr>
+        <p:spPr/>
+        <p:txBody>
+          <a:bodyPr/>
+          <a:lstStyle/>
+          <a:p>
+            <a:pPr marL="0" indent="0" algn="ctr">
+              <a:buNone/>
+            </a:pPr>
+            <a:endParaRPr lang="en-US" dirty="0"/>
+          </a:p>
+          <a:p>
+            <a:pPr marL="0" indent="0" algn="ctr">
+              <a:buNone/>
+            </a:pPr>
+            <a:r>
+              <a:rPr lang="en-US" dirty="0"/>
+              <a:t>H</a:t>
+            </a:r>
+            <a:r>
+              <a:rPr lang="en-US" dirty="0">
+                <a:highlight>
+                  <a:srgbClr val="FFFF00"/>
+                </a:highlight>
+              </a:rPr>
+              <a:t>ow</a:t>
+            </a:r>
+          </a:p>
+          <a:p>
+            <a:pPr marL="0" indent="0" algn="ctr">
+              <a:buNone/>
+            </a:pPr>
+            <a:r>
+              <a:rPr lang="en-US" dirty="0"/>
+              <a:t>Cl</a:t>
+            </a:r>
+            <a:r>
+              <a:rPr lang="en-US" dirty="0">
+                <a:highlight>
+                  <a:srgbClr val="FFFF00"/>
+                </a:highlight>
+              </a:rPr>
+              <a:t>ou</a:t>
+            </a:r>
+            <a:r>
+              <a:rPr lang="en-US" dirty="0"/>
+              <a:t>d</a:t>
+            </a:r>
+          </a:p>
+        </p:txBody>
+      </p:sp>
+      <p:sp>
+        <p:nvSpPr>
+          <p:cNvPr id="4" name="Slide Number Placeholder 3">
+            <a:extLst>
+              <a:ext uri="{FF2B5EF4-FFF2-40B4-BE49-F238E27FC236}">
+                <a16:creationId xmlns:a16="http://schemas.microsoft.com/office/drawing/2014/main" id="{FEF77D79-A64E-2D2A-4444-10DE2BFEAB5C}"/>
+              </a:ext>
+            </a:extLst>
+          </p:cNvPr>
+          <p:cNvSpPr>
+            <a:spLocks noGrp="1"/>
+          </p:cNvSpPr>
+          <p:nvPr>
+            <p:ph type="sldNum" sz="quarter" idx="12"/>
+          </p:nvPr>
+        </p:nvSpPr>
+        <p:spPr/>
+        <p:txBody>
+          <a:bodyPr/>
+          <a:lstStyle/>
+          <a:p>
+            <a:fld id="{C1FF6DA9-008F-8B48-92A6-B652298478BF}" type="slidenum">
+              <a:rPr lang="en-US" smtClean="0"/>
+              <a:t>67</a:t>
+            </a:fld>
+            <a:endParaRPr lang="en-US"/>
+          </a:p>
+        </p:txBody>
+      </p:sp>
+    </p:spTree>
+    <p:extLst>
+      <p:ext uri="{BB962C8B-B14F-4D97-AF65-F5344CB8AC3E}">
+        <p14:creationId xmlns:p14="http://schemas.microsoft.com/office/powerpoint/2010/main" val="3315112459"/>
+      </p:ext>
+    </p:extLst>
+  </p:cSld>
+  <p:clrMapOvr>
+    <a:masterClrMapping/>
+  </p:clrMapOvr>
+</p:sld>
+</file>
+
+<file path=ppt/slides/slide68.xml><?xml version="1.0" encoding="utf-8"?>
+<p:sld xmlns:a="http://schemas.openxmlformats.org/drawingml/2006/main" xmlns:r="http://schemas.openxmlformats.org/officeDocument/2006/relationships" xmlns:p="http://schemas.openxmlformats.org/presentationml/2006/main">
+  <p:cSld>
+    <p:spTree>
+      <p:nvGrpSpPr>
+        <p:cNvPr id="1" name=""/>
+        <p:cNvGrpSpPr/>
+        <p:nvPr/>
+      </p:nvGrpSpPr>
+      <p:grpSpPr>
+        <a:xfrm>
+          <a:off x="0" y="0"/>
+          <a:ext cx="0" cy="0"/>
+          <a:chOff x="0" y="0"/>
+          <a:chExt cx="0" cy="0"/>
+        </a:xfrm>
+      </p:grpSpPr>
+      <p:sp>
+        <p:nvSpPr>
+          <p:cNvPr id="2" name="Title 1">
+            <a:extLst>
+              <a:ext uri="{FF2B5EF4-FFF2-40B4-BE49-F238E27FC236}">
+                <a16:creationId xmlns:a16="http://schemas.microsoft.com/office/drawing/2014/main" id="{0A0D25E1-DDC2-D190-7C05-748A4E45FEB9}"/>
+              </a:ext>
+            </a:extLst>
+          </p:cNvPr>
+          <p:cNvSpPr>
+            <a:spLocks noGrp="1"/>
+          </p:cNvSpPr>
+          <p:nvPr>
+            <p:ph type="title"/>
+          </p:nvPr>
+        </p:nvSpPr>
+        <p:spPr/>
+        <p:txBody>
+          <a:bodyPr/>
+          <a:lstStyle/>
+          <a:p>
+            <a:r>
+              <a:rPr lang="en-US" dirty="0"/>
+              <a:t>p</a:t>
+            </a:r>
+          </a:p>
+        </p:txBody>
+      </p:sp>
+      <p:sp>
+        <p:nvSpPr>
+          <p:cNvPr id="3" name="Content Placeholder 2">
+            <a:extLst>
+              <a:ext uri="{FF2B5EF4-FFF2-40B4-BE49-F238E27FC236}">
+                <a16:creationId xmlns:a16="http://schemas.microsoft.com/office/drawing/2014/main" id="{8CCE8C72-3FA9-BB41-487B-E5C2031C4855}"/>
+              </a:ext>
+            </a:extLst>
+          </p:cNvPr>
+          <p:cNvSpPr>
+            <a:spLocks noGrp="1"/>
+          </p:cNvSpPr>
+          <p:nvPr>
+            <p:ph idx="1"/>
+          </p:nvPr>
+        </p:nvSpPr>
+        <p:spPr/>
+        <p:txBody>
+          <a:bodyPr/>
+          <a:lstStyle/>
+          <a:p>
+            <a:pPr marL="0" indent="0" algn="ctr">
+              <a:buNone/>
+            </a:pPr>
+            <a:endParaRPr lang="en-US" dirty="0"/>
+          </a:p>
+          <a:p>
+            <a:pPr marL="0" indent="0" algn="ctr">
+              <a:buNone/>
+            </a:pPr>
+            <a:r>
+              <a:rPr lang="en-US" dirty="0">
+                <a:highlight>
+                  <a:srgbClr val="FFFF00"/>
+                </a:highlight>
+              </a:rPr>
+              <a:t>P</a:t>
+            </a:r>
+            <a:r>
+              <a:rPr lang="en-US" dirty="0"/>
+              <a:t>en</a:t>
+            </a:r>
+          </a:p>
+          <a:p>
+            <a:pPr marL="0" indent="0" algn="ctr">
+              <a:buNone/>
+            </a:pPr>
+            <a:r>
+              <a:rPr lang="en-US" dirty="0"/>
+              <a:t>Hel</a:t>
+            </a:r>
+            <a:r>
+              <a:rPr lang="en-US" dirty="0">
+                <a:highlight>
+                  <a:srgbClr val="FFFF00"/>
+                </a:highlight>
+              </a:rPr>
+              <a:t>p</a:t>
+            </a:r>
+          </a:p>
+        </p:txBody>
+      </p:sp>
+      <p:sp>
+        <p:nvSpPr>
+          <p:cNvPr id="4" name="Slide Number Placeholder 3">
+            <a:extLst>
+              <a:ext uri="{FF2B5EF4-FFF2-40B4-BE49-F238E27FC236}">
+                <a16:creationId xmlns:a16="http://schemas.microsoft.com/office/drawing/2014/main" id="{EE3FE0AB-034C-46C0-ACBF-DCEFDE544CA5}"/>
+              </a:ext>
+            </a:extLst>
+          </p:cNvPr>
+          <p:cNvSpPr>
+            <a:spLocks noGrp="1"/>
+          </p:cNvSpPr>
+          <p:nvPr>
+            <p:ph type="sldNum" sz="quarter" idx="12"/>
+          </p:nvPr>
+        </p:nvSpPr>
+        <p:spPr/>
+        <p:txBody>
+          <a:bodyPr/>
+          <a:lstStyle/>
+          <a:p>
+            <a:fld id="{C1FF6DA9-008F-8B48-92A6-B652298478BF}" type="slidenum">
+              <a:rPr lang="en-US" smtClean="0"/>
+              <a:t>68</a:t>
+            </a:fld>
+            <a:endParaRPr lang="en-US"/>
+          </a:p>
+        </p:txBody>
+      </p:sp>
+    </p:spTree>
+    <p:extLst>
+      <p:ext uri="{BB962C8B-B14F-4D97-AF65-F5344CB8AC3E}">
+        <p14:creationId xmlns:p14="http://schemas.microsoft.com/office/powerpoint/2010/main" val="3034916822"/>
+      </p:ext>
+    </p:extLst>
+  </p:cSld>
+  <p:clrMapOvr>
+    <a:masterClrMapping/>
+  </p:clrMapOvr>
+</p:sld>
+</file>
+
+<file path=ppt/slides/slide69.xml><?xml version="1.0" encoding="utf-8"?>
+<p:sld xmlns:a="http://schemas.openxmlformats.org/drawingml/2006/main" xmlns:r="http://schemas.openxmlformats.org/officeDocument/2006/relationships" xmlns:p="http://schemas.openxmlformats.org/presentationml/2006/main">
+  <p:cSld>
+    <p:spTree>
+      <p:nvGrpSpPr>
+        <p:cNvPr id="1" name=""/>
+        <p:cNvGrpSpPr/>
+        <p:nvPr/>
+      </p:nvGrpSpPr>
+      <p:grpSpPr>
+        <a:xfrm>
+          <a:off x="0" y="0"/>
+          <a:ext cx="0" cy="0"/>
+          <a:chOff x="0" y="0"/>
+          <a:chExt cx="0" cy="0"/>
+        </a:xfrm>
+      </p:grpSpPr>
+      <p:sp>
+        <p:nvSpPr>
+          <p:cNvPr id="2" name="Title 1">
+            <a:extLst>
+              <a:ext uri="{FF2B5EF4-FFF2-40B4-BE49-F238E27FC236}">
+                <a16:creationId xmlns:a16="http://schemas.microsoft.com/office/drawing/2014/main" id="{1F317547-60BA-9205-BC40-E65FE232AD90}"/>
+              </a:ext>
+            </a:extLst>
+          </p:cNvPr>
+          <p:cNvSpPr>
+            <a:spLocks noGrp="1"/>
+          </p:cNvSpPr>
+          <p:nvPr>
+            <p:ph type="title"/>
+          </p:nvPr>
+        </p:nvSpPr>
+        <p:spPr/>
+        <p:txBody>
+          <a:bodyPr/>
+          <a:lstStyle/>
+          <a:p>
+            <a:r>
+              <a:rPr lang="en-US" dirty="0"/>
+              <a:t>f</a:t>
+            </a:r>
+          </a:p>
+        </p:txBody>
+      </p:sp>
+      <p:sp>
+        <p:nvSpPr>
+          <p:cNvPr id="3" name="Content Placeholder 2">
+            <a:extLst>
+              <a:ext uri="{FF2B5EF4-FFF2-40B4-BE49-F238E27FC236}">
+                <a16:creationId xmlns:a16="http://schemas.microsoft.com/office/drawing/2014/main" id="{ADF8CEB5-DDFB-7CAA-7E8A-2E3A5D3F2F07}"/>
+              </a:ext>
+            </a:extLst>
+          </p:cNvPr>
+          <p:cNvSpPr>
+            <a:spLocks noGrp="1"/>
+          </p:cNvSpPr>
+          <p:nvPr>
+            <p:ph idx="1"/>
+          </p:nvPr>
+        </p:nvSpPr>
+        <p:spPr/>
+        <p:txBody>
+          <a:bodyPr/>
+          <a:lstStyle/>
+          <a:p>
+            <a:pPr marL="0" indent="0" algn="ctr">
+              <a:buNone/>
+            </a:pPr>
+            <a:endParaRPr lang="en-US" dirty="0"/>
+          </a:p>
+          <a:p>
+            <a:pPr marL="0" indent="0" algn="ctr">
+              <a:buNone/>
+            </a:pPr>
+            <a:r>
+              <a:rPr lang="en-US" dirty="0">
+                <a:highlight>
+                  <a:srgbClr val="FFFF00"/>
+                </a:highlight>
+              </a:rPr>
+              <a:t>F</a:t>
+            </a:r>
+            <a:r>
+              <a:rPr lang="en-US" dirty="0"/>
+              <a:t>ine</a:t>
+            </a:r>
+          </a:p>
+          <a:p>
+            <a:pPr marL="0" indent="0" algn="ctr">
+              <a:buNone/>
+            </a:pPr>
+            <a:r>
+              <a:rPr lang="en-US" dirty="0"/>
+              <a:t>Gi</a:t>
+            </a:r>
+            <a:r>
+              <a:rPr lang="en-US" dirty="0">
+                <a:highlight>
+                  <a:srgbClr val="FFFF00"/>
+                </a:highlight>
+              </a:rPr>
+              <a:t>f</a:t>
+            </a:r>
+            <a:r>
+              <a:rPr lang="en-US" dirty="0"/>
+              <a:t>t</a:t>
+            </a:r>
+          </a:p>
+        </p:txBody>
+      </p:sp>
+      <p:sp>
+        <p:nvSpPr>
+          <p:cNvPr id="4" name="Slide Number Placeholder 3">
+            <a:extLst>
+              <a:ext uri="{FF2B5EF4-FFF2-40B4-BE49-F238E27FC236}">
+                <a16:creationId xmlns:a16="http://schemas.microsoft.com/office/drawing/2014/main" id="{ED5A87DF-698A-8548-697B-9325513A68A1}"/>
+              </a:ext>
+            </a:extLst>
+          </p:cNvPr>
+          <p:cNvSpPr>
+            <a:spLocks noGrp="1"/>
+          </p:cNvSpPr>
+          <p:nvPr>
+            <p:ph type="sldNum" sz="quarter" idx="12"/>
+          </p:nvPr>
+        </p:nvSpPr>
+        <p:spPr/>
+        <p:txBody>
+          <a:bodyPr/>
+          <a:lstStyle/>
+          <a:p>
+            <a:fld id="{C1FF6DA9-008F-8B48-92A6-B652298478BF}" type="slidenum">
+              <a:rPr lang="en-US" smtClean="0"/>
+              <a:t>69</a:t>
+            </a:fld>
+            <a:endParaRPr lang="en-US"/>
+          </a:p>
+        </p:txBody>
+      </p:sp>
+    </p:spTree>
+    <p:extLst>
+      <p:ext uri="{BB962C8B-B14F-4D97-AF65-F5344CB8AC3E}">
+        <p14:creationId xmlns:p14="http://schemas.microsoft.com/office/powerpoint/2010/main" val="4048731830"/>
+      </p:ext>
+    </p:extLst>
+  </p:cSld>
+  <p:clrMapOvr>
+    <a:masterClrMapping/>
+  </p:clrMapOvr>
+</p:sld>
+</file>
+
 <file path=ppt/slides/slide7.xml><?xml version="1.0" encoding="utf-8"?>
 <p:sld xmlns:a="http://schemas.openxmlformats.org/drawingml/2006/main" xmlns:r="http://schemas.openxmlformats.org/officeDocument/2006/relationships" xmlns:p="http://schemas.openxmlformats.org/presentationml/2006/main">
   <p:cSld>
@@ -15441,6 +19632,1516 @@
 </p:sld>
 </file>
 
+<file path=ppt/slides/slide70.xml><?xml version="1.0" encoding="utf-8"?>
+<p:sld xmlns:a="http://schemas.openxmlformats.org/drawingml/2006/main" xmlns:r="http://schemas.openxmlformats.org/officeDocument/2006/relationships" xmlns:p="http://schemas.openxmlformats.org/presentationml/2006/main">
+  <p:cSld>
+    <p:spTree>
+      <p:nvGrpSpPr>
+        <p:cNvPr id="1" name=""/>
+        <p:cNvGrpSpPr/>
+        <p:nvPr/>
+      </p:nvGrpSpPr>
+      <p:grpSpPr>
+        <a:xfrm>
+          <a:off x="0" y="0"/>
+          <a:ext cx="0" cy="0"/>
+          <a:chOff x="0" y="0"/>
+          <a:chExt cx="0" cy="0"/>
+        </a:xfrm>
+      </p:grpSpPr>
+      <p:sp>
+        <p:nvSpPr>
+          <p:cNvPr id="2" name="Title 1">
+            <a:extLst>
+              <a:ext uri="{FF2B5EF4-FFF2-40B4-BE49-F238E27FC236}">
+                <a16:creationId xmlns:a16="http://schemas.microsoft.com/office/drawing/2014/main" id="{ADC963D8-CD4F-8D9E-187E-8296241144F8}"/>
+              </a:ext>
+            </a:extLst>
+          </p:cNvPr>
+          <p:cNvSpPr>
+            <a:spLocks noGrp="1"/>
+          </p:cNvSpPr>
+          <p:nvPr>
+            <p:ph type="title"/>
+          </p:nvPr>
+        </p:nvSpPr>
+        <p:spPr/>
+        <p:txBody>
+          <a:bodyPr/>
+          <a:lstStyle/>
+          <a:p>
+            <a:r>
+              <a:rPr lang="en-US" dirty="0"/>
+              <a:t>t</a:t>
+            </a:r>
+          </a:p>
+        </p:txBody>
+      </p:sp>
+      <p:sp>
+        <p:nvSpPr>
+          <p:cNvPr id="3" name="Content Placeholder 2">
+            <a:extLst>
+              <a:ext uri="{FF2B5EF4-FFF2-40B4-BE49-F238E27FC236}">
+                <a16:creationId xmlns:a16="http://schemas.microsoft.com/office/drawing/2014/main" id="{F36DCA6D-0401-8CCF-A04A-F25B4ED91173}"/>
+              </a:ext>
+            </a:extLst>
+          </p:cNvPr>
+          <p:cNvSpPr>
+            <a:spLocks noGrp="1"/>
+          </p:cNvSpPr>
+          <p:nvPr>
+            <p:ph idx="1"/>
+          </p:nvPr>
+        </p:nvSpPr>
+        <p:spPr/>
+        <p:txBody>
+          <a:bodyPr/>
+          <a:lstStyle/>
+          <a:p>
+            <a:pPr marL="0" indent="0" algn="ctr">
+              <a:buNone/>
+            </a:pPr>
+            <a:endParaRPr lang="en-US" dirty="0"/>
+          </a:p>
+          <a:p>
+            <a:pPr marL="0" indent="0" algn="ctr">
+              <a:buNone/>
+            </a:pPr>
+            <a:r>
+              <a:rPr lang="en-US" dirty="0"/>
+              <a:t>Ho</a:t>
+            </a:r>
+            <a:r>
+              <a:rPr lang="en-US" dirty="0">
+                <a:highlight>
+                  <a:srgbClr val="FFFF00"/>
+                </a:highlight>
+              </a:rPr>
+              <a:t>t</a:t>
+            </a:r>
+            <a:r>
+              <a:rPr lang="en-US" dirty="0"/>
+              <a:t>el</a:t>
+            </a:r>
+          </a:p>
+          <a:p>
+            <a:pPr marL="0" indent="0" algn="ctr">
+              <a:buNone/>
+            </a:pPr>
+            <a:r>
+              <a:rPr lang="en-US" dirty="0">
+                <a:highlight>
+                  <a:srgbClr val="FFFF00"/>
+                </a:highlight>
+              </a:rPr>
+              <a:t>T</a:t>
+            </a:r>
+            <a:r>
+              <a:rPr lang="en-US" dirty="0"/>
+              <a:t>ree</a:t>
+            </a:r>
+          </a:p>
+        </p:txBody>
+      </p:sp>
+      <p:sp>
+        <p:nvSpPr>
+          <p:cNvPr id="4" name="Slide Number Placeholder 3">
+            <a:extLst>
+              <a:ext uri="{FF2B5EF4-FFF2-40B4-BE49-F238E27FC236}">
+                <a16:creationId xmlns:a16="http://schemas.microsoft.com/office/drawing/2014/main" id="{A964370A-CEDB-F75D-F993-6B6D170C3567}"/>
+              </a:ext>
+            </a:extLst>
+          </p:cNvPr>
+          <p:cNvSpPr>
+            <a:spLocks noGrp="1"/>
+          </p:cNvSpPr>
+          <p:nvPr>
+            <p:ph type="sldNum" sz="quarter" idx="12"/>
+          </p:nvPr>
+        </p:nvSpPr>
+        <p:spPr/>
+        <p:txBody>
+          <a:bodyPr/>
+          <a:lstStyle/>
+          <a:p>
+            <a:fld id="{C1FF6DA9-008F-8B48-92A6-B652298478BF}" type="slidenum">
+              <a:rPr lang="en-US" smtClean="0"/>
+              <a:t>70</a:t>
+            </a:fld>
+            <a:endParaRPr lang="en-US"/>
+          </a:p>
+        </p:txBody>
+      </p:sp>
+    </p:spTree>
+    <p:extLst>
+      <p:ext uri="{BB962C8B-B14F-4D97-AF65-F5344CB8AC3E}">
+        <p14:creationId xmlns:p14="http://schemas.microsoft.com/office/powerpoint/2010/main" val="1061701432"/>
+      </p:ext>
+    </p:extLst>
+  </p:cSld>
+  <p:clrMapOvr>
+    <a:masterClrMapping/>
+  </p:clrMapOvr>
+</p:sld>
+</file>
+
+<file path=ppt/slides/slide71.xml><?xml version="1.0" encoding="utf-8"?>
+<p:sld xmlns:a="http://schemas.openxmlformats.org/drawingml/2006/main" xmlns:r="http://schemas.openxmlformats.org/officeDocument/2006/relationships" xmlns:p="http://schemas.openxmlformats.org/presentationml/2006/main">
+  <p:cSld>
+    <p:spTree>
+      <p:nvGrpSpPr>
+        <p:cNvPr id="1" name=""/>
+        <p:cNvGrpSpPr/>
+        <p:nvPr/>
+      </p:nvGrpSpPr>
+      <p:grpSpPr>
+        <a:xfrm>
+          <a:off x="0" y="0"/>
+          <a:ext cx="0" cy="0"/>
+          <a:chOff x="0" y="0"/>
+          <a:chExt cx="0" cy="0"/>
+        </a:xfrm>
+      </p:grpSpPr>
+      <p:sp>
+        <p:nvSpPr>
+          <p:cNvPr id="2" name="Title 1">
+            <a:extLst>
+              <a:ext uri="{FF2B5EF4-FFF2-40B4-BE49-F238E27FC236}">
+                <a16:creationId xmlns:a16="http://schemas.microsoft.com/office/drawing/2014/main" id="{B1E673FC-8C74-61B1-38F7-F6FA3CB5207F}"/>
+              </a:ext>
+            </a:extLst>
+          </p:cNvPr>
+          <p:cNvSpPr>
+            <a:spLocks noGrp="1"/>
+          </p:cNvSpPr>
+          <p:nvPr>
+            <p:ph type="title"/>
+          </p:nvPr>
+        </p:nvSpPr>
+        <p:spPr/>
+        <p:txBody>
+          <a:bodyPr/>
+          <a:lstStyle/>
+          <a:p>
+            <a:r>
+              <a:rPr lang="en-US" dirty="0"/>
+              <a:t>ɵ</a:t>
+            </a:r>
+          </a:p>
+        </p:txBody>
+      </p:sp>
+      <p:sp>
+        <p:nvSpPr>
+          <p:cNvPr id="3" name="Content Placeholder 2">
+            <a:extLst>
+              <a:ext uri="{FF2B5EF4-FFF2-40B4-BE49-F238E27FC236}">
+                <a16:creationId xmlns:a16="http://schemas.microsoft.com/office/drawing/2014/main" id="{37AAB872-4F89-95AD-7385-4CBBBC12CCD8}"/>
+              </a:ext>
+            </a:extLst>
+          </p:cNvPr>
+          <p:cNvSpPr>
+            <a:spLocks noGrp="1"/>
+          </p:cNvSpPr>
+          <p:nvPr>
+            <p:ph idx="1"/>
+          </p:nvPr>
+        </p:nvSpPr>
+        <p:spPr/>
+        <p:txBody>
+          <a:bodyPr/>
+          <a:lstStyle/>
+          <a:p>
+            <a:pPr marL="0" indent="0" algn="ctr">
+              <a:buNone/>
+            </a:pPr>
+            <a:endParaRPr lang="en-US" dirty="0"/>
+          </a:p>
+          <a:p>
+            <a:pPr marL="0" indent="0" algn="ctr">
+              <a:buNone/>
+            </a:pPr>
+            <a:r>
+              <a:rPr lang="en-US" dirty="0">
+                <a:highlight>
+                  <a:srgbClr val="FFFF00"/>
+                </a:highlight>
+              </a:rPr>
+              <a:t>Th</a:t>
+            </a:r>
+            <a:r>
+              <a:rPr lang="en-US" dirty="0"/>
+              <a:t>ink</a:t>
+            </a:r>
+          </a:p>
+          <a:p>
+            <a:pPr marL="0" indent="0" algn="ctr">
+              <a:buNone/>
+            </a:pPr>
+            <a:r>
+              <a:rPr lang="en-US" dirty="0"/>
+              <a:t>No</a:t>
+            </a:r>
+            <a:r>
+              <a:rPr lang="en-US" dirty="0">
+                <a:highlight>
+                  <a:srgbClr val="FFFF00"/>
+                </a:highlight>
+              </a:rPr>
+              <a:t>th</a:t>
+            </a:r>
+            <a:r>
+              <a:rPr lang="en-US" dirty="0"/>
+              <a:t>ing</a:t>
+            </a:r>
+          </a:p>
+        </p:txBody>
+      </p:sp>
+      <p:sp>
+        <p:nvSpPr>
+          <p:cNvPr id="4" name="Slide Number Placeholder 3">
+            <a:extLst>
+              <a:ext uri="{FF2B5EF4-FFF2-40B4-BE49-F238E27FC236}">
+                <a16:creationId xmlns:a16="http://schemas.microsoft.com/office/drawing/2014/main" id="{CCAC2878-5533-8FFE-D0D9-7BB504AE329F}"/>
+              </a:ext>
+            </a:extLst>
+          </p:cNvPr>
+          <p:cNvSpPr>
+            <a:spLocks noGrp="1"/>
+          </p:cNvSpPr>
+          <p:nvPr>
+            <p:ph type="sldNum" sz="quarter" idx="12"/>
+          </p:nvPr>
+        </p:nvSpPr>
+        <p:spPr/>
+        <p:txBody>
+          <a:bodyPr/>
+          <a:lstStyle/>
+          <a:p>
+            <a:fld id="{C1FF6DA9-008F-8B48-92A6-B652298478BF}" type="slidenum">
+              <a:rPr lang="en-US" smtClean="0"/>
+              <a:t>71</a:t>
+            </a:fld>
+            <a:endParaRPr lang="en-US"/>
+          </a:p>
+        </p:txBody>
+      </p:sp>
+    </p:spTree>
+    <p:extLst>
+      <p:ext uri="{BB962C8B-B14F-4D97-AF65-F5344CB8AC3E}">
+        <p14:creationId xmlns:p14="http://schemas.microsoft.com/office/powerpoint/2010/main" val="3908587593"/>
+      </p:ext>
+    </p:extLst>
+  </p:cSld>
+  <p:clrMapOvr>
+    <a:masterClrMapping/>
+  </p:clrMapOvr>
+</p:sld>
+</file>
+
+<file path=ppt/slides/slide72.xml><?xml version="1.0" encoding="utf-8"?>
+<p:sld xmlns:a="http://schemas.openxmlformats.org/drawingml/2006/main" xmlns:r="http://schemas.openxmlformats.org/officeDocument/2006/relationships" xmlns:p="http://schemas.openxmlformats.org/presentationml/2006/main">
+  <p:cSld>
+    <p:spTree>
+      <p:nvGrpSpPr>
+        <p:cNvPr id="1" name=""/>
+        <p:cNvGrpSpPr/>
+        <p:nvPr/>
+      </p:nvGrpSpPr>
+      <p:grpSpPr>
+        <a:xfrm>
+          <a:off x="0" y="0"/>
+          <a:ext cx="0" cy="0"/>
+          <a:chOff x="0" y="0"/>
+          <a:chExt cx="0" cy="0"/>
+        </a:xfrm>
+      </p:grpSpPr>
+      <p:sp>
+        <p:nvSpPr>
+          <p:cNvPr id="2" name="Title 1">
+            <a:extLst>
+              <a:ext uri="{FF2B5EF4-FFF2-40B4-BE49-F238E27FC236}">
+                <a16:creationId xmlns:a16="http://schemas.microsoft.com/office/drawing/2014/main" id="{13008CBD-A081-CAF2-54DB-7F1E1E764359}"/>
+              </a:ext>
+            </a:extLst>
+          </p:cNvPr>
+          <p:cNvSpPr>
+            <a:spLocks noGrp="1"/>
+          </p:cNvSpPr>
+          <p:nvPr>
+            <p:ph type="title"/>
+          </p:nvPr>
+        </p:nvSpPr>
+        <p:spPr/>
+        <p:txBody>
+          <a:bodyPr/>
+          <a:lstStyle/>
+          <a:p>
+            <a:r>
+              <a:rPr lang="en-US" dirty="0"/>
+              <a:t>ʧ</a:t>
+            </a:r>
+          </a:p>
+        </p:txBody>
+      </p:sp>
+      <p:sp>
+        <p:nvSpPr>
+          <p:cNvPr id="3" name="Content Placeholder 2">
+            <a:extLst>
+              <a:ext uri="{FF2B5EF4-FFF2-40B4-BE49-F238E27FC236}">
+                <a16:creationId xmlns:a16="http://schemas.microsoft.com/office/drawing/2014/main" id="{43AB7B8E-A84A-05C0-4A0B-79FEEDE8CEED}"/>
+              </a:ext>
+            </a:extLst>
+          </p:cNvPr>
+          <p:cNvSpPr>
+            <a:spLocks noGrp="1"/>
+          </p:cNvSpPr>
+          <p:nvPr>
+            <p:ph idx="1"/>
+          </p:nvPr>
+        </p:nvSpPr>
+        <p:spPr/>
+        <p:txBody>
+          <a:bodyPr/>
+          <a:lstStyle/>
+          <a:p>
+            <a:pPr marL="0" indent="0" algn="ctr">
+              <a:buNone/>
+            </a:pPr>
+            <a:endParaRPr lang="en-US" dirty="0"/>
+          </a:p>
+          <a:p>
+            <a:pPr marL="0" indent="0" algn="ctr">
+              <a:buNone/>
+            </a:pPr>
+            <a:r>
+              <a:rPr lang="en-US" dirty="0"/>
+              <a:t>Ea</a:t>
+            </a:r>
+            <a:r>
+              <a:rPr lang="en-US" dirty="0">
+                <a:highlight>
+                  <a:srgbClr val="FFFF00"/>
+                </a:highlight>
+              </a:rPr>
+              <a:t>ch</a:t>
+            </a:r>
+          </a:p>
+          <a:p>
+            <a:pPr marL="0" indent="0" algn="ctr">
+              <a:buNone/>
+            </a:pPr>
+            <a:r>
+              <a:rPr lang="en-US" dirty="0"/>
+              <a:t>Mu</a:t>
+            </a:r>
+            <a:r>
+              <a:rPr lang="en-US" dirty="0">
+                <a:highlight>
+                  <a:srgbClr val="FFFF00"/>
+                </a:highlight>
+              </a:rPr>
+              <a:t>ch</a:t>
+            </a:r>
+          </a:p>
+        </p:txBody>
+      </p:sp>
+      <p:sp>
+        <p:nvSpPr>
+          <p:cNvPr id="4" name="Slide Number Placeholder 3">
+            <a:extLst>
+              <a:ext uri="{FF2B5EF4-FFF2-40B4-BE49-F238E27FC236}">
+                <a16:creationId xmlns:a16="http://schemas.microsoft.com/office/drawing/2014/main" id="{DB425B5B-7D94-1951-B13B-6E9A51D96D57}"/>
+              </a:ext>
+            </a:extLst>
+          </p:cNvPr>
+          <p:cNvSpPr>
+            <a:spLocks noGrp="1"/>
+          </p:cNvSpPr>
+          <p:nvPr>
+            <p:ph type="sldNum" sz="quarter" idx="12"/>
+          </p:nvPr>
+        </p:nvSpPr>
+        <p:spPr/>
+        <p:txBody>
+          <a:bodyPr/>
+          <a:lstStyle/>
+          <a:p>
+            <a:fld id="{C1FF6DA9-008F-8B48-92A6-B652298478BF}" type="slidenum">
+              <a:rPr lang="en-US" smtClean="0"/>
+              <a:t>72</a:t>
+            </a:fld>
+            <a:endParaRPr lang="en-US"/>
+          </a:p>
+        </p:txBody>
+      </p:sp>
+    </p:spTree>
+    <p:extLst>
+      <p:ext uri="{BB962C8B-B14F-4D97-AF65-F5344CB8AC3E}">
+        <p14:creationId xmlns:p14="http://schemas.microsoft.com/office/powerpoint/2010/main" val="944833700"/>
+      </p:ext>
+    </p:extLst>
+  </p:cSld>
+  <p:clrMapOvr>
+    <a:masterClrMapping/>
+  </p:clrMapOvr>
+</p:sld>
+</file>
+
+<file path=ppt/slides/slide73.xml><?xml version="1.0" encoding="utf-8"?>
+<p:sld xmlns:a="http://schemas.openxmlformats.org/drawingml/2006/main" xmlns:r="http://schemas.openxmlformats.org/officeDocument/2006/relationships" xmlns:p="http://schemas.openxmlformats.org/presentationml/2006/main">
+  <p:cSld>
+    <p:spTree>
+      <p:nvGrpSpPr>
+        <p:cNvPr id="1" name=""/>
+        <p:cNvGrpSpPr/>
+        <p:nvPr/>
+      </p:nvGrpSpPr>
+      <p:grpSpPr>
+        <a:xfrm>
+          <a:off x="0" y="0"/>
+          <a:ext cx="0" cy="0"/>
+          <a:chOff x="0" y="0"/>
+          <a:chExt cx="0" cy="0"/>
+        </a:xfrm>
+      </p:grpSpPr>
+      <p:sp>
+        <p:nvSpPr>
+          <p:cNvPr id="2" name="Title 1">
+            <a:extLst>
+              <a:ext uri="{FF2B5EF4-FFF2-40B4-BE49-F238E27FC236}">
+                <a16:creationId xmlns:a16="http://schemas.microsoft.com/office/drawing/2014/main" id="{4E08ACDC-0D46-E391-2722-BE2F6FF8EE96}"/>
+              </a:ext>
+            </a:extLst>
+          </p:cNvPr>
+          <p:cNvSpPr>
+            <a:spLocks noGrp="1"/>
+          </p:cNvSpPr>
+          <p:nvPr>
+            <p:ph type="title"/>
+          </p:nvPr>
+        </p:nvSpPr>
+        <p:spPr/>
+        <p:txBody>
+          <a:bodyPr/>
+          <a:lstStyle/>
+          <a:p>
+            <a:r>
+              <a:rPr lang="en-US" dirty="0"/>
+              <a:t>s</a:t>
+            </a:r>
+          </a:p>
+        </p:txBody>
+      </p:sp>
+      <p:sp>
+        <p:nvSpPr>
+          <p:cNvPr id="3" name="Content Placeholder 2">
+            <a:extLst>
+              <a:ext uri="{FF2B5EF4-FFF2-40B4-BE49-F238E27FC236}">
+                <a16:creationId xmlns:a16="http://schemas.microsoft.com/office/drawing/2014/main" id="{52B8D6F8-15C2-D5BA-AD4F-4A4988F2D67F}"/>
+              </a:ext>
+            </a:extLst>
+          </p:cNvPr>
+          <p:cNvSpPr>
+            <a:spLocks noGrp="1"/>
+          </p:cNvSpPr>
+          <p:nvPr>
+            <p:ph idx="1"/>
+          </p:nvPr>
+        </p:nvSpPr>
+        <p:spPr/>
+        <p:txBody>
+          <a:bodyPr/>
+          <a:lstStyle/>
+          <a:p>
+            <a:pPr marL="0" indent="0" algn="ctr">
+              <a:buNone/>
+            </a:pPr>
+            <a:endParaRPr lang="en-US" dirty="0"/>
+          </a:p>
+          <a:p>
+            <a:pPr marL="0" indent="0" algn="ctr">
+              <a:buNone/>
+            </a:pPr>
+            <a:r>
+              <a:rPr lang="en-US" dirty="0">
+                <a:highlight>
+                  <a:srgbClr val="FFFF00"/>
+                </a:highlight>
+              </a:rPr>
+              <a:t>S</a:t>
+            </a:r>
+            <a:r>
+              <a:rPr lang="en-US" dirty="0"/>
+              <a:t>it</a:t>
+            </a:r>
+          </a:p>
+          <a:p>
+            <a:pPr marL="0" indent="0" algn="ctr">
+              <a:buNone/>
+            </a:pPr>
+            <a:r>
+              <a:rPr lang="en-US" dirty="0"/>
+              <a:t>Pla</a:t>
+            </a:r>
+            <a:r>
+              <a:rPr lang="en-US" dirty="0">
+                <a:highlight>
+                  <a:srgbClr val="FFFF00"/>
+                </a:highlight>
+              </a:rPr>
+              <a:t>c</a:t>
+            </a:r>
+            <a:r>
+              <a:rPr lang="en-US" dirty="0"/>
+              <a:t>e</a:t>
+            </a:r>
+          </a:p>
+        </p:txBody>
+      </p:sp>
+      <p:sp>
+        <p:nvSpPr>
+          <p:cNvPr id="4" name="Slide Number Placeholder 3">
+            <a:extLst>
+              <a:ext uri="{FF2B5EF4-FFF2-40B4-BE49-F238E27FC236}">
+                <a16:creationId xmlns:a16="http://schemas.microsoft.com/office/drawing/2014/main" id="{509C9FEC-8574-CBB5-283B-06D9B906B83F}"/>
+              </a:ext>
+            </a:extLst>
+          </p:cNvPr>
+          <p:cNvSpPr>
+            <a:spLocks noGrp="1"/>
+          </p:cNvSpPr>
+          <p:nvPr>
+            <p:ph type="sldNum" sz="quarter" idx="12"/>
+          </p:nvPr>
+        </p:nvSpPr>
+        <p:spPr/>
+        <p:txBody>
+          <a:bodyPr/>
+          <a:lstStyle/>
+          <a:p>
+            <a:fld id="{C1FF6DA9-008F-8B48-92A6-B652298478BF}" type="slidenum">
+              <a:rPr lang="en-US" smtClean="0"/>
+              <a:t>73</a:t>
+            </a:fld>
+            <a:endParaRPr lang="en-US"/>
+          </a:p>
+        </p:txBody>
+      </p:sp>
+    </p:spTree>
+    <p:extLst>
+      <p:ext uri="{BB962C8B-B14F-4D97-AF65-F5344CB8AC3E}">
+        <p14:creationId xmlns:p14="http://schemas.microsoft.com/office/powerpoint/2010/main" val="3434941474"/>
+      </p:ext>
+    </p:extLst>
+  </p:cSld>
+  <p:clrMapOvr>
+    <a:masterClrMapping/>
+  </p:clrMapOvr>
+</p:sld>
+</file>
+
+<file path=ppt/slides/slide74.xml><?xml version="1.0" encoding="utf-8"?>
+<p:sld xmlns:a="http://schemas.openxmlformats.org/drawingml/2006/main" xmlns:r="http://schemas.openxmlformats.org/officeDocument/2006/relationships" xmlns:p="http://schemas.openxmlformats.org/presentationml/2006/main">
+  <p:cSld>
+    <p:spTree>
+      <p:nvGrpSpPr>
+        <p:cNvPr id="1" name=""/>
+        <p:cNvGrpSpPr/>
+        <p:nvPr/>
+      </p:nvGrpSpPr>
+      <p:grpSpPr>
+        <a:xfrm>
+          <a:off x="0" y="0"/>
+          <a:ext cx="0" cy="0"/>
+          <a:chOff x="0" y="0"/>
+          <a:chExt cx="0" cy="0"/>
+        </a:xfrm>
+      </p:grpSpPr>
+      <p:sp>
+        <p:nvSpPr>
+          <p:cNvPr id="2" name="Title 1">
+            <a:extLst>
+              <a:ext uri="{FF2B5EF4-FFF2-40B4-BE49-F238E27FC236}">
+                <a16:creationId xmlns:a16="http://schemas.microsoft.com/office/drawing/2014/main" id="{8C12E943-8715-739D-B09B-17AAAD653EFE}"/>
+              </a:ext>
+            </a:extLst>
+          </p:cNvPr>
+          <p:cNvSpPr>
+            <a:spLocks noGrp="1"/>
+          </p:cNvSpPr>
+          <p:nvPr>
+            <p:ph type="title"/>
+          </p:nvPr>
+        </p:nvSpPr>
+        <p:spPr/>
+        <p:txBody>
+          <a:bodyPr/>
+          <a:lstStyle/>
+          <a:p>
+            <a:r>
+              <a:rPr lang="en-US" dirty="0"/>
+              <a:t>ʃ</a:t>
+            </a:r>
+          </a:p>
+        </p:txBody>
+      </p:sp>
+      <p:sp>
+        <p:nvSpPr>
+          <p:cNvPr id="3" name="Content Placeholder 2">
+            <a:extLst>
+              <a:ext uri="{FF2B5EF4-FFF2-40B4-BE49-F238E27FC236}">
+                <a16:creationId xmlns:a16="http://schemas.microsoft.com/office/drawing/2014/main" id="{A1301474-A3AB-7B0D-F60E-535ACEDE206F}"/>
+              </a:ext>
+            </a:extLst>
+          </p:cNvPr>
+          <p:cNvSpPr>
+            <a:spLocks noGrp="1"/>
+          </p:cNvSpPr>
+          <p:nvPr>
+            <p:ph idx="1"/>
+          </p:nvPr>
+        </p:nvSpPr>
+        <p:spPr/>
+        <p:txBody>
+          <a:bodyPr/>
+          <a:lstStyle/>
+          <a:p>
+            <a:pPr marL="0" indent="0" algn="ctr">
+              <a:buNone/>
+            </a:pPr>
+            <a:endParaRPr lang="en-US" dirty="0"/>
+          </a:p>
+          <a:p>
+            <a:pPr marL="0" indent="0" algn="ctr">
+              <a:buNone/>
+            </a:pPr>
+            <a:r>
+              <a:rPr lang="en-US" dirty="0">
+                <a:highlight>
+                  <a:srgbClr val="FFFF00"/>
+                </a:highlight>
+              </a:rPr>
+              <a:t>Sh</a:t>
+            </a:r>
+            <a:r>
+              <a:rPr lang="en-US" dirty="0"/>
+              <a:t>ip</a:t>
+            </a:r>
+          </a:p>
+          <a:p>
+            <a:pPr marL="0" indent="0" algn="ctr">
+              <a:buNone/>
+            </a:pPr>
+            <a:r>
+              <a:rPr lang="en-US" dirty="0"/>
+              <a:t>Fi</a:t>
+            </a:r>
+            <a:r>
+              <a:rPr lang="en-US" dirty="0">
+                <a:highlight>
+                  <a:srgbClr val="FFFF00"/>
+                </a:highlight>
+              </a:rPr>
+              <a:t>sh</a:t>
+            </a:r>
+          </a:p>
+        </p:txBody>
+      </p:sp>
+      <p:sp>
+        <p:nvSpPr>
+          <p:cNvPr id="4" name="Slide Number Placeholder 3">
+            <a:extLst>
+              <a:ext uri="{FF2B5EF4-FFF2-40B4-BE49-F238E27FC236}">
+                <a16:creationId xmlns:a16="http://schemas.microsoft.com/office/drawing/2014/main" id="{7126C018-1AE9-966C-454E-FE2BD9CDAFC2}"/>
+              </a:ext>
+            </a:extLst>
+          </p:cNvPr>
+          <p:cNvSpPr>
+            <a:spLocks noGrp="1"/>
+          </p:cNvSpPr>
+          <p:nvPr>
+            <p:ph type="sldNum" sz="quarter" idx="12"/>
+          </p:nvPr>
+        </p:nvSpPr>
+        <p:spPr/>
+        <p:txBody>
+          <a:bodyPr/>
+          <a:lstStyle/>
+          <a:p>
+            <a:fld id="{C1FF6DA9-008F-8B48-92A6-B652298478BF}" type="slidenum">
+              <a:rPr lang="en-US" smtClean="0"/>
+              <a:t>74</a:t>
+            </a:fld>
+            <a:endParaRPr lang="en-US"/>
+          </a:p>
+        </p:txBody>
+      </p:sp>
+    </p:spTree>
+    <p:extLst>
+      <p:ext uri="{BB962C8B-B14F-4D97-AF65-F5344CB8AC3E}">
+        <p14:creationId xmlns:p14="http://schemas.microsoft.com/office/powerpoint/2010/main" val="2217024140"/>
+      </p:ext>
+    </p:extLst>
+  </p:cSld>
+  <p:clrMapOvr>
+    <a:masterClrMapping/>
+  </p:clrMapOvr>
+</p:sld>
+</file>
+
+<file path=ppt/slides/slide75.xml><?xml version="1.0" encoding="utf-8"?>
+<p:sld xmlns:a="http://schemas.openxmlformats.org/drawingml/2006/main" xmlns:r="http://schemas.openxmlformats.org/officeDocument/2006/relationships" xmlns:p="http://schemas.openxmlformats.org/presentationml/2006/main">
+  <p:cSld>
+    <p:spTree>
+      <p:nvGrpSpPr>
+        <p:cNvPr id="1" name=""/>
+        <p:cNvGrpSpPr/>
+        <p:nvPr/>
+      </p:nvGrpSpPr>
+      <p:grpSpPr>
+        <a:xfrm>
+          <a:off x="0" y="0"/>
+          <a:ext cx="0" cy="0"/>
+          <a:chOff x="0" y="0"/>
+          <a:chExt cx="0" cy="0"/>
+        </a:xfrm>
+      </p:grpSpPr>
+      <p:sp>
+        <p:nvSpPr>
+          <p:cNvPr id="2" name="Title 1">
+            <a:extLst>
+              <a:ext uri="{FF2B5EF4-FFF2-40B4-BE49-F238E27FC236}">
+                <a16:creationId xmlns:a16="http://schemas.microsoft.com/office/drawing/2014/main" id="{5DE811FF-0439-2A00-3748-BA9411D697D7}"/>
+              </a:ext>
+            </a:extLst>
+          </p:cNvPr>
+          <p:cNvSpPr>
+            <a:spLocks noGrp="1"/>
+          </p:cNvSpPr>
+          <p:nvPr>
+            <p:ph type="title"/>
+          </p:nvPr>
+        </p:nvSpPr>
+        <p:spPr/>
+        <p:txBody>
+          <a:bodyPr/>
+          <a:lstStyle/>
+          <a:p>
+            <a:r>
+              <a:rPr lang="en-US" dirty="0"/>
+              <a:t>k</a:t>
+            </a:r>
+          </a:p>
+        </p:txBody>
+      </p:sp>
+      <p:sp>
+        <p:nvSpPr>
+          <p:cNvPr id="3" name="Content Placeholder 2">
+            <a:extLst>
+              <a:ext uri="{FF2B5EF4-FFF2-40B4-BE49-F238E27FC236}">
+                <a16:creationId xmlns:a16="http://schemas.microsoft.com/office/drawing/2014/main" id="{EFA0D7BB-3EE3-D525-0562-5F48BDC4DB4C}"/>
+              </a:ext>
+            </a:extLst>
+          </p:cNvPr>
+          <p:cNvSpPr>
+            <a:spLocks noGrp="1"/>
+          </p:cNvSpPr>
+          <p:nvPr>
+            <p:ph idx="1"/>
+          </p:nvPr>
+        </p:nvSpPr>
+        <p:spPr/>
+        <p:txBody>
+          <a:bodyPr/>
+          <a:lstStyle/>
+          <a:p>
+            <a:pPr marL="0" indent="0" algn="ctr">
+              <a:buNone/>
+            </a:pPr>
+            <a:endParaRPr lang="en-US" dirty="0"/>
+          </a:p>
+          <a:p>
+            <a:pPr marL="0" indent="0" algn="ctr">
+              <a:buNone/>
+            </a:pPr>
+            <a:r>
+              <a:rPr lang="en-US" dirty="0">
+                <a:highlight>
+                  <a:srgbClr val="FFFF00"/>
+                </a:highlight>
+              </a:rPr>
+              <a:t>C</a:t>
+            </a:r>
+            <a:r>
+              <a:rPr lang="en-US" dirty="0"/>
+              <a:t>old</a:t>
+            </a:r>
+          </a:p>
+          <a:p>
+            <a:pPr marL="0" indent="0" algn="ctr">
+              <a:buNone/>
+            </a:pPr>
+            <a:r>
+              <a:rPr lang="en-US" dirty="0"/>
+              <a:t>Par</a:t>
+            </a:r>
+            <a:r>
+              <a:rPr lang="en-US" dirty="0">
+                <a:highlight>
+                  <a:srgbClr val="FFFF00"/>
+                </a:highlight>
+              </a:rPr>
+              <a:t>k</a:t>
+            </a:r>
+          </a:p>
+        </p:txBody>
+      </p:sp>
+      <p:sp>
+        <p:nvSpPr>
+          <p:cNvPr id="4" name="Slide Number Placeholder 3">
+            <a:extLst>
+              <a:ext uri="{FF2B5EF4-FFF2-40B4-BE49-F238E27FC236}">
+                <a16:creationId xmlns:a16="http://schemas.microsoft.com/office/drawing/2014/main" id="{D7C7605F-8BDF-0D34-DA01-AE4BFF041BF6}"/>
+              </a:ext>
+            </a:extLst>
+          </p:cNvPr>
+          <p:cNvSpPr>
+            <a:spLocks noGrp="1"/>
+          </p:cNvSpPr>
+          <p:nvPr>
+            <p:ph type="sldNum" sz="quarter" idx="12"/>
+          </p:nvPr>
+        </p:nvSpPr>
+        <p:spPr/>
+        <p:txBody>
+          <a:bodyPr/>
+          <a:lstStyle/>
+          <a:p>
+            <a:fld id="{C1FF6DA9-008F-8B48-92A6-B652298478BF}" type="slidenum">
+              <a:rPr lang="en-US" smtClean="0"/>
+              <a:t>75</a:t>
+            </a:fld>
+            <a:endParaRPr lang="en-US"/>
+          </a:p>
+        </p:txBody>
+      </p:sp>
+    </p:spTree>
+    <p:extLst>
+      <p:ext uri="{BB962C8B-B14F-4D97-AF65-F5344CB8AC3E}">
+        <p14:creationId xmlns:p14="http://schemas.microsoft.com/office/powerpoint/2010/main" val="1237170569"/>
+      </p:ext>
+    </p:extLst>
+  </p:cSld>
+  <p:clrMapOvr>
+    <a:masterClrMapping/>
+  </p:clrMapOvr>
+</p:sld>
+</file>
+
+<file path=ppt/slides/slide76.xml><?xml version="1.0" encoding="utf-8"?>
+<p:sld xmlns:a="http://schemas.openxmlformats.org/drawingml/2006/main" xmlns:r="http://schemas.openxmlformats.org/officeDocument/2006/relationships" xmlns:p="http://schemas.openxmlformats.org/presentationml/2006/main">
+  <p:cSld>
+    <p:spTree>
+      <p:nvGrpSpPr>
+        <p:cNvPr id="1" name=""/>
+        <p:cNvGrpSpPr/>
+        <p:nvPr/>
+      </p:nvGrpSpPr>
+      <p:grpSpPr>
+        <a:xfrm>
+          <a:off x="0" y="0"/>
+          <a:ext cx="0" cy="0"/>
+          <a:chOff x="0" y="0"/>
+          <a:chExt cx="0" cy="0"/>
+        </a:xfrm>
+      </p:grpSpPr>
+      <p:sp>
+        <p:nvSpPr>
+          <p:cNvPr id="2" name="Title 1">
+            <a:extLst>
+              <a:ext uri="{FF2B5EF4-FFF2-40B4-BE49-F238E27FC236}">
+                <a16:creationId xmlns:a16="http://schemas.microsoft.com/office/drawing/2014/main" id="{1FF6BB36-80C8-B7F5-D0FC-84D6E3833AC2}"/>
+              </a:ext>
+            </a:extLst>
+          </p:cNvPr>
+          <p:cNvSpPr>
+            <a:spLocks noGrp="1"/>
+          </p:cNvSpPr>
+          <p:nvPr>
+            <p:ph type="title"/>
+          </p:nvPr>
+        </p:nvSpPr>
+        <p:spPr/>
+        <p:txBody>
+          <a:bodyPr/>
+          <a:lstStyle/>
+          <a:p>
+            <a:r>
+              <a:rPr lang="en-US" dirty="0"/>
+              <a:t>b</a:t>
+            </a:r>
+          </a:p>
+        </p:txBody>
+      </p:sp>
+      <p:sp>
+        <p:nvSpPr>
+          <p:cNvPr id="3" name="Content Placeholder 2">
+            <a:extLst>
+              <a:ext uri="{FF2B5EF4-FFF2-40B4-BE49-F238E27FC236}">
+                <a16:creationId xmlns:a16="http://schemas.microsoft.com/office/drawing/2014/main" id="{9FBB6B63-2AB9-53AC-AC5D-41BBECEC619F}"/>
+              </a:ext>
+            </a:extLst>
+          </p:cNvPr>
+          <p:cNvSpPr>
+            <a:spLocks noGrp="1"/>
+          </p:cNvSpPr>
+          <p:nvPr>
+            <p:ph idx="1"/>
+          </p:nvPr>
+        </p:nvSpPr>
+        <p:spPr/>
+        <p:txBody>
+          <a:bodyPr/>
+          <a:lstStyle/>
+          <a:p>
+            <a:pPr marL="0" indent="0" algn="ctr">
+              <a:buNone/>
+            </a:pPr>
+            <a:endParaRPr lang="en-US" dirty="0"/>
+          </a:p>
+          <a:p>
+            <a:pPr marL="0" indent="0" algn="ctr">
+              <a:buNone/>
+            </a:pPr>
+            <a:r>
+              <a:rPr lang="en-US" dirty="0">
+                <a:highlight>
+                  <a:srgbClr val="FFFF00"/>
+                </a:highlight>
+              </a:rPr>
+              <a:t>B</a:t>
+            </a:r>
+            <a:r>
+              <a:rPr lang="en-US" dirty="0"/>
+              <a:t>eef</a:t>
+            </a:r>
+          </a:p>
+          <a:p>
+            <a:pPr marL="0" indent="0" algn="ctr">
+              <a:buNone/>
+            </a:pPr>
+            <a:r>
+              <a:rPr lang="en-US" dirty="0">
+                <a:highlight>
+                  <a:srgbClr val="FFFF00"/>
+                </a:highlight>
+              </a:rPr>
+              <a:t>B</a:t>
+            </a:r>
+            <a:r>
+              <a:rPr lang="en-US" dirty="0"/>
+              <a:t>ath</a:t>
+            </a:r>
+          </a:p>
+        </p:txBody>
+      </p:sp>
+      <p:sp>
+        <p:nvSpPr>
+          <p:cNvPr id="4" name="Slide Number Placeholder 3">
+            <a:extLst>
+              <a:ext uri="{FF2B5EF4-FFF2-40B4-BE49-F238E27FC236}">
+                <a16:creationId xmlns:a16="http://schemas.microsoft.com/office/drawing/2014/main" id="{3BAD11F6-5C47-1B6E-DFB0-9E5B68B2FBBC}"/>
+              </a:ext>
+            </a:extLst>
+          </p:cNvPr>
+          <p:cNvSpPr>
+            <a:spLocks noGrp="1"/>
+          </p:cNvSpPr>
+          <p:nvPr>
+            <p:ph type="sldNum" sz="quarter" idx="12"/>
+          </p:nvPr>
+        </p:nvSpPr>
+        <p:spPr/>
+        <p:txBody>
+          <a:bodyPr/>
+          <a:lstStyle/>
+          <a:p>
+            <a:fld id="{C1FF6DA9-008F-8B48-92A6-B652298478BF}" type="slidenum">
+              <a:rPr lang="en-US" smtClean="0"/>
+              <a:t>76</a:t>
+            </a:fld>
+            <a:endParaRPr lang="en-US"/>
+          </a:p>
+        </p:txBody>
+      </p:sp>
+    </p:spTree>
+    <p:extLst>
+      <p:ext uri="{BB962C8B-B14F-4D97-AF65-F5344CB8AC3E}">
+        <p14:creationId xmlns:p14="http://schemas.microsoft.com/office/powerpoint/2010/main" val="1066460895"/>
+      </p:ext>
+    </p:extLst>
+  </p:cSld>
+  <p:clrMapOvr>
+    <a:masterClrMapping/>
+  </p:clrMapOvr>
+</p:sld>
+</file>
+
+<file path=ppt/slides/slide77.xml><?xml version="1.0" encoding="utf-8"?>
+<p:sld xmlns:a="http://schemas.openxmlformats.org/drawingml/2006/main" xmlns:r="http://schemas.openxmlformats.org/officeDocument/2006/relationships" xmlns:p="http://schemas.openxmlformats.org/presentationml/2006/main">
+  <p:cSld>
+    <p:spTree>
+      <p:nvGrpSpPr>
+        <p:cNvPr id="1" name=""/>
+        <p:cNvGrpSpPr/>
+        <p:nvPr/>
+      </p:nvGrpSpPr>
+      <p:grpSpPr>
+        <a:xfrm>
+          <a:off x="0" y="0"/>
+          <a:ext cx="0" cy="0"/>
+          <a:chOff x="0" y="0"/>
+          <a:chExt cx="0" cy="0"/>
+        </a:xfrm>
+      </p:grpSpPr>
+      <p:sp>
+        <p:nvSpPr>
+          <p:cNvPr id="2" name="Title 1">
+            <a:extLst>
+              <a:ext uri="{FF2B5EF4-FFF2-40B4-BE49-F238E27FC236}">
+                <a16:creationId xmlns:a16="http://schemas.microsoft.com/office/drawing/2014/main" id="{3F85674C-3858-C0A1-4A1C-319EFD00D318}"/>
+              </a:ext>
+            </a:extLst>
+          </p:cNvPr>
+          <p:cNvSpPr>
+            <a:spLocks noGrp="1"/>
+          </p:cNvSpPr>
+          <p:nvPr>
+            <p:ph type="title"/>
+          </p:nvPr>
+        </p:nvSpPr>
+        <p:spPr/>
+        <p:txBody>
+          <a:bodyPr/>
+          <a:lstStyle/>
+          <a:p>
+            <a:r>
+              <a:rPr lang="en-US" dirty="0"/>
+              <a:t>v</a:t>
+            </a:r>
+          </a:p>
+        </p:txBody>
+      </p:sp>
+      <p:sp>
+        <p:nvSpPr>
+          <p:cNvPr id="3" name="Content Placeholder 2">
+            <a:extLst>
+              <a:ext uri="{FF2B5EF4-FFF2-40B4-BE49-F238E27FC236}">
+                <a16:creationId xmlns:a16="http://schemas.microsoft.com/office/drawing/2014/main" id="{DF626963-C52A-2AD5-0251-84DBD9C33BB8}"/>
+              </a:ext>
+            </a:extLst>
+          </p:cNvPr>
+          <p:cNvSpPr>
+            <a:spLocks noGrp="1"/>
+          </p:cNvSpPr>
+          <p:nvPr>
+            <p:ph idx="1"/>
+          </p:nvPr>
+        </p:nvSpPr>
+        <p:spPr/>
+        <p:txBody>
+          <a:bodyPr/>
+          <a:lstStyle/>
+          <a:p>
+            <a:pPr marL="0" indent="0" algn="ctr">
+              <a:buNone/>
+            </a:pPr>
+            <a:endParaRPr lang="en-US" dirty="0"/>
+          </a:p>
+          <a:p>
+            <a:pPr marL="0" indent="0" algn="ctr">
+              <a:buNone/>
+            </a:pPr>
+            <a:r>
+              <a:rPr lang="en-US" dirty="0">
+                <a:highlight>
+                  <a:srgbClr val="FFFF00"/>
+                </a:highlight>
+              </a:rPr>
+              <a:t>V</a:t>
+            </a:r>
+            <a:r>
+              <a:rPr lang="en-US" dirty="0"/>
+              <a:t>ery</a:t>
+            </a:r>
+          </a:p>
+          <a:p>
+            <a:pPr marL="0" indent="0" algn="ctr">
+              <a:buNone/>
+            </a:pPr>
+            <a:r>
+              <a:rPr lang="en-US" dirty="0"/>
+              <a:t>Se</a:t>
+            </a:r>
+            <a:r>
+              <a:rPr lang="en-US" dirty="0">
+                <a:highlight>
+                  <a:srgbClr val="FFFF00"/>
+                </a:highlight>
+              </a:rPr>
+              <a:t>v</a:t>
+            </a:r>
+            <a:r>
+              <a:rPr lang="en-US" dirty="0"/>
+              <a:t>en</a:t>
+            </a:r>
+          </a:p>
+        </p:txBody>
+      </p:sp>
+      <p:sp>
+        <p:nvSpPr>
+          <p:cNvPr id="4" name="Slide Number Placeholder 3">
+            <a:extLst>
+              <a:ext uri="{FF2B5EF4-FFF2-40B4-BE49-F238E27FC236}">
+                <a16:creationId xmlns:a16="http://schemas.microsoft.com/office/drawing/2014/main" id="{7CBF15D6-F17F-10BE-F5CC-604160F61F3D}"/>
+              </a:ext>
+            </a:extLst>
+          </p:cNvPr>
+          <p:cNvSpPr>
+            <a:spLocks noGrp="1"/>
+          </p:cNvSpPr>
+          <p:nvPr>
+            <p:ph type="sldNum" sz="quarter" idx="12"/>
+          </p:nvPr>
+        </p:nvSpPr>
+        <p:spPr/>
+        <p:txBody>
+          <a:bodyPr/>
+          <a:lstStyle/>
+          <a:p>
+            <a:fld id="{C1FF6DA9-008F-8B48-92A6-B652298478BF}" type="slidenum">
+              <a:rPr lang="en-US" smtClean="0"/>
+              <a:t>77</a:t>
+            </a:fld>
+            <a:endParaRPr lang="en-US"/>
+          </a:p>
+        </p:txBody>
+      </p:sp>
+    </p:spTree>
+    <p:extLst>
+      <p:ext uri="{BB962C8B-B14F-4D97-AF65-F5344CB8AC3E}">
+        <p14:creationId xmlns:p14="http://schemas.microsoft.com/office/powerpoint/2010/main" val="220842687"/>
+      </p:ext>
+    </p:extLst>
+  </p:cSld>
+  <p:clrMapOvr>
+    <a:masterClrMapping/>
+  </p:clrMapOvr>
+</p:sld>
+</file>
+
+<file path=ppt/slides/slide78.xml><?xml version="1.0" encoding="utf-8"?>
+<p:sld xmlns:a="http://schemas.openxmlformats.org/drawingml/2006/main" xmlns:r="http://schemas.openxmlformats.org/officeDocument/2006/relationships" xmlns:p="http://schemas.openxmlformats.org/presentationml/2006/main">
+  <p:cSld>
+    <p:spTree>
+      <p:nvGrpSpPr>
+        <p:cNvPr id="1" name=""/>
+        <p:cNvGrpSpPr/>
+        <p:nvPr/>
+      </p:nvGrpSpPr>
+      <p:grpSpPr>
+        <a:xfrm>
+          <a:off x="0" y="0"/>
+          <a:ext cx="0" cy="0"/>
+          <a:chOff x="0" y="0"/>
+          <a:chExt cx="0" cy="0"/>
+        </a:xfrm>
+      </p:grpSpPr>
+      <p:sp>
+        <p:nvSpPr>
+          <p:cNvPr id="2" name="Title 1">
+            <a:extLst>
+              <a:ext uri="{FF2B5EF4-FFF2-40B4-BE49-F238E27FC236}">
+                <a16:creationId xmlns:a16="http://schemas.microsoft.com/office/drawing/2014/main" id="{6C294CC8-9FBE-435C-85C0-B8E80496FE47}"/>
+              </a:ext>
+            </a:extLst>
+          </p:cNvPr>
+          <p:cNvSpPr>
+            <a:spLocks noGrp="1"/>
+          </p:cNvSpPr>
+          <p:nvPr>
+            <p:ph type="title"/>
+          </p:nvPr>
+        </p:nvSpPr>
+        <p:spPr/>
+        <p:txBody>
+          <a:bodyPr/>
+          <a:lstStyle/>
+          <a:p>
+            <a:r>
+              <a:rPr lang="en-US" dirty="0"/>
+              <a:t>d</a:t>
+            </a:r>
+          </a:p>
+        </p:txBody>
+      </p:sp>
+      <p:sp>
+        <p:nvSpPr>
+          <p:cNvPr id="3" name="Content Placeholder 2">
+            <a:extLst>
+              <a:ext uri="{FF2B5EF4-FFF2-40B4-BE49-F238E27FC236}">
+                <a16:creationId xmlns:a16="http://schemas.microsoft.com/office/drawing/2014/main" id="{90D12DCC-6A15-EC4C-B4F5-FCFADB7FC8EE}"/>
+              </a:ext>
+            </a:extLst>
+          </p:cNvPr>
+          <p:cNvSpPr>
+            <a:spLocks noGrp="1"/>
+          </p:cNvSpPr>
+          <p:nvPr>
+            <p:ph idx="1"/>
+          </p:nvPr>
+        </p:nvSpPr>
+        <p:spPr/>
+        <p:txBody>
+          <a:bodyPr/>
+          <a:lstStyle/>
+          <a:p>
+            <a:pPr marL="0" indent="0" algn="ctr">
+              <a:buNone/>
+            </a:pPr>
+            <a:endParaRPr lang="en-US" dirty="0"/>
+          </a:p>
+          <a:p>
+            <a:pPr marL="0" indent="0" algn="ctr">
+              <a:buNone/>
+            </a:pPr>
+            <a:r>
+              <a:rPr lang="en-US" dirty="0">
+                <a:highlight>
+                  <a:srgbClr val="FFFF00"/>
+                </a:highlight>
+              </a:rPr>
+              <a:t>D</a:t>
+            </a:r>
+            <a:r>
+              <a:rPr lang="en-US" dirty="0"/>
+              <a:t>ay</a:t>
+            </a:r>
+          </a:p>
+          <a:p>
+            <a:pPr marL="0" indent="0" algn="ctr">
+              <a:buNone/>
+            </a:pPr>
+            <a:r>
+              <a:rPr lang="en-US" dirty="0"/>
+              <a:t>Kin</a:t>
+            </a:r>
+            <a:r>
+              <a:rPr lang="en-US" dirty="0">
+                <a:highlight>
+                  <a:srgbClr val="FFFF00"/>
+                </a:highlight>
+              </a:rPr>
+              <a:t>d</a:t>
+            </a:r>
+          </a:p>
+        </p:txBody>
+      </p:sp>
+      <p:sp>
+        <p:nvSpPr>
+          <p:cNvPr id="4" name="Slide Number Placeholder 3">
+            <a:extLst>
+              <a:ext uri="{FF2B5EF4-FFF2-40B4-BE49-F238E27FC236}">
+                <a16:creationId xmlns:a16="http://schemas.microsoft.com/office/drawing/2014/main" id="{DDDEE6EC-C087-8B43-8630-84C5B7A6C0A3}"/>
+              </a:ext>
+            </a:extLst>
+          </p:cNvPr>
+          <p:cNvSpPr>
+            <a:spLocks noGrp="1"/>
+          </p:cNvSpPr>
+          <p:nvPr>
+            <p:ph type="sldNum" sz="quarter" idx="12"/>
+          </p:nvPr>
+        </p:nvSpPr>
+        <p:spPr/>
+        <p:txBody>
+          <a:bodyPr/>
+          <a:lstStyle/>
+          <a:p>
+            <a:fld id="{C1FF6DA9-008F-8B48-92A6-B652298478BF}" type="slidenum">
+              <a:rPr lang="en-US" smtClean="0"/>
+              <a:t>78</a:t>
+            </a:fld>
+            <a:endParaRPr lang="en-US"/>
+          </a:p>
+        </p:txBody>
+      </p:sp>
+    </p:spTree>
+    <p:extLst>
+      <p:ext uri="{BB962C8B-B14F-4D97-AF65-F5344CB8AC3E}">
+        <p14:creationId xmlns:p14="http://schemas.microsoft.com/office/powerpoint/2010/main" val="4139009147"/>
+      </p:ext>
+    </p:extLst>
+  </p:cSld>
+  <p:clrMapOvr>
+    <a:masterClrMapping/>
+  </p:clrMapOvr>
+</p:sld>
+</file>
+
+<file path=ppt/slides/slide79.xml><?xml version="1.0" encoding="utf-8"?>
+<p:sld xmlns:a="http://schemas.openxmlformats.org/drawingml/2006/main" xmlns:r="http://schemas.openxmlformats.org/officeDocument/2006/relationships" xmlns:p="http://schemas.openxmlformats.org/presentationml/2006/main">
+  <p:cSld>
+    <p:spTree>
+      <p:nvGrpSpPr>
+        <p:cNvPr id="1" name=""/>
+        <p:cNvGrpSpPr/>
+        <p:nvPr/>
+      </p:nvGrpSpPr>
+      <p:grpSpPr>
+        <a:xfrm>
+          <a:off x="0" y="0"/>
+          <a:ext cx="0" cy="0"/>
+          <a:chOff x="0" y="0"/>
+          <a:chExt cx="0" cy="0"/>
+        </a:xfrm>
+      </p:grpSpPr>
+      <p:sp>
+        <p:nvSpPr>
+          <p:cNvPr id="2" name="Title 1">
+            <a:extLst>
+              <a:ext uri="{FF2B5EF4-FFF2-40B4-BE49-F238E27FC236}">
+                <a16:creationId xmlns:a16="http://schemas.microsoft.com/office/drawing/2014/main" id="{217693A7-9536-0B02-E2CE-4BD79DC17FA4}"/>
+              </a:ext>
+            </a:extLst>
+          </p:cNvPr>
+          <p:cNvSpPr>
+            <a:spLocks noGrp="1"/>
+          </p:cNvSpPr>
+          <p:nvPr>
+            <p:ph type="title"/>
+          </p:nvPr>
+        </p:nvSpPr>
+        <p:spPr/>
+        <p:txBody>
+          <a:bodyPr/>
+          <a:lstStyle/>
+          <a:p>
+            <a:r>
+              <a:rPr lang="en-US" dirty="0"/>
+              <a:t>ð</a:t>
+            </a:r>
+          </a:p>
+        </p:txBody>
+      </p:sp>
+      <p:sp>
+        <p:nvSpPr>
+          <p:cNvPr id="3" name="Content Placeholder 2">
+            <a:extLst>
+              <a:ext uri="{FF2B5EF4-FFF2-40B4-BE49-F238E27FC236}">
+                <a16:creationId xmlns:a16="http://schemas.microsoft.com/office/drawing/2014/main" id="{3A3E172B-DE79-03FE-8AC0-299E156D70A0}"/>
+              </a:ext>
+            </a:extLst>
+          </p:cNvPr>
+          <p:cNvSpPr>
+            <a:spLocks noGrp="1"/>
+          </p:cNvSpPr>
+          <p:nvPr>
+            <p:ph idx="1"/>
+          </p:nvPr>
+        </p:nvSpPr>
+        <p:spPr/>
+        <p:txBody>
+          <a:bodyPr/>
+          <a:lstStyle/>
+          <a:p>
+            <a:pPr marL="0" indent="0" algn="ctr">
+              <a:buNone/>
+            </a:pPr>
+            <a:endParaRPr lang="en-US" dirty="0"/>
+          </a:p>
+          <a:p>
+            <a:pPr marL="0" indent="0" algn="ctr">
+              <a:buNone/>
+            </a:pPr>
+            <a:r>
+              <a:rPr lang="en-US" dirty="0">
+                <a:highlight>
+                  <a:srgbClr val="FFFF00"/>
+                </a:highlight>
+              </a:rPr>
+              <a:t>The</a:t>
+            </a:r>
+            <a:r>
+              <a:rPr lang="en-US" dirty="0"/>
+              <a:t>n</a:t>
+            </a:r>
+          </a:p>
+          <a:p>
+            <a:pPr marL="0" indent="0" algn="ctr">
+              <a:buNone/>
+            </a:pPr>
+            <a:r>
+              <a:rPr lang="en-US" dirty="0"/>
+              <a:t>Wea</a:t>
+            </a:r>
+            <a:r>
+              <a:rPr lang="en-US" dirty="0">
+                <a:highlight>
+                  <a:srgbClr val="FFFF00"/>
+                </a:highlight>
+              </a:rPr>
+              <a:t>the</a:t>
+            </a:r>
+            <a:r>
+              <a:rPr lang="en-US" dirty="0"/>
+              <a:t>r</a:t>
+            </a:r>
+          </a:p>
+        </p:txBody>
+      </p:sp>
+      <p:sp>
+        <p:nvSpPr>
+          <p:cNvPr id="4" name="Slide Number Placeholder 3">
+            <a:extLst>
+              <a:ext uri="{FF2B5EF4-FFF2-40B4-BE49-F238E27FC236}">
+                <a16:creationId xmlns:a16="http://schemas.microsoft.com/office/drawing/2014/main" id="{216A8847-73FD-1095-96FD-C5C446611EB0}"/>
+              </a:ext>
+            </a:extLst>
+          </p:cNvPr>
+          <p:cNvSpPr>
+            <a:spLocks noGrp="1"/>
+          </p:cNvSpPr>
+          <p:nvPr>
+            <p:ph type="sldNum" sz="quarter" idx="12"/>
+          </p:nvPr>
+        </p:nvSpPr>
+        <p:spPr/>
+        <p:txBody>
+          <a:bodyPr/>
+          <a:lstStyle/>
+          <a:p>
+            <a:fld id="{C1FF6DA9-008F-8B48-92A6-B652298478BF}" type="slidenum">
+              <a:rPr lang="en-US" smtClean="0"/>
+              <a:t>79</a:t>
+            </a:fld>
+            <a:endParaRPr lang="en-US"/>
+          </a:p>
+        </p:txBody>
+      </p:sp>
+    </p:spTree>
+    <p:extLst>
+      <p:ext uri="{BB962C8B-B14F-4D97-AF65-F5344CB8AC3E}">
+        <p14:creationId xmlns:p14="http://schemas.microsoft.com/office/powerpoint/2010/main" val="778377558"/>
+      </p:ext>
+    </p:extLst>
+  </p:cSld>
+  <p:clrMapOvr>
+    <a:masterClrMapping/>
+  </p:clrMapOvr>
+</p:sld>
+</file>
+
 <file path=ppt/slides/slide8.xml><?xml version="1.0" encoding="utf-8"?>
 <p:sld xmlns:a="http://schemas.openxmlformats.org/drawingml/2006/main" xmlns:r="http://schemas.openxmlformats.org/officeDocument/2006/relationships" xmlns:p="http://schemas.openxmlformats.org/presentationml/2006/main">
   <p:cSld>
@@ -15718,6 +21419,1520 @@
 </p:sld>
 </file>
 
+<file path=ppt/slides/slide80.xml><?xml version="1.0" encoding="utf-8"?>
+<p:sld xmlns:a="http://schemas.openxmlformats.org/drawingml/2006/main" xmlns:r="http://schemas.openxmlformats.org/officeDocument/2006/relationships" xmlns:p="http://schemas.openxmlformats.org/presentationml/2006/main">
+  <p:cSld>
+    <p:spTree>
+      <p:nvGrpSpPr>
+        <p:cNvPr id="1" name=""/>
+        <p:cNvGrpSpPr/>
+        <p:nvPr/>
+      </p:nvGrpSpPr>
+      <p:grpSpPr>
+        <a:xfrm>
+          <a:off x="0" y="0"/>
+          <a:ext cx="0" cy="0"/>
+          <a:chOff x="0" y="0"/>
+          <a:chExt cx="0" cy="0"/>
+        </a:xfrm>
+      </p:grpSpPr>
+      <p:sp>
+        <p:nvSpPr>
+          <p:cNvPr id="2" name="Title 1">
+            <a:extLst>
+              <a:ext uri="{FF2B5EF4-FFF2-40B4-BE49-F238E27FC236}">
+                <a16:creationId xmlns:a16="http://schemas.microsoft.com/office/drawing/2014/main" id="{E069F5E6-DDE4-9393-F72B-EAFDA2BBAF42}"/>
+              </a:ext>
+            </a:extLst>
+          </p:cNvPr>
+          <p:cNvSpPr>
+            <a:spLocks noGrp="1"/>
+          </p:cNvSpPr>
+          <p:nvPr>
+            <p:ph type="title"/>
+          </p:nvPr>
+        </p:nvSpPr>
+        <p:spPr/>
+        <p:txBody>
+          <a:bodyPr/>
+          <a:lstStyle/>
+          <a:p>
+            <a:r>
+              <a:rPr lang="en-US" dirty="0"/>
+              <a:t>ʤ</a:t>
+            </a:r>
+          </a:p>
+        </p:txBody>
+      </p:sp>
+      <p:sp>
+        <p:nvSpPr>
+          <p:cNvPr id="3" name="Content Placeholder 2">
+            <a:extLst>
+              <a:ext uri="{FF2B5EF4-FFF2-40B4-BE49-F238E27FC236}">
+                <a16:creationId xmlns:a16="http://schemas.microsoft.com/office/drawing/2014/main" id="{3D3E33AD-45B5-0B5C-3A60-3D0A65173082}"/>
+              </a:ext>
+            </a:extLst>
+          </p:cNvPr>
+          <p:cNvSpPr>
+            <a:spLocks noGrp="1"/>
+          </p:cNvSpPr>
+          <p:nvPr>
+            <p:ph idx="1"/>
+          </p:nvPr>
+        </p:nvSpPr>
+        <p:spPr/>
+        <p:txBody>
+          <a:bodyPr/>
+          <a:lstStyle/>
+          <a:p>
+            <a:pPr marL="0" indent="0" algn="ctr">
+              <a:buNone/>
+            </a:pPr>
+            <a:endParaRPr lang="en-US" dirty="0"/>
+          </a:p>
+          <a:p>
+            <a:pPr marL="0" indent="0" algn="ctr">
+              <a:buNone/>
+            </a:pPr>
+            <a:r>
+              <a:rPr lang="en-US" dirty="0"/>
+              <a:t>A</a:t>
+            </a:r>
+            <a:r>
+              <a:rPr lang="en-US" dirty="0">
+                <a:highlight>
+                  <a:srgbClr val="FFFF00"/>
+                </a:highlight>
+              </a:rPr>
+              <a:t>g</a:t>
+            </a:r>
+            <a:r>
+              <a:rPr lang="en-US" dirty="0"/>
+              <a:t>e</a:t>
+            </a:r>
+          </a:p>
+          <a:p>
+            <a:pPr marL="0" indent="0" algn="ctr">
+              <a:buNone/>
+            </a:pPr>
+            <a:r>
+              <a:rPr lang="en-US" dirty="0"/>
+              <a:t>Langua</a:t>
+            </a:r>
+            <a:r>
+              <a:rPr lang="en-US" dirty="0">
+                <a:highlight>
+                  <a:srgbClr val="FFFF00"/>
+                </a:highlight>
+              </a:rPr>
+              <a:t>g</a:t>
+            </a:r>
+            <a:r>
+              <a:rPr lang="en-US" dirty="0"/>
+              <a:t>e</a:t>
+            </a:r>
+          </a:p>
+        </p:txBody>
+      </p:sp>
+      <p:sp>
+        <p:nvSpPr>
+          <p:cNvPr id="4" name="Slide Number Placeholder 3">
+            <a:extLst>
+              <a:ext uri="{FF2B5EF4-FFF2-40B4-BE49-F238E27FC236}">
+                <a16:creationId xmlns:a16="http://schemas.microsoft.com/office/drawing/2014/main" id="{CF361F38-7D27-4E2D-688F-96EE2D8552B5}"/>
+              </a:ext>
+            </a:extLst>
+          </p:cNvPr>
+          <p:cNvSpPr>
+            <a:spLocks noGrp="1"/>
+          </p:cNvSpPr>
+          <p:nvPr>
+            <p:ph type="sldNum" sz="quarter" idx="12"/>
+          </p:nvPr>
+        </p:nvSpPr>
+        <p:spPr/>
+        <p:txBody>
+          <a:bodyPr/>
+          <a:lstStyle/>
+          <a:p>
+            <a:fld id="{C1FF6DA9-008F-8B48-92A6-B652298478BF}" type="slidenum">
+              <a:rPr lang="en-US" smtClean="0"/>
+              <a:t>80</a:t>
+            </a:fld>
+            <a:endParaRPr lang="en-US"/>
+          </a:p>
+        </p:txBody>
+      </p:sp>
+    </p:spTree>
+    <p:extLst>
+      <p:ext uri="{BB962C8B-B14F-4D97-AF65-F5344CB8AC3E}">
+        <p14:creationId xmlns:p14="http://schemas.microsoft.com/office/powerpoint/2010/main" val="2745572011"/>
+      </p:ext>
+    </p:extLst>
+  </p:cSld>
+  <p:clrMapOvr>
+    <a:masterClrMapping/>
+  </p:clrMapOvr>
+</p:sld>
+</file>
+
+<file path=ppt/slides/slide81.xml><?xml version="1.0" encoding="utf-8"?>
+<p:sld xmlns:a="http://schemas.openxmlformats.org/drawingml/2006/main" xmlns:r="http://schemas.openxmlformats.org/officeDocument/2006/relationships" xmlns:p="http://schemas.openxmlformats.org/presentationml/2006/main">
+  <p:cSld>
+    <p:spTree>
+      <p:nvGrpSpPr>
+        <p:cNvPr id="1" name=""/>
+        <p:cNvGrpSpPr/>
+        <p:nvPr/>
+      </p:nvGrpSpPr>
+      <p:grpSpPr>
+        <a:xfrm>
+          <a:off x="0" y="0"/>
+          <a:ext cx="0" cy="0"/>
+          <a:chOff x="0" y="0"/>
+          <a:chExt cx="0" cy="0"/>
+        </a:xfrm>
+      </p:grpSpPr>
+      <p:sp>
+        <p:nvSpPr>
+          <p:cNvPr id="2" name="Title 1">
+            <a:extLst>
+              <a:ext uri="{FF2B5EF4-FFF2-40B4-BE49-F238E27FC236}">
+                <a16:creationId xmlns:a16="http://schemas.microsoft.com/office/drawing/2014/main" id="{2D7EE1C7-EA83-21DE-8DA7-A200E4708063}"/>
+              </a:ext>
+            </a:extLst>
+          </p:cNvPr>
+          <p:cNvSpPr>
+            <a:spLocks noGrp="1"/>
+          </p:cNvSpPr>
+          <p:nvPr>
+            <p:ph type="title"/>
+          </p:nvPr>
+        </p:nvSpPr>
+        <p:spPr/>
+        <p:txBody>
+          <a:bodyPr/>
+          <a:lstStyle/>
+          <a:p>
+            <a:r>
+              <a:rPr lang="en-US" dirty="0"/>
+              <a:t>z</a:t>
+            </a:r>
+          </a:p>
+        </p:txBody>
+      </p:sp>
+      <p:sp>
+        <p:nvSpPr>
+          <p:cNvPr id="3" name="Content Placeholder 2">
+            <a:extLst>
+              <a:ext uri="{FF2B5EF4-FFF2-40B4-BE49-F238E27FC236}">
+                <a16:creationId xmlns:a16="http://schemas.microsoft.com/office/drawing/2014/main" id="{0E22BF88-8C94-B78A-53EE-148EE63A383A}"/>
+              </a:ext>
+            </a:extLst>
+          </p:cNvPr>
+          <p:cNvSpPr>
+            <a:spLocks noGrp="1"/>
+          </p:cNvSpPr>
+          <p:nvPr>
+            <p:ph idx="1"/>
+          </p:nvPr>
+        </p:nvSpPr>
+        <p:spPr/>
+        <p:txBody>
+          <a:bodyPr/>
+          <a:lstStyle/>
+          <a:p>
+            <a:pPr marL="0" indent="0" algn="ctr">
+              <a:buNone/>
+            </a:pPr>
+            <a:endParaRPr lang="en-US" dirty="0"/>
+          </a:p>
+          <a:p>
+            <a:pPr marL="0" indent="0" algn="ctr">
+              <a:buNone/>
+            </a:pPr>
+            <a:r>
+              <a:rPr lang="en-US" dirty="0">
+                <a:highlight>
+                  <a:srgbClr val="FFFF00"/>
+                </a:highlight>
+              </a:rPr>
+              <a:t>Z</a:t>
+            </a:r>
+            <a:r>
+              <a:rPr lang="en-US" dirty="0"/>
+              <a:t>ero</a:t>
+            </a:r>
+          </a:p>
+          <a:p>
+            <a:pPr marL="0" indent="0" algn="ctr">
+              <a:buNone/>
+            </a:pPr>
+            <a:r>
+              <a:rPr lang="en-US" dirty="0">
+                <a:highlight>
+                  <a:srgbClr val="FFFF00"/>
+                </a:highlight>
+              </a:rPr>
+              <a:t>Z</a:t>
+            </a:r>
+            <a:r>
+              <a:rPr lang="en-US" dirty="0"/>
+              <a:t>oo</a:t>
+            </a:r>
+          </a:p>
+        </p:txBody>
+      </p:sp>
+      <p:sp>
+        <p:nvSpPr>
+          <p:cNvPr id="4" name="Slide Number Placeholder 3">
+            <a:extLst>
+              <a:ext uri="{FF2B5EF4-FFF2-40B4-BE49-F238E27FC236}">
+                <a16:creationId xmlns:a16="http://schemas.microsoft.com/office/drawing/2014/main" id="{2B5F621D-23CB-8B3D-986C-07D24E7B1ACD}"/>
+              </a:ext>
+            </a:extLst>
+          </p:cNvPr>
+          <p:cNvSpPr>
+            <a:spLocks noGrp="1"/>
+          </p:cNvSpPr>
+          <p:nvPr>
+            <p:ph type="sldNum" sz="quarter" idx="12"/>
+          </p:nvPr>
+        </p:nvSpPr>
+        <p:spPr/>
+        <p:txBody>
+          <a:bodyPr/>
+          <a:lstStyle/>
+          <a:p>
+            <a:fld id="{C1FF6DA9-008F-8B48-92A6-B652298478BF}" type="slidenum">
+              <a:rPr lang="en-US" smtClean="0"/>
+              <a:t>81</a:t>
+            </a:fld>
+            <a:endParaRPr lang="en-US"/>
+          </a:p>
+        </p:txBody>
+      </p:sp>
+    </p:spTree>
+    <p:extLst>
+      <p:ext uri="{BB962C8B-B14F-4D97-AF65-F5344CB8AC3E}">
+        <p14:creationId xmlns:p14="http://schemas.microsoft.com/office/powerpoint/2010/main" val="1715084597"/>
+      </p:ext>
+    </p:extLst>
+  </p:cSld>
+  <p:clrMapOvr>
+    <a:masterClrMapping/>
+  </p:clrMapOvr>
+</p:sld>
+</file>
+
+<file path=ppt/slides/slide82.xml><?xml version="1.0" encoding="utf-8"?>
+<p:sld xmlns:a="http://schemas.openxmlformats.org/drawingml/2006/main" xmlns:r="http://schemas.openxmlformats.org/officeDocument/2006/relationships" xmlns:p="http://schemas.openxmlformats.org/presentationml/2006/main">
+  <p:cSld>
+    <p:spTree>
+      <p:nvGrpSpPr>
+        <p:cNvPr id="1" name=""/>
+        <p:cNvGrpSpPr/>
+        <p:nvPr/>
+      </p:nvGrpSpPr>
+      <p:grpSpPr>
+        <a:xfrm>
+          <a:off x="0" y="0"/>
+          <a:ext cx="0" cy="0"/>
+          <a:chOff x="0" y="0"/>
+          <a:chExt cx="0" cy="0"/>
+        </a:xfrm>
+      </p:grpSpPr>
+      <p:sp>
+        <p:nvSpPr>
+          <p:cNvPr id="2" name="Title 1">
+            <a:extLst>
+              <a:ext uri="{FF2B5EF4-FFF2-40B4-BE49-F238E27FC236}">
+                <a16:creationId xmlns:a16="http://schemas.microsoft.com/office/drawing/2014/main" id="{37F805D6-F9D0-0D14-562C-37A8B281B801}"/>
+              </a:ext>
+            </a:extLst>
+          </p:cNvPr>
+          <p:cNvSpPr>
+            <a:spLocks noGrp="1"/>
+          </p:cNvSpPr>
+          <p:nvPr>
+            <p:ph type="title"/>
+          </p:nvPr>
+        </p:nvSpPr>
+        <p:spPr/>
+        <p:txBody>
+          <a:bodyPr/>
+          <a:lstStyle/>
+          <a:p>
+            <a:r>
+              <a:rPr lang="en-US" dirty="0"/>
+              <a:t>ʒ</a:t>
+            </a:r>
+          </a:p>
+        </p:txBody>
+      </p:sp>
+      <p:sp>
+        <p:nvSpPr>
+          <p:cNvPr id="3" name="Content Placeholder 2">
+            <a:extLst>
+              <a:ext uri="{FF2B5EF4-FFF2-40B4-BE49-F238E27FC236}">
+                <a16:creationId xmlns:a16="http://schemas.microsoft.com/office/drawing/2014/main" id="{97D87828-53AD-BC24-906E-078713F73A26}"/>
+              </a:ext>
+            </a:extLst>
+          </p:cNvPr>
+          <p:cNvSpPr>
+            <a:spLocks noGrp="1"/>
+          </p:cNvSpPr>
+          <p:nvPr>
+            <p:ph idx="1"/>
+          </p:nvPr>
+        </p:nvSpPr>
+        <p:spPr/>
+        <p:txBody>
+          <a:bodyPr/>
+          <a:lstStyle/>
+          <a:p>
+            <a:pPr marL="0" indent="0" algn="ctr">
+              <a:buNone/>
+            </a:pPr>
+            <a:endParaRPr lang="en-US" dirty="0"/>
+          </a:p>
+          <a:p>
+            <a:pPr marL="0" indent="0" algn="ctr">
+              <a:buNone/>
+            </a:pPr>
+            <a:r>
+              <a:rPr lang="en-US" dirty="0"/>
+              <a:t>Plea</a:t>
+            </a:r>
+            <a:r>
+              <a:rPr lang="en-US" dirty="0">
+                <a:highlight>
+                  <a:srgbClr val="FFFF00"/>
+                </a:highlight>
+              </a:rPr>
+              <a:t>s</a:t>
+            </a:r>
+            <a:r>
+              <a:rPr lang="en-US" dirty="0"/>
+              <a:t>ure</a:t>
+            </a:r>
+          </a:p>
+          <a:p>
+            <a:pPr marL="0" indent="0" algn="ctr">
+              <a:buNone/>
+            </a:pPr>
+            <a:r>
+              <a:rPr lang="en-US" dirty="0"/>
+              <a:t>Mea</a:t>
+            </a:r>
+            <a:r>
+              <a:rPr lang="en-US" dirty="0">
+                <a:highlight>
+                  <a:srgbClr val="FFFF00"/>
+                </a:highlight>
+              </a:rPr>
+              <a:t>s</a:t>
+            </a:r>
+            <a:r>
+              <a:rPr lang="en-US" dirty="0"/>
+              <a:t>ure</a:t>
+            </a:r>
+          </a:p>
+        </p:txBody>
+      </p:sp>
+      <p:sp>
+        <p:nvSpPr>
+          <p:cNvPr id="4" name="Slide Number Placeholder 3">
+            <a:extLst>
+              <a:ext uri="{FF2B5EF4-FFF2-40B4-BE49-F238E27FC236}">
+                <a16:creationId xmlns:a16="http://schemas.microsoft.com/office/drawing/2014/main" id="{CC6A28D4-F209-36AF-4AD8-9ADCE987A417}"/>
+              </a:ext>
+            </a:extLst>
+          </p:cNvPr>
+          <p:cNvSpPr>
+            <a:spLocks noGrp="1"/>
+          </p:cNvSpPr>
+          <p:nvPr>
+            <p:ph type="sldNum" sz="quarter" idx="12"/>
+          </p:nvPr>
+        </p:nvSpPr>
+        <p:spPr/>
+        <p:txBody>
+          <a:bodyPr/>
+          <a:lstStyle/>
+          <a:p>
+            <a:fld id="{C1FF6DA9-008F-8B48-92A6-B652298478BF}" type="slidenum">
+              <a:rPr lang="en-US" smtClean="0"/>
+              <a:t>82</a:t>
+            </a:fld>
+            <a:endParaRPr lang="en-US"/>
+          </a:p>
+        </p:txBody>
+      </p:sp>
+    </p:spTree>
+    <p:extLst>
+      <p:ext uri="{BB962C8B-B14F-4D97-AF65-F5344CB8AC3E}">
+        <p14:creationId xmlns:p14="http://schemas.microsoft.com/office/powerpoint/2010/main" val="1260561371"/>
+      </p:ext>
+    </p:extLst>
+  </p:cSld>
+  <p:clrMapOvr>
+    <a:masterClrMapping/>
+  </p:clrMapOvr>
+</p:sld>
+</file>
+
+<file path=ppt/slides/slide83.xml><?xml version="1.0" encoding="utf-8"?>
+<p:sld xmlns:a="http://schemas.openxmlformats.org/drawingml/2006/main" xmlns:r="http://schemas.openxmlformats.org/officeDocument/2006/relationships" xmlns:p="http://schemas.openxmlformats.org/presentationml/2006/main">
+  <p:cSld>
+    <p:spTree>
+      <p:nvGrpSpPr>
+        <p:cNvPr id="1" name=""/>
+        <p:cNvGrpSpPr/>
+        <p:nvPr/>
+      </p:nvGrpSpPr>
+      <p:grpSpPr>
+        <a:xfrm>
+          <a:off x="0" y="0"/>
+          <a:ext cx="0" cy="0"/>
+          <a:chOff x="0" y="0"/>
+          <a:chExt cx="0" cy="0"/>
+        </a:xfrm>
+      </p:grpSpPr>
+      <p:sp>
+        <p:nvSpPr>
+          <p:cNvPr id="2" name="Title 1">
+            <a:extLst>
+              <a:ext uri="{FF2B5EF4-FFF2-40B4-BE49-F238E27FC236}">
+                <a16:creationId xmlns:a16="http://schemas.microsoft.com/office/drawing/2014/main" id="{89891285-AC79-593C-9143-BA53B3BFE8DF}"/>
+              </a:ext>
+            </a:extLst>
+          </p:cNvPr>
+          <p:cNvSpPr>
+            <a:spLocks noGrp="1"/>
+          </p:cNvSpPr>
+          <p:nvPr>
+            <p:ph type="title"/>
+          </p:nvPr>
+        </p:nvSpPr>
+        <p:spPr/>
+        <p:txBody>
+          <a:bodyPr/>
+          <a:lstStyle/>
+          <a:p>
+            <a:r>
+              <a:rPr lang="en-US" dirty="0"/>
+              <a:t>ɡ</a:t>
+            </a:r>
+          </a:p>
+        </p:txBody>
+      </p:sp>
+      <p:sp>
+        <p:nvSpPr>
+          <p:cNvPr id="3" name="Content Placeholder 2">
+            <a:extLst>
+              <a:ext uri="{FF2B5EF4-FFF2-40B4-BE49-F238E27FC236}">
+                <a16:creationId xmlns:a16="http://schemas.microsoft.com/office/drawing/2014/main" id="{5CAC12A5-B3BF-EB51-F68B-23FF4A4ED3D9}"/>
+              </a:ext>
+            </a:extLst>
+          </p:cNvPr>
+          <p:cNvSpPr>
+            <a:spLocks noGrp="1"/>
+          </p:cNvSpPr>
+          <p:nvPr>
+            <p:ph idx="1"/>
+          </p:nvPr>
+        </p:nvSpPr>
+        <p:spPr/>
+        <p:txBody>
+          <a:bodyPr/>
+          <a:lstStyle/>
+          <a:p>
+            <a:pPr marL="0" indent="0" algn="ctr">
+              <a:buNone/>
+            </a:pPr>
+            <a:endParaRPr lang="en-US" dirty="0"/>
+          </a:p>
+          <a:p>
+            <a:pPr marL="0" indent="0" algn="ctr">
+              <a:buNone/>
+            </a:pPr>
+            <a:r>
+              <a:rPr lang="en-US" dirty="0">
+                <a:highlight>
+                  <a:srgbClr val="FFFF00"/>
+                </a:highlight>
+              </a:rPr>
+              <a:t>G</a:t>
+            </a:r>
+            <a:r>
+              <a:rPr lang="en-US" dirty="0"/>
+              <a:t>old</a:t>
+            </a:r>
+          </a:p>
+          <a:p>
+            <a:pPr marL="0" indent="0" algn="ctr">
+              <a:buNone/>
+            </a:pPr>
+            <a:r>
+              <a:rPr lang="en-US" dirty="0"/>
+              <a:t>Ba</a:t>
+            </a:r>
+            <a:r>
+              <a:rPr lang="en-US" dirty="0">
+                <a:highlight>
+                  <a:srgbClr val="FFFF00"/>
+                </a:highlight>
+              </a:rPr>
+              <a:t>g</a:t>
+            </a:r>
+          </a:p>
+        </p:txBody>
+      </p:sp>
+      <p:sp>
+        <p:nvSpPr>
+          <p:cNvPr id="4" name="Slide Number Placeholder 3">
+            <a:extLst>
+              <a:ext uri="{FF2B5EF4-FFF2-40B4-BE49-F238E27FC236}">
+                <a16:creationId xmlns:a16="http://schemas.microsoft.com/office/drawing/2014/main" id="{D05A77AC-E6F4-F88E-7888-6B749DE04A9A}"/>
+              </a:ext>
+            </a:extLst>
+          </p:cNvPr>
+          <p:cNvSpPr>
+            <a:spLocks noGrp="1"/>
+          </p:cNvSpPr>
+          <p:nvPr>
+            <p:ph type="sldNum" sz="quarter" idx="12"/>
+          </p:nvPr>
+        </p:nvSpPr>
+        <p:spPr/>
+        <p:txBody>
+          <a:bodyPr/>
+          <a:lstStyle/>
+          <a:p>
+            <a:fld id="{C1FF6DA9-008F-8B48-92A6-B652298478BF}" type="slidenum">
+              <a:rPr lang="en-US" smtClean="0"/>
+              <a:t>83</a:t>
+            </a:fld>
+            <a:endParaRPr lang="en-US"/>
+          </a:p>
+        </p:txBody>
+      </p:sp>
+    </p:spTree>
+    <p:extLst>
+      <p:ext uri="{BB962C8B-B14F-4D97-AF65-F5344CB8AC3E}">
+        <p14:creationId xmlns:p14="http://schemas.microsoft.com/office/powerpoint/2010/main" val="56934875"/>
+      </p:ext>
+    </p:extLst>
+  </p:cSld>
+  <p:clrMapOvr>
+    <a:masterClrMapping/>
+  </p:clrMapOvr>
+</p:sld>
+</file>
+
+<file path=ppt/slides/slide84.xml><?xml version="1.0" encoding="utf-8"?>
+<p:sld xmlns:a="http://schemas.openxmlformats.org/drawingml/2006/main" xmlns:r="http://schemas.openxmlformats.org/officeDocument/2006/relationships" xmlns:p="http://schemas.openxmlformats.org/presentationml/2006/main">
+  <p:cSld>
+    <p:spTree>
+      <p:nvGrpSpPr>
+        <p:cNvPr id="1" name=""/>
+        <p:cNvGrpSpPr/>
+        <p:nvPr/>
+      </p:nvGrpSpPr>
+      <p:grpSpPr>
+        <a:xfrm>
+          <a:off x="0" y="0"/>
+          <a:ext cx="0" cy="0"/>
+          <a:chOff x="0" y="0"/>
+          <a:chExt cx="0" cy="0"/>
+        </a:xfrm>
+      </p:grpSpPr>
+      <p:sp>
+        <p:nvSpPr>
+          <p:cNvPr id="2" name="Title 1">
+            <a:extLst>
+              <a:ext uri="{FF2B5EF4-FFF2-40B4-BE49-F238E27FC236}">
+                <a16:creationId xmlns:a16="http://schemas.microsoft.com/office/drawing/2014/main" id="{A23AD55E-E9AA-2911-66F3-FDAC81BB791D}"/>
+              </a:ext>
+            </a:extLst>
+          </p:cNvPr>
+          <p:cNvSpPr>
+            <a:spLocks noGrp="1"/>
+          </p:cNvSpPr>
+          <p:nvPr>
+            <p:ph type="title"/>
+          </p:nvPr>
+        </p:nvSpPr>
+        <p:spPr/>
+        <p:txBody>
+          <a:bodyPr/>
+          <a:lstStyle/>
+          <a:p>
+            <a:r>
+              <a:rPr lang="en-US" dirty="0"/>
+              <a:t>h</a:t>
+            </a:r>
+          </a:p>
+        </p:txBody>
+      </p:sp>
+      <p:sp>
+        <p:nvSpPr>
+          <p:cNvPr id="3" name="Content Placeholder 2">
+            <a:extLst>
+              <a:ext uri="{FF2B5EF4-FFF2-40B4-BE49-F238E27FC236}">
+                <a16:creationId xmlns:a16="http://schemas.microsoft.com/office/drawing/2014/main" id="{61C07A21-B032-8CD8-C3B9-D7FF122BFB59}"/>
+              </a:ext>
+            </a:extLst>
+          </p:cNvPr>
+          <p:cNvSpPr>
+            <a:spLocks noGrp="1"/>
+          </p:cNvSpPr>
+          <p:nvPr>
+            <p:ph idx="1"/>
+          </p:nvPr>
+        </p:nvSpPr>
+        <p:spPr/>
+        <p:txBody>
+          <a:bodyPr/>
+          <a:lstStyle/>
+          <a:p>
+            <a:pPr marL="0" indent="0" algn="ctr">
+              <a:buNone/>
+            </a:pPr>
+            <a:endParaRPr lang="en-US" dirty="0"/>
+          </a:p>
+          <a:p>
+            <a:pPr marL="0" indent="0" algn="ctr">
+              <a:buNone/>
+            </a:pPr>
+            <a:r>
+              <a:rPr lang="en-US" dirty="0">
+                <a:highlight>
+                  <a:srgbClr val="FFFF00"/>
+                </a:highlight>
+              </a:rPr>
+              <a:t>H</a:t>
+            </a:r>
+            <a:r>
+              <a:rPr lang="en-US" dirty="0"/>
+              <a:t>is</a:t>
+            </a:r>
+          </a:p>
+          <a:p>
+            <a:pPr marL="0" indent="0" algn="ctr">
+              <a:buNone/>
+            </a:pPr>
+            <a:r>
+              <a:rPr lang="en-US" dirty="0">
+                <a:highlight>
+                  <a:srgbClr val="FFFF00"/>
+                </a:highlight>
+              </a:rPr>
+              <a:t>H</a:t>
+            </a:r>
+            <a:r>
+              <a:rPr lang="en-US" dirty="0"/>
+              <a:t>ere</a:t>
+            </a:r>
+          </a:p>
+        </p:txBody>
+      </p:sp>
+      <p:sp>
+        <p:nvSpPr>
+          <p:cNvPr id="4" name="Slide Number Placeholder 3">
+            <a:extLst>
+              <a:ext uri="{FF2B5EF4-FFF2-40B4-BE49-F238E27FC236}">
+                <a16:creationId xmlns:a16="http://schemas.microsoft.com/office/drawing/2014/main" id="{183E07CC-C7A5-679A-3328-DA5C77ABC85D}"/>
+              </a:ext>
+            </a:extLst>
+          </p:cNvPr>
+          <p:cNvSpPr>
+            <a:spLocks noGrp="1"/>
+          </p:cNvSpPr>
+          <p:nvPr>
+            <p:ph type="sldNum" sz="quarter" idx="12"/>
+          </p:nvPr>
+        </p:nvSpPr>
+        <p:spPr/>
+        <p:txBody>
+          <a:bodyPr/>
+          <a:lstStyle/>
+          <a:p>
+            <a:fld id="{C1FF6DA9-008F-8B48-92A6-B652298478BF}" type="slidenum">
+              <a:rPr lang="en-US" smtClean="0"/>
+              <a:t>84</a:t>
+            </a:fld>
+            <a:endParaRPr lang="en-US"/>
+          </a:p>
+        </p:txBody>
+      </p:sp>
+    </p:spTree>
+    <p:extLst>
+      <p:ext uri="{BB962C8B-B14F-4D97-AF65-F5344CB8AC3E}">
+        <p14:creationId xmlns:p14="http://schemas.microsoft.com/office/powerpoint/2010/main" val="2120409770"/>
+      </p:ext>
+    </p:extLst>
+  </p:cSld>
+  <p:clrMapOvr>
+    <a:masterClrMapping/>
+  </p:clrMapOvr>
+</p:sld>
+</file>
+
+<file path=ppt/slides/slide85.xml><?xml version="1.0" encoding="utf-8"?>
+<p:sld xmlns:a="http://schemas.openxmlformats.org/drawingml/2006/main" xmlns:r="http://schemas.openxmlformats.org/officeDocument/2006/relationships" xmlns:p="http://schemas.openxmlformats.org/presentationml/2006/main">
+  <p:cSld>
+    <p:spTree>
+      <p:nvGrpSpPr>
+        <p:cNvPr id="1" name=""/>
+        <p:cNvGrpSpPr/>
+        <p:nvPr/>
+      </p:nvGrpSpPr>
+      <p:grpSpPr>
+        <a:xfrm>
+          <a:off x="0" y="0"/>
+          <a:ext cx="0" cy="0"/>
+          <a:chOff x="0" y="0"/>
+          <a:chExt cx="0" cy="0"/>
+        </a:xfrm>
+      </p:grpSpPr>
+      <p:sp>
+        <p:nvSpPr>
+          <p:cNvPr id="2" name="Title 1">
+            <a:extLst>
+              <a:ext uri="{FF2B5EF4-FFF2-40B4-BE49-F238E27FC236}">
+                <a16:creationId xmlns:a16="http://schemas.microsoft.com/office/drawing/2014/main" id="{8041BFA5-39E8-D2FA-87D2-3E37CE26971B}"/>
+              </a:ext>
+            </a:extLst>
+          </p:cNvPr>
+          <p:cNvSpPr>
+            <a:spLocks noGrp="1"/>
+          </p:cNvSpPr>
+          <p:nvPr>
+            <p:ph type="title"/>
+          </p:nvPr>
+        </p:nvSpPr>
+        <p:spPr/>
+        <p:txBody>
+          <a:bodyPr/>
+          <a:lstStyle/>
+          <a:p>
+            <a:r>
+              <a:rPr lang="en-US" dirty="0"/>
+              <a:t>m</a:t>
+            </a:r>
+          </a:p>
+        </p:txBody>
+      </p:sp>
+      <p:sp>
+        <p:nvSpPr>
+          <p:cNvPr id="3" name="Content Placeholder 2">
+            <a:extLst>
+              <a:ext uri="{FF2B5EF4-FFF2-40B4-BE49-F238E27FC236}">
+                <a16:creationId xmlns:a16="http://schemas.microsoft.com/office/drawing/2014/main" id="{A5BD44FF-BF40-D9C6-ED0E-3F6A0DB2B3A4}"/>
+              </a:ext>
+            </a:extLst>
+          </p:cNvPr>
+          <p:cNvSpPr>
+            <a:spLocks noGrp="1"/>
+          </p:cNvSpPr>
+          <p:nvPr>
+            <p:ph idx="1"/>
+          </p:nvPr>
+        </p:nvSpPr>
+        <p:spPr/>
+        <p:txBody>
+          <a:bodyPr/>
+          <a:lstStyle/>
+          <a:p>
+            <a:pPr marL="0" indent="0" algn="ctr">
+              <a:buNone/>
+            </a:pPr>
+            <a:endParaRPr lang="en-US" dirty="0"/>
+          </a:p>
+          <a:p>
+            <a:pPr marL="0" indent="0" algn="ctr">
+              <a:buNone/>
+            </a:pPr>
+            <a:r>
+              <a:rPr lang="en-US" dirty="0">
+                <a:highlight>
+                  <a:srgbClr val="FFFF00"/>
+                </a:highlight>
+              </a:rPr>
+              <a:t>M</a:t>
+            </a:r>
+            <a:r>
+              <a:rPr lang="en-US" dirty="0"/>
+              <a:t>an</a:t>
+            </a:r>
+          </a:p>
+          <a:p>
+            <a:pPr marL="0" indent="0" algn="ctr">
+              <a:buNone/>
+            </a:pPr>
+            <a:r>
+              <a:rPr lang="en-US" dirty="0"/>
+              <a:t>Swi</a:t>
+            </a:r>
+            <a:r>
+              <a:rPr lang="en-US" dirty="0">
+                <a:highlight>
+                  <a:srgbClr val="FFFF00"/>
+                </a:highlight>
+              </a:rPr>
+              <a:t>m</a:t>
+            </a:r>
+          </a:p>
+        </p:txBody>
+      </p:sp>
+      <p:sp>
+        <p:nvSpPr>
+          <p:cNvPr id="4" name="Slide Number Placeholder 3">
+            <a:extLst>
+              <a:ext uri="{FF2B5EF4-FFF2-40B4-BE49-F238E27FC236}">
+                <a16:creationId xmlns:a16="http://schemas.microsoft.com/office/drawing/2014/main" id="{00E5F0D6-2437-991C-F7BA-9550A81BDF23}"/>
+              </a:ext>
+            </a:extLst>
+          </p:cNvPr>
+          <p:cNvSpPr>
+            <a:spLocks noGrp="1"/>
+          </p:cNvSpPr>
+          <p:nvPr>
+            <p:ph type="sldNum" sz="quarter" idx="12"/>
+          </p:nvPr>
+        </p:nvSpPr>
+        <p:spPr/>
+        <p:txBody>
+          <a:bodyPr/>
+          <a:lstStyle/>
+          <a:p>
+            <a:fld id="{C1FF6DA9-008F-8B48-92A6-B652298478BF}" type="slidenum">
+              <a:rPr lang="en-US" smtClean="0"/>
+              <a:t>85</a:t>
+            </a:fld>
+            <a:endParaRPr lang="en-US"/>
+          </a:p>
+        </p:txBody>
+      </p:sp>
+    </p:spTree>
+    <p:extLst>
+      <p:ext uri="{BB962C8B-B14F-4D97-AF65-F5344CB8AC3E}">
+        <p14:creationId xmlns:p14="http://schemas.microsoft.com/office/powerpoint/2010/main" val="3686748527"/>
+      </p:ext>
+    </p:extLst>
+  </p:cSld>
+  <p:clrMapOvr>
+    <a:masterClrMapping/>
+  </p:clrMapOvr>
+</p:sld>
+</file>
+
+<file path=ppt/slides/slide86.xml><?xml version="1.0" encoding="utf-8"?>
+<p:sld xmlns:a="http://schemas.openxmlformats.org/drawingml/2006/main" xmlns:r="http://schemas.openxmlformats.org/officeDocument/2006/relationships" xmlns:p="http://schemas.openxmlformats.org/presentationml/2006/main">
+  <p:cSld>
+    <p:spTree>
+      <p:nvGrpSpPr>
+        <p:cNvPr id="1" name=""/>
+        <p:cNvGrpSpPr/>
+        <p:nvPr/>
+      </p:nvGrpSpPr>
+      <p:grpSpPr>
+        <a:xfrm>
+          <a:off x="0" y="0"/>
+          <a:ext cx="0" cy="0"/>
+          <a:chOff x="0" y="0"/>
+          <a:chExt cx="0" cy="0"/>
+        </a:xfrm>
+      </p:grpSpPr>
+      <p:sp>
+        <p:nvSpPr>
+          <p:cNvPr id="2" name="Title 1">
+            <a:extLst>
+              <a:ext uri="{FF2B5EF4-FFF2-40B4-BE49-F238E27FC236}">
+                <a16:creationId xmlns:a16="http://schemas.microsoft.com/office/drawing/2014/main" id="{9A8AC62D-52DF-6C38-8E43-1BF3497E8451}"/>
+              </a:ext>
+            </a:extLst>
+          </p:cNvPr>
+          <p:cNvSpPr>
+            <a:spLocks noGrp="1"/>
+          </p:cNvSpPr>
+          <p:nvPr>
+            <p:ph type="title"/>
+          </p:nvPr>
+        </p:nvSpPr>
+        <p:spPr/>
+        <p:txBody>
+          <a:bodyPr/>
+          <a:lstStyle/>
+          <a:p>
+            <a:r>
+              <a:rPr lang="en-US" dirty="0"/>
+              <a:t>n</a:t>
+            </a:r>
+          </a:p>
+        </p:txBody>
+      </p:sp>
+      <p:sp>
+        <p:nvSpPr>
+          <p:cNvPr id="3" name="Content Placeholder 2">
+            <a:extLst>
+              <a:ext uri="{FF2B5EF4-FFF2-40B4-BE49-F238E27FC236}">
+                <a16:creationId xmlns:a16="http://schemas.microsoft.com/office/drawing/2014/main" id="{B6804743-F453-8E60-6D12-3B13556F5F6E}"/>
+              </a:ext>
+            </a:extLst>
+          </p:cNvPr>
+          <p:cNvSpPr>
+            <a:spLocks noGrp="1"/>
+          </p:cNvSpPr>
+          <p:nvPr>
+            <p:ph idx="1"/>
+          </p:nvPr>
+        </p:nvSpPr>
+        <p:spPr/>
+        <p:txBody>
+          <a:bodyPr/>
+          <a:lstStyle/>
+          <a:p>
+            <a:pPr marL="0" indent="0" algn="ctr">
+              <a:buNone/>
+            </a:pPr>
+            <a:endParaRPr lang="en-US" dirty="0"/>
+          </a:p>
+          <a:p>
+            <a:pPr marL="0" indent="0" algn="ctr">
+              <a:buNone/>
+            </a:pPr>
+            <a:r>
+              <a:rPr lang="en-US" dirty="0">
+                <a:highlight>
+                  <a:srgbClr val="FFFF00"/>
+                </a:highlight>
+              </a:rPr>
+              <a:t>N</a:t>
+            </a:r>
+            <a:r>
+              <a:rPr lang="en-US" dirty="0"/>
+              <a:t>ame</a:t>
+            </a:r>
+          </a:p>
+          <a:p>
+            <a:pPr marL="0" indent="0" algn="ctr">
+              <a:buNone/>
+            </a:pPr>
+            <a:r>
+              <a:rPr lang="en-US" dirty="0"/>
+              <a:t>Fi</a:t>
+            </a:r>
+            <a:r>
+              <a:rPr lang="en-US" dirty="0">
+                <a:highlight>
+                  <a:srgbClr val="FFFF00"/>
+                </a:highlight>
+              </a:rPr>
+              <a:t>n</a:t>
+            </a:r>
+            <a:r>
+              <a:rPr lang="en-US" dirty="0"/>
+              <a:t>ish</a:t>
+            </a:r>
+          </a:p>
+        </p:txBody>
+      </p:sp>
+      <p:sp>
+        <p:nvSpPr>
+          <p:cNvPr id="4" name="Slide Number Placeholder 3">
+            <a:extLst>
+              <a:ext uri="{FF2B5EF4-FFF2-40B4-BE49-F238E27FC236}">
+                <a16:creationId xmlns:a16="http://schemas.microsoft.com/office/drawing/2014/main" id="{9C37CC22-B2FC-07CE-3CA2-0AA51C5D8D24}"/>
+              </a:ext>
+            </a:extLst>
+          </p:cNvPr>
+          <p:cNvSpPr>
+            <a:spLocks noGrp="1"/>
+          </p:cNvSpPr>
+          <p:nvPr>
+            <p:ph type="sldNum" sz="quarter" idx="12"/>
+          </p:nvPr>
+        </p:nvSpPr>
+        <p:spPr/>
+        <p:txBody>
+          <a:bodyPr/>
+          <a:lstStyle/>
+          <a:p>
+            <a:fld id="{C1FF6DA9-008F-8B48-92A6-B652298478BF}" type="slidenum">
+              <a:rPr lang="en-US" smtClean="0"/>
+              <a:t>86</a:t>
+            </a:fld>
+            <a:endParaRPr lang="en-US"/>
+          </a:p>
+        </p:txBody>
+      </p:sp>
+    </p:spTree>
+    <p:extLst>
+      <p:ext uri="{BB962C8B-B14F-4D97-AF65-F5344CB8AC3E}">
+        <p14:creationId xmlns:p14="http://schemas.microsoft.com/office/powerpoint/2010/main" val="3953645612"/>
+      </p:ext>
+    </p:extLst>
+  </p:cSld>
+  <p:clrMapOvr>
+    <a:masterClrMapping/>
+  </p:clrMapOvr>
+</p:sld>
+</file>
+
+<file path=ppt/slides/slide87.xml><?xml version="1.0" encoding="utf-8"?>
+<p:sld xmlns:a="http://schemas.openxmlformats.org/drawingml/2006/main" xmlns:r="http://schemas.openxmlformats.org/officeDocument/2006/relationships" xmlns:p="http://schemas.openxmlformats.org/presentationml/2006/main">
+  <p:cSld>
+    <p:spTree>
+      <p:nvGrpSpPr>
+        <p:cNvPr id="1" name=""/>
+        <p:cNvGrpSpPr/>
+        <p:nvPr/>
+      </p:nvGrpSpPr>
+      <p:grpSpPr>
+        <a:xfrm>
+          <a:off x="0" y="0"/>
+          <a:ext cx="0" cy="0"/>
+          <a:chOff x="0" y="0"/>
+          <a:chExt cx="0" cy="0"/>
+        </a:xfrm>
+      </p:grpSpPr>
+      <p:sp>
+        <p:nvSpPr>
+          <p:cNvPr id="2" name="Title 1">
+            <a:extLst>
+              <a:ext uri="{FF2B5EF4-FFF2-40B4-BE49-F238E27FC236}">
+                <a16:creationId xmlns:a16="http://schemas.microsoft.com/office/drawing/2014/main" id="{646CA284-82E8-AD96-FE43-75BF1AEB11F4}"/>
+              </a:ext>
+            </a:extLst>
+          </p:cNvPr>
+          <p:cNvSpPr>
+            <a:spLocks noGrp="1"/>
+          </p:cNvSpPr>
+          <p:nvPr>
+            <p:ph type="title"/>
+          </p:nvPr>
+        </p:nvSpPr>
+        <p:spPr/>
+        <p:txBody>
+          <a:bodyPr/>
+          <a:lstStyle/>
+          <a:p>
+            <a:r>
+              <a:rPr lang="en-US" dirty="0"/>
+              <a:t>ŋ</a:t>
+            </a:r>
+          </a:p>
+        </p:txBody>
+      </p:sp>
+      <p:sp>
+        <p:nvSpPr>
+          <p:cNvPr id="3" name="Content Placeholder 2">
+            <a:extLst>
+              <a:ext uri="{FF2B5EF4-FFF2-40B4-BE49-F238E27FC236}">
+                <a16:creationId xmlns:a16="http://schemas.microsoft.com/office/drawing/2014/main" id="{5A518590-A304-F7A5-AF9F-6238C3B35A2C}"/>
+              </a:ext>
+            </a:extLst>
+          </p:cNvPr>
+          <p:cNvSpPr>
+            <a:spLocks noGrp="1"/>
+          </p:cNvSpPr>
+          <p:nvPr>
+            <p:ph idx="1"/>
+          </p:nvPr>
+        </p:nvSpPr>
+        <p:spPr/>
+        <p:txBody>
+          <a:bodyPr/>
+          <a:lstStyle/>
+          <a:p>
+            <a:pPr marL="0" indent="0" algn="ctr">
+              <a:buNone/>
+            </a:pPr>
+            <a:endParaRPr lang="en-US" dirty="0"/>
+          </a:p>
+          <a:p>
+            <a:pPr marL="0" indent="0" algn="ctr">
+              <a:buNone/>
+            </a:pPr>
+            <a:r>
+              <a:rPr lang="en-US" dirty="0"/>
+              <a:t>Si</a:t>
+            </a:r>
+            <a:r>
+              <a:rPr lang="en-US" dirty="0">
+                <a:highlight>
+                  <a:srgbClr val="FFFF00"/>
+                </a:highlight>
+              </a:rPr>
+              <a:t>ng</a:t>
+            </a:r>
+          </a:p>
+          <a:p>
+            <a:pPr marL="0" indent="0" algn="ctr">
+              <a:buNone/>
+            </a:pPr>
+            <a:r>
+              <a:rPr lang="en-US" dirty="0"/>
+              <a:t>Thi</a:t>
+            </a:r>
+            <a:r>
+              <a:rPr lang="en-US" dirty="0">
+                <a:highlight>
+                  <a:srgbClr val="FFFF00"/>
+                </a:highlight>
+              </a:rPr>
+              <a:t>ng</a:t>
+            </a:r>
+          </a:p>
+        </p:txBody>
+      </p:sp>
+      <p:sp>
+        <p:nvSpPr>
+          <p:cNvPr id="4" name="Slide Number Placeholder 3">
+            <a:extLst>
+              <a:ext uri="{FF2B5EF4-FFF2-40B4-BE49-F238E27FC236}">
+                <a16:creationId xmlns:a16="http://schemas.microsoft.com/office/drawing/2014/main" id="{CBC86C01-04AD-8CD0-96C2-0147DB391565}"/>
+              </a:ext>
+            </a:extLst>
+          </p:cNvPr>
+          <p:cNvSpPr>
+            <a:spLocks noGrp="1"/>
+          </p:cNvSpPr>
+          <p:nvPr>
+            <p:ph type="sldNum" sz="quarter" idx="12"/>
+          </p:nvPr>
+        </p:nvSpPr>
+        <p:spPr/>
+        <p:txBody>
+          <a:bodyPr/>
+          <a:lstStyle/>
+          <a:p>
+            <a:fld id="{C1FF6DA9-008F-8B48-92A6-B652298478BF}" type="slidenum">
+              <a:rPr lang="en-US" smtClean="0"/>
+              <a:t>87</a:t>
+            </a:fld>
+            <a:endParaRPr lang="en-US"/>
+          </a:p>
+        </p:txBody>
+      </p:sp>
+    </p:spTree>
+    <p:extLst>
+      <p:ext uri="{BB962C8B-B14F-4D97-AF65-F5344CB8AC3E}">
+        <p14:creationId xmlns:p14="http://schemas.microsoft.com/office/powerpoint/2010/main" val="2028164698"/>
+      </p:ext>
+    </p:extLst>
+  </p:cSld>
+  <p:clrMapOvr>
+    <a:masterClrMapping/>
+  </p:clrMapOvr>
+</p:sld>
+</file>
+
+<file path=ppt/slides/slide88.xml><?xml version="1.0" encoding="utf-8"?>
+<p:sld xmlns:a="http://schemas.openxmlformats.org/drawingml/2006/main" xmlns:r="http://schemas.openxmlformats.org/officeDocument/2006/relationships" xmlns:p="http://schemas.openxmlformats.org/presentationml/2006/main">
+  <p:cSld>
+    <p:spTree>
+      <p:nvGrpSpPr>
+        <p:cNvPr id="1" name=""/>
+        <p:cNvGrpSpPr/>
+        <p:nvPr/>
+      </p:nvGrpSpPr>
+      <p:grpSpPr>
+        <a:xfrm>
+          <a:off x="0" y="0"/>
+          <a:ext cx="0" cy="0"/>
+          <a:chOff x="0" y="0"/>
+          <a:chExt cx="0" cy="0"/>
+        </a:xfrm>
+      </p:grpSpPr>
+      <p:sp>
+        <p:nvSpPr>
+          <p:cNvPr id="2" name="Title 1">
+            <a:extLst>
+              <a:ext uri="{FF2B5EF4-FFF2-40B4-BE49-F238E27FC236}">
+                <a16:creationId xmlns:a16="http://schemas.microsoft.com/office/drawing/2014/main" id="{167FE785-D6F3-7182-84D5-109AFFE898BE}"/>
+              </a:ext>
+            </a:extLst>
+          </p:cNvPr>
+          <p:cNvSpPr>
+            <a:spLocks noGrp="1"/>
+          </p:cNvSpPr>
+          <p:nvPr>
+            <p:ph type="title"/>
+          </p:nvPr>
+        </p:nvSpPr>
+        <p:spPr/>
+        <p:txBody>
+          <a:bodyPr/>
+          <a:lstStyle/>
+          <a:p>
+            <a:r>
+              <a:rPr lang="en-US" dirty="0"/>
+              <a:t>r</a:t>
+            </a:r>
+          </a:p>
+        </p:txBody>
+      </p:sp>
+      <p:sp>
+        <p:nvSpPr>
+          <p:cNvPr id="3" name="Content Placeholder 2">
+            <a:extLst>
+              <a:ext uri="{FF2B5EF4-FFF2-40B4-BE49-F238E27FC236}">
+                <a16:creationId xmlns:a16="http://schemas.microsoft.com/office/drawing/2014/main" id="{E30331A5-5F98-4114-96F3-F82767138C03}"/>
+              </a:ext>
+            </a:extLst>
+          </p:cNvPr>
+          <p:cNvSpPr>
+            <a:spLocks noGrp="1"/>
+          </p:cNvSpPr>
+          <p:nvPr>
+            <p:ph idx="1"/>
+          </p:nvPr>
+        </p:nvSpPr>
+        <p:spPr/>
+        <p:txBody>
+          <a:bodyPr/>
+          <a:lstStyle/>
+          <a:p>
+            <a:pPr marL="0" indent="0" algn="ctr">
+              <a:buNone/>
+            </a:pPr>
+            <a:endParaRPr lang="en-US" dirty="0"/>
+          </a:p>
+          <a:p>
+            <a:pPr marL="0" indent="0" algn="ctr">
+              <a:buNone/>
+            </a:pPr>
+            <a:r>
+              <a:rPr lang="en-US" dirty="0">
+                <a:highlight>
+                  <a:srgbClr val="FFFF00"/>
+                </a:highlight>
+              </a:rPr>
+              <a:t>R</a:t>
+            </a:r>
+            <a:r>
+              <a:rPr lang="en-US" dirty="0"/>
+              <a:t>ed</a:t>
+            </a:r>
+          </a:p>
+          <a:p>
+            <a:pPr marL="0" indent="0" algn="ctr">
+              <a:buNone/>
+            </a:pPr>
+            <a:r>
+              <a:rPr lang="en-US" dirty="0"/>
+              <a:t>Ve</a:t>
+            </a:r>
+            <a:r>
+              <a:rPr lang="en-US" dirty="0">
+                <a:highlight>
+                  <a:srgbClr val="FFFF00"/>
+                </a:highlight>
+              </a:rPr>
+              <a:t>r</a:t>
+            </a:r>
+            <a:r>
+              <a:rPr lang="en-US" dirty="0"/>
+              <a:t>y</a:t>
+            </a:r>
+          </a:p>
+        </p:txBody>
+      </p:sp>
+      <p:sp>
+        <p:nvSpPr>
+          <p:cNvPr id="4" name="Slide Number Placeholder 3">
+            <a:extLst>
+              <a:ext uri="{FF2B5EF4-FFF2-40B4-BE49-F238E27FC236}">
+                <a16:creationId xmlns:a16="http://schemas.microsoft.com/office/drawing/2014/main" id="{2A1C283A-0DF4-FF03-FD34-98ACA87CA8A6}"/>
+              </a:ext>
+            </a:extLst>
+          </p:cNvPr>
+          <p:cNvSpPr>
+            <a:spLocks noGrp="1"/>
+          </p:cNvSpPr>
+          <p:nvPr>
+            <p:ph type="sldNum" sz="quarter" idx="12"/>
+          </p:nvPr>
+        </p:nvSpPr>
+        <p:spPr/>
+        <p:txBody>
+          <a:bodyPr/>
+          <a:lstStyle/>
+          <a:p>
+            <a:fld id="{C1FF6DA9-008F-8B48-92A6-B652298478BF}" type="slidenum">
+              <a:rPr lang="en-US" smtClean="0"/>
+              <a:t>88</a:t>
+            </a:fld>
+            <a:endParaRPr lang="en-US"/>
+          </a:p>
+        </p:txBody>
+      </p:sp>
+    </p:spTree>
+    <p:extLst>
+      <p:ext uri="{BB962C8B-B14F-4D97-AF65-F5344CB8AC3E}">
+        <p14:creationId xmlns:p14="http://schemas.microsoft.com/office/powerpoint/2010/main" val="173753700"/>
+      </p:ext>
+    </p:extLst>
+  </p:cSld>
+  <p:clrMapOvr>
+    <a:masterClrMapping/>
+  </p:clrMapOvr>
+</p:sld>
+</file>
+
+<file path=ppt/slides/slide89.xml><?xml version="1.0" encoding="utf-8"?>
+<p:sld xmlns:a="http://schemas.openxmlformats.org/drawingml/2006/main" xmlns:r="http://schemas.openxmlformats.org/officeDocument/2006/relationships" xmlns:p="http://schemas.openxmlformats.org/presentationml/2006/main">
+  <p:cSld>
+    <p:spTree>
+      <p:nvGrpSpPr>
+        <p:cNvPr id="1" name=""/>
+        <p:cNvGrpSpPr/>
+        <p:nvPr/>
+      </p:nvGrpSpPr>
+      <p:grpSpPr>
+        <a:xfrm>
+          <a:off x="0" y="0"/>
+          <a:ext cx="0" cy="0"/>
+          <a:chOff x="0" y="0"/>
+          <a:chExt cx="0" cy="0"/>
+        </a:xfrm>
+      </p:grpSpPr>
+      <p:sp>
+        <p:nvSpPr>
+          <p:cNvPr id="2" name="Title 1">
+            <a:extLst>
+              <a:ext uri="{FF2B5EF4-FFF2-40B4-BE49-F238E27FC236}">
+                <a16:creationId xmlns:a16="http://schemas.microsoft.com/office/drawing/2014/main" id="{A9ABB4F6-F172-28B6-D61C-B19F04755DFC}"/>
+              </a:ext>
+            </a:extLst>
+          </p:cNvPr>
+          <p:cNvSpPr>
+            <a:spLocks noGrp="1"/>
+          </p:cNvSpPr>
+          <p:nvPr>
+            <p:ph type="title"/>
+          </p:nvPr>
+        </p:nvSpPr>
+        <p:spPr/>
+        <p:txBody>
+          <a:bodyPr/>
+          <a:lstStyle/>
+          <a:p>
+            <a:r>
+              <a:rPr lang="en-US" dirty="0"/>
+              <a:t>l</a:t>
+            </a:r>
+          </a:p>
+        </p:txBody>
+      </p:sp>
+      <p:sp>
+        <p:nvSpPr>
+          <p:cNvPr id="3" name="Content Placeholder 2">
+            <a:extLst>
+              <a:ext uri="{FF2B5EF4-FFF2-40B4-BE49-F238E27FC236}">
+                <a16:creationId xmlns:a16="http://schemas.microsoft.com/office/drawing/2014/main" id="{90AC27C8-776A-159B-9D45-43A0E52357EC}"/>
+              </a:ext>
+            </a:extLst>
+          </p:cNvPr>
+          <p:cNvSpPr>
+            <a:spLocks noGrp="1"/>
+          </p:cNvSpPr>
+          <p:nvPr>
+            <p:ph idx="1"/>
+          </p:nvPr>
+        </p:nvSpPr>
+        <p:spPr/>
+        <p:txBody>
+          <a:bodyPr/>
+          <a:lstStyle/>
+          <a:p>
+            <a:pPr marL="0" indent="0" algn="ctr">
+              <a:buNone/>
+            </a:pPr>
+            <a:endParaRPr lang="en-US" dirty="0"/>
+          </a:p>
+          <a:p>
+            <a:pPr marL="0" indent="0" algn="ctr">
+              <a:buNone/>
+            </a:pPr>
+            <a:r>
+              <a:rPr lang="en-US" dirty="0">
+                <a:highlight>
+                  <a:srgbClr val="FFFF00"/>
+                </a:highlight>
+              </a:rPr>
+              <a:t>L</a:t>
+            </a:r>
+            <a:r>
+              <a:rPr lang="en-US" dirty="0"/>
+              <a:t>ong</a:t>
+            </a:r>
+          </a:p>
+          <a:p>
+            <a:pPr marL="0" indent="0" algn="ctr">
+              <a:buNone/>
+            </a:pPr>
+            <a:r>
+              <a:rPr lang="en-US" dirty="0"/>
+              <a:t>Fu</a:t>
+            </a:r>
+            <a:r>
+              <a:rPr lang="en-US" dirty="0">
+                <a:highlight>
+                  <a:srgbClr val="FFFF00"/>
+                </a:highlight>
+              </a:rPr>
+              <a:t>ll</a:t>
+            </a:r>
+          </a:p>
+        </p:txBody>
+      </p:sp>
+      <p:sp>
+        <p:nvSpPr>
+          <p:cNvPr id="4" name="Slide Number Placeholder 3">
+            <a:extLst>
+              <a:ext uri="{FF2B5EF4-FFF2-40B4-BE49-F238E27FC236}">
+                <a16:creationId xmlns:a16="http://schemas.microsoft.com/office/drawing/2014/main" id="{28FEE837-1622-DF8D-4147-FAB82A146C00}"/>
+              </a:ext>
+            </a:extLst>
+          </p:cNvPr>
+          <p:cNvSpPr>
+            <a:spLocks noGrp="1"/>
+          </p:cNvSpPr>
+          <p:nvPr>
+            <p:ph type="sldNum" sz="quarter" idx="12"/>
+          </p:nvPr>
+        </p:nvSpPr>
+        <p:spPr/>
+        <p:txBody>
+          <a:bodyPr/>
+          <a:lstStyle/>
+          <a:p>
+            <a:fld id="{C1FF6DA9-008F-8B48-92A6-B652298478BF}" type="slidenum">
+              <a:rPr lang="en-US" smtClean="0"/>
+              <a:t>89</a:t>
+            </a:fld>
+            <a:endParaRPr lang="en-US"/>
+          </a:p>
+        </p:txBody>
+      </p:sp>
+    </p:spTree>
+    <p:extLst>
+      <p:ext uri="{BB962C8B-B14F-4D97-AF65-F5344CB8AC3E}">
+        <p14:creationId xmlns:p14="http://schemas.microsoft.com/office/powerpoint/2010/main" val="2900970879"/>
+      </p:ext>
+    </p:extLst>
+  </p:cSld>
+  <p:clrMapOvr>
+    <a:masterClrMapping/>
+  </p:clrMapOvr>
+</p:sld>
+</file>
+
 <file path=ppt/slides/slide9.xml><?xml version="1.0" encoding="utf-8"?>
 <p:sld xmlns:a="http://schemas.openxmlformats.org/drawingml/2006/main" xmlns:r="http://schemas.openxmlformats.org/officeDocument/2006/relationships" xmlns:p="http://schemas.openxmlformats.org/presentationml/2006/main">
   <p:cSld>
@@ -15994,6 +23209,304 @@
       </p:par>
     </p:tnLst>
   </p:timing>
+</p:sld>
+</file>
+
+<file path=ppt/slides/slide90.xml><?xml version="1.0" encoding="utf-8"?>
+<p:sld xmlns:a="http://schemas.openxmlformats.org/drawingml/2006/main" xmlns:r="http://schemas.openxmlformats.org/officeDocument/2006/relationships" xmlns:p="http://schemas.openxmlformats.org/presentationml/2006/main">
+  <p:cSld>
+    <p:spTree>
+      <p:nvGrpSpPr>
+        <p:cNvPr id="1" name=""/>
+        <p:cNvGrpSpPr/>
+        <p:nvPr/>
+      </p:nvGrpSpPr>
+      <p:grpSpPr>
+        <a:xfrm>
+          <a:off x="0" y="0"/>
+          <a:ext cx="0" cy="0"/>
+          <a:chOff x="0" y="0"/>
+          <a:chExt cx="0" cy="0"/>
+        </a:xfrm>
+      </p:grpSpPr>
+      <p:sp>
+        <p:nvSpPr>
+          <p:cNvPr id="2" name="Title 1">
+            <a:extLst>
+              <a:ext uri="{FF2B5EF4-FFF2-40B4-BE49-F238E27FC236}">
+                <a16:creationId xmlns:a16="http://schemas.microsoft.com/office/drawing/2014/main" id="{713ABFE3-E6BA-4930-DEF5-9988A27D01AF}"/>
+              </a:ext>
+            </a:extLst>
+          </p:cNvPr>
+          <p:cNvSpPr>
+            <a:spLocks noGrp="1"/>
+          </p:cNvSpPr>
+          <p:nvPr>
+            <p:ph type="title"/>
+          </p:nvPr>
+        </p:nvSpPr>
+        <p:spPr/>
+        <p:txBody>
+          <a:bodyPr/>
+          <a:lstStyle/>
+          <a:p>
+            <a:r>
+              <a:rPr lang="en-US" dirty="0"/>
+              <a:t>w</a:t>
+            </a:r>
+          </a:p>
+        </p:txBody>
+      </p:sp>
+      <p:sp>
+        <p:nvSpPr>
+          <p:cNvPr id="3" name="Content Placeholder 2">
+            <a:extLst>
+              <a:ext uri="{FF2B5EF4-FFF2-40B4-BE49-F238E27FC236}">
+                <a16:creationId xmlns:a16="http://schemas.microsoft.com/office/drawing/2014/main" id="{0E0851EF-B0AB-7750-D74D-D17C26A8418B}"/>
+              </a:ext>
+            </a:extLst>
+          </p:cNvPr>
+          <p:cNvSpPr>
+            <a:spLocks noGrp="1"/>
+          </p:cNvSpPr>
+          <p:nvPr>
+            <p:ph idx="1"/>
+          </p:nvPr>
+        </p:nvSpPr>
+        <p:spPr/>
+        <p:txBody>
+          <a:bodyPr/>
+          <a:lstStyle/>
+          <a:p>
+            <a:pPr marL="0" indent="0" algn="ctr">
+              <a:buNone/>
+            </a:pPr>
+            <a:endParaRPr lang="en-US" dirty="0"/>
+          </a:p>
+          <a:p>
+            <a:pPr marL="0" indent="0" algn="ctr">
+              <a:buNone/>
+            </a:pPr>
+            <a:r>
+              <a:rPr lang="en-US" dirty="0">
+                <a:highlight>
+                  <a:srgbClr val="FFFF00"/>
+                </a:highlight>
+              </a:rPr>
+              <a:t>W</a:t>
+            </a:r>
+            <a:r>
+              <a:rPr lang="en-US" dirty="0"/>
+              <a:t>ill</a:t>
+            </a:r>
+          </a:p>
+          <a:p>
+            <a:pPr marL="0" indent="0" algn="ctr">
+              <a:buNone/>
+            </a:pPr>
+            <a:r>
+              <a:rPr lang="en-US" dirty="0">
+                <a:highlight>
+                  <a:srgbClr val="FFFF00"/>
+                </a:highlight>
+              </a:rPr>
+              <a:t>W</a:t>
+            </a:r>
+            <a:r>
+              <a:rPr lang="en-US" dirty="0"/>
+              <a:t>indow</a:t>
+            </a:r>
+          </a:p>
+        </p:txBody>
+      </p:sp>
+      <p:sp>
+        <p:nvSpPr>
+          <p:cNvPr id="4" name="Slide Number Placeholder 3">
+            <a:extLst>
+              <a:ext uri="{FF2B5EF4-FFF2-40B4-BE49-F238E27FC236}">
+                <a16:creationId xmlns:a16="http://schemas.microsoft.com/office/drawing/2014/main" id="{9CF3A293-A597-C866-1150-E4C6E7AEEDB8}"/>
+              </a:ext>
+            </a:extLst>
+          </p:cNvPr>
+          <p:cNvSpPr>
+            <a:spLocks noGrp="1"/>
+          </p:cNvSpPr>
+          <p:nvPr>
+            <p:ph type="sldNum" sz="quarter" idx="12"/>
+          </p:nvPr>
+        </p:nvSpPr>
+        <p:spPr/>
+        <p:txBody>
+          <a:bodyPr/>
+          <a:lstStyle/>
+          <a:p>
+            <a:fld id="{C1FF6DA9-008F-8B48-92A6-B652298478BF}" type="slidenum">
+              <a:rPr lang="en-US" smtClean="0"/>
+              <a:t>90</a:t>
+            </a:fld>
+            <a:endParaRPr lang="en-US"/>
+          </a:p>
+        </p:txBody>
+      </p:sp>
+    </p:spTree>
+    <p:extLst>
+      <p:ext uri="{BB962C8B-B14F-4D97-AF65-F5344CB8AC3E}">
+        <p14:creationId xmlns:p14="http://schemas.microsoft.com/office/powerpoint/2010/main" val="772516592"/>
+      </p:ext>
+    </p:extLst>
+  </p:cSld>
+  <p:clrMapOvr>
+    <a:masterClrMapping/>
+  </p:clrMapOvr>
+</p:sld>
+</file>
+
+<file path=ppt/slides/slide91.xml><?xml version="1.0" encoding="utf-8"?>
+<p:sld xmlns:a="http://schemas.openxmlformats.org/drawingml/2006/main" xmlns:r="http://schemas.openxmlformats.org/officeDocument/2006/relationships" xmlns:p="http://schemas.openxmlformats.org/presentationml/2006/main">
+  <p:cSld>
+    <p:spTree>
+      <p:nvGrpSpPr>
+        <p:cNvPr id="1" name=""/>
+        <p:cNvGrpSpPr/>
+        <p:nvPr/>
+      </p:nvGrpSpPr>
+      <p:grpSpPr>
+        <a:xfrm>
+          <a:off x="0" y="0"/>
+          <a:ext cx="0" cy="0"/>
+          <a:chOff x="0" y="0"/>
+          <a:chExt cx="0" cy="0"/>
+        </a:xfrm>
+      </p:grpSpPr>
+      <p:sp>
+        <p:nvSpPr>
+          <p:cNvPr id="2" name="Title 1">
+            <a:extLst>
+              <a:ext uri="{FF2B5EF4-FFF2-40B4-BE49-F238E27FC236}">
+                <a16:creationId xmlns:a16="http://schemas.microsoft.com/office/drawing/2014/main" id="{B3C193B1-6FD3-62F1-CA94-279D248D45BB}"/>
+              </a:ext>
+            </a:extLst>
+          </p:cNvPr>
+          <p:cNvSpPr>
+            <a:spLocks noGrp="1"/>
+          </p:cNvSpPr>
+          <p:nvPr>
+            <p:ph type="title"/>
+          </p:nvPr>
+        </p:nvSpPr>
+        <p:spPr/>
+        <p:txBody>
+          <a:bodyPr/>
+          <a:lstStyle/>
+          <a:p>
+            <a:r>
+              <a:rPr lang="en-US" dirty="0"/>
+              <a:t>j</a:t>
+            </a:r>
+          </a:p>
+        </p:txBody>
+      </p:sp>
+      <p:sp>
+        <p:nvSpPr>
+          <p:cNvPr id="3" name="Content Placeholder 2">
+            <a:extLst>
+              <a:ext uri="{FF2B5EF4-FFF2-40B4-BE49-F238E27FC236}">
+                <a16:creationId xmlns:a16="http://schemas.microsoft.com/office/drawing/2014/main" id="{4220C839-4333-CBAA-8087-B753F0F43514}"/>
+              </a:ext>
+            </a:extLst>
+          </p:cNvPr>
+          <p:cNvSpPr>
+            <a:spLocks noGrp="1"/>
+          </p:cNvSpPr>
+          <p:nvPr>
+            <p:ph idx="1"/>
+          </p:nvPr>
+        </p:nvSpPr>
+        <p:spPr/>
+        <p:txBody>
+          <a:bodyPr/>
+          <a:lstStyle/>
+          <a:p>
+            <a:pPr marL="0" indent="0" algn="ctr">
+              <a:buNone/>
+            </a:pPr>
+            <a:endParaRPr lang="en-US" dirty="0"/>
+          </a:p>
+          <a:p>
+            <a:pPr marL="0" indent="0" algn="ctr">
+              <a:buNone/>
+            </a:pPr>
+            <a:r>
+              <a:rPr lang="en-US" dirty="0">
+                <a:highlight>
+                  <a:srgbClr val="FFFF00"/>
+                </a:highlight>
+              </a:rPr>
+              <a:t>Y</a:t>
+            </a:r>
+            <a:r>
+              <a:rPr lang="en-US" dirty="0"/>
+              <a:t>ear</a:t>
+            </a:r>
+          </a:p>
+          <a:p>
+            <a:pPr marL="0" indent="0" algn="ctr">
+              <a:buNone/>
+            </a:pPr>
+            <a:r>
+              <a:rPr lang="en-US" dirty="0">
+                <a:highlight>
+                  <a:srgbClr val="FFFF00"/>
+                </a:highlight>
+              </a:rPr>
+              <a:t>Y</a:t>
+            </a:r>
+            <a:r>
+              <a:rPr lang="en-US" dirty="0"/>
+              <a:t>es</a:t>
+            </a:r>
+          </a:p>
+        </p:txBody>
+      </p:sp>
+      <p:sp>
+        <p:nvSpPr>
+          <p:cNvPr id="4" name="Slide Number Placeholder 3">
+            <a:extLst>
+              <a:ext uri="{FF2B5EF4-FFF2-40B4-BE49-F238E27FC236}">
+                <a16:creationId xmlns:a16="http://schemas.microsoft.com/office/drawing/2014/main" id="{13751561-8B55-081F-E246-65724263B766}"/>
+              </a:ext>
+            </a:extLst>
+          </p:cNvPr>
+          <p:cNvSpPr>
+            <a:spLocks noGrp="1"/>
+          </p:cNvSpPr>
+          <p:nvPr>
+            <p:ph type="sldNum" sz="quarter" idx="12"/>
+          </p:nvPr>
+        </p:nvSpPr>
+        <p:spPr/>
+        <p:txBody>
+          <a:bodyPr/>
+          <a:lstStyle/>
+          <a:p>
+            <a:fld id="{C1FF6DA9-008F-8B48-92A6-B652298478BF}" type="slidenum">
+              <a:rPr lang="en-US" smtClean="0"/>
+              <a:t>91</a:t>
+            </a:fld>
+            <a:endParaRPr lang="en-US"/>
+          </a:p>
+        </p:txBody>
+      </p:sp>
+    </p:spTree>
+    <p:extLst>
+      <p:ext uri="{BB962C8B-B14F-4D97-AF65-F5344CB8AC3E}">
+        <p14:creationId xmlns:p14="http://schemas.microsoft.com/office/powerpoint/2010/main" val="586981679"/>
+      </p:ext>
+    </p:extLst>
+  </p:cSld>
+  <p:clrMapOvr>
+    <a:masterClrMapping/>
+  </p:clrMapOvr>
 </p:sld>
 </file>
 

--- a/StimPres/stimulus.pptx
+++ b/StimPres/stimulus.pptx
@@ -980,7 +980,7 @@
           <a:p>
             <a:fld id="{80454385-8AA6-476F-B993-0A62B51145DD}" type="datetimeFigureOut">
               <a:rPr lang="en-US" smtClean="0"/>
-              <a:t>2/15/2023</a:t>
+              <a:t>2/21/2023</a:t>
             </a:fld>
             <a:endParaRPr lang="en-US"/>
           </a:p>
@@ -1426,7 +1426,7 @@
           <a:p>
             <a:fld id="{11671E59-BB83-45A2-A119-4CFDC198A103}" type="datetime1">
               <a:rPr lang="en-US" smtClean="0"/>
-              <a:t>2/15/2023</a:t>
+              <a:t>2/21/2023</a:t>
             </a:fld>
             <a:endParaRPr lang="en-US"/>
           </a:p>
@@ -1594,7 +1594,7 @@
           <a:p>
             <a:fld id="{5F68BF0F-6CEC-431F-A24B-3F3943565BAE}" type="datetime1">
               <a:rPr lang="en-US" smtClean="0"/>
-              <a:t>2/15/2023</a:t>
+              <a:t>2/21/2023</a:t>
             </a:fld>
             <a:endParaRPr lang="en-US"/>
           </a:p>
@@ -1772,7 +1772,7 @@
           <a:p>
             <a:fld id="{2C491CDD-7F30-4F0E-9996-87B6C1501A39}" type="datetime1">
               <a:rPr lang="en-US" smtClean="0"/>
-              <a:t>2/15/2023</a:t>
+              <a:t>2/21/2023</a:t>
             </a:fld>
             <a:endParaRPr lang="en-US"/>
           </a:p>
@@ -1940,7 +1940,7 @@
           <a:p>
             <a:fld id="{1476E99E-AFB1-4856-881A-E9CFDEA7CFD8}" type="datetime1">
               <a:rPr lang="en-US" smtClean="0"/>
-              <a:t>2/15/2023</a:t>
+              <a:t>2/21/2023</a:t>
             </a:fld>
             <a:endParaRPr lang="en-US"/>
           </a:p>
@@ -2185,7 +2185,7 @@
           <a:p>
             <a:fld id="{DF7C5D1F-9D9B-4429-9DC6-910D085DA42B}" type="datetime1">
               <a:rPr lang="en-US" smtClean="0"/>
-              <a:t>2/15/2023</a:t>
+              <a:t>2/21/2023</a:t>
             </a:fld>
             <a:endParaRPr lang="en-US"/>
           </a:p>
@@ -2470,7 +2470,7 @@
           <a:p>
             <a:fld id="{75C89C9D-A2FE-42E3-8847-75A4D28208D3}" type="datetime1">
               <a:rPr lang="en-US" smtClean="0"/>
-              <a:t>2/15/2023</a:t>
+              <a:t>2/21/2023</a:t>
             </a:fld>
             <a:endParaRPr lang="en-US"/>
           </a:p>
@@ -2889,7 +2889,7 @@
           <a:p>
             <a:fld id="{8E6DF7A5-EDB0-44C7-BAAD-F3B5B553E549}" type="datetime1">
               <a:rPr lang="en-US" smtClean="0"/>
-              <a:t>2/15/2023</a:t>
+              <a:t>2/21/2023</a:t>
             </a:fld>
             <a:endParaRPr lang="en-US"/>
           </a:p>
@@ -3006,7 +3006,7 @@
           <a:p>
             <a:fld id="{41502DCB-DFDF-4FE0-86D5-617D5692AEC8}" type="datetime1">
               <a:rPr lang="en-US" smtClean="0"/>
-              <a:t>2/15/2023</a:t>
+              <a:t>2/21/2023</a:t>
             </a:fld>
             <a:endParaRPr lang="en-US"/>
           </a:p>
@@ -3101,7 +3101,7 @@
           <a:p>
             <a:fld id="{DAAAC218-3E7D-47E1-81B3-0AA2B3421DD7}" type="datetime1">
               <a:rPr lang="en-US" smtClean="0"/>
-              <a:t>2/15/2023</a:t>
+              <a:t>2/21/2023</a:t>
             </a:fld>
             <a:endParaRPr lang="en-US"/>
           </a:p>
@@ -3376,7 +3376,7 @@
           <a:p>
             <a:fld id="{8174D001-B0B7-4BD9-9FB6-08D30BA5DE56}" type="datetime1">
               <a:rPr lang="en-US" smtClean="0"/>
-              <a:t>2/15/2023</a:t>
+              <a:t>2/21/2023</a:t>
             </a:fld>
             <a:endParaRPr lang="en-US"/>
           </a:p>
@@ -3628,7 +3628,7 @@
           <a:p>
             <a:fld id="{38B56C4B-47A3-42BC-9CFE-58F02AA4D0F2}" type="datetime1">
               <a:rPr lang="en-US" smtClean="0"/>
-              <a:t>2/15/2023</a:t>
+              <a:t>2/21/2023</a:t>
             </a:fld>
             <a:endParaRPr lang="en-US"/>
           </a:p>
@@ -3839,7 +3839,7 @@
           <a:p>
             <a:fld id="{DB7A4736-C27A-4407-A2B4-E126A37D22E1}" type="datetime1">
               <a:rPr lang="en-US" smtClean="0"/>
-              <a:t>2/15/2023</a:t>
+              <a:t>2/21/2023</a:t>
             </a:fld>
             <a:endParaRPr lang="en-US"/>
           </a:p>
@@ -4473,7 +4473,7 @@
         </p:blipFill>
         <p:spPr>
           <a:xfrm>
-            <a:off x="4267200" y="3124200"/>
+            <a:off x="4267200" y="3733800"/>
             <a:ext cx="609600" cy="609600"/>
           </a:xfrm>
           <a:prstGeom prst="rect">
@@ -4503,6 +4503,9 @@
                     <p:cTn id="3" fill="hold">
                       <p:stCondLst>
                         <p:cond delay="indefinite"/>
+                        <p:cond evt="onBegin" delay="0">
+                          <p:tn val="2"/>
+                        </p:cond>
                       </p:stCondLst>
                       <p:childTnLst>
                         <p:par>
@@ -4512,7 +4515,7 @@
                             </p:stCondLst>
                             <p:childTnLst>
                               <p:par>
-                                <p:cTn id="5" presetID="1" presetClass="mediacall" presetSubtype="0" fill="hold" nodeType="clickEffect">
+                                <p:cTn id="5" presetID="1" presetClass="mediacall" presetSubtype="0" fill="hold" nodeType="afterEffect">
                                   <p:stCondLst>
                                     <p:cond delay="0"/>
                                   </p:stCondLst>
@@ -4782,6 +4785,9 @@
                     <p:cTn id="3" fill="hold">
                       <p:stCondLst>
                         <p:cond delay="indefinite"/>
+                        <p:cond evt="onBegin" delay="0">
+                          <p:tn val="2"/>
+                        </p:cond>
                       </p:stCondLst>
                       <p:childTnLst>
                         <p:par>
@@ -4791,7 +4797,7 @@
                             </p:stCondLst>
                             <p:childTnLst>
                               <p:par>
-                                <p:cTn id="5" presetID="1" presetClass="mediacall" presetSubtype="0" fill="hold" nodeType="clickEffect">
+                                <p:cTn id="5" presetID="1" presetClass="mediacall" presetSubtype="0" fill="hold" nodeType="afterEffect">
                                   <p:stCondLst>
                                     <p:cond delay="0"/>
                                   </p:stCondLst>
@@ -5032,7 +5038,7 @@
         </p:blipFill>
         <p:spPr>
           <a:xfrm>
-            <a:off x="4267200" y="3124200"/>
+            <a:off x="4267200" y="3871064"/>
             <a:ext cx="609600" cy="609600"/>
           </a:xfrm>
           <a:prstGeom prst="rect">
@@ -5062,6 +5068,9 @@
                     <p:cTn id="3" fill="hold">
                       <p:stCondLst>
                         <p:cond delay="indefinite"/>
+                        <p:cond evt="onBegin" delay="0">
+                          <p:tn val="2"/>
+                        </p:cond>
                       </p:stCondLst>
                       <p:childTnLst>
                         <p:par>
@@ -5071,7 +5080,7 @@
                             </p:stCondLst>
                             <p:childTnLst>
                               <p:par>
-                                <p:cTn id="5" presetID="1" presetClass="mediacall" presetSubtype="0" fill="hold" nodeType="clickEffect">
+                                <p:cTn id="5" presetID="1" presetClass="mediacall" presetSubtype="0" fill="hold" nodeType="afterEffect">
                                   <p:stCondLst>
                                     <p:cond delay="0"/>
                                   </p:stCondLst>
@@ -5310,7 +5319,7 @@
         </p:blipFill>
         <p:spPr>
           <a:xfrm>
-            <a:off x="4267200" y="3124200"/>
+            <a:off x="4267200" y="3733800"/>
             <a:ext cx="609600" cy="609600"/>
           </a:xfrm>
           <a:prstGeom prst="rect">
@@ -5340,6 +5349,9 @@
                     <p:cTn id="3" fill="hold">
                       <p:stCondLst>
                         <p:cond delay="indefinite"/>
+                        <p:cond evt="onBegin" delay="0">
+                          <p:tn val="2"/>
+                        </p:cond>
                       </p:stCondLst>
                       <p:childTnLst>
                         <p:par>
@@ -5349,7 +5361,7 @@
                             </p:stCondLst>
                             <p:childTnLst>
                               <p:par>
-                                <p:cTn id="5" presetID="1" presetClass="mediacall" presetSubtype="0" fill="hold" nodeType="clickEffect">
+                                <p:cTn id="5" presetID="1" presetClass="mediacall" presetSubtype="0" fill="hold" nodeType="afterEffect">
                                   <p:stCondLst>
                                     <p:cond delay="0"/>
                                   </p:stCondLst>
@@ -5592,7 +5604,7 @@
         </p:blipFill>
         <p:spPr>
           <a:xfrm>
-            <a:off x="4267200" y="3124200"/>
+            <a:off x="4267200" y="3558381"/>
             <a:ext cx="609600" cy="609600"/>
           </a:xfrm>
           <a:prstGeom prst="rect">
@@ -5622,6 +5634,9 @@
                     <p:cTn id="3" fill="hold">
                       <p:stCondLst>
                         <p:cond delay="indefinite"/>
+                        <p:cond evt="onBegin" delay="0">
+                          <p:tn val="2"/>
+                        </p:cond>
                       </p:stCondLst>
                       <p:childTnLst>
                         <p:par>
@@ -5631,7 +5646,7 @@
                             </p:stCondLst>
                             <p:childTnLst>
                               <p:par>
-                                <p:cTn id="5" presetID="1" presetClass="mediacall" presetSubtype="0" fill="hold" nodeType="clickEffect">
+                                <p:cTn id="5" presetID="1" presetClass="mediacall" presetSubtype="0" fill="hold" nodeType="afterEffect">
                                   <p:stCondLst>
                                     <p:cond delay="0"/>
                                   </p:stCondLst>
@@ -5878,7 +5893,7 @@
         </p:blipFill>
         <p:spPr>
           <a:xfrm>
-            <a:off x="4267200" y="3124200"/>
+            <a:off x="4267200" y="3918360"/>
             <a:ext cx="609600" cy="609600"/>
           </a:xfrm>
           <a:prstGeom prst="rect">
@@ -5908,6 +5923,9 @@
                     <p:cTn id="3" fill="hold">
                       <p:stCondLst>
                         <p:cond delay="indefinite"/>
+                        <p:cond evt="onBegin" delay="0">
+                          <p:tn val="2"/>
+                        </p:cond>
                       </p:stCondLst>
                       <p:childTnLst>
                         <p:par>
@@ -5917,7 +5935,7 @@
                             </p:stCondLst>
                             <p:childTnLst>
                               <p:par>
-                                <p:cTn id="5" presetID="1" presetClass="mediacall" presetSubtype="0" fill="hold" nodeType="clickEffect">
+                                <p:cTn id="5" presetID="1" presetClass="mediacall" presetSubtype="0" fill="hold" nodeType="afterEffect">
                                   <p:stCondLst>
                                     <p:cond delay="0"/>
                                   </p:stCondLst>
@@ -6164,7 +6182,7 @@
         </p:blipFill>
         <p:spPr>
           <a:xfrm>
-            <a:off x="4267200" y="3124200"/>
+            <a:off x="4267200" y="3558381"/>
             <a:ext cx="609600" cy="609600"/>
           </a:xfrm>
           <a:prstGeom prst="rect">
@@ -6194,6 +6212,9 @@
                     <p:cTn id="3" fill="hold">
                       <p:stCondLst>
                         <p:cond delay="indefinite"/>
+                        <p:cond evt="onBegin" delay="0">
+                          <p:tn val="2"/>
+                        </p:cond>
                       </p:stCondLst>
                       <p:childTnLst>
                         <p:par>
@@ -6203,7 +6224,7 @@
                             </p:stCondLst>
                             <p:childTnLst>
                               <p:par>
-                                <p:cTn id="5" presetID="1" presetClass="mediacall" presetSubtype="0" fill="hold" nodeType="clickEffect">
+                                <p:cTn id="5" presetID="1" presetClass="mediacall" presetSubtype="0" fill="hold" nodeType="afterEffect">
                                   <p:stCondLst>
                                     <p:cond delay="0"/>
                                   </p:stCondLst>
@@ -6450,7 +6471,7 @@
         </p:blipFill>
         <p:spPr>
           <a:xfrm>
-            <a:off x="4267200" y="3124200"/>
+            <a:off x="4267200" y="3733800"/>
             <a:ext cx="609600" cy="609600"/>
           </a:xfrm>
           <a:prstGeom prst="rect">
@@ -6480,6 +6501,9 @@
                     <p:cTn id="3" fill="hold">
                       <p:stCondLst>
                         <p:cond delay="indefinite"/>
+                        <p:cond evt="onBegin" delay="0">
+                          <p:tn val="2"/>
+                        </p:cond>
                       </p:stCondLst>
                       <p:childTnLst>
                         <p:par>
@@ -6489,7 +6513,7 @@
                             </p:stCondLst>
                             <p:childTnLst>
                               <p:par>
-                                <p:cTn id="5" presetID="1" presetClass="mediacall" presetSubtype="0" fill="hold" nodeType="clickEffect">
+                                <p:cTn id="5" presetID="1" presetClass="mediacall" presetSubtype="0" fill="hold" nodeType="afterEffect">
                                   <p:stCondLst>
                                     <p:cond delay="0"/>
                                   </p:stCondLst>
@@ -6732,7 +6756,7 @@
         </p:blipFill>
         <p:spPr>
           <a:xfrm>
-            <a:off x="4267200" y="3124200"/>
+            <a:off x="4267200" y="3839533"/>
             <a:ext cx="609600" cy="609600"/>
           </a:xfrm>
           <a:prstGeom prst="rect">
@@ -6762,6 +6786,9 @@
                     <p:cTn id="3" fill="hold">
                       <p:stCondLst>
                         <p:cond delay="indefinite"/>
+                        <p:cond evt="onBegin" delay="0">
+                          <p:tn val="2"/>
+                        </p:cond>
                       </p:stCondLst>
                       <p:childTnLst>
                         <p:par>
@@ -6771,7 +6798,7 @@
                             </p:stCondLst>
                             <p:childTnLst>
                               <p:par>
-                                <p:cTn id="5" presetID="1" presetClass="mediacall" presetSubtype="0" fill="hold" nodeType="clickEffect">
+                                <p:cTn id="5" presetID="1" presetClass="mediacall" presetSubtype="0" fill="hold" nodeType="afterEffect">
                                   <p:stCondLst>
                                     <p:cond delay="0"/>
                                   </p:stCondLst>
@@ -7014,7 +7041,7 @@
         </p:blipFill>
         <p:spPr>
           <a:xfrm>
-            <a:off x="4267200" y="3124200"/>
+            <a:off x="4267200" y="3733800"/>
             <a:ext cx="609600" cy="609600"/>
           </a:xfrm>
           <a:prstGeom prst="rect">
@@ -7044,6 +7071,9 @@
                     <p:cTn id="3" fill="hold">
                       <p:stCondLst>
                         <p:cond delay="indefinite"/>
+                        <p:cond evt="onBegin" delay="0">
+                          <p:tn val="2"/>
+                        </p:cond>
                       </p:stCondLst>
                       <p:childTnLst>
                         <p:par>
@@ -7053,7 +7083,7 @@
                             </p:stCondLst>
                             <p:childTnLst>
                               <p:par>
-                                <p:cTn id="5" presetID="1" presetClass="mediacall" presetSubtype="0" fill="hold" nodeType="clickEffect">
+                                <p:cTn id="5" presetID="1" presetClass="mediacall" presetSubtype="0" fill="hold" nodeType="afterEffect">
                                   <p:stCondLst>
                                     <p:cond delay="0"/>
                                   </p:stCondLst>
@@ -7448,7 +7478,7 @@
         </p:blipFill>
         <p:spPr>
           <a:xfrm>
-            <a:off x="4267200" y="3124200"/>
+            <a:off x="4267200" y="3886829"/>
             <a:ext cx="609600" cy="609600"/>
           </a:xfrm>
           <a:prstGeom prst="rect">
@@ -7478,6 +7508,9 @@
                     <p:cTn id="3" fill="hold">
                       <p:stCondLst>
                         <p:cond delay="indefinite"/>
+                        <p:cond evt="onBegin" delay="0">
+                          <p:tn val="2"/>
+                        </p:cond>
                       </p:stCondLst>
                       <p:childTnLst>
                         <p:par>
@@ -7487,7 +7520,7 @@
                             </p:stCondLst>
                             <p:childTnLst>
                               <p:par>
-                                <p:cTn id="5" presetID="1" presetClass="mediacall" presetSubtype="0" fill="hold" nodeType="clickEffect">
+                                <p:cTn id="5" presetID="1" presetClass="mediacall" presetSubtype="0" fill="hold" nodeType="afterEffect">
                                   <p:stCondLst>
                                     <p:cond delay="0"/>
                                   </p:stCondLst>
@@ -7724,7 +7757,7 @@
         </p:blipFill>
         <p:spPr>
           <a:xfrm>
-            <a:off x="5332520" y="4367073"/>
+            <a:off x="4267200" y="4209418"/>
             <a:ext cx="609600" cy="609600"/>
           </a:xfrm>
           <a:prstGeom prst="rect">
@@ -7754,6 +7787,9 @@
                     <p:cTn id="3" fill="hold">
                       <p:stCondLst>
                         <p:cond delay="indefinite"/>
+                        <p:cond evt="onBegin" delay="0">
+                          <p:tn val="2"/>
+                        </p:cond>
                       </p:stCondLst>
                       <p:childTnLst>
                         <p:par>
@@ -7763,7 +7799,7 @@
                             </p:stCondLst>
                             <p:childTnLst>
                               <p:par>
-                                <p:cTn id="5" presetID="1" presetClass="mediacall" presetSubtype="0" fill="hold" nodeType="clickEffect">
+                                <p:cTn id="5" presetID="1" presetClass="mediacall" presetSubtype="0" fill="hold" nodeType="afterEffect">
                                   <p:stCondLst>
                                     <p:cond delay="0"/>
                                   </p:stCondLst>
@@ -8000,7 +8036,7 @@
         </p:blipFill>
         <p:spPr>
           <a:xfrm>
-            <a:off x="4267200" y="3124200"/>
+            <a:off x="4267200" y="3773214"/>
             <a:ext cx="609600" cy="609600"/>
           </a:xfrm>
           <a:prstGeom prst="rect">
@@ -8030,6 +8066,9 @@
                     <p:cTn id="3" fill="hold">
                       <p:stCondLst>
                         <p:cond delay="indefinite"/>
+                        <p:cond evt="onBegin" delay="0">
+                          <p:tn val="2"/>
+                        </p:cond>
                       </p:stCondLst>
                       <p:childTnLst>
                         <p:par>
@@ -8039,7 +8078,7 @@
                             </p:stCondLst>
                             <p:childTnLst>
                               <p:par>
-                                <p:cTn id="5" presetID="1" presetClass="mediacall" presetSubtype="0" fill="hold" nodeType="clickEffect">
+                                <p:cTn id="5" presetID="1" presetClass="mediacall" presetSubtype="0" fill="hold" nodeType="afterEffect">
                                   <p:stCondLst>
                                     <p:cond delay="0"/>
                                   </p:stCondLst>
@@ -8271,7 +8310,7 @@
         </p:blipFill>
         <p:spPr>
           <a:xfrm>
-            <a:off x="4267200" y="3124200"/>
+            <a:off x="4267200" y="3558381"/>
             <a:ext cx="609600" cy="609600"/>
           </a:xfrm>
           <a:prstGeom prst="rect">
@@ -8301,6 +8340,9 @@
                     <p:cTn id="3" fill="hold">
                       <p:stCondLst>
                         <p:cond delay="indefinite"/>
+                        <p:cond evt="onBegin" delay="0">
+                          <p:tn val="2"/>
+                        </p:cond>
                       </p:stCondLst>
                       <p:childTnLst>
                         <p:par>
@@ -8310,7 +8352,7 @@
                             </p:stCondLst>
                             <p:childTnLst>
                               <p:par>
-                                <p:cTn id="5" presetID="1" presetClass="mediacall" presetSubtype="0" fill="hold" nodeType="clickEffect">
+                                <p:cTn id="5" presetID="1" presetClass="mediacall" presetSubtype="0" fill="hold" nodeType="afterEffect">
                                   <p:stCondLst>
                                     <p:cond delay="0"/>
                                   </p:stCondLst>
@@ -8546,7 +8588,7 @@
         </p:blipFill>
         <p:spPr>
           <a:xfrm>
-            <a:off x="4267200" y="3124200"/>
+            <a:off x="4267200" y="3733800"/>
             <a:ext cx="609600" cy="609600"/>
           </a:xfrm>
           <a:prstGeom prst="rect">
@@ -8576,6 +8618,9 @@
                     <p:cTn id="3" fill="hold">
                       <p:stCondLst>
                         <p:cond delay="indefinite"/>
+                        <p:cond evt="onBegin" delay="0">
+                          <p:tn val="2"/>
+                        </p:cond>
                       </p:stCondLst>
                       <p:childTnLst>
                         <p:par>
@@ -8585,7 +8630,7 @@
                             </p:stCondLst>
                             <p:childTnLst>
                               <p:par>
-                                <p:cTn id="5" presetID="1" presetClass="mediacall" presetSubtype="0" fill="hold" nodeType="clickEffect">
+                                <p:cTn id="5" presetID="1" presetClass="mediacall" presetSubtype="0" fill="hold" nodeType="afterEffect">
                                   <p:stCondLst>
                                     <p:cond delay="0"/>
                                   </p:stCondLst>
@@ -8821,7 +8866,7 @@
         </p:blipFill>
         <p:spPr>
           <a:xfrm>
-            <a:off x="4267200" y="3124200"/>
+            <a:off x="4267200" y="4007069"/>
             <a:ext cx="609600" cy="609600"/>
           </a:xfrm>
           <a:prstGeom prst="rect">
@@ -8851,6 +8896,9 @@
                     <p:cTn id="3" fill="hold">
                       <p:stCondLst>
                         <p:cond delay="indefinite"/>
+                        <p:cond evt="onBegin" delay="0">
+                          <p:tn val="2"/>
+                        </p:cond>
                       </p:stCondLst>
                       <p:childTnLst>
                         <p:par>
@@ -8860,7 +8908,7 @@
                             </p:stCondLst>
                             <p:childTnLst>
                               <p:par>
-                                <p:cTn id="5" presetID="1" presetClass="mediacall" presetSubtype="0" fill="hold" nodeType="clickEffect">
+                                <p:cTn id="5" presetID="1" presetClass="mediacall" presetSubtype="0" fill="hold" nodeType="afterEffect">
                                   <p:stCondLst>
                                     <p:cond delay="0"/>
                                   </p:stCondLst>
@@ -9126,6 +9174,9 @@
                     <p:cTn id="3" fill="hold">
                       <p:stCondLst>
                         <p:cond delay="indefinite"/>
+                        <p:cond evt="onBegin" delay="0">
+                          <p:tn val="2"/>
+                        </p:cond>
                       </p:stCondLst>
                       <p:childTnLst>
                         <p:par>
@@ -9135,7 +9186,7 @@
                             </p:stCondLst>
                             <p:childTnLst>
                               <p:par>
-                                <p:cTn id="5" presetID="1" presetClass="mediacall" presetSubtype="0" fill="hold" nodeType="clickEffect">
+                                <p:cTn id="5" presetID="1" presetClass="mediacall" presetSubtype="0" fill="hold" nodeType="afterEffect">
                                   <p:stCondLst>
                                     <p:cond delay="0"/>
                                   </p:stCondLst>
@@ -9397,6 +9448,9 @@
                     <p:cTn id="3" fill="hold">
                       <p:stCondLst>
                         <p:cond delay="indefinite"/>
+                        <p:cond evt="onBegin" delay="0">
+                          <p:tn val="2"/>
+                        </p:cond>
                       </p:stCondLst>
                       <p:childTnLst>
                         <p:par>
@@ -9406,7 +9460,7 @@
                             </p:stCondLst>
                             <p:childTnLst>
                               <p:par>
-                                <p:cTn id="5" presetID="1" presetClass="mediacall" presetSubtype="0" fill="hold" nodeType="clickEffect">
+                                <p:cTn id="5" presetID="1" presetClass="mediacall" presetSubtype="0" fill="hold" nodeType="afterEffect">
                                   <p:stCondLst>
                                     <p:cond delay="0"/>
                                   </p:stCondLst>
@@ -9642,7 +9696,7 @@
         </p:blipFill>
         <p:spPr>
           <a:xfrm>
-            <a:off x="4293833" y="3558381"/>
+            <a:off x="4267200" y="3863181"/>
             <a:ext cx="609600" cy="609600"/>
           </a:xfrm>
           <a:prstGeom prst="rect">
@@ -9672,6 +9726,9 @@
                     <p:cTn id="3" fill="hold">
                       <p:stCondLst>
                         <p:cond delay="indefinite"/>
+                        <p:cond evt="onBegin" delay="0">
+                          <p:tn val="2"/>
+                        </p:cond>
                       </p:stCondLst>
                       <p:childTnLst>
                         <p:par>
@@ -9681,7 +9738,7 @@
                             </p:stCondLst>
                             <p:childTnLst>
                               <p:par>
-                                <p:cTn id="5" presetID="1" presetClass="mediacall" presetSubtype="0" fill="hold" nodeType="clickEffect">
+                                <p:cTn id="5" presetID="1" presetClass="mediacall" presetSubtype="0" fill="hold" nodeType="afterEffect">
                                   <p:stCondLst>
                                     <p:cond delay="0"/>
                                   </p:stCondLst>
@@ -9943,6 +10000,9 @@
                     <p:cTn id="3" fill="hold">
                       <p:stCondLst>
                         <p:cond delay="indefinite"/>
+                        <p:cond evt="onBegin" delay="0">
+                          <p:tn val="2"/>
+                        </p:cond>
                       </p:stCondLst>
                       <p:childTnLst>
                         <p:par>
@@ -9952,7 +10012,7 @@
                             </p:stCondLst>
                             <p:childTnLst>
                               <p:par>
-                                <p:cTn id="5" presetID="1" presetClass="mediacall" presetSubtype="0" fill="hold" nodeType="clickEffect">
+                                <p:cTn id="5" presetID="1" presetClass="mediacall" presetSubtype="0" fill="hold" nodeType="afterEffect">
                                   <p:stCondLst>
                                     <p:cond delay="0"/>
                                   </p:stCondLst>
@@ -10222,6 +10282,9 @@
                     <p:cTn id="3" fill="hold">
                       <p:stCondLst>
                         <p:cond delay="indefinite"/>
+                        <p:cond evt="onBegin" delay="0">
+                          <p:tn val="2"/>
+                        </p:cond>
                       </p:stCondLst>
                       <p:childTnLst>
                         <p:par>
@@ -10231,7 +10294,7 @@
                             </p:stCondLst>
                             <p:childTnLst>
                               <p:par>
-                                <p:cTn id="5" presetID="1" presetClass="mediacall" presetSubtype="0" fill="hold" nodeType="clickEffect">
+                                <p:cTn id="5" presetID="1" presetClass="mediacall" presetSubtype="0" fill="hold" nodeType="afterEffect">
                                   <p:stCondLst>
                                     <p:cond delay="0"/>
                                   </p:stCondLst>
@@ -10493,6 +10556,9 @@
                     <p:cTn id="3" fill="hold">
                       <p:stCondLst>
                         <p:cond delay="indefinite"/>
+                        <p:cond evt="onBegin" delay="0">
+                          <p:tn val="2"/>
+                        </p:cond>
                       </p:stCondLst>
                       <p:childTnLst>
                         <p:par>
@@ -10502,7 +10568,7 @@
                             </p:stCondLst>
                             <p:childTnLst>
                               <p:par>
-                                <p:cTn id="5" presetID="1" presetClass="mediacall" presetSubtype="0" fill="hold" nodeType="clickEffect">
+                                <p:cTn id="5" presetID="1" presetClass="mediacall" presetSubtype="0" fill="hold" nodeType="afterEffect">
                                   <p:stCondLst>
                                     <p:cond delay="0"/>
                                   </p:stCondLst>
@@ -10764,6 +10830,9 @@
                     <p:cTn id="3" fill="hold">
                       <p:stCondLst>
                         <p:cond delay="indefinite"/>
+                        <p:cond evt="onBegin" delay="0">
+                          <p:tn val="2"/>
+                        </p:cond>
                       </p:stCondLst>
                       <p:childTnLst>
                         <p:par>
@@ -10773,7 +10842,7 @@
                             </p:stCondLst>
                             <p:childTnLst>
                               <p:par>
-                                <p:cTn id="5" presetID="1" presetClass="mediacall" presetSubtype="0" fill="hold" nodeType="clickEffect">
+                                <p:cTn id="5" presetID="1" presetClass="mediacall" presetSubtype="0" fill="hold" nodeType="afterEffect">
                                   <p:stCondLst>
                                     <p:cond delay="0"/>
                                   </p:stCondLst>
@@ -11009,7 +11078,7 @@
         </p:blipFill>
         <p:spPr>
           <a:xfrm>
-            <a:off x="4267200" y="3124200"/>
+            <a:off x="4267200" y="3733800"/>
             <a:ext cx="609600" cy="609600"/>
           </a:xfrm>
           <a:prstGeom prst="rect">
@@ -11039,6 +11108,9 @@
                     <p:cTn id="3" fill="hold">
                       <p:stCondLst>
                         <p:cond delay="indefinite"/>
+                        <p:cond evt="onBegin" delay="0">
+                          <p:tn val="2"/>
+                        </p:cond>
                       </p:stCondLst>
                       <p:childTnLst>
                         <p:par>
@@ -11048,7 +11120,7 @@
                             </p:stCondLst>
                             <p:childTnLst>
                               <p:par>
-                                <p:cTn id="5" presetID="1" presetClass="mediacall" presetSubtype="0" fill="hold" nodeType="clickEffect">
+                                <p:cTn id="5" presetID="1" presetClass="mediacall" presetSubtype="0" fill="hold" nodeType="afterEffect">
                                   <p:stCondLst>
                                     <p:cond delay="0"/>
                                   </p:stCondLst>
@@ -11280,7 +11352,7 @@
         </p:blipFill>
         <p:spPr>
           <a:xfrm>
-            <a:off x="4267200" y="3124200"/>
+            <a:off x="4267200" y="3647090"/>
             <a:ext cx="609600" cy="609600"/>
           </a:xfrm>
           <a:prstGeom prst="rect">
@@ -11310,6 +11382,9 @@
                     <p:cTn id="3" fill="hold">
                       <p:stCondLst>
                         <p:cond delay="indefinite"/>
+                        <p:cond evt="onBegin" delay="0">
+                          <p:tn val="2"/>
+                        </p:cond>
                       </p:stCondLst>
                       <p:childTnLst>
                         <p:par>
@@ -11319,7 +11394,7 @@
                             </p:stCondLst>
                             <p:childTnLst>
                               <p:par>
-                                <p:cTn id="5" presetID="1" presetClass="mediacall" presetSubtype="0" fill="hold" nodeType="clickEffect">
+                                <p:cTn id="5" presetID="1" presetClass="mediacall" presetSubtype="0" fill="hold" nodeType="afterEffect">
                                   <p:stCondLst>
                                     <p:cond delay="0"/>
                                   </p:stCondLst>
@@ -11555,7 +11630,7 @@
         </p:blipFill>
         <p:spPr>
           <a:xfrm>
-            <a:off x="4267200" y="3124200"/>
+            <a:off x="4267200" y="3863181"/>
             <a:ext cx="609600" cy="609600"/>
           </a:xfrm>
           <a:prstGeom prst="rect">
@@ -11585,6 +11660,9 @@
                     <p:cTn id="3" fill="hold">
                       <p:stCondLst>
                         <p:cond delay="indefinite"/>
+                        <p:cond evt="onBegin" delay="0">
+                          <p:tn val="2"/>
+                        </p:cond>
                       </p:stCondLst>
                       <p:childTnLst>
                         <p:par>
@@ -11594,7 +11672,7 @@
                             </p:stCondLst>
                             <p:childTnLst>
                               <p:par>
-                                <p:cTn id="5" presetID="1" presetClass="mediacall" presetSubtype="0" fill="hold" nodeType="clickEffect">
+                                <p:cTn id="5" presetID="1" presetClass="mediacall" presetSubtype="0" fill="hold" nodeType="afterEffect">
                                   <p:stCondLst>
                                     <p:cond delay="0"/>
                                   </p:stCondLst>
@@ -11834,7 +11912,7 @@
         </p:blipFill>
         <p:spPr>
           <a:xfrm>
-            <a:off x="4267200" y="3124200"/>
+            <a:off x="4267200" y="3820510"/>
             <a:ext cx="609600" cy="609600"/>
           </a:xfrm>
           <a:prstGeom prst="rect">
@@ -11864,6 +11942,9 @@
                     <p:cTn id="3" fill="hold">
                       <p:stCondLst>
                         <p:cond delay="indefinite"/>
+                        <p:cond evt="onBegin" delay="0">
+                          <p:tn val="2"/>
+                        </p:cond>
                       </p:stCondLst>
                       <p:childTnLst>
                         <p:par>
@@ -11873,7 +11954,7 @@
                             </p:stCondLst>
                             <p:childTnLst>
                               <p:par>
-                                <p:cTn id="5" presetID="1" presetClass="mediacall" presetSubtype="0" fill="hold" nodeType="clickEffect">
+                                <p:cTn id="5" presetID="1" presetClass="mediacall" presetSubtype="0" fill="hold" nodeType="afterEffect">
                                   <p:stCondLst>
                                     <p:cond delay="0"/>
                                   </p:stCondLst>
@@ -12105,7 +12186,7 @@
         </p:blipFill>
         <p:spPr>
           <a:xfrm>
-            <a:off x="4267200" y="3124200"/>
+            <a:off x="4267200" y="3863181"/>
             <a:ext cx="609600" cy="609600"/>
           </a:xfrm>
           <a:prstGeom prst="rect">
@@ -12135,6 +12216,9 @@
                     <p:cTn id="3" fill="hold">
                       <p:stCondLst>
                         <p:cond delay="indefinite"/>
+                        <p:cond evt="onBegin" delay="0">
+                          <p:tn val="2"/>
+                        </p:cond>
                       </p:stCondLst>
                       <p:childTnLst>
                         <p:par>
@@ -12144,7 +12228,7 @@
                             </p:stCondLst>
                             <p:childTnLst>
                               <p:par>
-                                <p:cTn id="5" presetID="1" presetClass="mediacall" presetSubtype="0" fill="hold" nodeType="clickEffect">
+                                <p:cTn id="5" presetID="1" presetClass="mediacall" presetSubtype="0" fill="hold" nodeType="afterEffect">
                                   <p:stCondLst>
                                     <p:cond delay="0"/>
                                   </p:stCondLst>
@@ -12384,7 +12468,7 @@
         </p:blipFill>
         <p:spPr>
           <a:xfrm>
-            <a:off x="4267200" y="3124200"/>
+            <a:off x="4267200" y="3733800"/>
             <a:ext cx="609600" cy="609600"/>
           </a:xfrm>
           <a:prstGeom prst="rect">
@@ -12414,6 +12498,9 @@
                     <p:cTn id="3" fill="hold">
                       <p:stCondLst>
                         <p:cond delay="indefinite"/>
+                        <p:cond evt="onBegin" delay="0">
+                          <p:tn val="2"/>
+                        </p:cond>
                       </p:stCondLst>
                       <p:childTnLst>
                         <p:par>
@@ -12423,7 +12510,7 @@
                             </p:stCondLst>
                             <p:childTnLst>
                               <p:par>
-                                <p:cTn id="5" presetID="1" presetClass="mediacall" presetSubtype="0" fill="hold" nodeType="clickEffect">
+                                <p:cTn id="5" presetID="1" presetClass="mediacall" presetSubtype="0" fill="hold" nodeType="afterEffect">
                                   <p:stCondLst>
                                     <p:cond delay="0"/>
                                   </p:stCondLst>
@@ -12655,7 +12742,7 @@
         </p:blipFill>
         <p:spPr>
           <a:xfrm>
-            <a:off x="4267200" y="3124200"/>
+            <a:off x="4267200" y="3558381"/>
             <a:ext cx="609600" cy="609600"/>
           </a:xfrm>
           <a:prstGeom prst="rect">
@@ -12685,6 +12772,9 @@
                     <p:cTn id="3" fill="hold">
                       <p:stCondLst>
                         <p:cond delay="indefinite"/>
+                        <p:cond evt="onBegin" delay="0">
+                          <p:tn val="2"/>
+                        </p:cond>
                       </p:stCondLst>
                       <p:childTnLst>
                         <p:par>
@@ -12694,7 +12784,7 @@
                             </p:stCondLst>
                             <p:childTnLst>
                               <p:par>
-                                <p:cTn id="5" presetID="1" presetClass="mediacall" presetSubtype="0" fill="hold" nodeType="clickEffect">
+                                <p:cTn id="5" presetID="1" presetClass="mediacall" presetSubtype="0" fill="hold" nodeType="afterEffect">
                                   <p:stCondLst>
                                     <p:cond delay="0"/>
                                   </p:stCondLst>
@@ -12926,7 +13016,7 @@
         </p:blipFill>
         <p:spPr>
           <a:xfrm>
-            <a:off x="4267200" y="3124200"/>
+            <a:off x="4267200" y="3694386"/>
             <a:ext cx="609600" cy="609600"/>
           </a:xfrm>
           <a:prstGeom prst="rect">
@@ -12956,6 +13046,9 @@
                     <p:cTn id="3" fill="hold">
                       <p:stCondLst>
                         <p:cond delay="indefinite"/>
+                        <p:cond evt="onBegin" delay="0">
+                          <p:tn val="2"/>
+                        </p:cond>
                       </p:stCondLst>
                       <p:childTnLst>
                         <p:par>
@@ -12965,7 +13058,7 @@
                             </p:stCondLst>
                             <p:childTnLst>
                               <p:par>
-                                <p:cTn id="5" presetID="1" presetClass="mediacall" presetSubtype="0" fill="hold" nodeType="clickEffect">
+                                <p:cTn id="5" presetID="1" presetClass="mediacall" presetSubtype="0" fill="hold" nodeType="afterEffect">
                                   <p:stCondLst>
                                     <p:cond delay="0"/>
                                   </p:stCondLst>
@@ -13205,7 +13298,7 @@
         </p:blipFill>
         <p:spPr>
           <a:xfrm>
-            <a:off x="4267200" y="3124200"/>
+            <a:off x="4267200" y="4022834"/>
             <a:ext cx="609600" cy="609600"/>
           </a:xfrm>
           <a:prstGeom prst="rect">
@@ -13235,6 +13328,9 @@
                     <p:cTn id="3" fill="hold">
                       <p:stCondLst>
                         <p:cond delay="indefinite"/>
+                        <p:cond evt="onBegin" delay="0">
+                          <p:tn val="2"/>
+                        </p:cond>
                       </p:stCondLst>
                       <p:childTnLst>
                         <p:par>
@@ -13244,7 +13340,7 @@
                             </p:stCondLst>
                             <p:childTnLst>
                               <p:par>
-                                <p:cTn id="5" presetID="1" presetClass="mediacall" presetSubtype="0" fill="hold" nodeType="clickEffect">
+                                <p:cTn id="5" presetID="1" presetClass="mediacall" presetSubtype="0" fill="hold" nodeType="afterEffect">
                                   <p:stCondLst>
                                     <p:cond delay="0"/>
                                   </p:stCondLst>
@@ -13476,7 +13572,7 @@
         </p:blipFill>
         <p:spPr>
           <a:xfrm>
-            <a:off x="4267200" y="3124200"/>
+            <a:off x="4267200" y="3733800"/>
             <a:ext cx="609600" cy="609600"/>
           </a:xfrm>
           <a:prstGeom prst="rect">
@@ -13506,6 +13602,9 @@
                     <p:cTn id="3" fill="hold">
                       <p:stCondLst>
                         <p:cond delay="indefinite"/>
+                        <p:cond evt="onBegin" delay="0">
+                          <p:tn val="2"/>
+                        </p:cond>
                       </p:stCondLst>
                       <p:childTnLst>
                         <p:par>
@@ -13515,7 +13614,7 @@
                             </p:stCondLst>
                             <p:childTnLst>
                               <p:par>
-                                <p:cTn id="5" presetID="1" presetClass="mediacall" presetSubtype="0" fill="hold" nodeType="clickEffect">
+                                <p:cTn id="5" presetID="1" presetClass="mediacall" presetSubtype="0" fill="hold" nodeType="afterEffect">
                                   <p:stCondLst>
                                     <p:cond delay="0"/>
                                   </p:stCondLst>
@@ -13751,7 +13850,7 @@
         </p:blipFill>
         <p:spPr>
           <a:xfrm>
-            <a:off x="4267200" y="3124200"/>
+            <a:off x="4267200" y="3863181"/>
             <a:ext cx="609600" cy="609600"/>
           </a:xfrm>
           <a:prstGeom prst="rect">
@@ -13781,6 +13880,9 @@
                     <p:cTn id="3" fill="hold">
                       <p:stCondLst>
                         <p:cond delay="indefinite"/>
+                        <p:cond evt="onBegin" delay="0">
+                          <p:tn val="2"/>
+                        </p:cond>
                       </p:stCondLst>
                       <p:childTnLst>
                         <p:par>
@@ -13790,7 +13892,7 @@
                             </p:stCondLst>
                             <p:childTnLst>
                               <p:par>
-                                <p:cTn id="5" presetID="1" presetClass="mediacall" presetSubtype="0" fill="hold" nodeType="clickEffect">
+                                <p:cTn id="5" presetID="1" presetClass="mediacall" presetSubtype="0" fill="hold" nodeType="afterEffect">
                                   <p:stCondLst>
                                     <p:cond delay="0"/>
                                   </p:stCondLst>
@@ -14022,7 +14124,7 @@
         </p:blipFill>
         <p:spPr>
           <a:xfrm>
-            <a:off x="4267200" y="3124200"/>
+            <a:off x="4267200" y="3725917"/>
             <a:ext cx="609600" cy="609600"/>
           </a:xfrm>
           <a:prstGeom prst="rect">
@@ -14052,6 +14154,9 @@
                     <p:cTn id="3" fill="hold">
                       <p:stCondLst>
                         <p:cond delay="indefinite"/>
+                        <p:cond evt="onBegin" delay="0">
+                          <p:tn val="2"/>
+                        </p:cond>
                       </p:stCondLst>
                       <p:childTnLst>
                         <p:par>
@@ -14061,7 +14166,7 @@
                             </p:stCondLst>
                             <p:childTnLst>
                               <p:par>
-                                <p:cTn id="5" presetID="1" presetClass="mediacall" presetSubtype="0" fill="hold" nodeType="clickEffect">
+                                <p:cTn id="5" presetID="1" presetClass="mediacall" presetSubtype="0" fill="hold" nodeType="afterEffect">
                                   <p:stCondLst>
                                     <p:cond delay="0"/>
                                   </p:stCondLst>
@@ -14297,7 +14402,7 @@
         </p:blipFill>
         <p:spPr>
           <a:xfrm>
-            <a:off x="4267200" y="3124200"/>
+            <a:off x="4267200" y="3863181"/>
             <a:ext cx="609600" cy="609600"/>
           </a:xfrm>
           <a:prstGeom prst="rect">
@@ -14327,6 +14432,9 @@
                     <p:cTn id="3" fill="hold">
                       <p:stCondLst>
                         <p:cond delay="indefinite"/>
+                        <p:cond evt="onBegin" delay="0">
+                          <p:tn val="2"/>
+                        </p:cond>
                       </p:stCondLst>
                       <p:childTnLst>
                         <p:par>
@@ -14336,7 +14444,7 @@
                             </p:stCondLst>
                             <p:childTnLst>
                               <p:par>
-                                <p:cTn id="5" presetID="1" presetClass="mediacall" presetSubtype="0" fill="hold" nodeType="clickEffect">
+                                <p:cTn id="5" presetID="1" presetClass="mediacall" presetSubtype="0" fill="hold" nodeType="afterEffect">
                                   <p:stCondLst>
                                     <p:cond delay="0"/>
                                   </p:stCondLst>
@@ -14568,7 +14676,7 @@
         </p:blipFill>
         <p:spPr>
           <a:xfrm>
-            <a:off x="4267200" y="3124200"/>
+            <a:off x="4204138" y="3558381"/>
             <a:ext cx="609600" cy="609600"/>
           </a:xfrm>
           <a:prstGeom prst="rect">
@@ -14598,6 +14706,9 @@
                     <p:cTn id="3" fill="hold">
                       <p:stCondLst>
                         <p:cond delay="indefinite"/>
+                        <p:cond evt="onBegin" delay="0">
+                          <p:tn val="2"/>
+                        </p:cond>
                       </p:stCondLst>
                       <p:childTnLst>
                         <p:par>
@@ -14607,7 +14718,7 @@
                             </p:stCondLst>
                             <p:childTnLst>
                               <p:par>
-                                <p:cTn id="5" presetID="1" presetClass="mediacall" presetSubtype="0" fill="hold" nodeType="clickEffect">
+                                <p:cTn id="5" presetID="1" presetClass="mediacall" presetSubtype="0" fill="hold" nodeType="afterEffect">
                                   <p:stCondLst>
                                     <p:cond delay="0"/>
                                   </p:stCondLst>
@@ -14839,7 +14950,7 @@
         </p:blipFill>
         <p:spPr>
           <a:xfrm>
-            <a:off x="4267200" y="3124200"/>
+            <a:off x="4267200" y="3558381"/>
             <a:ext cx="609600" cy="609600"/>
           </a:xfrm>
           <a:prstGeom prst="rect">
@@ -14869,6 +14980,9 @@
                     <p:cTn id="3" fill="hold">
                       <p:stCondLst>
                         <p:cond delay="indefinite"/>
+                        <p:cond evt="onBegin" delay="0">
+                          <p:tn val="2"/>
+                        </p:cond>
                       </p:stCondLst>
                       <p:childTnLst>
                         <p:par>
@@ -14878,7 +14992,7 @@
                             </p:stCondLst>
                             <p:childTnLst>
                               <p:par>
-                                <p:cTn id="5" presetID="1" presetClass="mediacall" presetSubtype="0" fill="hold" nodeType="clickEffect">
+                                <p:cTn id="5" presetID="1" presetClass="mediacall" presetSubtype="0" fill="hold" nodeType="afterEffect">
                                   <p:stCondLst>
                                     <p:cond delay="0"/>
                                   </p:stCondLst>
@@ -15110,7 +15224,7 @@
         </p:blipFill>
         <p:spPr>
           <a:xfrm>
-            <a:off x="4267200" y="3124200"/>
+            <a:off x="4267200" y="3631324"/>
             <a:ext cx="609600" cy="609600"/>
           </a:xfrm>
           <a:prstGeom prst="rect">
@@ -15140,6 +15254,9 @@
                     <p:cTn id="3" fill="hold">
                       <p:stCondLst>
                         <p:cond delay="indefinite"/>
+                        <p:cond evt="onBegin" delay="0">
+                          <p:tn val="2"/>
+                        </p:cond>
                       </p:stCondLst>
                       <p:childTnLst>
                         <p:par>
@@ -15149,7 +15266,7 @@
                             </p:stCondLst>
                             <p:childTnLst>
                               <p:par>
-                                <p:cTn id="5" presetID="1" presetClass="mediacall" presetSubtype="0" fill="hold" nodeType="clickEffect">
+                                <p:cTn id="5" presetID="1" presetClass="mediacall" presetSubtype="0" fill="hold" nodeType="afterEffect">
                                   <p:stCondLst>
                                     <p:cond delay="0"/>
                                   </p:stCondLst>
@@ -15818,7 +15935,7 @@
         </p:blipFill>
         <p:spPr>
           <a:xfrm>
-            <a:off x="4267200" y="3124200"/>
+            <a:off x="4377559" y="4117427"/>
             <a:ext cx="609600" cy="609600"/>
           </a:xfrm>
           <a:prstGeom prst="rect">
@@ -15848,6 +15965,9 @@
                     <p:cTn id="3" fill="hold">
                       <p:stCondLst>
                         <p:cond delay="indefinite"/>
+                        <p:cond evt="onBegin" delay="0">
+                          <p:tn val="2"/>
+                        </p:cond>
                       </p:stCondLst>
                       <p:childTnLst>
                         <p:par>
@@ -15857,7 +15977,7 @@
                             </p:stCondLst>
                             <p:childTnLst>
                               <p:par>
-                                <p:cTn id="5" presetID="1" presetClass="mediacall" presetSubtype="0" fill="hold" nodeType="clickEffect">
+                                <p:cTn id="5" presetID="1" presetClass="mediacall" presetSubtype="0" fill="hold" nodeType="afterEffect">
                                   <p:stCondLst>
                                     <p:cond delay="0"/>
                                   </p:stCondLst>
@@ -17676,7 +17796,7 @@
         </p:blipFill>
         <p:spPr>
           <a:xfrm>
-            <a:off x="4267200" y="3124200"/>
+            <a:off x="4267200" y="3863181"/>
             <a:ext cx="609600" cy="609600"/>
           </a:xfrm>
           <a:prstGeom prst="rect">
@@ -17706,6 +17826,9 @@
                     <p:cTn id="3" fill="hold">
                       <p:stCondLst>
                         <p:cond delay="indefinite"/>
+                        <p:cond evt="onBegin" delay="0">
+                          <p:tn val="2"/>
+                        </p:cond>
                       </p:stCondLst>
                       <p:childTnLst>
                         <p:par>
@@ -17715,7 +17838,7 @@
                             </p:stCondLst>
                             <p:childTnLst>
                               <p:par>
-                                <p:cTn id="5" presetID="1" presetClass="mediacall" presetSubtype="0" fill="hold" nodeType="clickEffect">
+                                <p:cTn id="5" presetID="1" presetClass="mediacall" presetSubtype="0" fill="hold" nodeType="afterEffect">
                                   <p:stCondLst>
                                     <p:cond delay="0"/>
                                   </p:stCondLst>
@@ -19527,7 +19650,7 @@
         </p:blipFill>
         <p:spPr>
           <a:xfrm>
-            <a:off x="4267200" y="3124200"/>
+            <a:off x="4267200" y="4133193"/>
             <a:ext cx="609600" cy="609600"/>
           </a:xfrm>
           <a:prstGeom prst="rect">
@@ -19557,6 +19680,9 @@
                     <p:cTn id="3" fill="hold">
                       <p:stCondLst>
                         <p:cond delay="indefinite"/>
+                        <p:cond evt="onBegin" delay="0">
+                          <p:tn val="2"/>
+                        </p:cond>
                       </p:stCondLst>
                       <p:childTnLst>
                         <p:par>
@@ -19566,7 +19692,7 @@
                             </p:stCondLst>
                             <p:childTnLst>
                               <p:par>
-                                <p:cTn id="5" presetID="1" presetClass="mediacall" presetSubtype="0" fill="hold" nodeType="clickEffect">
+                                <p:cTn id="5" presetID="1" presetClass="mediacall" presetSubtype="0" fill="hold" nodeType="afterEffect">
                                   <p:stCondLst>
                                     <p:cond delay="0"/>
                                   </p:stCondLst>
@@ -21314,7 +21440,7 @@
         </p:blipFill>
         <p:spPr>
           <a:xfrm>
-            <a:off x="4267200" y="3124200"/>
+            <a:off x="4267200" y="3863181"/>
             <a:ext cx="609600" cy="609600"/>
           </a:xfrm>
           <a:prstGeom prst="rect">
@@ -21344,6 +21470,9 @@
                     <p:cTn id="3" fill="hold">
                       <p:stCondLst>
                         <p:cond delay="indefinite"/>
+                        <p:cond evt="onBegin" delay="0">
+                          <p:tn val="2"/>
+                        </p:cond>
                       </p:stCondLst>
                       <p:childTnLst>
                         <p:par>
@@ -21353,7 +21482,7 @@
                             </p:stCondLst>
                             <p:childTnLst>
                               <p:par>
-                                <p:cTn id="5" presetID="1" presetClass="mediacall" presetSubtype="0" fill="hold" nodeType="clickEffect">
+                                <p:cTn id="5" presetID="1" presetClass="mediacall" presetSubtype="0" fill="hold" nodeType="afterEffect">
                                   <p:stCondLst>
                                     <p:cond delay="0"/>
                                   </p:stCondLst>
@@ -23137,6 +23266,9 @@
                     <p:cTn id="3" fill="hold">
                       <p:stCondLst>
                         <p:cond delay="indefinite"/>
+                        <p:cond evt="onBegin" delay="0">
+                          <p:tn val="2"/>
+                        </p:cond>
                       </p:stCondLst>
                       <p:childTnLst>
                         <p:par>
@@ -23146,7 +23278,7 @@
                             </p:stCondLst>
                             <p:childTnLst>
                               <p:par>
-                                <p:cTn id="5" presetID="1" presetClass="mediacall" presetSubtype="0" fill="hold" nodeType="clickEffect">
+                                <p:cTn id="5" presetID="1" presetClass="mediacall" presetSubtype="0" fill="hold" nodeType="afterEffect">
                                   <p:stCondLst>
                                     <p:cond delay="0"/>
                                   </p:stCondLst>

--- a/StimPres/stimulus.pptx
+++ b/StimPres/stimulus.pptx
@@ -895,6 +895,43 @@
       </pc:sldChg>
     </pc:docChg>
   </pc:docChgLst>
+  <pc:docChgLst>
+    <pc:chgData name="Cole Helbig" userId="9e450ef9ae5ab990" providerId="LiveId" clId="{A9A1ADFC-DFFF-4EF3-A07E-F043CCFD71AE}"/>
+    <pc:docChg chg="addSld delSld">
+      <pc:chgData name="Cole Helbig" userId="9e450ef9ae5ab990" providerId="LiveId" clId="{A9A1ADFC-DFFF-4EF3-A07E-F043CCFD71AE}" dt="2023-02-16T21:07:54.282" v="7" actId="2696"/>
+      <pc:docMkLst>
+        <pc:docMk/>
+      </pc:docMkLst>
+      <pc:sldChg chg="new del">
+        <pc:chgData name="Cole Helbig" userId="9e450ef9ae5ab990" providerId="LiveId" clId="{A9A1ADFC-DFFF-4EF3-A07E-F043CCFD71AE}" dt="2023-02-16T21:07:45.573" v="4" actId="2696"/>
+        <pc:sldMkLst>
+          <pc:docMk/>
+          <pc:sldMk cId="3730823998" sldId="347"/>
+        </pc:sldMkLst>
+      </pc:sldChg>
+      <pc:sldChg chg="new del">
+        <pc:chgData name="Cole Helbig" userId="9e450ef9ae5ab990" providerId="LiveId" clId="{A9A1ADFC-DFFF-4EF3-A07E-F043CCFD71AE}" dt="2023-02-16T21:07:47.789" v="5" actId="2696"/>
+        <pc:sldMkLst>
+          <pc:docMk/>
+          <pc:sldMk cId="3111376262" sldId="348"/>
+        </pc:sldMkLst>
+      </pc:sldChg>
+      <pc:sldChg chg="new del">
+        <pc:chgData name="Cole Helbig" userId="9e450ef9ae5ab990" providerId="LiveId" clId="{A9A1ADFC-DFFF-4EF3-A07E-F043CCFD71AE}" dt="2023-02-16T21:07:51.184" v="6" actId="2696"/>
+        <pc:sldMkLst>
+          <pc:docMk/>
+          <pc:sldMk cId="2995663611" sldId="349"/>
+        </pc:sldMkLst>
+      </pc:sldChg>
+      <pc:sldChg chg="new del">
+        <pc:chgData name="Cole Helbig" userId="9e450ef9ae5ab990" providerId="LiveId" clId="{A9A1ADFC-DFFF-4EF3-A07E-F043CCFD71AE}" dt="2023-02-16T21:07:54.282" v="7" actId="2696"/>
+        <pc:sldMkLst>
+          <pc:docMk/>
+          <pc:sldMk cId="1098924057" sldId="350"/>
+        </pc:sldMkLst>
+      </pc:sldChg>
+    </pc:docChg>
+  </pc:docChgLst>
 </pc:chgInfo>
 </file>
 

--- a/StimPres/stimulus.pptx
+++ b/StimPres/stimulus.pptx
@@ -895,43 +895,6 @@
       </pc:sldChg>
     </pc:docChg>
   </pc:docChgLst>
-  <pc:docChgLst>
-    <pc:chgData name="Cole Helbig" userId="9e450ef9ae5ab990" providerId="LiveId" clId="{A9A1ADFC-DFFF-4EF3-A07E-F043CCFD71AE}"/>
-    <pc:docChg chg="addSld delSld">
-      <pc:chgData name="Cole Helbig" userId="9e450ef9ae5ab990" providerId="LiveId" clId="{A9A1ADFC-DFFF-4EF3-A07E-F043CCFD71AE}" dt="2023-02-16T21:07:54.282" v="7" actId="2696"/>
-      <pc:docMkLst>
-        <pc:docMk/>
-      </pc:docMkLst>
-      <pc:sldChg chg="new del">
-        <pc:chgData name="Cole Helbig" userId="9e450ef9ae5ab990" providerId="LiveId" clId="{A9A1ADFC-DFFF-4EF3-A07E-F043CCFD71AE}" dt="2023-02-16T21:07:45.573" v="4" actId="2696"/>
-        <pc:sldMkLst>
-          <pc:docMk/>
-          <pc:sldMk cId="3730823998" sldId="347"/>
-        </pc:sldMkLst>
-      </pc:sldChg>
-      <pc:sldChg chg="new del">
-        <pc:chgData name="Cole Helbig" userId="9e450ef9ae5ab990" providerId="LiveId" clId="{A9A1ADFC-DFFF-4EF3-A07E-F043CCFD71AE}" dt="2023-02-16T21:07:47.789" v="5" actId="2696"/>
-        <pc:sldMkLst>
-          <pc:docMk/>
-          <pc:sldMk cId="3111376262" sldId="348"/>
-        </pc:sldMkLst>
-      </pc:sldChg>
-      <pc:sldChg chg="new del">
-        <pc:chgData name="Cole Helbig" userId="9e450ef9ae5ab990" providerId="LiveId" clId="{A9A1ADFC-DFFF-4EF3-A07E-F043CCFD71AE}" dt="2023-02-16T21:07:51.184" v="6" actId="2696"/>
-        <pc:sldMkLst>
-          <pc:docMk/>
-          <pc:sldMk cId="2995663611" sldId="349"/>
-        </pc:sldMkLst>
-      </pc:sldChg>
-      <pc:sldChg chg="new del">
-        <pc:chgData name="Cole Helbig" userId="9e450ef9ae5ab990" providerId="LiveId" clId="{A9A1ADFC-DFFF-4EF3-A07E-F043CCFD71AE}" dt="2023-02-16T21:07:54.282" v="7" actId="2696"/>
-        <pc:sldMkLst>
-          <pc:docMk/>
-          <pc:sldMk cId="1098924057" sldId="350"/>
-        </pc:sldMkLst>
-      </pc:sldChg>
-    </pc:docChg>
-  </pc:docChgLst>
 </pc:chgInfo>
 </file>
 
@@ -1017,7 +980,7 @@
           <a:p>
             <a:fld id="{80454385-8AA6-476F-B993-0A62B51145DD}" type="datetimeFigureOut">
               <a:rPr lang="en-US" smtClean="0"/>
-              <a:t>2/15/2023</a:t>
+              <a:t>2/21/2023</a:t>
             </a:fld>
             <a:endParaRPr lang="en-US"/>
           </a:p>
@@ -1463,7 +1426,7 @@
           <a:p>
             <a:fld id="{11671E59-BB83-45A2-A119-4CFDC198A103}" type="datetime1">
               <a:rPr lang="en-US" smtClean="0"/>
-              <a:t>2/15/2023</a:t>
+              <a:t>2/21/2023</a:t>
             </a:fld>
             <a:endParaRPr lang="en-US"/>
           </a:p>
@@ -1631,7 +1594,7 @@
           <a:p>
             <a:fld id="{5F68BF0F-6CEC-431F-A24B-3F3943565BAE}" type="datetime1">
               <a:rPr lang="en-US" smtClean="0"/>
-              <a:t>2/15/2023</a:t>
+              <a:t>2/21/2023</a:t>
             </a:fld>
             <a:endParaRPr lang="en-US"/>
           </a:p>
@@ -1809,7 +1772,7 @@
           <a:p>
             <a:fld id="{2C491CDD-7F30-4F0E-9996-87B6C1501A39}" type="datetime1">
               <a:rPr lang="en-US" smtClean="0"/>
-              <a:t>2/15/2023</a:t>
+              <a:t>2/21/2023</a:t>
             </a:fld>
             <a:endParaRPr lang="en-US"/>
           </a:p>
@@ -1977,7 +1940,7 @@
           <a:p>
             <a:fld id="{1476E99E-AFB1-4856-881A-E9CFDEA7CFD8}" type="datetime1">
               <a:rPr lang="en-US" smtClean="0"/>
-              <a:t>2/15/2023</a:t>
+              <a:t>2/21/2023</a:t>
             </a:fld>
             <a:endParaRPr lang="en-US"/>
           </a:p>
@@ -2222,7 +2185,7 @@
           <a:p>
             <a:fld id="{DF7C5D1F-9D9B-4429-9DC6-910D085DA42B}" type="datetime1">
               <a:rPr lang="en-US" smtClean="0"/>
-              <a:t>2/15/2023</a:t>
+              <a:t>2/21/2023</a:t>
             </a:fld>
             <a:endParaRPr lang="en-US"/>
           </a:p>
@@ -2507,7 +2470,7 @@
           <a:p>
             <a:fld id="{75C89C9D-A2FE-42E3-8847-75A4D28208D3}" type="datetime1">
               <a:rPr lang="en-US" smtClean="0"/>
-              <a:t>2/15/2023</a:t>
+              <a:t>2/21/2023</a:t>
             </a:fld>
             <a:endParaRPr lang="en-US"/>
           </a:p>
@@ -2926,7 +2889,7 @@
           <a:p>
             <a:fld id="{8E6DF7A5-EDB0-44C7-BAAD-F3B5B553E549}" type="datetime1">
               <a:rPr lang="en-US" smtClean="0"/>
-              <a:t>2/15/2023</a:t>
+              <a:t>2/21/2023</a:t>
             </a:fld>
             <a:endParaRPr lang="en-US"/>
           </a:p>
@@ -3043,7 +3006,7 @@
           <a:p>
             <a:fld id="{41502DCB-DFDF-4FE0-86D5-617D5692AEC8}" type="datetime1">
               <a:rPr lang="en-US" smtClean="0"/>
-              <a:t>2/15/2023</a:t>
+              <a:t>2/21/2023</a:t>
             </a:fld>
             <a:endParaRPr lang="en-US"/>
           </a:p>
@@ -3138,7 +3101,7 @@
           <a:p>
             <a:fld id="{DAAAC218-3E7D-47E1-81B3-0AA2B3421DD7}" type="datetime1">
               <a:rPr lang="en-US" smtClean="0"/>
-              <a:t>2/15/2023</a:t>
+              <a:t>2/21/2023</a:t>
             </a:fld>
             <a:endParaRPr lang="en-US"/>
           </a:p>
@@ -3413,7 +3376,7 @@
           <a:p>
             <a:fld id="{8174D001-B0B7-4BD9-9FB6-08D30BA5DE56}" type="datetime1">
               <a:rPr lang="en-US" smtClean="0"/>
-              <a:t>2/15/2023</a:t>
+              <a:t>2/21/2023</a:t>
             </a:fld>
             <a:endParaRPr lang="en-US"/>
           </a:p>
@@ -3665,7 +3628,7 @@
           <a:p>
             <a:fld id="{38B56C4B-47A3-42BC-9CFE-58F02AA4D0F2}" type="datetime1">
               <a:rPr lang="en-US" smtClean="0"/>
-              <a:t>2/15/2023</a:t>
+              <a:t>2/21/2023</a:t>
             </a:fld>
             <a:endParaRPr lang="en-US"/>
           </a:p>
@@ -3876,7 +3839,7 @@
           <a:p>
             <a:fld id="{DB7A4736-C27A-4407-A2B4-E126A37D22E1}" type="datetime1">
               <a:rPr lang="en-US" smtClean="0"/>
-              <a:t>2/15/2023</a:t>
+              <a:t>2/21/2023</a:t>
             </a:fld>
             <a:endParaRPr lang="en-US"/>
           </a:p>
@@ -4510,7 +4473,7 @@
         </p:blipFill>
         <p:spPr>
           <a:xfrm>
-            <a:off x="4267200" y="3124200"/>
+            <a:off x="4267200" y="3733800"/>
             <a:ext cx="609600" cy="609600"/>
           </a:xfrm>
           <a:prstGeom prst="rect">
@@ -4540,6 +4503,9 @@
                     <p:cTn id="3" fill="hold">
                       <p:stCondLst>
                         <p:cond delay="indefinite"/>
+                        <p:cond evt="onBegin" delay="0">
+                          <p:tn val="2"/>
+                        </p:cond>
                       </p:stCondLst>
                       <p:childTnLst>
                         <p:par>
@@ -4549,7 +4515,7 @@
                             </p:stCondLst>
                             <p:childTnLst>
                               <p:par>
-                                <p:cTn id="5" presetID="1" presetClass="mediacall" presetSubtype="0" fill="hold" nodeType="clickEffect">
+                                <p:cTn id="5" presetID="1" presetClass="mediacall" presetSubtype="0" fill="hold" nodeType="afterEffect">
                                   <p:stCondLst>
                                     <p:cond delay="0"/>
                                   </p:stCondLst>
@@ -4819,6 +4785,9 @@
                     <p:cTn id="3" fill="hold">
                       <p:stCondLst>
                         <p:cond delay="indefinite"/>
+                        <p:cond evt="onBegin" delay="0">
+                          <p:tn val="2"/>
+                        </p:cond>
                       </p:stCondLst>
                       <p:childTnLst>
                         <p:par>
@@ -4828,7 +4797,7 @@
                             </p:stCondLst>
                             <p:childTnLst>
                               <p:par>
-                                <p:cTn id="5" presetID="1" presetClass="mediacall" presetSubtype="0" fill="hold" nodeType="clickEffect">
+                                <p:cTn id="5" presetID="1" presetClass="mediacall" presetSubtype="0" fill="hold" nodeType="afterEffect">
                                   <p:stCondLst>
                                     <p:cond delay="0"/>
                                   </p:stCondLst>
@@ -5069,7 +5038,7 @@
         </p:blipFill>
         <p:spPr>
           <a:xfrm>
-            <a:off x="4267200" y="3124200"/>
+            <a:off x="4267200" y="3871064"/>
             <a:ext cx="609600" cy="609600"/>
           </a:xfrm>
           <a:prstGeom prst="rect">
@@ -5099,6 +5068,9 @@
                     <p:cTn id="3" fill="hold">
                       <p:stCondLst>
                         <p:cond delay="indefinite"/>
+                        <p:cond evt="onBegin" delay="0">
+                          <p:tn val="2"/>
+                        </p:cond>
                       </p:stCondLst>
                       <p:childTnLst>
                         <p:par>
@@ -5108,7 +5080,7 @@
                             </p:stCondLst>
                             <p:childTnLst>
                               <p:par>
-                                <p:cTn id="5" presetID="1" presetClass="mediacall" presetSubtype="0" fill="hold" nodeType="clickEffect">
+                                <p:cTn id="5" presetID="1" presetClass="mediacall" presetSubtype="0" fill="hold" nodeType="afterEffect">
                                   <p:stCondLst>
                                     <p:cond delay="0"/>
                                   </p:stCondLst>
@@ -5347,7 +5319,7 @@
         </p:blipFill>
         <p:spPr>
           <a:xfrm>
-            <a:off x="4267200" y="3124200"/>
+            <a:off x="4267200" y="3733800"/>
             <a:ext cx="609600" cy="609600"/>
           </a:xfrm>
           <a:prstGeom prst="rect">
@@ -5377,6 +5349,9 @@
                     <p:cTn id="3" fill="hold">
                       <p:stCondLst>
                         <p:cond delay="indefinite"/>
+                        <p:cond evt="onBegin" delay="0">
+                          <p:tn val="2"/>
+                        </p:cond>
                       </p:stCondLst>
                       <p:childTnLst>
                         <p:par>
@@ -5386,7 +5361,7 @@
                             </p:stCondLst>
                             <p:childTnLst>
                               <p:par>
-                                <p:cTn id="5" presetID="1" presetClass="mediacall" presetSubtype="0" fill="hold" nodeType="clickEffect">
+                                <p:cTn id="5" presetID="1" presetClass="mediacall" presetSubtype="0" fill="hold" nodeType="afterEffect">
                                   <p:stCondLst>
                                     <p:cond delay="0"/>
                                   </p:stCondLst>
@@ -5629,7 +5604,7 @@
         </p:blipFill>
         <p:spPr>
           <a:xfrm>
-            <a:off x="4267200" y="3124200"/>
+            <a:off x="4267200" y="3558381"/>
             <a:ext cx="609600" cy="609600"/>
           </a:xfrm>
           <a:prstGeom prst="rect">
@@ -5659,6 +5634,9 @@
                     <p:cTn id="3" fill="hold">
                       <p:stCondLst>
                         <p:cond delay="indefinite"/>
+                        <p:cond evt="onBegin" delay="0">
+                          <p:tn val="2"/>
+                        </p:cond>
                       </p:stCondLst>
                       <p:childTnLst>
                         <p:par>
@@ -5668,7 +5646,7 @@
                             </p:stCondLst>
                             <p:childTnLst>
                               <p:par>
-                                <p:cTn id="5" presetID="1" presetClass="mediacall" presetSubtype="0" fill="hold" nodeType="clickEffect">
+                                <p:cTn id="5" presetID="1" presetClass="mediacall" presetSubtype="0" fill="hold" nodeType="afterEffect">
                                   <p:stCondLst>
                                     <p:cond delay="0"/>
                                   </p:stCondLst>
@@ -5915,7 +5893,7 @@
         </p:blipFill>
         <p:spPr>
           <a:xfrm>
-            <a:off x="4267200" y="3124200"/>
+            <a:off x="4267200" y="3918360"/>
             <a:ext cx="609600" cy="609600"/>
           </a:xfrm>
           <a:prstGeom prst="rect">
@@ -5945,6 +5923,9 @@
                     <p:cTn id="3" fill="hold">
                       <p:stCondLst>
                         <p:cond delay="indefinite"/>
+                        <p:cond evt="onBegin" delay="0">
+                          <p:tn val="2"/>
+                        </p:cond>
                       </p:stCondLst>
                       <p:childTnLst>
                         <p:par>
@@ -5954,7 +5935,7 @@
                             </p:stCondLst>
                             <p:childTnLst>
                               <p:par>
-                                <p:cTn id="5" presetID="1" presetClass="mediacall" presetSubtype="0" fill="hold" nodeType="clickEffect">
+                                <p:cTn id="5" presetID="1" presetClass="mediacall" presetSubtype="0" fill="hold" nodeType="afterEffect">
                                   <p:stCondLst>
                                     <p:cond delay="0"/>
                                   </p:stCondLst>
@@ -6201,7 +6182,7 @@
         </p:blipFill>
         <p:spPr>
           <a:xfrm>
-            <a:off x="4267200" y="3124200"/>
+            <a:off x="4267200" y="3558381"/>
             <a:ext cx="609600" cy="609600"/>
           </a:xfrm>
           <a:prstGeom prst="rect">
@@ -6231,6 +6212,9 @@
                     <p:cTn id="3" fill="hold">
                       <p:stCondLst>
                         <p:cond delay="indefinite"/>
+                        <p:cond evt="onBegin" delay="0">
+                          <p:tn val="2"/>
+                        </p:cond>
                       </p:stCondLst>
                       <p:childTnLst>
                         <p:par>
@@ -6240,7 +6224,7 @@
                             </p:stCondLst>
                             <p:childTnLst>
                               <p:par>
-                                <p:cTn id="5" presetID="1" presetClass="mediacall" presetSubtype="0" fill="hold" nodeType="clickEffect">
+                                <p:cTn id="5" presetID="1" presetClass="mediacall" presetSubtype="0" fill="hold" nodeType="afterEffect">
                                   <p:stCondLst>
                                     <p:cond delay="0"/>
                                   </p:stCondLst>
@@ -6487,7 +6471,7 @@
         </p:blipFill>
         <p:spPr>
           <a:xfrm>
-            <a:off x="4267200" y="3124200"/>
+            <a:off x="4267200" y="3733800"/>
             <a:ext cx="609600" cy="609600"/>
           </a:xfrm>
           <a:prstGeom prst="rect">
@@ -6517,6 +6501,9 @@
                     <p:cTn id="3" fill="hold">
                       <p:stCondLst>
                         <p:cond delay="indefinite"/>
+                        <p:cond evt="onBegin" delay="0">
+                          <p:tn val="2"/>
+                        </p:cond>
                       </p:stCondLst>
                       <p:childTnLst>
                         <p:par>
@@ -6526,7 +6513,7 @@
                             </p:stCondLst>
                             <p:childTnLst>
                               <p:par>
-                                <p:cTn id="5" presetID="1" presetClass="mediacall" presetSubtype="0" fill="hold" nodeType="clickEffect">
+                                <p:cTn id="5" presetID="1" presetClass="mediacall" presetSubtype="0" fill="hold" nodeType="afterEffect">
                                   <p:stCondLst>
                                     <p:cond delay="0"/>
                                   </p:stCondLst>
@@ -6769,7 +6756,7 @@
         </p:blipFill>
         <p:spPr>
           <a:xfrm>
-            <a:off x="4267200" y="3124200"/>
+            <a:off x="4267200" y="3839533"/>
             <a:ext cx="609600" cy="609600"/>
           </a:xfrm>
           <a:prstGeom prst="rect">
@@ -6799,6 +6786,9 @@
                     <p:cTn id="3" fill="hold">
                       <p:stCondLst>
                         <p:cond delay="indefinite"/>
+                        <p:cond evt="onBegin" delay="0">
+                          <p:tn val="2"/>
+                        </p:cond>
                       </p:stCondLst>
                       <p:childTnLst>
                         <p:par>
@@ -6808,7 +6798,7 @@
                             </p:stCondLst>
                             <p:childTnLst>
                               <p:par>
-                                <p:cTn id="5" presetID="1" presetClass="mediacall" presetSubtype="0" fill="hold" nodeType="clickEffect">
+                                <p:cTn id="5" presetID="1" presetClass="mediacall" presetSubtype="0" fill="hold" nodeType="afterEffect">
                                   <p:stCondLst>
                                     <p:cond delay="0"/>
                                   </p:stCondLst>
@@ -7051,7 +7041,7 @@
         </p:blipFill>
         <p:spPr>
           <a:xfrm>
-            <a:off x="4267200" y="3124200"/>
+            <a:off x="4267200" y="3733800"/>
             <a:ext cx="609600" cy="609600"/>
           </a:xfrm>
           <a:prstGeom prst="rect">
@@ -7081,6 +7071,9 @@
                     <p:cTn id="3" fill="hold">
                       <p:stCondLst>
                         <p:cond delay="indefinite"/>
+                        <p:cond evt="onBegin" delay="0">
+                          <p:tn val="2"/>
+                        </p:cond>
                       </p:stCondLst>
                       <p:childTnLst>
                         <p:par>
@@ -7090,7 +7083,7 @@
                             </p:stCondLst>
                             <p:childTnLst>
                               <p:par>
-                                <p:cTn id="5" presetID="1" presetClass="mediacall" presetSubtype="0" fill="hold" nodeType="clickEffect">
+                                <p:cTn id="5" presetID="1" presetClass="mediacall" presetSubtype="0" fill="hold" nodeType="afterEffect">
                                   <p:stCondLst>
                                     <p:cond delay="0"/>
                                   </p:stCondLst>
@@ -7485,7 +7478,7 @@
         </p:blipFill>
         <p:spPr>
           <a:xfrm>
-            <a:off x="4267200" y="3124200"/>
+            <a:off x="4267200" y="3886829"/>
             <a:ext cx="609600" cy="609600"/>
           </a:xfrm>
           <a:prstGeom prst="rect">
@@ -7515,6 +7508,9 @@
                     <p:cTn id="3" fill="hold">
                       <p:stCondLst>
                         <p:cond delay="indefinite"/>
+                        <p:cond evt="onBegin" delay="0">
+                          <p:tn val="2"/>
+                        </p:cond>
                       </p:stCondLst>
                       <p:childTnLst>
                         <p:par>
@@ -7524,7 +7520,7 @@
                             </p:stCondLst>
                             <p:childTnLst>
                               <p:par>
-                                <p:cTn id="5" presetID="1" presetClass="mediacall" presetSubtype="0" fill="hold" nodeType="clickEffect">
+                                <p:cTn id="5" presetID="1" presetClass="mediacall" presetSubtype="0" fill="hold" nodeType="afterEffect">
                                   <p:stCondLst>
                                     <p:cond delay="0"/>
                                   </p:stCondLst>
@@ -7761,7 +7757,7 @@
         </p:blipFill>
         <p:spPr>
           <a:xfrm>
-            <a:off x="5332520" y="4367073"/>
+            <a:off x="4267200" y="4209418"/>
             <a:ext cx="609600" cy="609600"/>
           </a:xfrm>
           <a:prstGeom prst="rect">
@@ -7791,6 +7787,9 @@
                     <p:cTn id="3" fill="hold">
                       <p:stCondLst>
                         <p:cond delay="indefinite"/>
+                        <p:cond evt="onBegin" delay="0">
+                          <p:tn val="2"/>
+                        </p:cond>
                       </p:stCondLst>
                       <p:childTnLst>
                         <p:par>
@@ -7800,7 +7799,7 @@
                             </p:stCondLst>
                             <p:childTnLst>
                               <p:par>
-                                <p:cTn id="5" presetID="1" presetClass="mediacall" presetSubtype="0" fill="hold" nodeType="clickEffect">
+                                <p:cTn id="5" presetID="1" presetClass="mediacall" presetSubtype="0" fill="hold" nodeType="afterEffect">
                                   <p:stCondLst>
                                     <p:cond delay="0"/>
                                   </p:stCondLst>
@@ -8037,7 +8036,7 @@
         </p:blipFill>
         <p:spPr>
           <a:xfrm>
-            <a:off x="4267200" y="3124200"/>
+            <a:off x="4267200" y="3773214"/>
             <a:ext cx="609600" cy="609600"/>
           </a:xfrm>
           <a:prstGeom prst="rect">
@@ -8067,6 +8066,9 @@
                     <p:cTn id="3" fill="hold">
                       <p:stCondLst>
                         <p:cond delay="indefinite"/>
+                        <p:cond evt="onBegin" delay="0">
+                          <p:tn val="2"/>
+                        </p:cond>
                       </p:stCondLst>
                       <p:childTnLst>
                         <p:par>
@@ -8076,7 +8078,7 @@
                             </p:stCondLst>
                             <p:childTnLst>
                               <p:par>
-                                <p:cTn id="5" presetID="1" presetClass="mediacall" presetSubtype="0" fill="hold" nodeType="clickEffect">
+                                <p:cTn id="5" presetID="1" presetClass="mediacall" presetSubtype="0" fill="hold" nodeType="afterEffect">
                                   <p:stCondLst>
                                     <p:cond delay="0"/>
                                   </p:stCondLst>
@@ -8308,7 +8310,7 @@
         </p:blipFill>
         <p:spPr>
           <a:xfrm>
-            <a:off x="4267200" y="3124200"/>
+            <a:off x="4267200" y="3558381"/>
             <a:ext cx="609600" cy="609600"/>
           </a:xfrm>
           <a:prstGeom prst="rect">
@@ -8338,6 +8340,9 @@
                     <p:cTn id="3" fill="hold">
                       <p:stCondLst>
                         <p:cond delay="indefinite"/>
+                        <p:cond evt="onBegin" delay="0">
+                          <p:tn val="2"/>
+                        </p:cond>
                       </p:stCondLst>
                       <p:childTnLst>
                         <p:par>
@@ -8347,7 +8352,7 @@
                             </p:stCondLst>
                             <p:childTnLst>
                               <p:par>
-                                <p:cTn id="5" presetID="1" presetClass="mediacall" presetSubtype="0" fill="hold" nodeType="clickEffect">
+                                <p:cTn id="5" presetID="1" presetClass="mediacall" presetSubtype="0" fill="hold" nodeType="afterEffect">
                                   <p:stCondLst>
                                     <p:cond delay="0"/>
                                   </p:stCondLst>
@@ -8583,7 +8588,7 @@
         </p:blipFill>
         <p:spPr>
           <a:xfrm>
-            <a:off x="4267200" y="3124200"/>
+            <a:off x="4267200" y="3733800"/>
             <a:ext cx="609600" cy="609600"/>
           </a:xfrm>
           <a:prstGeom prst="rect">
@@ -8613,6 +8618,9 @@
                     <p:cTn id="3" fill="hold">
                       <p:stCondLst>
                         <p:cond delay="indefinite"/>
+                        <p:cond evt="onBegin" delay="0">
+                          <p:tn val="2"/>
+                        </p:cond>
                       </p:stCondLst>
                       <p:childTnLst>
                         <p:par>
@@ -8622,7 +8630,7 @@
                             </p:stCondLst>
                             <p:childTnLst>
                               <p:par>
-                                <p:cTn id="5" presetID="1" presetClass="mediacall" presetSubtype="0" fill="hold" nodeType="clickEffect">
+                                <p:cTn id="5" presetID="1" presetClass="mediacall" presetSubtype="0" fill="hold" nodeType="afterEffect">
                                   <p:stCondLst>
                                     <p:cond delay="0"/>
                                   </p:stCondLst>
@@ -8858,7 +8866,7 @@
         </p:blipFill>
         <p:spPr>
           <a:xfrm>
-            <a:off x="4267200" y="3124200"/>
+            <a:off x="4267200" y="4007069"/>
             <a:ext cx="609600" cy="609600"/>
           </a:xfrm>
           <a:prstGeom prst="rect">
@@ -8888,6 +8896,9 @@
                     <p:cTn id="3" fill="hold">
                       <p:stCondLst>
                         <p:cond delay="indefinite"/>
+                        <p:cond evt="onBegin" delay="0">
+                          <p:tn val="2"/>
+                        </p:cond>
                       </p:stCondLst>
                       <p:childTnLst>
                         <p:par>
@@ -8897,7 +8908,7 @@
                             </p:stCondLst>
                             <p:childTnLst>
                               <p:par>
-                                <p:cTn id="5" presetID="1" presetClass="mediacall" presetSubtype="0" fill="hold" nodeType="clickEffect">
+                                <p:cTn id="5" presetID="1" presetClass="mediacall" presetSubtype="0" fill="hold" nodeType="afterEffect">
                                   <p:stCondLst>
                                     <p:cond delay="0"/>
                                   </p:stCondLst>
@@ -9163,6 +9174,9 @@
                     <p:cTn id="3" fill="hold">
                       <p:stCondLst>
                         <p:cond delay="indefinite"/>
+                        <p:cond evt="onBegin" delay="0">
+                          <p:tn val="2"/>
+                        </p:cond>
                       </p:stCondLst>
                       <p:childTnLst>
                         <p:par>
@@ -9172,7 +9186,7 @@
                             </p:stCondLst>
                             <p:childTnLst>
                               <p:par>
-                                <p:cTn id="5" presetID="1" presetClass="mediacall" presetSubtype="0" fill="hold" nodeType="clickEffect">
+                                <p:cTn id="5" presetID="1" presetClass="mediacall" presetSubtype="0" fill="hold" nodeType="afterEffect">
                                   <p:stCondLst>
                                     <p:cond delay="0"/>
                                   </p:stCondLst>
@@ -9434,6 +9448,9 @@
                     <p:cTn id="3" fill="hold">
                       <p:stCondLst>
                         <p:cond delay="indefinite"/>
+                        <p:cond evt="onBegin" delay="0">
+                          <p:tn val="2"/>
+                        </p:cond>
                       </p:stCondLst>
                       <p:childTnLst>
                         <p:par>
@@ -9443,7 +9460,7 @@
                             </p:stCondLst>
                             <p:childTnLst>
                               <p:par>
-                                <p:cTn id="5" presetID="1" presetClass="mediacall" presetSubtype="0" fill="hold" nodeType="clickEffect">
+                                <p:cTn id="5" presetID="1" presetClass="mediacall" presetSubtype="0" fill="hold" nodeType="afterEffect">
                                   <p:stCondLst>
                                     <p:cond delay="0"/>
                                   </p:stCondLst>
@@ -9679,7 +9696,7 @@
         </p:blipFill>
         <p:spPr>
           <a:xfrm>
-            <a:off x="4293833" y="3558381"/>
+            <a:off x="4267200" y="3863181"/>
             <a:ext cx="609600" cy="609600"/>
           </a:xfrm>
           <a:prstGeom prst="rect">
@@ -9709,6 +9726,9 @@
                     <p:cTn id="3" fill="hold">
                       <p:stCondLst>
                         <p:cond delay="indefinite"/>
+                        <p:cond evt="onBegin" delay="0">
+                          <p:tn val="2"/>
+                        </p:cond>
                       </p:stCondLst>
                       <p:childTnLst>
                         <p:par>
@@ -9718,7 +9738,7 @@
                             </p:stCondLst>
                             <p:childTnLst>
                               <p:par>
-                                <p:cTn id="5" presetID="1" presetClass="mediacall" presetSubtype="0" fill="hold" nodeType="clickEffect">
+                                <p:cTn id="5" presetID="1" presetClass="mediacall" presetSubtype="0" fill="hold" nodeType="afterEffect">
                                   <p:stCondLst>
                                     <p:cond delay="0"/>
                                   </p:stCondLst>
@@ -9980,6 +10000,9 @@
                     <p:cTn id="3" fill="hold">
                       <p:stCondLst>
                         <p:cond delay="indefinite"/>
+                        <p:cond evt="onBegin" delay="0">
+                          <p:tn val="2"/>
+                        </p:cond>
                       </p:stCondLst>
                       <p:childTnLst>
                         <p:par>
@@ -9989,7 +10012,7 @@
                             </p:stCondLst>
                             <p:childTnLst>
                               <p:par>
-                                <p:cTn id="5" presetID="1" presetClass="mediacall" presetSubtype="0" fill="hold" nodeType="clickEffect">
+                                <p:cTn id="5" presetID="1" presetClass="mediacall" presetSubtype="0" fill="hold" nodeType="afterEffect">
                                   <p:stCondLst>
                                     <p:cond delay="0"/>
                                   </p:stCondLst>
@@ -10259,6 +10282,9 @@
                     <p:cTn id="3" fill="hold">
                       <p:stCondLst>
                         <p:cond delay="indefinite"/>
+                        <p:cond evt="onBegin" delay="0">
+                          <p:tn val="2"/>
+                        </p:cond>
                       </p:stCondLst>
                       <p:childTnLst>
                         <p:par>
@@ -10268,7 +10294,7 @@
                             </p:stCondLst>
                             <p:childTnLst>
                               <p:par>
-                                <p:cTn id="5" presetID="1" presetClass="mediacall" presetSubtype="0" fill="hold" nodeType="clickEffect">
+                                <p:cTn id="5" presetID="1" presetClass="mediacall" presetSubtype="0" fill="hold" nodeType="afterEffect">
                                   <p:stCondLst>
                                     <p:cond delay="0"/>
                                   </p:stCondLst>
@@ -10530,6 +10556,9 @@
                     <p:cTn id="3" fill="hold">
                       <p:stCondLst>
                         <p:cond delay="indefinite"/>
+                        <p:cond evt="onBegin" delay="0">
+                          <p:tn val="2"/>
+                        </p:cond>
                       </p:stCondLst>
                       <p:childTnLst>
                         <p:par>
@@ -10539,7 +10568,7 @@
                             </p:stCondLst>
                             <p:childTnLst>
                               <p:par>
-                                <p:cTn id="5" presetID="1" presetClass="mediacall" presetSubtype="0" fill="hold" nodeType="clickEffect">
+                                <p:cTn id="5" presetID="1" presetClass="mediacall" presetSubtype="0" fill="hold" nodeType="afterEffect">
                                   <p:stCondLst>
                                     <p:cond delay="0"/>
                                   </p:stCondLst>
@@ -10801,6 +10830,9 @@
                     <p:cTn id="3" fill="hold">
                       <p:stCondLst>
                         <p:cond delay="indefinite"/>
+                        <p:cond evt="onBegin" delay="0">
+                          <p:tn val="2"/>
+                        </p:cond>
                       </p:stCondLst>
                       <p:childTnLst>
                         <p:par>
@@ -10810,7 +10842,7 @@
                             </p:stCondLst>
                             <p:childTnLst>
                               <p:par>
-                                <p:cTn id="5" presetID="1" presetClass="mediacall" presetSubtype="0" fill="hold" nodeType="clickEffect">
+                                <p:cTn id="5" presetID="1" presetClass="mediacall" presetSubtype="0" fill="hold" nodeType="afterEffect">
                                   <p:stCondLst>
                                     <p:cond delay="0"/>
                                   </p:stCondLst>
@@ -11046,7 +11078,7 @@
         </p:blipFill>
         <p:spPr>
           <a:xfrm>
-            <a:off x="4267200" y="3124200"/>
+            <a:off x="4267200" y="3733800"/>
             <a:ext cx="609600" cy="609600"/>
           </a:xfrm>
           <a:prstGeom prst="rect">
@@ -11076,6 +11108,9 @@
                     <p:cTn id="3" fill="hold">
                       <p:stCondLst>
                         <p:cond delay="indefinite"/>
+                        <p:cond evt="onBegin" delay="0">
+                          <p:tn val="2"/>
+                        </p:cond>
                       </p:stCondLst>
                       <p:childTnLst>
                         <p:par>
@@ -11085,7 +11120,7 @@
                             </p:stCondLst>
                             <p:childTnLst>
                               <p:par>
-                                <p:cTn id="5" presetID="1" presetClass="mediacall" presetSubtype="0" fill="hold" nodeType="clickEffect">
+                                <p:cTn id="5" presetID="1" presetClass="mediacall" presetSubtype="0" fill="hold" nodeType="afterEffect">
                                   <p:stCondLst>
                                     <p:cond delay="0"/>
                                   </p:stCondLst>
@@ -11317,7 +11352,7 @@
         </p:blipFill>
         <p:spPr>
           <a:xfrm>
-            <a:off x="4267200" y="3124200"/>
+            <a:off x="4267200" y="3647090"/>
             <a:ext cx="609600" cy="609600"/>
           </a:xfrm>
           <a:prstGeom prst="rect">
@@ -11347,6 +11382,9 @@
                     <p:cTn id="3" fill="hold">
                       <p:stCondLst>
                         <p:cond delay="indefinite"/>
+                        <p:cond evt="onBegin" delay="0">
+                          <p:tn val="2"/>
+                        </p:cond>
                       </p:stCondLst>
                       <p:childTnLst>
                         <p:par>
@@ -11356,7 +11394,7 @@
                             </p:stCondLst>
                             <p:childTnLst>
                               <p:par>
-                                <p:cTn id="5" presetID="1" presetClass="mediacall" presetSubtype="0" fill="hold" nodeType="clickEffect">
+                                <p:cTn id="5" presetID="1" presetClass="mediacall" presetSubtype="0" fill="hold" nodeType="afterEffect">
                                   <p:stCondLst>
                                     <p:cond delay="0"/>
                                   </p:stCondLst>
@@ -11592,7 +11630,7 @@
         </p:blipFill>
         <p:spPr>
           <a:xfrm>
-            <a:off x="4267200" y="3124200"/>
+            <a:off x="4267200" y="3863181"/>
             <a:ext cx="609600" cy="609600"/>
           </a:xfrm>
           <a:prstGeom prst="rect">
@@ -11622,6 +11660,9 @@
                     <p:cTn id="3" fill="hold">
                       <p:stCondLst>
                         <p:cond delay="indefinite"/>
+                        <p:cond evt="onBegin" delay="0">
+                          <p:tn val="2"/>
+                        </p:cond>
                       </p:stCondLst>
                       <p:childTnLst>
                         <p:par>
@@ -11631,7 +11672,7 @@
                             </p:stCondLst>
                             <p:childTnLst>
                               <p:par>
-                                <p:cTn id="5" presetID="1" presetClass="mediacall" presetSubtype="0" fill="hold" nodeType="clickEffect">
+                                <p:cTn id="5" presetID="1" presetClass="mediacall" presetSubtype="0" fill="hold" nodeType="afterEffect">
                                   <p:stCondLst>
                                     <p:cond delay="0"/>
                                   </p:stCondLst>
@@ -11871,7 +11912,7 @@
         </p:blipFill>
         <p:spPr>
           <a:xfrm>
-            <a:off x="4267200" y="3124200"/>
+            <a:off x="4267200" y="3820510"/>
             <a:ext cx="609600" cy="609600"/>
           </a:xfrm>
           <a:prstGeom prst="rect">
@@ -11901,6 +11942,9 @@
                     <p:cTn id="3" fill="hold">
                       <p:stCondLst>
                         <p:cond delay="indefinite"/>
+                        <p:cond evt="onBegin" delay="0">
+                          <p:tn val="2"/>
+                        </p:cond>
                       </p:stCondLst>
                       <p:childTnLst>
                         <p:par>
@@ -11910,7 +11954,7 @@
                             </p:stCondLst>
                             <p:childTnLst>
                               <p:par>
-                                <p:cTn id="5" presetID="1" presetClass="mediacall" presetSubtype="0" fill="hold" nodeType="clickEffect">
+                                <p:cTn id="5" presetID="1" presetClass="mediacall" presetSubtype="0" fill="hold" nodeType="afterEffect">
                                   <p:stCondLst>
                                     <p:cond delay="0"/>
                                   </p:stCondLst>
@@ -12142,7 +12186,7 @@
         </p:blipFill>
         <p:spPr>
           <a:xfrm>
-            <a:off x="4267200" y="3124200"/>
+            <a:off x="4267200" y="3863181"/>
             <a:ext cx="609600" cy="609600"/>
           </a:xfrm>
           <a:prstGeom prst="rect">
@@ -12172,6 +12216,9 @@
                     <p:cTn id="3" fill="hold">
                       <p:stCondLst>
                         <p:cond delay="indefinite"/>
+                        <p:cond evt="onBegin" delay="0">
+                          <p:tn val="2"/>
+                        </p:cond>
                       </p:stCondLst>
                       <p:childTnLst>
                         <p:par>
@@ -12181,7 +12228,7 @@
                             </p:stCondLst>
                             <p:childTnLst>
                               <p:par>
-                                <p:cTn id="5" presetID="1" presetClass="mediacall" presetSubtype="0" fill="hold" nodeType="clickEffect">
+                                <p:cTn id="5" presetID="1" presetClass="mediacall" presetSubtype="0" fill="hold" nodeType="afterEffect">
                                   <p:stCondLst>
                                     <p:cond delay="0"/>
                                   </p:stCondLst>
@@ -12421,7 +12468,7 @@
         </p:blipFill>
         <p:spPr>
           <a:xfrm>
-            <a:off x="4267200" y="3124200"/>
+            <a:off x="4267200" y="3733800"/>
             <a:ext cx="609600" cy="609600"/>
           </a:xfrm>
           <a:prstGeom prst="rect">
@@ -12451,6 +12498,9 @@
                     <p:cTn id="3" fill="hold">
                       <p:stCondLst>
                         <p:cond delay="indefinite"/>
+                        <p:cond evt="onBegin" delay="0">
+                          <p:tn val="2"/>
+                        </p:cond>
                       </p:stCondLst>
                       <p:childTnLst>
                         <p:par>
@@ -12460,7 +12510,7 @@
                             </p:stCondLst>
                             <p:childTnLst>
                               <p:par>
-                                <p:cTn id="5" presetID="1" presetClass="mediacall" presetSubtype="0" fill="hold" nodeType="clickEffect">
+                                <p:cTn id="5" presetID="1" presetClass="mediacall" presetSubtype="0" fill="hold" nodeType="afterEffect">
                                   <p:stCondLst>
                                     <p:cond delay="0"/>
                                   </p:stCondLst>
@@ -12692,7 +12742,7 @@
         </p:blipFill>
         <p:spPr>
           <a:xfrm>
-            <a:off x="4267200" y="3124200"/>
+            <a:off x="4267200" y="3558381"/>
             <a:ext cx="609600" cy="609600"/>
           </a:xfrm>
           <a:prstGeom prst="rect">
@@ -12722,6 +12772,9 @@
                     <p:cTn id="3" fill="hold">
                       <p:stCondLst>
                         <p:cond delay="indefinite"/>
+                        <p:cond evt="onBegin" delay="0">
+                          <p:tn val="2"/>
+                        </p:cond>
                       </p:stCondLst>
                       <p:childTnLst>
                         <p:par>
@@ -12731,7 +12784,7 @@
                             </p:stCondLst>
                             <p:childTnLst>
                               <p:par>
-                                <p:cTn id="5" presetID="1" presetClass="mediacall" presetSubtype="0" fill="hold" nodeType="clickEffect">
+                                <p:cTn id="5" presetID="1" presetClass="mediacall" presetSubtype="0" fill="hold" nodeType="afterEffect">
                                   <p:stCondLst>
                                     <p:cond delay="0"/>
                                   </p:stCondLst>
@@ -12963,7 +13016,7 @@
         </p:blipFill>
         <p:spPr>
           <a:xfrm>
-            <a:off x="4267200" y="3124200"/>
+            <a:off x="4267200" y="3694386"/>
             <a:ext cx="609600" cy="609600"/>
           </a:xfrm>
           <a:prstGeom prst="rect">
@@ -12993,6 +13046,9 @@
                     <p:cTn id="3" fill="hold">
                       <p:stCondLst>
                         <p:cond delay="indefinite"/>
+                        <p:cond evt="onBegin" delay="0">
+                          <p:tn val="2"/>
+                        </p:cond>
                       </p:stCondLst>
                       <p:childTnLst>
                         <p:par>
@@ -13002,7 +13058,7 @@
                             </p:stCondLst>
                             <p:childTnLst>
                               <p:par>
-                                <p:cTn id="5" presetID="1" presetClass="mediacall" presetSubtype="0" fill="hold" nodeType="clickEffect">
+                                <p:cTn id="5" presetID="1" presetClass="mediacall" presetSubtype="0" fill="hold" nodeType="afterEffect">
                                   <p:stCondLst>
                                     <p:cond delay="0"/>
                                   </p:stCondLst>
@@ -13242,7 +13298,7 @@
         </p:blipFill>
         <p:spPr>
           <a:xfrm>
-            <a:off x="4267200" y="3124200"/>
+            <a:off x="4267200" y="4022834"/>
             <a:ext cx="609600" cy="609600"/>
           </a:xfrm>
           <a:prstGeom prst="rect">
@@ -13272,6 +13328,9 @@
                     <p:cTn id="3" fill="hold">
                       <p:stCondLst>
                         <p:cond delay="indefinite"/>
+                        <p:cond evt="onBegin" delay="0">
+                          <p:tn val="2"/>
+                        </p:cond>
                       </p:stCondLst>
                       <p:childTnLst>
                         <p:par>
@@ -13281,7 +13340,7 @@
                             </p:stCondLst>
                             <p:childTnLst>
                               <p:par>
-                                <p:cTn id="5" presetID="1" presetClass="mediacall" presetSubtype="0" fill="hold" nodeType="clickEffect">
+                                <p:cTn id="5" presetID="1" presetClass="mediacall" presetSubtype="0" fill="hold" nodeType="afterEffect">
                                   <p:stCondLst>
                                     <p:cond delay="0"/>
                                   </p:stCondLst>
@@ -13513,7 +13572,7 @@
         </p:blipFill>
         <p:spPr>
           <a:xfrm>
-            <a:off x="4267200" y="3124200"/>
+            <a:off x="4267200" y="3733800"/>
             <a:ext cx="609600" cy="609600"/>
           </a:xfrm>
           <a:prstGeom prst="rect">
@@ -13543,6 +13602,9 @@
                     <p:cTn id="3" fill="hold">
                       <p:stCondLst>
                         <p:cond delay="indefinite"/>
+                        <p:cond evt="onBegin" delay="0">
+                          <p:tn val="2"/>
+                        </p:cond>
                       </p:stCondLst>
                       <p:childTnLst>
                         <p:par>
@@ -13552,7 +13614,7 @@
                             </p:stCondLst>
                             <p:childTnLst>
                               <p:par>
-                                <p:cTn id="5" presetID="1" presetClass="mediacall" presetSubtype="0" fill="hold" nodeType="clickEffect">
+                                <p:cTn id="5" presetID="1" presetClass="mediacall" presetSubtype="0" fill="hold" nodeType="afterEffect">
                                   <p:stCondLst>
                                     <p:cond delay="0"/>
                                   </p:stCondLst>
@@ -13788,7 +13850,7 @@
         </p:blipFill>
         <p:spPr>
           <a:xfrm>
-            <a:off x="4267200" y="3124200"/>
+            <a:off x="4267200" y="3863181"/>
             <a:ext cx="609600" cy="609600"/>
           </a:xfrm>
           <a:prstGeom prst="rect">
@@ -13818,6 +13880,9 @@
                     <p:cTn id="3" fill="hold">
                       <p:stCondLst>
                         <p:cond delay="indefinite"/>
+                        <p:cond evt="onBegin" delay="0">
+                          <p:tn val="2"/>
+                        </p:cond>
                       </p:stCondLst>
                       <p:childTnLst>
                         <p:par>
@@ -13827,7 +13892,7 @@
                             </p:stCondLst>
                             <p:childTnLst>
                               <p:par>
-                                <p:cTn id="5" presetID="1" presetClass="mediacall" presetSubtype="0" fill="hold" nodeType="clickEffect">
+                                <p:cTn id="5" presetID="1" presetClass="mediacall" presetSubtype="0" fill="hold" nodeType="afterEffect">
                                   <p:stCondLst>
                                     <p:cond delay="0"/>
                                   </p:stCondLst>
@@ -14059,7 +14124,7 @@
         </p:blipFill>
         <p:spPr>
           <a:xfrm>
-            <a:off x="4267200" y="3124200"/>
+            <a:off x="4267200" y="3725917"/>
             <a:ext cx="609600" cy="609600"/>
           </a:xfrm>
           <a:prstGeom prst="rect">
@@ -14089,6 +14154,9 @@
                     <p:cTn id="3" fill="hold">
                       <p:stCondLst>
                         <p:cond delay="indefinite"/>
+                        <p:cond evt="onBegin" delay="0">
+                          <p:tn val="2"/>
+                        </p:cond>
                       </p:stCondLst>
                       <p:childTnLst>
                         <p:par>
@@ -14098,7 +14166,7 @@
                             </p:stCondLst>
                             <p:childTnLst>
                               <p:par>
-                                <p:cTn id="5" presetID="1" presetClass="mediacall" presetSubtype="0" fill="hold" nodeType="clickEffect">
+                                <p:cTn id="5" presetID="1" presetClass="mediacall" presetSubtype="0" fill="hold" nodeType="afterEffect">
                                   <p:stCondLst>
                                     <p:cond delay="0"/>
                                   </p:stCondLst>
@@ -14334,7 +14402,7 @@
         </p:blipFill>
         <p:spPr>
           <a:xfrm>
-            <a:off x="4267200" y="3124200"/>
+            <a:off x="4267200" y="3863181"/>
             <a:ext cx="609600" cy="609600"/>
           </a:xfrm>
           <a:prstGeom prst="rect">
@@ -14364,6 +14432,9 @@
                     <p:cTn id="3" fill="hold">
                       <p:stCondLst>
                         <p:cond delay="indefinite"/>
+                        <p:cond evt="onBegin" delay="0">
+                          <p:tn val="2"/>
+                        </p:cond>
                       </p:stCondLst>
                       <p:childTnLst>
                         <p:par>
@@ -14373,7 +14444,7 @@
                             </p:stCondLst>
                             <p:childTnLst>
                               <p:par>
-                                <p:cTn id="5" presetID="1" presetClass="mediacall" presetSubtype="0" fill="hold" nodeType="clickEffect">
+                                <p:cTn id="5" presetID="1" presetClass="mediacall" presetSubtype="0" fill="hold" nodeType="afterEffect">
                                   <p:stCondLst>
                                     <p:cond delay="0"/>
                                   </p:stCondLst>
@@ -14605,7 +14676,7 @@
         </p:blipFill>
         <p:spPr>
           <a:xfrm>
-            <a:off x="4267200" y="3124200"/>
+            <a:off x="4204138" y="3558381"/>
             <a:ext cx="609600" cy="609600"/>
           </a:xfrm>
           <a:prstGeom prst="rect">
@@ -14635,6 +14706,9 @@
                     <p:cTn id="3" fill="hold">
                       <p:stCondLst>
                         <p:cond delay="indefinite"/>
+                        <p:cond evt="onBegin" delay="0">
+                          <p:tn val="2"/>
+                        </p:cond>
                       </p:stCondLst>
                       <p:childTnLst>
                         <p:par>
@@ -14644,7 +14718,7 @@
                             </p:stCondLst>
                             <p:childTnLst>
                               <p:par>
-                                <p:cTn id="5" presetID="1" presetClass="mediacall" presetSubtype="0" fill="hold" nodeType="clickEffect">
+                                <p:cTn id="5" presetID="1" presetClass="mediacall" presetSubtype="0" fill="hold" nodeType="afterEffect">
                                   <p:stCondLst>
                                     <p:cond delay="0"/>
                                   </p:stCondLst>
@@ -14876,7 +14950,7 @@
         </p:blipFill>
         <p:spPr>
           <a:xfrm>
-            <a:off x="4267200" y="3124200"/>
+            <a:off x="4267200" y="3558381"/>
             <a:ext cx="609600" cy="609600"/>
           </a:xfrm>
           <a:prstGeom prst="rect">
@@ -14906,6 +14980,9 @@
                     <p:cTn id="3" fill="hold">
                       <p:stCondLst>
                         <p:cond delay="indefinite"/>
+                        <p:cond evt="onBegin" delay="0">
+                          <p:tn val="2"/>
+                        </p:cond>
                       </p:stCondLst>
                       <p:childTnLst>
                         <p:par>
@@ -14915,7 +14992,7 @@
                             </p:stCondLst>
                             <p:childTnLst>
                               <p:par>
-                                <p:cTn id="5" presetID="1" presetClass="mediacall" presetSubtype="0" fill="hold" nodeType="clickEffect">
+                                <p:cTn id="5" presetID="1" presetClass="mediacall" presetSubtype="0" fill="hold" nodeType="afterEffect">
                                   <p:stCondLst>
                                     <p:cond delay="0"/>
                                   </p:stCondLst>
@@ -15147,7 +15224,7 @@
         </p:blipFill>
         <p:spPr>
           <a:xfrm>
-            <a:off x="4267200" y="3124200"/>
+            <a:off x="4267200" y="3631324"/>
             <a:ext cx="609600" cy="609600"/>
           </a:xfrm>
           <a:prstGeom prst="rect">
@@ -15177,6 +15254,9 @@
                     <p:cTn id="3" fill="hold">
                       <p:stCondLst>
                         <p:cond delay="indefinite"/>
+                        <p:cond evt="onBegin" delay="0">
+                          <p:tn val="2"/>
+                        </p:cond>
                       </p:stCondLst>
                       <p:childTnLst>
                         <p:par>
@@ -15186,7 +15266,7 @@
                             </p:stCondLst>
                             <p:childTnLst>
                               <p:par>
-                                <p:cTn id="5" presetID="1" presetClass="mediacall" presetSubtype="0" fill="hold" nodeType="clickEffect">
+                                <p:cTn id="5" presetID="1" presetClass="mediacall" presetSubtype="0" fill="hold" nodeType="afterEffect">
                                   <p:stCondLst>
                                     <p:cond delay="0"/>
                                   </p:stCondLst>
@@ -15855,7 +15935,7 @@
         </p:blipFill>
         <p:spPr>
           <a:xfrm>
-            <a:off x="4267200" y="3124200"/>
+            <a:off x="4377559" y="4117427"/>
             <a:ext cx="609600" cy="609600"/>
           </a:xfrm>
           <a:prstGeom prst="rect">
@@ -15885,6 +15965,9 @@
                     <p:cTn id="3" fill="hold">
                       <p:stCondLst>
                         <p:cond delay="indefinite"/>
+                        <p:cond evt="onBegin" delay="0">
+                          <p:tn val="2"/>
+                        </p:cond>
                       </p:stCondLst>
                       <p:childTnLst>
                         <p:par>
@@ -15894,7 +15977,7 @@
                             </p:stCondLst>
                             <p:childTnLst>
                               <p:par>
-                                <p:cTn id="5" presetID="1" presetClass="mediacall" presetSubtype="0" fill="hold" nodeType="clickEffect">
+                                <p:cTn id="5" presetID="1" presetClass="mediacall" presetSubtype="0" fill="hold" nodeType="afterEffect">
                                   <p:stCondLst>
                                     <p:cond delay="0"/>
                                   </p:stCondLst>
@@ -17713,7 +17796,7 @@
         </p:blipFill>
         <p:spPr>
           <a:xfrm>
-            <a:off x="4267200" y="3124200"/>
+            <a:off x="4267200" y="3863181"/>
             <a:ext cx="609600" cy="609600"/>
           </a:xfrm>
           <a:prstGeom prst="rect">
@@ -17743,6 +17826,9 @@
                     <p:cTn id="3" fill="hold">
                       <p:stCondLst>
                         <p:cond delay="indefinite"/>
+                        <p:cond evt="onBegin" delay="0">
+                          <p:tn val="2"/>
+                        </p:cond>
                       </p:stCondLst>
                       <p:childTnLst>
                         <p:par>
@@ -17752,7 +17838,7 @@
                             </p:stCondLst>
                             <p:childTnLst>
                               <p:par>
-                                <p:cTn id="5" presetID="1" presetClass="mediacall" presetSubtype="0" fill="hold" nodeType="clickEffect">
+                                <p:cTn id="5" presetID="1" presetClass="mediacall" presetSubtype="0" fill="hold" nodeType="afterEffect">
                                   <p:stCondLst>
                                     <p:cond delay="0"/>
                                   </p:stCondLst>
@@ -19564,7 +19650,7 @@
         </p:blipFill>
         <p:spPr>
           <a:xfrm>
-            <a:off x="4267200" y="3124200"/>
+            <a:off x="4267200" y="4133193"/>
             <a:ext cx="609600" cy="609600"/>
           </a:xfrm>
           <a:prstGeom prst="rect">
@@ -19594,6 +19680,9 @@
                     <p:cTn id="3" fill="hold">
                       <p:stCondLst>
                         <p:cond delay="indefinite"/>
+                        <p:cond evt="onBegin" delay="0">
+                          <p:tn val="2"/>
+                        </p:cond>
                       </p:stCondLst>
                       <p:childTnLst>
                         <p:par>
@@ -19603,7 +19692,7 @@
                             </p:stCondLst>
                             <p:childTnLst>
                               <p:par>
-                                <p:cTn id="5" presetID="1" presetClass="mediacall" presetSubtype="0" fill="hold" nodeType="clickEffect">
+                                <p:cTn id="5" presetID="1" presetClass="mediacall" presetSubtype="0" fill="hold" nodeType="afterEffect">
                                   <p:stCondLst>
                                     <p:cond delay="0"/>
                                   </p:stCondLst>
@@ -21351,7 +21440,7 @@
         </p:blipFill>
         <p:spPr>
           <a:xfrm>
-            <a:off x="4267200" y="3124200"/>
+            <a:off x="4267200" y="3863181"/>
             <a:ext cx="609600" cy="609600"/>
           </a:xfrm>
           <a:prstGeom prst="rect">
@@ -21381,6 +21470,9 @@
                     <p:cTn id="3" fill="hold">
                       <p:stCondLst>
                         <p:cond delay="indefinite"/>
+                        <p:cond evt="onBegin" delay="0">
+                          <p:tn val="2"/>
+                        </p:cond>
                       </p:stCondLst>
                       <p:childTnLst>
                         <p:par>
@@ -21390,7 +21482,7 @@
                             </p:stCondLst>
                             <p:childTnLst>
                               <p:par>
-                                <p:cTn id="5" presetID="1" presetClass="mediacall" presetSubtype="0" fill="hold" nodeType="clickEffect">
+                                <p:cTn id="5" presetID="1" presetClass="mediacall" presetSubtype="0" fill="hold" nodeType="afterEffect">
                                   <p:stCondLst>
                                     <p:cond delay="0"/>
                                   </p:stCondLst>
@@ -23174,6 +23266,9 @@
                     <p:cTn id="3" fill="hold">
                       <p:stCondLst>
                         <p:cond delay="indefinite"/>
+                        <p:cond evt="onBegin" delay="0">
+                          <p:tn val="2"/>
+                        </p:cond>
                       </p:stCondLst>
                       <p:childTnLst>
                         <p:par>
@@ -23183,7 +23278,7 @@
                             </p:stCondLst>
                             <p:childTnLst>
                               <p:par>
-                                <p:cTn id="5" presetID="1" presetClass="mediacall" presetSubtype="0" fill="hold" nodeType="clickEffect">
+                                <p:cTn id="5" presetID="1" presetClass="mediacall" presetSubtype="0" fill="hold" nodeType="afterEffect">
                                   <p:stCondLst>
                                     <p:cond delay="0"/>
                                   </p:stCondLst>

--- a/StimPres/stimulus.pptx
+++ b/StimPres/stimulus.pptx
@@ -214,14 +214,6 @@
     </p:ext>
   </p:extLst>
 </p:presentation>
-</file>
-
-<file path=ppt/revisionInfo.xml><?xml version="1.0" encoding="utf-8"?>
-<p1510:revInfo xmlns:a="http://schemas.openxmlformats.org/drawingml/2006/main" xmlns:r="http://schemas.openxmlformats.org/officeDocument/2006/relationships" xmlns:p1510="http://schemas.microsoft.com/office/powerpoint/2015/10/main">
-  <p1510:revLst>
-    <p1510:client id="{45E9E116-4B16-4A09-8803-DE07C0E9016C}" v="4" dt="2023-02-15T21:33:58.033"/>
-  </p1510:revLst>
-</p1510:revInfo>
 </file>
 
 <file path=ppt/changesInfos/changesInfo1.xml><?xml version="1.0" encoding="utf-8"?>
@@ -895,6 +887,38 @@
       </pc:sldChg>
     </pc:docChg>
   </pc:docChgLst>
+  <pc:docChgLst>
+    <pc:chgData name="Cole Helbig" userId="9e450ef9ae5ab990" providerId="LiveId" clId="{A7B4AC83-1B6D-4597-A060-A23ED6FE7B3A}"/>
+    <pc:docChg chg="custSel modSld">
+      <pc:chgData name="Cole Helbig" userId="9e450ef9ae5ab990" providerId="LiveId" clId="{A7B4AC83-1B6D-4597-A060-A23ED6FE7B3A}" dt="2023-02-21T20:53:55.479" v="2" actId="478"/>
+      <pc:docMkLst>
+        <pc:docMk/>
+      </pc:docMkLst>
+      <pc:sldChg chg="delSp modSp mod">
+        <pc:chgData name="Cole Helbig" userId="9e450ef9ae5ab990" providerId="LiveId" clId="{A7B4AC83-1B6D-4597-A060-A23ED6FE7B3A}" dt="2023-02-21T20:53:55.479" v="2" actId="478"/>
+        <pc:sldMkLst>
+          <pc:docMk/>
+          <pc:sldMk cId="978033095" sldId="257"/>
+        </pc:sldMkLst>
+        <pc:spChg chg="mod">
+          <ac:chgData name="Cole Helbig" userId="9e450ef9ae5ab990" providerId="LiveId" clId="{A7B4AC83-1B6D-4597-A060-A23ED6FE7B3A}" dt="2023-02-21T20:53:44.751" v="1" actId="20577"/>
+          <ac:spMkLst>
+            <pc:docMk/>
+            <pc:sldMk cId="978033095" sldId="257"/>
+            <ac:spMk id="2" creationId="{3E103B1C-71F4-ADF6-896D-27E3B2D44585}"/>
+          </ac:spMkLst>
+        </pc:spChg>
+        <pc:spChg chg="del">
+          <ac:chgData name="Cole Helbig" userId="9e450ef9ae5ab990" providerId="LiveId" clId="{A7B4AC83-1B6D-4597-A060-A23ED6FE7B3A}" dt="2023-02-21T20:53:55.479" v="2" actId="478"/>
+          <ac:spMkLst>
+            <pc:docMk/>
+            <pc:sldMk cId="978033095" sldId="257"/>
+            <ac:spMk id="4" creationId="{893330F7-E48A-DDBA-A30A-E1B1F1F9C897}"/>
+          </ac:spMkLst>
+        </pc:spChg>
+      </pc:sldChg>
+    </pc:docChg>
+  </pc:docChgLst>
 </pc:chgInfo>
 </file>
 
@@ -7189,12 +7213,8 @@
           </a:bodyPr>
           <a:lstStyle/>
           <a:p>
-            <a:r>
-              <a:rPr lang="en-US"/>
-              <a:t>47</a:t>
-            </a:r>
             <a:br>
-              <a:rPr lang="en-US"/>
+              <a:rPr lang="en-US" dirty="0"/>
             </a:br>
             <a:endParaRPr lang="en-US" dirty="0"/>
           </a:p>
@@ -7222,50 +7242,6 @@
           <a:lstStyle/>
           <a:p>
             <a:endParaRPr lang="en-US" dirty="0"/>
-          </a:p>
-        </p:txBody>
-      </p:sp>
-      <p:sp>
-        <p:nvSpPr>
-          <p:cNvPr id="4" name="Multiplication Sign 3">
-            <a:extLst>
-              <a:ext uri="{FF2B5EF4-FFF2-40B4-BE49-F238E27FC236}">
-                <a16:creationId xmlns:a16="http://schemas.microsoft.com/office/drawing/2014/main" id="{893330F7-E48A-DDBA-A30A-E1B1F1F9C897}"/>
-              </a:ext>
-            </a:extLst>
-          </p:cNvPr>
-          <p:cNvSpPr/>
-          <p:nvPr/>
-        </p:nvSpPr>
-        <p:spPr>
-          <a:xfrm>
-            <a:off x="2920180" y="2310581"/>
-            <a:ext cx="2959510" cy="2487562"/>
-          </a:xfrm>
-          <a:prstGeom prst="mathMultiply">
-            <a:avLst/>
-          </a:prstGeom>
-        </p:spPr>
-        <p:style>
-          <a:lnRef idx="1">
-            <a:schemeClr val="accent1"/>
-          </a:lnRef>
-          <a:fillRef idx="3">
-            <a:schemeClr val="accent1"/>
-          </a:fillRef>
-          <a:effectRef idx="2">
-            <a:schemeClr val="accent1"/>
-          </a:effectRef>
-          <a:fontRef idx="minor">
-            <a:schemeClr val="lt1"/>
-          </a:fontRef>
-        </p:style>
-        <p:txBody>
-          <a:bodyPr rtlCol="0" anchor="ctr"/>
-          <a:lstStyle/>
-          <a:p>
-            <a:pPr algn="ctr"/>
-            <a:endParaRPr lang="en-US"/>
           </a:p>
         </p:txBody>
       </p:sp>

--- a/StimPres/stimulus.pptx
+++ b/StimPres/stimulus.pptx
@@ -214,6 +214,14 @@
     </p:ext>
   </p:extLst>
 </p:presentation>
+</file>
+
+<file path=ppt/revisionInfo.xml><?xml version="1.0" encoding="utf-8"?>
+<p1510:revInfo xmlns:a="http://schemas.openxmlformats.org/drawingml/2006/main" xmlns:r="http://schemas.openxmlformats.org/officeDocument/2006/relationships" xmlns:p1510="http://schemas.microsoft.com/office/powerpoint/2015/10/main">
+  <p1510:revLst>
+    <p1510:client id="{A7B4AC83-1B6D-4597-A060-A23ED6FE7B3A}" v="46" dt="2023-03-08T18:39:56.079"/>
+  </p1510:revLst>
+</p1510:revInfo>
 </file>
 
 <file path=ppt/changesInfos/changesInfo1.xml><?xml version="1.0" encoding="utf-8"?>
@@ -889,8 +897,8 @@
   </pc:docChgLst>
   <pc:docChgLst>
     <pc:chgData name="Cole Helbig" userId="9e450ef9ae5ab990" providerId="LiveId" clId="{A7B4AC83-1B6D-4597-A060-A23ED6FE7B3A}"/>
-    <pc:docChg chg="custSel modSld">
-      <pc:chgData name="Cole Helbig" userId="9e450ef9ae5ab990" providerId="LiveId" clId="{A7B4AC83-1B6D-4597-A060-A23ED6FE7B3A}" dt="2023-02-21T20:53:55.479" v="2" actId="478"/>
+    <pc:docChg chg="undo custSel modSld">
+      <pc:chgData name="Cole Helbig" userId="9e450ef9ae5ab990" providerId="LiveId" clId="{A7B4AC83-1B6D-4597-A060-A23ED6FE7B3A}" dt="2023-03-08T18:37:05.029" v="16" actId="478"/>
       <pc:docMkLst>
         <pc:docMk/>
       </pc:docMkLst>
@@ -916,6 +924,111 @@
             <ac:spMk id="4" creationId="{893330F7-E48A-DDBA-A30A-E1B1F1F9C897}"/>
           </ac:spMkLst>
         </pc:spChg>
+      </pc:sldChg>
+      <pc:sldChg chg="addSp delSp mod addAnim delAnim">
+        <pc:chgData name="Cole Helbig" userId="9e450ef9ae5ab990" providerId="LiveId" clId="{A7B4AC83-1B6D-4597-A060-A23ED6FE7B3A}" dt="2023-03-08T18:37:05.029" v="16" actId="478"/>
+        <pc:sldMkLst>
+          <pc:docMk/>
+          <pc:sldMk cId="1376852317" sldId="258"/>
+        </pc:sldMkLst>
+        <pc:picChg chg="add del">
+          <ac:chgData name="Cole Helbig" userId="9e450ef9ae5ab990" providerId="LiveId" clId="{A7B4AC83-1B6D-4597-A060-A23ED6FE7B3A}" dt="2023-03-08T18:37:05.029" v="16" actId="478"/>
+          <ac:picMkLst>
+            <pc:docMk/>
+            <pc:sldMk cId="1376852317" sldId="258"/>
+            <ac:picMk id="5" creationId="{62964E79-4A47-1819-F4A7-C28289674560}"/>
+          </ac:picMkLst>
+        </pc:picChg>
+      </pc:sldChg>
+      <pc:sldChg chg="addSp delSp mod addAnim delAnim">
+        <pc:chgData name="Cole Helbig" userId="9e450ef9ae5ab990" providerId="LiveId" clId="{A7B4AC83-1B6D-4597-A060-A23ED6FE7B3A}" dt="2023-03-08T18:37:04.663" v="15" actId="478"/>
+        <pc:sldMkLst>
+          <pc:docMk/>
+          <pc:sldMk cId="4014229563" sldId="259"/>
+        </pc:sldMkLst>
+        <pc:picChg chg="add del">
+          <ac:chgData name="Cole Helbig" userId="9e450ef9ae5ab990" providerId="LiveId" clId="{A7B4AC83-1B6D-4597-A060-A23ED6FE7B3A}" dt="2023-03-08T18:37:04.663" v="15" actId="478"/>
+          <ac:picMkLst>
+            <pc:docMk/>
+            <pc:sldMk cId="4014229563" sldId="259"/>
+            <ac:picMk id="5" creationId="{FF30698B-4A66-B9AA-3690-72E65EBFAB90}"/>
+          </ac:picMkLst>
+        </pc:picChg>
+      </pc:sldChg>
+      <pc:sldChg chg="addSp delSp mod addAnim delAnim">
+        <pc:chgData name="Cole Helbig" userId="9e450ef9ae5ab990" providerId="LiveId" clId="{A7B4AC83-1B6D-4597-A060-A23ED6FE7B3A}" dt="2023-03-08T18:37:04.349" v="14" actId="478"/>
+        <pc:sldMkLst>
+          <pc:docMk/>
+          <pc:sldMk cId="2913863601" sldId="260"/>
+        </pc:sldMkLst>
+        <pc:picChg chg="add del">
+          <ac:chgData name="Cole Helbig" userId="9e450ef9ae5ab990" providerId="LiveId" clId="{A7B4AC83-1B6D-4597-A060-A23ED6FE7B3A}" dt="2023-03-08T18:37:04.349" v="14" actId="478"/>
+          <ac:picMkLst>
+            <pc:docMk/>
+            <pc:sldMk cId="2913863601" sldId="260"/>
+            <ac:picMk id="5" creationId="{1B42DAF6-46AA-78F6-9350-A9C9082DB44C}"/>
+          </ac:picMkLst>
+        </pc:picChg>
+      </pc:sldChg>
+      <pc:sldChg chg="addSp delSp mod addAnim delAnim">
+        <pc:chgData name="Cole Helbig" userId="9e450ef9ae5ab990" providerId="LiveId" clId="{A7B4AC83-1B6D-4597-A060-A23ED6FE7B3A}" dt="2023-03-08T18:37:04.101" v="13" actId="478"/>
+        <pc:sldMkLst>
+          <pc:docMk/>
+          <pc:sldMk cId="171425570" sldId="261"/>
+        </pc:sldMkLst>
+        <pc:picChg chg="add del">
+          <ac:chgData name="Cole Helbig" userId="9e450ef9ae5ab990" providerId="LiveId" clId="{A7B4AC83-1B6D-4597-A060-A23ED6FE7B3A}" dt="2023-03-08T18:37:04.101" v="13" actId="478"/>
+          <ac:picMkLst>
+            <pc:docMk/>
+            <pc:sldMk cId="171425570" sldId="261"/>
+            <ac:picMk id="5" creationId="{011DC99C-DBC9-E48F-F5AF-D7C604D66F8F}"/>
+          </ac:picMkLst>
+        </pc:picChg>
+      </pc:sldChg>
+      <pc:sldChg chg="addSp delSp mod addAnim delAnim">
+        <pc:chgData name="Cole Helbig" userId="9e450ef9ae5ab990" providerId="LiveId" clId="{A7B4AC83-1B6D-4597-A060-A23ED6FE7B3A}" dt="2023-03-08T18:37:03.780" v="12" actId="478"/>
+        <pc:sldMkLst>
+          <pc:docMk/>
+          <pc:sldMk cId="3693165649" sldId="262"/>
+        </pc:sldMkLst>
+        <pc:picChg chg="add del">
+          <ac:chgData name="Cole Helbig" userId="9e450ef9ae5ab990" providerId="LiveId" clId="{A7B4AC83-1B6D-4597-A060-A23ED6FE7B3A}" dt="2023-03-08T18:37:03.780" v="12" actId="478"/>
+          <ac:picMkLst>
+            <pc:docMk/>
+            <pc:sldMk cId="3693165649" sldId="262"/>
+            <ac:picMk id="5" creationId="{5CA2FD64-F547-9CDE-6F2C-6CB5957BB3FB}"/>
+          </ac:picMkLst>
+        </pc:picChg>
+      </pc:sldChg>
+      <pc:sldChg chg="addSp delSp mod addAnim delAnim">
+        <pc:chgData name="Cole Helbig" userId="9e450ef9ae5ab990" providerId="LiveId" clId="{A7B4AC83-1B6D-4597-A060-A23ED6FE7B3A}" dt="2023-03-08T18:37:03.522" v="11" actId="478"/>
+        <pc:sldMkLst>
+          <pc:docMk/>
+          <pc:sldMk cId="1593054482" sldId="263"/>
+        </pc:sldMkLst>
+        <pc:picChg chg="add del">
+          <ac:chgData name="Cole Helbig" userId="9e450ef9ae5ab990" providerId="LiveId" clId="{A7B4AC83-1B6D-4597-A060-A23ED6FE7B3A}" dt="2023-03-08T18:37:03.522" v="11" actId="478"/>
+          <ac:picMkLst>
+            <pc:docMk/>
+            <pc:sldMk cId="1593054482" sldId="263"/>
+            <ac:picMk id="5" creationId="{1F867FB2-3085-EB80-7F3B-5B9D22B9E9DF}"/>
+          </ac:picMkLst>
+        </pc:picChg>
+      </pc:sldChg>
+      <pc:sldChg chg="modSp mod">
+        <pc:chgData name="Cole Helbig" userId="9e450ef9ae5ab990" providerId="LiveId" clId="{A7B4AC83-1B6D-4597-A060-A23ED6FE7B3A}" dt="2023-03-08T17:55:05.966" v="4" actId="1035"/>
+        <pc:sldMkLst>
+          <pc:docMk/>
+          <pc:sldMk cId="3884648573" sldId="271"/>
+        </pc:sldMkLst>
+        <pc:picChg chg="mod">
+          <ac:chgData name="Cole Helbig" userId="9e450ef9ae5ab990" providerId="LiveId" clId="{A7B4AC83-1B6D-4597-A060-A23ED6FE7B3A}" dt="2023-03-08T17:55:05.966" v="4" actId="1035"/>
+          <ac:picMkLst>
+            <pc:docMk/>
+            <pc:sldMk cId="3884648573" sldId="271"/>
+            <ac:picMk id="5" creationId="{309F08FC-B0FA-7FAA-EB73-979496A85717}"/>
+          </ac:picMkLst>
+        </pc:picChg>
       </pc:sldChg>
     </pc:docChg>
   </pc:docChgLst>
@@ -1004,7 +1117,7 @@
           <a:p>
             <a:fld id="{80454385-8AA6-476F-B993-0A62B51145DD}" type="datetimeFigureOut">
               <a:rPr lang="en-US" smtClean="0"/>
-              <a:t>2/21/2023</a:t>
+              <a:t>3/8/2023</a:t>
             </a:fld>
             <a:endParaRPr lang="en-US"/>
           </a:p>
@@ -1450,7 +1563,7 @@
           <a:p>
             <a:fld id="{11671E59-BB83-45A2-A119-4CFDC198A103}" type="datetime1">
               <a:rPr lang="en-US" smtClean="0"/>
-              <a:t>2/21/2023</a:t>
+              <a:t>3/8/2023</a:t>
             </a:fld>
             <a:endParaRPr lang="en-US"/>
           </a:p>
@@ -1618,7 +1731,7 @@
           <a:p>
             <a:fld id="{5F68BF0F-6CEC-431F-A24B-3F3943565BAE}" type="datetime1">
               <a:rPr lang="en-US" smtClean="0"/>
-              <a:t>2/21/2023</a:t>
+              <a:t>3/8/2023</a:t>
             </a:fld>
             <a:endParaRPr lang="en-US"/>
           </a:p>
@@ -1796,7 +1909,7 @@
           <a:p>
             <a:fld id="{2C491CDD-7F30-4F0E-9996-87B6C1501A39}" type="datetime1">
               <a:rPr lang="en-US" smtClean="0"/>
-              <a:t>2/21/2023</a:t>
+              <a:t>3/8/2023</a:t>
             </a:fld>
             <a:endParaRPr lang="en-US"/>
           </a:p>
@@ -1964,7 +2077,7 @@
           <a:p>
             <a:fld id="{1476E99E-AFB1-4856-881A-E9CFDEA7CFD8}" type="datetime1">
               <a:rPr lang="en-US" smtClean="0"/>
-              <a:t>2/21/2023</a:t>
+              <a:t>3/8/2023</a:t>
             </a:fld>
             <a:endParaRPr lang="en-US"/>
           </a:p>
@@ -2209,7 +2322,7 @@
           <a:p>
             <a:fld id="{DF7C5D1F-9D9B-4429-9DC6-910D085DA42B}" type="datetime1">
               <a:rPr lang="en-US" smtClean="0"/>
-              <a:t>2/21/2023</a:t>
+              <a:t>3/8/2023</a:t>
             </a:fld>
             <a:endParaRPr lang="en-US"/>
           </a:p>
@@ -2494,7 +2607,7 @@
           <a:p>
             <a:fld id="{75C89C9D-A2FE-42E3-8847-75A4D28208D3}" type="datetime1">
               <a:rPr lang="en-US" smtClean="0"/>
-              <a:t>2/21/2023</a:t>
+              <a:t>3/8/2023</a:t>
             </a:fld>
             <a:endParaRPr lang="en-US"/>
           </a:p>
@@ -2913,7 +3026,7 @@
           <a:p>
             <a:fld id="{8E6DF7A5-EDB0-44C7-BAAD-F3B5B553E549}" type="datetime1">
               <a:rPr lang="en-US" smtClean="0"/>
-              <a:t>2/21/2023</a:t>
+              <a:t>3/8/2023</a:t>
             </a:fld>
             <a:endParaRPr lang="en-US"/>
           </a:p>
@@ -3030,7 +3143,7 @@
           <a:p>
             <a:fld id="{41502DCB-DFDF-4FE0-86D5-617D5692AEC8}" type="datetime1">
               <a:rPr lang="en-US" smtClean="0"/>
-              <a:t>2/21/2023</a:t>
+              <a:t>3/8/2023</a:t>
             </a:fld>
             <a:endParaRPr lang="en-US"/>
           </a:p>
@@ -3125,7 +3238,7 @@
           <a:p>
             <a:fld id="{DAAAC218-3E7D-47E1-81B3-0AA2B3421DD7}" type="datetime1">
               <a:rPr lang="en-US" smtClean="0"/>
-              <a:t>2/21/2023</a:t>
+              <a:t>3/8/2023</a:t>
             </a:fld>
             <a:endParaRPr lang="en-US"/>
           </a:p>
@@ -3400,7 +3513,7 @@
           <a:p>
             <a:fld id="{8174D001-B0B7-4BD9-9FB6-08D30BA5DE56}" type="datetime1">
               <a:rPr lang="en-US" smtClean="0"/>
-              <a:t>2/21/2023</a:t>
+              <a:t>3/8/2023</a:t>
             </a:fld>
             <a:endParaRPr lang="en-US"/>
           </a:p>
@@ -3652,7 +3765,7 @@
           <a:p>
             <a:fld id="{38B56C4B-47A3-42BC-9CFE-58F02AA4D0F2}" type="datetime1">
               <a:rPr lang="en-US" smtClean="0"/>
-              <a:t>2/21/2023</a:t>
+              <a:t>3/8/2023</a:t>
             </a:fld>
             <a:endParaRPr lang="en-US"/>
           </a:p>
@@ -3863,7 +3976,7 @@
           <a:p>
             <a:fld id="{DB7A4736-C27A-4407-A2B4-E126A37D22E1}" type="datetime1">
               <a:rPr lang="en-US" smtClean="0"/>
-              <a:t>2/21/2023</a:t>
+              <a:t>3/8/2023</a:t>
             </a:fld>
             <a:endParaRPr lang="en-US"/>
           </a:p>
@@ -4579,7 +4692,7 @@
               </p:nextCondLst>
             </p:seq>
             <p:audio>
-              <p:cMediaNode vol="80000">
+              <p:cMediaNode vol="80000" mute="1">
                 <p:cTn id="7" fill="hold" display="0">
                   <p:stCondLst>
                     <p:cond delay="indefinite"/>
@@ -4861,7 +4974,7 @@
               </p:nextCondLst>
             </p:seq>
             <p:audio>
-              <p:cMediaNode vol="80000">
+              <p:cMediaNode vol="80000" mute="1">
                 <p:cTn id="7" fill="hold" display="0">
                   <p:stCondLst>
                     <p:cond delay="indefinite"/>
@@ -5144,7 +5257,7 @@
               </p:nextCondLst>
             </p:seq>
             <p:audio>
-              <p:cMediaNode vol="80000">
+              <p:cMediaNode vol="80000" mute="1">
                 <p:cTn id="7" fill="hold" display="0">
                   <p:stCondLst>
                     <p:cond delay="indefinite"/>
@@ -5425,7 +5538,7 @@
               </p:nextCondLst>
             </p:seq>
             <p:audio>
-              <p:cMediaNode vol="80000">
+              <p:cMediaNode vol="80000" mute="1">
                 <p:cTn id="7" fill="hold" display="0">
                   <p:stCondLst>
                     <p:cond delay="indefinite"/>
@@ -5710,7 +5823,7 @@
               </p:nextCondLst>
             </p:seq>
             <p:audio>
-              <p:cMediaNode vol="80000">
+              <p:cMediaNode vol="80000" mute="1">
                 <p:cTn id="7" fill="hold" display="0">
                   <p:stCondLst>
                     <p:cond delay="indefinite"/>
@@ -5999,7 +6112,7 @@
               </p:nextCondLst>
             </p:seq>
             <p:audio>
-              <p:cMediaNode vol="80000">
+              <p:cMediaNode vol="80000" mute="1">
                 <p:cTn id="7" fill="hold" display="0">
                   <p:stCondLst>
                     <p:cond delay="indefinite"/>
@@ -6288,7 +6401,7 @@
               </p:nextCondLst>
             </p:seq>
             <p:audio>
-              <p:cMediaNode vol="80000">
+              <p:cMediaNode vol="80000" mute="1">
                 <p:cTn id="7" fill="hold" display="0">
                   <p:stCondLst>
                     <p:cond delay="indefinite"/>
@@ -6577,7 +6690,7 @@
               </p:nextCondLst>
             </p:seq>
             <p:audio>
-              <p:cMediaNode vol="80000">
+              <p:cMediaNode vol="80000" mute="1">
                 <p:cTn id="7" fill="hold" display="0">
                   <p:stCondLst>
                     <p:cond delay="indefinite"/>
@@ -6862,7 +6975,7 @@
               </p:nextCondLst>
             </p:seq>
             <p:audio>
-              <p:cMediaNode vol="80000">
+              <p:cMediaNode vol="80000" mute="1">
                 <p:cTn id="7" fill="hold" display="0">
                   <p:stCondLst>
                     <p:cond delay="indefinite"/>
@@ -7147,7 +7260,7 @@
               </p:nextCondLst>
             </p:seq>
             <p:audio>
-              <p:cMediaNode vol="80000">
+              <p:cMediaNode vol="80000" mute="1">
                 <p:cTn id="7" fill="hold" display="0">
                   <p:stCondLst>
                     <p:cond delay="indefinite"/>
@@ -7536,7 +7649,7 @@
               </p:nextCondLst>
             </p:seq>
             <p:audio>
-              <p:cMediaNode vol="80000">
+              <p:cMediaNode vol="80000" mute="1">
                 <p:cTn id="7" fill="hold" display="0">
                   <p:stCondLst>
                     <p:cond delay="indefinite"/>
@@ -7815,7 +7928,7 @@
               </p:nextCondLst>
             </p:seq>
             <p:audio>
-              <p:cMediaNode vol="80000">
+              <p:cMediaNode vol="80000" mute="1">
                 <p:cTn id="7" fill="hold" display="0">
                   <p:stCondLst>
                     <p:cond delay="indefinite"/>
@@ -8094,7 +8207,7 @@
               </p:nextCondLst>
             </p:seq>
             <p:audio>
-              <p:cMediaNode vol="80000">
+              <p:cMediaNode vol="80000" mute="1">
                 <p:cTn id="7" fill="hold" display="0">
                   <p:stCondLst>
                     <p:cond delay="indefinite"/>
@@ -8368,7 +8481,7 @@
               </p:nextCondLst>
             </p:seq>
             <p:audio>
-              <p:cMediaNode vol="80000">
+              <p:cMediaNode vol="80000" mute="1">
                 <p:cTn id="7" fill="hold" display="0">
                   <p:stCondLst>
                     <p:cond delay="indefinite"/>
@@ -8646,7 +8759,7 @@
               </p:nextCondLst>
             </p:seq>
             <p:audio>
-              <p:cMediaNode vol="80000">
+              <p:cMediaNode vol="80000" mute="1">
                 <p:cTn id="7" fill="hold" display="0">
                   <p:stCondLst>
                     <p:cond delay="indefinite"/>
@@ -8924,7 +9037,7 @@
               </p:nextCondLst>
             </p:seq>
             <p:audio>
-              <p:cMediaNode vol="80000">
+              <p:cMediaNode vol="80000" mute="1">
                 <p:cTn id="7" fill="hold" display="0">
                   <p:stCondLst>
                     <p:cond delay="indefinite"/>
@@ -9202,7 +9315,7 @@
               </p:nextCondLst>
             </p:seq>
             <p:audio>
-              <p:cMediaNode vol="80000">
+              <p:cMediaNode vol="80000" mute="1">
                 <p:cTn id="7" fill="hold" display="0">
                   <p:stCondLst>
                     <p:cond delay="indefinite"/>
@@ -9476,7 +9589,7 @@
               </p:nextCondLst>
             </p:seq>
             <p:audio>
-              <p:cMediaNode vol="80000">
+              <p:cMediaNode vol="80000" mute="1">
                 <p:cTn id="7" fill="hold" display="0">
                   <p:stCondLst>
                     <p:cond delay="indefinite"/>
@@ -9754,7 +9867,7 @@
               </p:nextCondLst>
             </p:seq>
             <p:audio>
-              <p:cMediaNode vol="80000">
+              <p:cMediaNode vol="80000" mute="1">
                 <p:cTn id="7" fill="hold" display="0">
                   <p:stCondLst>
                     <p:cond delay="indefinite"/>
@@ -10028,7 +10141,7 @@
               </p:nextCondLst>
             </p:seq>
             <p:audio>
-              <p:cMediaNode vol="80000">
+              <p:cMediaNode vol="80000" mute="1">
                 <p:cTn id="7" fill="hold" display="0">
                   <p:stCondLst>
                     <p:cond delay="indefinite"/>
@@ -10310,7 +10423,7 @@
               </p:nextCondLst>
             </p:seq>
             <p:audio>
-              <p:cMediaNode vol="100000">
+              <p:cMediaNode vol="100000" mute="1">
                 <p:cTn id="7" fill="hold" display="0">
                   <p:stCondLst>
                     <p:cond delay="indefinite"/>
@@ -10584,7 +10697,7 @@
               </p:nextCondLst>
             </p:seq>
             <p:audio>
-              <p:cMediaNode vol="80000">
+              <p:cMediaNode vol="80000" mute="1">
                 <p:cTn id="7" fill="hold" display="0">
                   <p:stCondLst>
                     <p:cond delay="indefinite"/>
@@ -10858,7 +10971,7 @@
               </p:nextCondLst>
             </p:seq>
             <p:audio>
-              <p:cMediaNode vol="80000">
+              <p:cMediaNode vol="80000" mute="1">
                 <p:cTn id="7" fill="hold" display="0">
                   <p:stCondLst>
                     <p:cond delay="indefinite"/>
@@ -11136,7 +11249,7 @@
               </p:nextCondLst>
             </p:seq>
             <p:audio>
-              <p:cMediaNode vol="80000">
+              <p:cMediaNode vol="80000" mute="1">
                 <p:cTn id="7" fill="hold" display="0">
                   <p:stCondLst>
                     <p:cond delay="indefinite"/>
@@ -11410,7 +11523,7 @@
               </p:nextCondLst>
             </p:seq>
             <p:audio>
-              <p:cMediaNode vol="80000">
+              <p:cMediaNode vol="80000" mute="1">
                 <p:cTn id="7" fill="hold" display="0">
                   <p:stCondLst>
                     <p:cond delay="indefinite"/>
@@ -11688,7 +11801,7 @@
               </p:nextCondLst>
             </p:seq>
             <p:audio>
-              <p:cMediaNode vol="80000">
+              <p:cMediaNode vol="80000" mute="1">
                 <p:cTn id="7" fill="hold" display="0">
                   <p:stCondLst>
                     <p:cond delay="indefinite"/>
@@ -11970,7 +12083,7 @@
               </p:nextCondLst>
             </p:seq>
             <p:audio>
-              <p:cMediaNode vol="80000">
+              <p:cMediaNode vol="80000" mute="1">
                 <p:cTn id="7" fill="hold" display="0">
                   <p:stCondLst>
                     <p:cond delay="indefinite"/>
@@ -12244,7 +12357,7 @@
               </p:nextCondLst>
             </p:seq>
             <p:audio>
-              <p:cMediaNode vol="80000">
+              <p:cMediaNode vol="80000" mute="1">
                 <p:cTn id="7" fill="hold" display="0">
                   <p:stCondLst>
                     <p:cond delay="indefinite"/>
@@ -12526,7 +12639,7 @@
               </p:nextCondLst>
             </p:seq>
             <p:audio>
-              <p:cMediaNode vol="80000">
+              <p:cMediaNode vol="80000" mute="1">
                 <p:cTn id="7" fill="hold" display="0">
                   <p:stCondLst>
                     <p:cond delay="indefinite"/>
@@ -12800,7 +12913,7 @@
               </p:nextCondLst>
             </p:seq>
             <p:audio>
-              <p:cMediaNode vol="80000">
+              <p:cMediaNode vol="80000" mute="1">
                 <p:cTn id="7" fill="hold" display="0">
                   <p:stCondLst>
                     <p:cond delay="indefinite"/>
@@ -13074,7 +13187,7 @@
               </p:nextCondLst>
             </p:seq>
             <p:audio>
-              <p:cMediaNode vol="80000">
+              <p:cMediaNode vol="80000" mute="1">
                 <p:cTn id="7" fill="hold" display="0">
                   <p:stCondLst>
                     <p:cond delay="indefinite"/>
@@ -13356,7 +13469,7 @@
               </p:nextCondLst>
             </p:seq>
             <p:audio>
-              <p:cMediaNode vol="80000">
+              <p:cMediaNode vol="80000" mute="1">
                 <p:cTn id="7" fill="hold" display="0">
                   <p:stCondLst>
                     <p:cond delay="indefinite"/>
@@ -13630,7 +13743,7 @@
               </p:nextCondLst>
             </p:seq>
             <p:audio>
-              <p:cMediaNode vol="80000">
+              <p:cMediaNode vol="80000" mute="1">
                 <p:cTn id="7" fill="hold" display="0">
                   <p:stCondLst>
                     <p:cond delay="indefinite"/>
@@ -13908,7 +14021,7 @@
               </p:nextCondLst>
             </p:seq>
             <p:audio>
-              <p:cMediaNode vol="80000">
+              <p:cMediaNode vol="80000" mute="1">
                 <p:cTn id="7" fill="hold" display="0">
                   <p:stCondLst>
                     <p:cond delay="indefinite"/>
@@ -14182,7 +14295,7 @@
               </p:nextCondLst>
             </p:seq>
             <p:audio>
-              <p:cMediaNode vol="80000">
+              <p:cMediaNode vol="80000" mute="1">
                 <p:cTn id="7" fill="hold" display="0">
                   <p:stCondLst>
                     <p:cond delay="indefinite"/>
@@ -14460,7 +14573,7 @@
               </p:nextCondLst>
             </p:seq>
             <p:audio>
-              <p:cMediaNode vol="80000">
+              <p:cMediaNode vol="80000" mute="1">
                 <p:cTn id="7" fill="hold" display="0">
                   <p:stCondLst>
                     <p:cond delay="indefinite"/>
@@ -14734,7 +14847,7 @@
               </p:nextCondLst>
             </p:seq>
             <p:audio>
-              <p:cMediaNode vol="80000">
+              <p:cMediaNode vol="80000" mute="1">
                 <p:cTn id="7" fill="hold" display="0">
                   <p:stCondLst>
                     <p:cond delay="indefinite"/>
@@ -15008,7 +15121,7 @@
               </p:nextCondLst>
             </p:seq>
             <p:audio>
-              <p:cMediaNode vol="80000">
+              <p:cMediaNode vol="80000" mute="1">
                 <p:cTn id="7" fill="hold" display="0">
                   <p:stCondLst>
                     <p:cond delay="indefinite"/>
@@ -15282,7 +15395,7 @@
               </p:nextCondLst>
             </p:seq>
             <p:audio>
-              <p:cMediaNode vol="80000">
+              <p:cMediaNode vol="80000" mute="1">
                 <p:cTn id="7" fill="hold" display="0">
                   <p:stCondLst>
                     <p:cond delay="indefinite"/>
@@ -15993,7 +16106,7 @@
               </p:nextCondLst>
             </p:seq>
             <p:audio>
-              <p:cMediaNode vol="80000">
+              <p:cMediaNode vol="80000" mute="1">
                 <p:cTn id="7" fill="hold" display="0">
                   <p:stCondLst>
                     <p:cond delay="indefinite"/>
@@ -17854,7 +17967,7 @@
               </p:nextCondLst>
             </p:seq>
             <p:audio>
-              <p:cMediaNode vol="80000">
+              <p:cMediaNode vol="80000" mute="1">
                 <p:cTn id="7" fill="hold" display="0">
                   <p:stCondLst>
                     <p:cond delay="indefinite"/>
@@ -19708,7 +19821,7 @@
               </p:nextCondLst>
             </p:seq>
             <p:audio>
-              <p:cMediaNode vol="80000">
+              <p:cMediaNode vol="80000" mute="1">
                 <p:cTn id="7" fill="hold" display="0">
                   <p:stCondLst>
                     <p:cond delay="indefinite"/>
@@ -21498,7 +21611,7 @@
               </p:nextCondLst>
             </p:seq>
             <p:audio>
-              <p:cMediaNode vol="80000">
+              <p:cMediaNode vol="80000" mute="1">
                 <p:cTn id="7" fill="hold" display="0">
                   <p:stCondLst>
                     <p:cond delay="indefinite"/>
@@ -23294,7 +23407,7 @@
               </p:nextCondLst>
             </p:seq>
             <p:audio>
-              <p:cMediaNode vol="80000">
+              <p:cMediaNode vol="80000" mute="1">
                 <p:cTn id="7" fill="hold" display="0">
                   <p:stCondLst>
                     <p:cond delay="indefinite"/>

--- a/StimPres/stimulus.pptx
+++ b/StimPres/stimulus.pptx
@@ -1117,7 +1117,7 @@
           <a:p>
             <a:fld id="{80454385-8AA6-476F-B993-0A62B51145DD}" type="datetimeFigureOut">
               <a:rPr lang="en-US" smtClean="0"/>
-              <a:t>3/8/2023</a:t>
+              <a:t>4/7/2023</a:t>
             </a:fld>
             <a:endParaRPr lang="en-US"/>
           </a:p>
@@ -1563,7 +1563,7 @@
           <a:p>
             <a:fld id="{11671E59-BB83-45A2-A119-4CFDC198A103}" type="datetime1">
               <a:rPr lang="en-US" smtClean="0"/>
-              <a:t>3/8/2023</a:t>
+              <a:t>4/7/2023</a:t>
             </a:fld>
             <a:endParaRPr lang="en-US"/>
           </a:p>
@@ -1731,7 +1731,7 @@
           <a:p>
             <a:fld id="{5F68BF0F-6CEC-431F-A24B-3F3943565BAE}" type="datetime1">
               <a:rPr lang="en-US" smtClean="0"/>
-              <a:t>3/8/2023</a:t>
+              <a:t>4/7/2023</a:t>
             </a:fld>
             <a:endParaRPr lang="en-US"/>
           </a:p>
@@ -1909,7 +1909,7 @@
           <a:p>
             <a:fld id="{2C491CDD-7F30-4F0E-9996-87B6C1501A39}" type="datetime1">
               <a:rPr lang="en-US" smtClean="0"/>
-              <a:t>3/8/2023</a:t>
+              <a:t>4/7/2023</a:t>
             </a:fld>
             <a:endParaRPr lang="en-US"/>
           </a:p>
@@ -2077,7 +2077,7 @@
           <a:p>
             <a:fld id="{1476E99E-AFB1-4856-881A-E9CFDEA7CFD8}" type="datetime1">
               <a:rPr lang="en-US" smtClean="0"/>
-              <a:t>3/8/2023</a:t>
+              <a:t>4/7/2023</a:t>
             </a:fld>
             <a:endParaRPr lang="en-US"/>
           </a:p>
@@ -2322,7 +2322,7 @@
           <a:p>
             <a:fld id="{DF7C5D1F-9D9B-4429-9DC6-910D085DA42B}" type="datetime1">
               <a:rPr lang="en-US" smtClean="0"/>
-              <a:t>3/8/2023</a:t>
+              <a:t>4/7/2023</a:t>
             </a:fld>
             <a:endParaRPr lang="en-US"/>
           </a:p>
@@ -2607,7 +2607,7 @@
           <a:p>
             <a:fld id="{75C89C9D-A2FE-42E3-8847-75A4D28208D3}" type="datetime1">
               <a:rPr lang="en-US" smtClean="0"/>
-              <a:t>3/8/2023</a:t>
+              <a:t>4/7/2023</a:t>
             </a:fld>
             <a:endParaRPr lang="en-US"/>
           </a:p>
@@ -3026,7 +3026,7 @@
           <a:p>
             <a:fld id="{8E6DF7A5-EDB0-44C7-BAAD-F3B5B553E549}" type="datetime1">
               <a:rPr lang="en-US" smtClean="0"/>
-              <a:t>3/8/2023</a:t>
+              <a:t>4/7/2023</a:t>
             </a:fld>
             <a:endParaRPr lang="en-US"/>
           </a:p>
@@ -3143,7 +3143,7 @@
           <a:p>
             <a:fld id="{41502DCB-DFDF-4FE0-86D5-617D5692AEC8}" type="datetime1">
               <a:rPr lang="en-US" smtClean="0"/>
-              <a:t>3/8/2023</a:t>
+              <a:t>4/7/2023</a:t>
             </a:fld>
             <a:endParaRPr lang="en-US"/>
           </a:p>
@@ -3238,7 +3238,7 @@
           <a:p>
             <a:fld id="{DAAAC218-3E7D-47E1-81B3-0AA2B3421DD7}" type="datetime1">
               <a:rPr lang="en-US" smtClean="0"/>
-              <a:t>3/8/2023</a:t>
+              <a:t>4/7/2023</a:t>
             </a:fld>
             <a:endParaRPr lang="en-US"/>
           </a:p>
@@ -3513,7 +3513,7 @@
           <a:p>
             <a:fld id="{8174D001-B0B7-4BD9-9FB6-08D30BA5DE56}" type="datetime1">
               <a:rPr lang="en-US" smtClean="0"/>
-              <a:t>3/8/2023</a:t>
+              <a:t>4/7/2023</a:t>
             </a:fld>
             <a:endParaRPr lang="en-US"/>
           </a:p>
@@ -3765,7 +3765,7 @@
           <a:p>
             <a:fld id="{38B56C4B-47A3-42BC-9CFE-58F02AA4D0F2}" type="datetime1">
               <a:rPr lang="en-US" smtClean="0"/>
-              <a:t>3/8/2023</a:t>
+              <a:t>4/7/2023</a:t>
             </a:fld>
             <a:endParaRPr lang="en-US"/>
           </a:p>
@@ -3976,7 +3976,7 @@
           <a:p>
             <a:fld id="{DB7A4736-C27A-4407-A2B4-E126A37D22E1}" type="datetime1">
               <a:rPr lang="en-US" smtClean="0"/>
-              <a:t>3/8/2023</a:t>
+              <a:t>4/7/2023</a:t>
             </a:fld>
             <a:endParaRPr lang="en-US"/>
           </a:p>
@@ -7354,6 +7354,26 @@
           <a:bodyPr/>
           <a:lstStyle/>
           <a:p>
+            <a:r>
+              <a:rPr lang="en-US" dirty="0"/>
+              <a:t>Each Phoneme will appear 5 times.</a:t>
+            </a:r>
+          </a:p>
+          <a:p>
+            <a:r>
+              <a:rPr lang="en-US" dirty="0"/>
+              <a:t>For each slide think of the phoneme only once.</a:t>
+            </a:r>
+          </a:p>
+          <a:p>
+            <a:r>
+              <a:rPr lang="en-US" dirty="0"/>
+              <a:t>NOTE: If you must move or shift during </a:t>
+            </a:r>
+            <a:r>
+              <a:rPr lang="en-US"/>
+              <a:t>the test</a:t>
+            </a:r>
             <a:endParaRPr lang="en-US" dirty="0"/>
           </a:p>
         </p:txBody>
@@ -7384,6 +7404,42 @@
               <a:t>2</a:t>
             </a:fld>
             <a:endParaRPr lang="en-US"/>
+          </a:p>
+        </p:txBody>
+      </p:sp>
+      <p:sp>
+        <p:nvSpPr>
+          <p:cNvPr id="4" name="TextBox 3">
+            <a:extLst>
+              <a:ext uri="{FF2B5EF4-FFF2-40B4-BE49-F238E27FC236}">
+                <a16:creationId xmlns:a16="http://schemas.microsoft.com/office/drawing/2014/main" id="{0C92DB73-32E7-F61D-4E46-7ADC57892049}"/>
+              </a:ext>
+            </a:extLst>
+          </p:cNvPr>
+          <p:cNvSpPr txBox="1"/>
+          <p:nvPr/>
+        </p:nvSpPr>
+        <p:spPr>
+          <a:xfrm>
+            <a:off x="457200" y="323612"/>
+            <a:ext cx="8229600" cy="646331"/>
+          </a:xfrm>
+          <a:prstGeom prst="rect">
+            <a:avLst/>
+          </a:prstGeom>
+          <a:noFill/>
+        </p:spPr>
+        <p:txBody>
+          <a:bodyPr wrap="square" rtlCol="0">
+            <a:spAutoFit/>
+          </a:bodyPr>
+          <a:lstStyle/>
+          <a:p>
+            <a:pPr algn="ctr"/>
+            <a:r>
+              <a:rPr lang="en-US" sz="3600" dirty="0"/>
+              <a:t>Rules</a:t>
+            </a:r>
           </a:p>
         </p:txBody>
       </p:sp>

--- a/StimPres/stimulus.pptx
+++ b/StimPres/stimulus.pptx
@@ -1117,7 +1117,7 @@
           <a:p>
             <a:fld id="{80454385-8AA6-476F-B993-0A62B51145DD}" type="datetimeFigureOut">
               <a:rPr lang="en-US" smtClean="0"/>
-              <a:t>4/7/2023</a:t>
+              <a:t>6/6/2023</a:t>
             </a:fld>
             <a:endParaRPr lang="en-US"/>
           </a:p>
@@ -1563,7 +1563,7 @@
           <a:p>
             <a:fld id="{11671E59-BB83-45A2-A119-4CFDC198A103}" type="datetime1">
               <a:rPr lang="en-US" smtClean="0"/>
-              <a:t>4/7/2023</a:t>
+              <a:t>6/6/2023</a:t>
             </a:fld>
             <a:endParaRPr lang="en-US"/>
           </a:p>
@@ -1731,7 +1731,7 @@
           <a:p>
             <a:fld id="{5F68BF0F-6CEC-431F-A24B-3F3943565BAE}" type="datetime1">
               <a:rPr lang="en-US" smtClean="0"/>
-              <a:t>4/7/2023</a:t>
+              <a:t>6/6/2023</a:t>
             </a:fld>
             <a:endParaRPr lang="en-US"/>
           </a:p>
@@ -1909,7 +1909,7 @@
           <a:p>
             <a:fld id="{2C491CDD-7F30-4F0E-9996-87B6C1501A39}" type="datetime1">
               <a:rPr lang="en-US" smtClean="0"/>
-              <a:t>4/7/2023</a:t>
+              <a:t>6/6/2023</a:t>
             </a:fld>
             <a:endParaRPr lang="en-US"/>
           </a:p>
@@ -2077,7 +2077,7 @@
           <a:p>
             <a:fld id="{1476E99E-AFB1-4856-881A-E9CFDEA7CFD8}" type="datetime1">
               <a:rPr lang="en-US" smtClean="0"/>
-              <a:t>4/7/2023</a:t>
+              <a:t>6/6/2023</a:t>
             </a:fld>
             <a:endParaRPr lang="en-US"/>
           </a:p>
@@ -2322,7 +2322,7 @@
           <a:p>
             <a:fld id="{DF7C5D1F-9D9B-4429-9DC6-910D085DA42B}" type="datetime1">
               <a:rPr lang="en-US" smtClean="0"/>
-              <a:t>4/7/2023</a:t>
+              <a:t>6/6/2023</a:t>
             </a:fld>
             <a:endParaRPr lang="en-US"/>
           </a:p>
@@ -2607,7 +2607,7 @@
           <a:p>
             <a:fld id="{75C89C9D-A2FE-42E3-8847-75A4D28208D3}" type="datetime1">
               <a:rPr lang="en-US" smtClean="0"/>
-              <a:t>4/7/2023</a:t>
+              <a:t>6/6/2023</a:t>
             </a:fld>
             <a:endParaRPr lang="en-US"/>
           </a:p>
@@ -3026,7 +3026,7 @@
           <a:p>
             <a:fld id="{8E6DF7A5-EDB0-44C7-BAAD-F3B5B553E549}" type="datetime1">
               <a:rPr lang="en-US" smtClean="0"/>
-              <a:t>4/7/2023</a:t>
+              <a:t>6/6/2023</a:t>
             </a:fld>
             <a:endParaRPr lang="en-US"/>
           </a:p>
@@ -3143,7 +3143,7 @@
           <a:p>
             <a:fld id="{41502DCB-DFDF-4FE0-86D5-617D5692AEC8}" type="datetime1">
               <a:rPr lang="en-US" smtClean="0"/>
-              <a:t>4/7/2023</a:t>
+              <a:t>6/6/2023</a:t>
             </a:fld>
             <a:endParaRPr lang="en-US"/>
           </a:p>
@@ -3238,7 +3238,7 @@
           <a:p>
             <a:fld id="{DAAAC218-3E7D-47E1-81B3-0AA2B3421DD7}" type="datetime1">
               <a:rPr lang="en-US" smtClean="0"/>
-              <a:t>4/7/2023</a:t>
+              <a:t>6/6/2023</a:t>
             </a:fld>
             <a:endParaRPr lang="en-US"/>
           </a:p>
@@ -3513,7 +3513,7 @@
           <a:p>
             <a:fld id="{8174D001-B0B7-4BD9-9FB6-08D30BA5DE56}" type="datetime1">
               <a:rPr lang="en-US" smtClean="0"/>
-              <a:t>4/7/2023</a:t>
+              <a:t>6/6/2023</a:t>
             </a:fld>
             <a:endParaRPr lang="en-US"/>
           </a:p>
@@ -3765,7 +3765,7 @@
           <a:p>
             <a:fld id="{38B56C4B-47A3-42BC-9CFE-58F02AA4D0F2}" type="datetime1">
               <a:rPr lang="en-US" smtClean="0"/>
-              <a:t>4/7/2023</a:t>
+              <a:t>6/6/2023</a:t>
             </a:fld>
             <a:endParaRPr lang="en-US"/>
           </a:p>
@@ -3976,7 +3976,7 @@
           <a:p>
             <a:fld id="{DB7A4736-C27A-4407-A2B4-E126A37D22E1}" type="datetime1">
               <a:rPr lang="en-US" smtClean="0"/>
-              <a:t>4/7/2023</a:t>
+              <a:t>6/6/2023</a:t>
             </a:fld>
             <a:endParaRPr lang="en-US"/>
           </a:p>
@@ -7368,11 +7368,19 @@
           <a:p>
             <a:r>
               <a:rPr lang="en-US" dirty="0"/>
-              <a:t>NOTE: If you must move or shift during </a:t>
+              <a:t>NOTE: If you must move or shift during the test make sure it is during </a:t>
             </a:r>
             <a:r>
               <a:rPr lang="en-US"/>
-              <a:t>the test</a:t>
+              <a:t>the wait </a:t>
+            </a:r>
+            <a:r>
+              <a:rPr lang="en-US" dirty="0"/>
+              <a:t>or the </a:t>
+            </a:r>
+            <a:r>
+              <a:rPr lang="en-US"/>
+              <a:t>sounds slides.</a:t>
             </a:r>
             <a:endParaRPr lang="en-US" dirty="0"/>
           </a:p>
